--- a/Report_REALIZA_Entrepreneurs profile from Mobilization.pptx
+++ b/Report_REALIZA_Entrepreneurs profile from Mobilization.pptx
@@ -4754,7 +4754,7 @@
         </p:nvSpPr>
         <p:spPr>
           <a:xfrm>
-            <a:off x="389321" y="1227739"/>
+            <a:off x="325120" y="1056290"/>
             <a:ext cx="11541760" cy="646331"/>
           </a:xfrm>
           <a:prstGeom prst="rect">
@@ -4778,10 +4778,10 @@
       </p:sp>
       <p:pic>
         <p:nvPicPr>
-          <p:cNvPr id="52" name="Imagem 51">
+          <p:cNvPr id="10" name="Imagem 9">
             <a:extLst>
               <a:ext uri="{FF2B5EF4-FFF2-40B4-BE49-F238E27FC236}">
-                <a16:creationId xmlns:a16="http://schemas.microsoft.com/office/drawing/2014/main" id="{7B3D70F1-8A5C-1A85-938B-44FB1DFE5B29}"/>
+                <a16:creationId xmlns:a16="http://schemas.microsoft.com/office/drawing/2014/main" id="{D374E568-3A5C-F525-ACDE-7F0C42557D51}"/>
               </a:ext>
             </a:extLst>
           </p:cNvPr>
@@ -4792,13 +4792,13 @@
         </p:nvPicPr>
         <p:blipFill rotWithShape="1">
           <a:blip r:embed="rId2"/>
-          <a:srcRect l="1001" t="2410"/>
+          <a:srcRect t="1364" b="1"/>
           <a:stretch/>
         </p:blipFill>
         <p:spPr>
           <a:xfrm>
-            <a:off x="6096000" y="2602115"/>
-            <a:ext cx="5975126" cy="3822619"/>
+            <a:off x="174747" y="2157273"/>
+            <a:ext cx="5921253" cy="4510027"/>
           </a:xfrm>
           <a:prstGeom prst="rect">
             <a:avLst/>
@@ -4807,10 +4807,10 @@
       </p:pic>
       <p:pic>
         <p:nvPicPr>
-          <p:cNvPr id="54" name="Imagem 53">
+          <p:cNvPr id="6" name="Imagem 5">
             <a:extLst>
               <a:ext uri="{FF2B5EF4-FFF2-40B4-BE49-F238E27FC236}">
-                <a16:creationId xmlns:a16="http://schemas.microsoft.com/office/drawing/2014/main" id="{F174C191-F309-5DB4-3980-33B818E91770}"/>
+                <a16:creationId xmlns:a16="http://schemas.microsoft.com/office/drawing/2014/main" id="{8CFC201C-3B5A-6394-039A-85DF102D20D6}"/>
               </a:ext>
             </a:extLst>
           </p:cNvPr>
@@ -4821,13 +4821,13 @@
         </p:nvPicPr>
         <p:blipFill rotWithShape="1">
           <a:blip r:embed="rId3"/>
-          <a:srcRect l="1001" t="2410"/>
+          <a:srcRect t="2650"/>
           <a:stretch/>
         </p:blipFill>
         <p:spPr>
           <a:xfrm>
-            <a:off x="120874" y="2521235"/>
-            <a:ext cx="5975126" cy="3822619"/>
+            <a:off x="6096000" y="1987611"/>
+            <a:ext cx="5921253" cy="4718123"/>
           </a:xfrm>
           <a:prstGeom prst="rect">
             <a:avLst/>
@@ -4864,12 +4864,56 @@
           <a:chExt cx="0" cy="0"/>
         </a:xfrm>
       </p:grpSpPr>
+      <p:sp>
+        <p:nvSpPr>
+          <p:cNvPr id="2" name="CaixaDeTexto 1">
+            <a:extLst>
+              <a:ext uri="{FF2B5EF4-FFF2-40B4-BE49-F238E27FC236}">
+                <a16:creationId xmlns:a16="http://schemas.microsoft.com/office/drawing/2014/main" id="{B0939F91-496C-0C6E-CDB7-BEFAEC5DEB57}"/>
+              </a:ext>
+            </a:extLst>
+          </p:cNvPr>
+          <p:cNvSpPr txBox="1"/>
+          <p:nvPr/>
+        </p:nvSpPr>
+        <p:spPr>
+          <a:xfrm>
+            <a:off x="444616" y="276837"/>
+            <a:ext cx="11185321" cy="1200329"/>
+          </a:xfrm>
+          <a:prstGeom prst="rect">
+            <a:avLst/>
+          </a:prstGeom>
+          <a:noFill/>
+        </p:spPr>
+        <p:txBody>
+          <a:bodyPr wrap="square" rtlCol="0">
+            <a:spAutoFit/>
+          </a:bodyPr>
+          <a:lstStyle/>
+          <a:p>
+            <a:r>
+              <a:rPr lang="en-US" sz="2400" dirty="0">
+                <a:solidFill>
+                  <a:srgbClr val="00B050"/>
+                </a:solidFill>
+              </a:rPr>
+              <a:t>In all cities, women entrepreneurs who earn more than 10,000 meticais do not reach 15%. Beira has the best percentage (9%) of female entrepreneurs who earn at least 10 thousand meticais </a:t>
+            </a:r>
+            <a:endParaRPr lang="pt-PT" sz="2400" dirty="0">
+              <a:solidFill>
+                <a:srgbClr val="00B050"/>
+              </a:solidFill>
+            </a:endParaRPr>
+          </a:p>
+        </p:txBody>
+      </p:sp>
       <p:pic>
         <p:nvPicPr>
-          <p:cNvPr id="13" name="Imagem 12">
+          <p:cNvPr id="8" name="Imagem 7">
             <a:extLst>
               <a:ext uri="{FF2B5EF4-FFF2-40B4-BE49-F238E27FC236}">
-                <a16:creationId xmlns:a16="http://schemas.microsoft.com/office/drawing/2014/main" id="{AEC75A4B-52C9-F828-00B0-0FCBFF025C42}"/>
+                <a16:creationId xmlns:a16="http://schemas.microsoft.com/office/drawing/2014/main" id="{E8DAC2D4-148F-F32C-B815-13201E016CA7}"/>
               </a:ext>
             </a:extLst>
           </p:cNvPr>
@@ -4878,16 +4922,15 @@
           </p:cNvPicPr>
           <p:nvPr/>
         </p:nvPicPr>
-        <p:blipFill>
+        <p:blipFill rotWithShape="1">
           <a:blip r:embed="rId2"/>
-          <a:stretch>
-            <a:fillRect/>
-          </a:stretch>
+          <a:srcRect t="860" b="-1"/>
+          <a:stretch/>
         </p:blipFill>
         <p:spPr>
           <a:xfrm>
-            <a:off x="364179" y="1638553"/>
-            <a:ext cx="7430144" cy="5143946"/>
+            <a:off x="161061" y="2324910"/>
+            <a:ext cx="5921253" cy="4533089"/>
           </a:xfrm>
           <a:prstGeom prst="rect">
             <a:avLst/>

--- a/Report_REALIZA_Entrepreneurs profile from Mobilization.pptx
+++ b/Report_REALIZA_Entrepreneurs profile from Mobilization.pptx
@@ -5,20 +5,21 @@
     <p:sldMasterId id="2147483755" r:id="rId1"/>
   </p:sldMasterIdLst>
   <p:notesMasterIdLst>
-    <p:notesMasterId r:id="rId8"/>
+    <p:notesMasterId r:id="rId9"/>
   </p:notesMasterIdLst>
   <p:sldIdLst>
     <p:sldId id="427" r:id="rId2"/>
     <p:sldId id="425" r:id="rId3"/>
-    <p:sldId id="430" r:id="rId4"/>
-    <p:sldId id="431" r:id="rId5"/>
-    <p:sldId id="428" r:id="rId6"/>
-    <p:sldId id="429" r:id="rId7"/>
+    <p:sldId id="428" r:id="rId4"/>
+    <p:sldId id="430" r:id="rId5"/>
+    <p:sldId id="431" r:id="rId6"/>
+    <p:sldId id="432" r:id="rId7"/>
+    <p:sldId id="429" r:id="rId8"/>
   </p:sldIdLst>
   <p:sldSz cx="12192000" cy="6858000"/>
   <p:notesSz cx="6858000" cy="9144000"/>
   <p:custDataLst>
-    <p:tags r:id="rId9"/>
+    <p:tags r:id="rId10"/>
   </p:custDataLst>
   <p:defaultTextStyle>
     <a:defPPr>
@@ -237,7 +238,7 @@
           <a:p>
             <a:fld id="{E449EAFB-6CA2-0549-91FE-559B677DC9B0}" type="datetimeFigureOut">
               <a:rPr lang="de-DE" smtClean="0"/>
-              <a:t>03.11.2022</a:t>
+              <a:t>04.11.2022</a:t>
             </a:fld>
             <a:endParaRPr lang="de-DE"/>
           </a:p>
@@ -655,7 +656,7 @@
           <a:p>
             <a:fld id="{543AD3FE-E04B-7243-B43B-D859803316D2}" type="slidenum">
               <a:rPr lang="de-DE" smtClean="0"/>
-              <a:t>5</a:t>
+              <a:t>3</a:t>
             </a:fld>
             <a:endParaRPr lang="de-DE"/>
           </a:p>
@@ -740,7 +741,7 @@
           <a:p>
             <a:fld id="{543AD3FE-E04B-7243-B43B-D859803316D2}" type="slidenum">
               <a:rPr lang="de-DE" smtClean="0"/>
-              <a:t>6</a:t>
+              <a:t>7</a:t>
             </a:fld>
             <a:endParaRPr lang="de-DE"/>
           </a:p>
@@ -959,7 +960,7 @@
           <a:p>
             <a:fld id="{4AAD347D-5ACD-4C99-B74B-A9C85AD731AF}" type="datetimeFigureOut">
               <a:rPr lang="en-US" smtClean="0"/>
-              <a:t>11/3/2022</a:t>
+              <a:t>11/4/2022</a:t>
             </a:fld>
             <a:endParaRPr lang="en-US"/>
           </a:p>
@@ -1149,7 +1150,7 @@
           <a:p>
             <a:fld id="{4509A250-FF31-4206-8172-F9D3106AACB1}" type="datetimeFigureOut">
               <a:rPr lang="en-US" smtClean="0"/>
-              <a:t>11/3/2022</a:t>
+              <a:t>11/4/2022</a:t>
             </a:fld>
             <a:endParaRPr lang="en-US"/>
           </a:p>
@@ -1329,7 +1330,7 @@
           <a:p>
             <a:fld id="{4509A250-FF31-4206-8172-F9D3106AACB1}" type="datetimeFigureOut">
               <a:rPr lang="en-US" smtClean="0"/>
-              <a:t>11/3/2022</a:t>
+              <a:t>11/4/2022</a:t>
             </a:fld>
             <a:endParaRPr lang="en-US"/>
           </a:p>
@@ -1499,7 +1500,7 @@
           <a:p>
             <a:fld id="{4509A250-FF31-4206-8172-F9D3106AACB1}" type="datetimeFigureOut">
               <a:rPr lang="en-US" smtClean="0"/>
-              <a:t>11/3/2022</a:t>
+              <a:t>11/4/2022</a:t>
             </a:fld>
             <a:endParaRPr lang="en-US"/>
           </a:p>
@@ -1755,7 +1756,7 @@
           <a:p>
             <a:fld id="{9796027F-7875-4030-9381-8BD8C4F21935}" type="datetimeFigureOut">
               <a:rPr lang="en-US" smtClean="0"/>
-              <a:t>11/3/2022</a:t>
+              <a:t>11/4/2022</a:t>
             </a:fld>
             <a:endParaRPr lang="en-US"/>
           </a:p>
@@ -2043,7 +2044,7 @@
           <a:p>
             <a:fld id="{9796027F-7875-4030-9381-8BD8C4F21935}" type="datetimeFigureOut">
               <a:rPr lang="en-US" smtClean="0"/>
-              <a:t>11/3/2022</a:t>
+              <a:t>11/4/2022</a:t>
             </a:fld>
             <a:endParaRPr lang="en-US"/>
           </a:p>
@@ -2481,7 +2482,7 @@
           <a:p>
             <a:fld id="{9796027F-7875-4030-9381-8BD8C4F21935}" type="datetimeFigureOut">
               <a:rPr lang="en-US" smtClean="0"/>
-              <a:t>11/3/2022</a:t>
+              <a:t>11/4/2022</a:t>
             </a:fld>
             <a:endParaRPr lang="en-US"/>
           </a:p>
@@ -2599,7 +2600,7 @@
           <a:p>
             <a:fld id="{4509A250-FF31-4206-8172-F9D3106AACB1}" type="datetimeFigureOut">
               <a:rPr lang="en-US" smtClean="0"/>
-              <a:t>11/3/2022</a:t>
+              <a:t>11/4/2022</a:t>
             </a:fld>
             <a:endParaRPr lang="en-US"/>
           </a:p>
@@ -2694,7 +2695,7 @@
           <a:p>
             <a:fld id="{4509A250-FF31-4206-8172-F9D3106AACB1}" type="datetimeFigureOut">
               <a:rPr lang="en-US" smtClean="0"/>
-              <a:t>11/3/2022</a:t>
+              <a:t>11/4/2022</a:t>
             </a:fld>
             <a:endParaRPr lang="en-US"/>
           </a:p>
@@ -3050,7 +3051,7 @@
           <a:p>
             <a:fld id="{4509A250-FF31-4206-8172-F9D3106AACB1}" type="datetimeFigureOut">
               <a:rPr lang="en-US" smtClean="0"/>
-              <a:t>11/3/2022</a:t>
+              <a:t>11/4/2022</a:t>
             </a:fld>
             <a:endParaRPr lang="en-US"/>
           </a:p>
@@ -3365,7 +3366,7 @@
           <a:p>
             <a:fld id="{4509A250-FF31-4206-8172-F9D3106AACB1}" type="datetimeFigureOut">
               <a:rPr lang="en-US" smtClean="0"/>
-              <a:t>11/3/2022</a:t>
+              <a:t>11/4/2022</a:t>
             </a:fld>
             <a:endParaRPr lang="en-US"/>
           </a:p>
@@ -3598,7 +3599,7 @@
           <a:p>
             <a:fld id="{4AAD347D-5ACD-4C99-B74B-A9C85AD731AF}" type="datetimeFigureOut">
               <a:rPr lang="en-US" smtClean="0"/>
-              <a:t>11/3/2022</a:t>
+              <a:t>11/4/2022</a:t>
             </a:fld>
             <a:endParaRPr lang="en-US"/>
           </a:p>
@@ -4707,268 +4708,6 @@
       </p:grpSpPr>
       <p:sp>
         <p:nvSpPr>
-          <p:cNvPr id="2" name="Título 1">
-            <a:extLst>
-              <a:ext uri="{FF2B5EF4-FFF2-40B4-BE49-F238E27FC236}">
-                <a16:creationId xmlns:a16="http://schemas.microsoft.com/office/drawing/2014/main" id="{BD426FFE-3ADD-2B25-A332-DBEC201BB672}"/>
-              </a:ext>
-            </a:extLst>
-          </p:cNvPr>
-          <p:cNvSpPr>
-            <a:spLocks noGrp="1"/>
-          </p:cNvSpPr>
-          <p:nvPr>
-            <p:ph type="title"/>
-          </p:nvPr>
-        </p:nvSpPr>
-        <p:spPr>
-          <a:xfrm>
-            <a:off x="325120" y="190699"/>
-            <a:ext cx="10772775" cy="580601"/>
-          </a:xfrm>
-        </p:spPr>
-        <p:txBody>
-          <a:bodyPr>
-            <a:normAutofit fontScale="90000"/>
-          </a:bodyPr>
-          <a:lstStyle/>
-          <a:p>
-            <a:r>
-              <a:rPr lang="pt-PT" dirty="0"/>
-              <a:t>Mobilizadas</a:t>
-            </a:r>
-          </a:p>
-        </p:txBody>
-      </p:sp>
-      <p:sp>
-        <p:nvSpPr>
-          <p:cNvPr id="22" name="CaixaDeTexto 21">
-            <a:extLst>
-              <a:ext uri="{FF2B5EF4-FFF2-40B4-BE49-F238E27FC236}">
-                <a16:creationId xmlns:a16="http://schemas.microsoft.com/office/drawing/2014/main" id="{91F8AF67-6B0C-E701-A6D6-59336A538093}"/>
-              </a:ext>
-            </a:extLst>
-          </p:cNvPr>
-          <p:cNvSpPr txBox="1"/>
-          <p:nvPr/>
-        </p:nvSpPr>
-        <p:spPr>
-          <a:xfrm>
-            <a:off x="325120" y="1056290"/>
-            <a:ext cx="11541760" cy="646331"/>
-          </a:xfrm>
-          <a:prstGeom prst="rect">
-            <a:avLst/>
-          </a:prstGeom>
-          <a:noFill/>
-        </p:spPr>
-        <p:txBody>
-          <a:bodyPr wrap="square" rtlCol="0">
-            <a:spAutoFit/>
-          </a:bodyPr>
-          <a:lstStyle/>
-          <a:p>
-            <a:r>
-              <a:rPr lang="en-US" b="1" dirty="0"/>
-              <a:t>There were 6003 entrepreneurs mobilized of which 89 were not business owners. We note that these business owners registered online. </a:t>
-            </a:r>
-            <a:endParaRPr lang="pt-PT" b="1" dirty="0"/>
-          </a:p>
-        </p:txBody>
-      </p:sp>
-      <p:pic>
-        <p:nvPicPr>
-          <p:cNvPr id="10" name="Imagem 9">
-            <a:extLst>
-              <a:ext uri="{FF2B5EF4-FFF2-40B4-BE49-F238E27FC236}">
-                <a16:creationId xmlns:a16="http://schemas.microsoft.com/office/drawing/2014/main" id="{D374E568-3A5C-F525-ACDE-7F0C42557D51}"/>
-              </a:ext>
-            </a:extLst>
-          </p:cNvPr>
-          <p:cNvPicPr>
-            <a:picLocks noChangeAspect="1"/>
-          </p:cNvPicPr>
-          <p:nvPr/>
-        </p:nvPicPr>
-        <p:blipFill rotWithShape="1">
-          <a:blip r:embed="rId2"/>
-          <a:srcRect t="1364" b="1"/>
-          <a:stretch/>
-        </p:blipFill>
-        <p:spPr>
-          <a:xfrm>
-            <a:off x="174747" y="2157273"/>
-            <a:ext cx="5921253" cy="4510027"/>
-          </a:xfrm>
-          <a:prstGeom prst="rect">
-            <a:avLst/>
-          </a:prstGeom>
-        </p:spPr>
-      </p:pic>
-      <p:pic>
-        <p:nvPicPr>
-          <p:cNvPr id="6" name="Imagem 5">
-            <a:extLst>
-              <a:ext uri="{FF2B5EF4-FFF2-40B4-BE49-F238E27FC236}">
-                <a16:creationId xmlns:a16="http://schemas.microsoft.com/office/drawing/2014/main" id="{8CFC201C-3B5A-6394-039A-85DF102D20D6}"/>
-              </a:ext>
-            </a:extLst>
-          </p:cNvPr>
-          <p:cNvPicPr>
-            <a:picLocks noChangeAspect="1"/>
-          </p:cNvPicPr>
-          <p:nvPr/>
-        </p:nvPicPr>
-        <p:blipFill rotWithShape="1">
-          <a:blip r:embed="rId3"/>
-          <a:srcRect t="2650"/>
-          <a:stretch/>
-        </p:blipFill>
-        <p:spPr>
-          <a:xfrm>
-            <a:off x="6096000" y="1987611"/>
-            <a:ext cx="5921253" cy="4718123"/>
-          </a:xfrm>
-          <a:prstGeom prst="rect">
-            <a:avLst/>
-          </a:prstGeom>
-        </p:spPr>
-      </p:pic>
-    </p:spTree>
-    <p:extLst>
-      <p:ext uri="{BB962C8B-B14F-4D97-AF65-F5344CB8AC3E}">
-        <p14:creationId xmlns:p14="http://schemas.microsoft.com/office/powerpoint/2010/main" val="2217484933"/>
-      </p:ext>
-    </p:extLst>
-  </p:cSld>
-  <p:clrMapOvr>
-    <a:masterClrMapping/>
-  </p:clrMapOvr>
-</p:sld>
-</file>
-
-<file path=ppt/slides/slide4.xml><?xml version="1.0" encoding="utf-8"?>
-<p:sld xmlns:a="http://schemas.openxmlformats.org/drawingml/2006/main" xmlns:r="http://schemas.openxmlformats.org/officeDocument/2006/relationships" xmlns:p="http://schemas.openxmlformats.org/presentationml/2006/main">
-  <p:cSld>
-    <p:spTree>
-      <p:nvGrpSpPr>
-        <p:cNvPr id="1" name=""/>
-        <p:cNvGrpSpPr/>
-        <p:nvPr/>
-      </p:nvGrpSpPr>
-      <p:grpSpPr>
-        <a:xfrm>
-          <a:off x="0" y="0"/>
-          <a:ext cx="0" cy="0"/>
-          <a:chOff x="0" y="0"/>
-          <a:chExt cx="0" cy="0"/>
-        </a:xfrm>
-      </p:grpSpPr>
-      <p:sp>
-        <p:nvSpPr>
-          <p:cNvPr id="2" name="CaixaDeTexto 1">
-            <a:extLst>
-              <a:ext uri="{FF2B5EF4-FFF2-40B4-BE49-F238E27FC236}">
-                <a16:creationId xmlns:a16="http://schemas.microsoft.com/office/drawing/2014/main" id="{B0939F91-496C-0C6E-CDB7-BEFAEC5DEB57}"/>
-              </a:ext>
-            </a:extLst>
-          </p:cNvPr>
-          <p:cNvSpPr txBox="1"/>
-          <p:nvPr/>
-        </p:nvSpPr>
-        <p:spPr>
-          <a:xfrm>
-            <a:off x="444616" y="276837"/>
-            <a:ext cx="11185321" cy="1200329"/>
-          </a:xfrm>
-          <a:prstGeom prst="rect">
-            <a:avLst/>
-          </a:prstGeom>
-          <a:noFill/>
-        </p:spPr>
-        <p:txBody>
-          <a:bodyPr wrap="square" rtlCol="0">
-            <a:spAutoFit/>
-          </a:bodyPr>
-          <a:lstStyle/>
-          <a:p>
-            <a:r>
-              <a:rPr lang="en-US" sz="2400" dirty="0">
-                <a:solidFill>
-                  <a:srgbClr val="00B050"/>
-                </a:solidFill>
-              </a:rPr>
-              <a:t>In all cities, women entrepreneurs who earn more than 10,000 meticais do not reach 15%. Beira has the best percentage (9%) of female entrepreneurs who earn at least 10 thousand meticais </a:t>
-            </a:r>
-            <a:endParaRPr lang="pt-PT" sz="2400" dirty="0">
-              <a:solidFill>
-                <a:srgbClr val="00B050"/>
-              </a:solidFill>
-            </a:endParaRPr>
-          </a:p>
-        </p:txBody>
-      </p:sp>
-      <p:pic>
-        <p:nvPicPr>
-          <p:cNvPr id="8" name="Imagem 7">
-            <a:extLst>
-              <a:ext uri="{FF2B5EF4-FFF2-40B4-BE49-F238E27FC236}">
-                <a16:creationId xmlns:a16="http://schemas.microsoft.com/office/drawing/2014/main" id="{E8DAC2D4-148F-F32C-B815-13201E016CA7}"/>
-              </a:ext>
-            </a:extLst>
-          </p:cNvPr>
-          <p:cNvPicPr>
-            <a:picLocks noChangeAspect="1"/>
-          </p:cNvPicPr>
-          <p:nvPr/>
-        </p:nvPicPr>
-        <p:blipFill rotWithShape="1">
-          <a:blip r:embed="rId2"/>
-          <a:srcRect t="860" b="-1"/>
-          <a:stretch/>
-        </p:blipFill>
-        <p:spPr>
-          <a:xfrm>
-            <a:off x="161061" y="2324910"/>
-            <a:ext cx="5921253" cy="4533089"/>
-          </a:xfrm>
-          <a:prstGeom prst="rect">
-            <a:avLst/>
-          </a:prstGeom>
-        </p:spPr>
-      </p:pic>
-    </p:spTree>
-    <p:extLst>
-      <p:ext uri="{BB962C8B-B14F-4D97-AF65-F5344CB8AC3E}">
-        <p14:creationId xmlns:p14="http://schemas.microsoft.com/office/powerpoint/2010/main" val="2600633616"/>
-      </p:ext>
-    </p:extLst>
-  </p:cSld>
-  <p:clrMapOvr>
-    <a:masterClrMapping/>
-  </p:clrMapOvr>
-</p:sld>
-</file>
-
-<file path=ppt/slides/slide5.xml><?xml version="1.0" encoding="utf-8"?>
-<p:sld xmlns:a="http://schemas.openxmlformats.org/drawingml/2006/main" xmlns:r="http://schemas.openxmlformats.org/officeDocument/2006/relationships" xmlns:p="http://schemas.openxmlformats.org/presentationml/2006/main">
-  <p:cSld>
-    <p:spTree>
-      <p:nvGrpSpPr>
-        <p:cNvPr id="1" name=""/>
-        <p:cNvGrpSpPr/>
-        <p:nvPr/>
-      </p:nvGrpSpPr>
-      <p:grpSpPr>
-        <a:xfrm>
-          <a:off x="0" y="0"/>
-          <a:ext cx="0" cy="0"/>
-          <a:chOff x="0" y="0"/>
-          <a:chExt cx="0" cy="0"/>
-        </a:xfrm>
-      </p:grpSpPr>
-      <p:sp>
-        <p:nvSpPr>
           <p:cNvPr id="6" name="Rechteck 5">
             <a:extLst>
               <a:ext uri="{FF2B5EF4-FFF2-40B4-BE49-F238E27FC236}">
@@ -5486,7 +5225,509 @@
 </p:sld>
 </file>
 
+<file path=ppt/slides/slide4.xml><?xml version="1.0" encoding="utf-8"?>
+<p:sld xmlns:a="http://schemas.openxmlformats.org/drawingml/2006/main" xmlns:r="http://schemas.openxmlformats.org/officeDocument/2006/relationships" xmlns:p="http://schemas.openxmlformats.org/presentationml/2006/main">
+  <p:cSld>
+    <p:spTree>
+      <p:nvGrpSpPr>
+        <p:cNvPr id="1" name=""/>
+        <p:cNvGrpSpPr/>
+        <p:nvPr/>
+      </p:nvGrpSpPr>
+      <p:grpSpPr>
+        <a:xfrm>
+          <a:off x="0" y="0"/>
+          <a:ext cx="0" cy="0"/>
+          <a:chOff x="0" y="0"/>
+          <a:chExt cx="0" cy="0"/>
+        </a:xfrm>
+      </p:grpSpPr>
+      <p:sp>
+        <p:nvSpPr>
+          <p:cNvPr id="2" name="Título 1">
+            <a:extLst>
+              <a:ext uri="{FF2B5EF4-FFF2-40B4-BE49-F238E27FC236}">
+                <a16:creationId xmlns:a16="http://schemas.microsoft.com/office/drawing/2014/main" id="{BD426FFE-3ADD-2B25-A332-DBEC201BB672}"/>
+              </a:ext>
+            </a:extLst>
+          </p:cNvPr>
+          <p:cNvSpPr>
+            <a:spLocks noGrp="1"/>
+          </p:cNvSpPr>
+          <p:nvPr>
+            <p:ph type="title"/>
+          </p:nvPr>
+        </p:nvSpPr>
+        <p:spPr>
+          <a:xfrm>
+            <a:off x="325120" y="190699"/>
+            <a:ext cx="10772775" cy="580601"/>
+          </a:xfrm>
+        </p:spPr>
+        <p:txBody>
+          <a:bodyPr>
+            <a:normAutofit fontScale="90000"/>
+          </a:bodyPr>
+          <a:lstStyle/>
+          <a:p>
+            <a:r>
+              <a:rPr lang="pt-PT" dirty="0"/>
+              <a:t>Mobilizadas</a:t>
+            </a:r>
+          </a:p>
+        </p:txBody>
+      </p:sp>
+      <p:sp>
+        <p:nvSpPr>
+          <p:cNvPr id="22" name="CaixaDeTexto 21">
+            <a:extLst>
+              <a:ext uri="{FF2B5EF4-FFF2-40B4-BE49-F238E27FC236}">
+                <a16:creationId xmlns:a16="http://schemas.microsoft.com/office/drawing/2014/main" id="{91F8AF67-6B0C-E701-A6D6-59336A538093}"/>
+              </a:ext>
+            </a:extLst>
+          </p:cNvPr>
+          <p:cNvSpPr txBox="1"/>
+          <p:nvPr/>
+        </p:nvSpPr>
+        <p:spPr>
+          <a:xfrm>
+            <a:off x="325120" y="1056290"/>
+            <a:ext cx="11541760" cy="646331"/>
+          </a:xfrm>
+          <a:prstGeom prst="rect">
+            <a:avLst/>
+          </a:prstGeom>
+          <a:noFill/>
+        </p:spPr>
+        <p:txBody>
+          <a:bodyPr wrap="square" rtlCol="0">
+            <a:spAutoFit/>
+          </a:bodyPr>
+          <a:lstStyle/>
+          <a:p>
+            <a:r>
+              <a:rPr lang="en-US" b="1" dirty="0"/>
+              <a:t>There were 6003 entrepreneurs mobilized of which 89 were not business owners. We note that these business owners registered online. </a:t>
+            </a:r>
+            <a:endParaRPr lang="pt-PT" b="1" dirty="0"/>
+          </a:p>
+        </p:txBody>
+      </p:sp>
+      <p:pic>
+        <p:nvPicPr>
+          <p:cNvPr id="10" name="Imagem 9">
+            <a:extLst>
+              <a:ext uri="{FF2B5EF4-FFF2-40B4-BE49-F238E27FC236}">
+                <a16:creationId xmlns:a16="http://schemas.microsoft.com/office/drawing/2014/main" id="{D374E568-3A5C-F525-ACDE-7F0C42557D51}"/>
+              </a:ext>
+            </a:extLst>
+          </p:cNvPr>
+          <p:cNvPicPr>
+            <a:picLocks noChangeAspect="1"/>
+          </p:cNvPicPr>
+          <p:nvPr/>
+        </p:nvPicPr>
+        <p:blipFill rotWithShape="1">
+          <a:blip r:embed="rId2"/>
+          <a:srcRect t="1364" b="1"/>
+          <a:stretch/>
+        </p:blipFill>
+        <p:spPr>
+          <a:xfrm>
+            <a:off x="174747" y="2157273"/>
+            <a:ext cx="5921253" cy="4510027"/>
+          </a:xfrm>
+          <a:prstGeom prst="rect">
+            <a:avLst/>
+          </a:prstGeom>
+        </p:spPr>
+      </p:pic>
+      <p:pic>
+        <p:nvPicPr>
+          <p:cNvPr id="6" name="Imagem 5">
+            <a:extLst>
+              <a:ext uri="{FF2B5EF4-FFF2-40B4-BE49-F238E27FC236}">
+                <a16:creationId xmlns:a16="http://schemas.microsoft.com/office/drawing/2014/main" id="{8CFC201C-3B5A-6394-039A-85DF102D20D6}"/>
+              </a:ext>
+            </a:extLst>
+          </p:cNvPr>
+          <p:cNvPicPr>
+            <a:picLocks noChangeAspect="1"/>
+          </p:cNvPicPr>
+          <p:nvPr/>
+        </p:nvPicPr>
+        <p:blipFill rotWithShape="1">
+          <a:blip r:embed="rId3"/>
+          <a:srcRect t="2650"/>
+          <a:stretch/>
+        </p:blipFill>
+        <p:spPr>
+          <a:xfrm>
+            <a:off x="6096000" y="1987611"/>
+            <a:ext cx="5921253" cy="4718123"/>
+          </a:xfrm>
+          <a:prstGeom prst="rect">
+            <a:avLst/>
+          </a:prstGeom>
+        </p:spPr>
+      </p:pic>
+    </p:spTree>
+    <p:extLst>
+      <p:ext uri="{BB962C8B-B14F-4D97-AF65-F5344CB8AC3E}">
+        <p14:creationId xmlns:p14="http://schemas.microsoft.com/office/powerpoint/2010/main" val="2217484933"/>
+      </p:ext>
+    </p:extLst>
+  </p:cSld>
+  <p:clrMapOvr>
+    <a:masterClrMapping/>
+  </p:clrMapOvr>
+</p:sld>
+</file>
+
+<file path=ppt/slides/slide5.xml><?xml version="1.0" encoding="utf-8"?>
+<p:sld xmlns:a="http://schemas.openxmlformats.org/drawingml/2006/main" xmlns:r="http://schemas.openxmlformats.org/officeDocument/2006/relationships" xmlns:p="http://schemas.openxmlformats.org/presentationml/2006/main">
+  <p:cSld>
+    <p:spTree>
+      <p:nvGrpSpPr>
+        <p:cNvPr id="1" name=""/>
+        <p:cNvGrpSpPr/>
+        <p:nvPr/>
+      </p:nvGrpSpPr>
+      <p:grpSpPr>
+        <a:xfrm>
+          <a:off x="0" y="0"/>
+          <a:ext cx="0" cy="0"/>
+          <a:chOff x="0" y="0"/>
+          <a:chExt cx="0" cy="0"/>
+        </a:xfrm>
+      </p:grpSpPr>
+      <p:sp>
+        <p:nvSpPr>
+          <p:cNvPr id="2" name="CaixaDeTexto 1">
+            <a:extLst>
+              <a:ext uri="{FF2B5EF4-FFF2-40B4-BE49-F238E27FC236}">
+                <a16:creationId xmlns:a16="http://schemas.microsoft.com/office/drawing/2014/main" id="{B0939F91-496C-0C6E-CDB7-BEFAEC5DEB57}"/>
+              </a:ext>
+            </a:extLst>
+          </p:cNvPr>
+          <p:cNvSpPr txBox="1"/>
+          <p:nvPr/>
+        </p:nvSpPr>
+        <p:spPr>
+          <a:xfrm>
+            <a:off x="444616" y="276837"/>
+            <a:ext cx="11190914" cy="1200329"/>
+          </a:xfrm>
+          <a:prstGeom prst="rect">
+            <a:avLst/>
+          </a:prstGeom>
+          <a:noFill/>
+        </p:spPr>
+        <p:txBody>
+          <a:bodyPr wrap="square" rtlCol="0">
+            <a:spAutoFit/>
+          </a:bodyPr>
+          <a:lstStyle/>
+          <a:p>
+            <a:r>
+              <a:rPr lang="en-US" sz="2400" dirty="0">
+                <a:solidFill>
+                  <a:srgbClr val="00B050"/>
+                </a:solidFill>
+              </a:rPr>
+              <a:t>In all cities, women entrepreneurs earning more than 10,000 meticais do not reach 15%. Beira has the lowest percentage (9%) of female entrepreneurs earning at least 10,000 meticais. </a:t>
+            </a:r>
+            <a:endParaRPr lang="pt-PT" sz="2400" dirty="0">
+              <a:solidFill>
+                <a:srgbClr val="00B050"/>
+              </a:solidFill>
+            </a:endParaRPr>
+          </a:p>
+        </p:txBody>
+      </p:sp>
+      <p:pic>
+        <p:nvPicPr>
+          <p:cNvPr id="8" name="Imagem 7">
+            <a:extLst>
+              <a:ext uri="{FF2B5EF4-FFF2-40B4-BE49-F238E27FC236}">
+                <a16:creationId xmlns:a16="http://schemas.microsoft.com/office/drawing/2014/main" id="{E8DAC2D4-148F-F32C-B815-13201E016CA7}"/>
+              </a:ext>
+            </a:extLst>
+          </p:cNvPr>
+          <p:cNvPicPr>
+            <a:picLocks noChangeAspect="1"/>
+          </p:cNvPicPr>
+          <p:nvPr/>
+        </p:nvPicPr>
+        <p:blipFill rotWithShape="1">
+          <a:blip r:embed="rId2"/>
+          <a:srcRect t="860" b="-1"/>
+          <a:stretch/>
+        </p:blipFill>
+        <p:spPr>
+          <a:xfrm>
+            <a:off x="6188631" y="2324911"/>
+            <a:ext cx="5921253" cy="4533089"/>
+          </a:xfrm>
+          <a:prstGeom prst="rect">
+            <a:avLst/>
+          </a:prstGeom>
+        </p:spPr>
+      </p:pic>
+      <p:pic>
+        <p:nvPicPr>
+          <p:cNvPr id="4" name="Imagem 3">
+            <a:extLst>
+              <a:ext uri="{FF2B5EF4-FFF2-40B4-BE49-F238E27FC236}">
+                <a16:creationId xmlns:a16="http://schemas.microsoft.com/office/drawing/2014/main" id="{7EE00536-E813-3B70-3E97-2B0D80D8AC55}"/>
+              </a:ext>
+            </a:extLst>
+          </p:cNvPr>
+          <p:cNvPicPr>
+            <a:picLocks noChangeAspect="1"/>
+          </p:cNvPicPr>
+          <p:nvPr/>
+        </p:nvPicPr>
+        <p:blipFill rotWithShape="1">
+          <a:blip r:embed="rId3"/>
+          <a:srcRect t="1567"/>
+          <a:stretch/>
+        </p:blipFill>
+        <p:spPr>
+          <a:xfrm>
+            <a:off x="352337" y="2379525"/>
+            <a:ext cx="6420385" cy="4423860"/>
+          </a:xfrm>
+          <a:prstGeom prst="rect">
+            <a:avLst/>
+          </a:prstGeom>
+        </p:spPr>
+      </p:pic>
+      <p:sp>
+        <p:nvSpPr>
+          <p:cNvPr id="6" name="CaixaDeTexto 5">
+            <a:extLst>
+              <a:ext uri="{FF2B5EF4-FFF2-40B4-BE49-F238E27FC236}">
+                <a16:creationId xmlns:a16="http://schemas.microsoft.com/office/drawing/2014/main" id="{E9B671A3-D031-C668-C336-665210EE8F4F}"/>
+              </a:ext>
+            </a:extLst>
+          </p:cNvPr>
+          <p:cNvSpPr txBox="1"/>
+          <p:nvPr/>
+        </p:nvSpPr>
+        <p:spPr>
+          <a:xfrm>
+            <a:off x="444616" y="1642899"/>
+            <a:ext cx="10905689" cy="461665"/>
+          </a:xfrm>
+          <a:prstGeom prst="rect">
+            <a:avLst/>
+          </a:prstGeom>
+          <a:noFill/>
+        </p:spPr>
+        <p:txBody>
+          <a:bodyPr wrap="square">
+            <a:spAutoFit/>
+          </a:bodyPr>
+          <a:lstStyle/>
+          <a:p>
+            <a:r>
+              <a:rPr lang="pt-PT" sz="2400" dirty="0">
+                <a:solidFill>
+                  <a:srgbClr val="7030A0"/>
+                </a:solidFill>
+              </a:rPr>
+              <a:t>More </a:t>
+            </a:r>
+            <a:r>
+              <a:rPr lang="pt-PT" sz="2400" dirty="0" err="1">
+                <a:solidFill>
+                  <a:srgbClr val="7030A0"/>
+                </a:solidFill>
+              </a:rPr>
+              <a:t>than</a:t>
+            </a:r>
+            <a:r>
+              <a:rPr lang="pt-PT" sz="2400" dirty="0">
+                <a:solidFill>
+                  <a:srgbClr val="7030A0"/>
+                </a:solidFill>
+              </a:rPr>
+              <a:t> 80 </a:t>
+            </a:r>
+            <a:r>
+              <a:rPr lang="pt-PT" sz="2400" dirty="0" err="1">
+                <a:solidFill>
+                  <a:srgbClr val="7030A0"/>
+                </a:solidFill>
+              </a:rPr>
+              <a:t>percent</a:t>
+            </a:r>
+            <a:r>
+              <a:rPr lang="pt-PT" sz="2400" dirty="0">
+                <a:solidFill>
+                  <a:srgbClr val="7030A0"/>
+                </a:solidFill>
+              </a:rPr>
+              <a:t> </a:t>
+            </a:r>
+            <a:r>
+              <a:rPr lang="pt-PT" sz="2400" dirty="0" err="1">
+                <a:solidFill>
+                  <a:srgbClr val="7030A0"/>
+                </a:solidFill>
+              </a:rPr>
+              <a:t>of</a:t>
+            </a:r>
+            <a:r>
+              <a:rPr lang="pt-PT" sz="2400" dirty="0">
+                <a:solidFill>
+                  <a:srgbClr val="7030A0"/>
+                </a:solidFill>
+              </a:rPr>
+              <a:t> </a:t>
+            </a:r>
+            <a:r>
+              <a:rPr lang="pt-PT" sz="2400" dirty="0" err="1">
+                <a:solidFill>
+                  <a:srgbClr val="7030A0"/>
+                </a:solidFill>
+              </a:rPr>
+              <a:t>women</a:t>
+            </a:r>
+            <a:r>
+              <a:rPr lang="pt-PT" sz="2400" dirty="0">
+                <a:solidFill>
+                  <a:srgbClr val="7030A0"/>
+                </a:solidFill>
+              </a:rPr>
+              <a:t>, </a:t>
+            </a:r>
+            <a:r>
+              <a:rPr lang="pt-PT" sz="2400" dirty="0" err="1">
+                <a:solidFill>
+                  <a:srgbClr val="7030A0"/>
+                </a:solidFill>
+              </a:rPr>
+              <a:t>their</a:t>
+            </a:r>
+            <a:r>
+              <a:rPr lang="pt-PT" sz="2400" dirty="0">
+                <a:solidFill>
+                  <a:srgbClr val="7030A0"/>
+                </a:solidFill>
+              </a:rPr>
+              <a:t> businesses are </a:t>
+            </a:r>
+            <a:r>
+              <a:rPr lang="pt-PT" sz="2400" dirty="0" err="1">
+                <a:solidFill>
+                  <a:srgbClr val="7030A0"/>
+                </a:solidFill>
+              </a:rPr>
+              <a:t>not</a:t>
+            </a:r>
+            <a:r>
+              <a:rPr lang="pt-PT" sz="2400" dirty="0">
+                <a:solidFill>
+                  <a:srgbClr val="7030A0"/>
+                </a:solidFill>
+              </a:rPr>
+              <a:t> </a:t>
+            </a:r>
+            <a:r>
+              <a:rPr lang="pt-PT" sz="2400" dirty="0" err="1">
+                <a:solidFill>
+                  <a:srgbClr val="7030A0"/>
+                </a:solidFill>
+              </a:rPr>
+              <a:t>formalized</a:t>
+            </a:r>
+            <a:r>
+              <a:rPr lang="pt-PT" sz="2400" dirty="0">
+                <a:solidFill>
+                  <a:srgbClr val="7030A0"/>
+                </a:solidFill>
+              </a:rPr>
+              <a:t>.</a:t>
+            </a:r>
+          </a:p>
+        </p:txBody>
+      </p:sp>
+    </p:spTree>
+    <p:extLst>
+      <p:ext uri="{BB962C8B-B14F-4D97-AF65-F5344CB8AC3E}">
+        <p14:creationId xmlns:p14="http://schemas.microsoft.com/office/powerpoint/2010/main" val="2600633616"/>
+      </p:ext>
+    </p:extLst>
+  </p:cSld>
+  <p:clrMapOvr>
+    <a:masterClrMapping/>
+  </p:clrMapOvr>
+</p:sld>
+</file>
+
 <file path=ppt/slides/slide6.xml><?xml version="1.0" encoding="utf-8"?>
+<p:sld xmlns:a="http://schemas.openxmlformats.org/drawingml/2006/main" xmlns:r="http://schemas.openxmlformats.org/officeDocument/2006/relationships" xmlns:p="http://schemas.openxmlformats.org/presentationml/2006/main">
+  <p:cSld>
+    <p:spTree>
+      <p:nvGrpSpPr>
+        <p:cNvPr id="1" name=""/>
+        <p:cNvGrpSpPr/>
+        <p:nvPr/>
+      </p:nvGrpSpPr>
+      <p:grpSpPr>
+        <a:xfrm>
+          <a:off x="0" y="0"/>
+          <a:ext cx="0" cy="0"/>
+          <a:chOff x="0" y="0"/>
+          <a:chExt cx="0" cy="0"/>
+        </a:xfrm>
+      </p:grpSpPr>
+      <p:pic>
+        <p:nvPicPr>
+          <p:cNvPr id="5" name="Imagem 4">
+            <a:extLst>
+              <a:ext uri="{FF2B5EF4-FFF2-40B4-BE49-F238E27FC236}">
+                <a16:creationId xmlns:a16="http://schemas.microsoft.com/office/drawing/2014/main" id="{7351D983-7B36-40B3-3B47-058B0148C932}"/>
+              </a:ext>
+            </a:extLst>
+          </p:cNvPr>
+          <p:cNvPicPr>
+            <a:picLocks noChangeAspect="1"/>
+          </p:cNvPicPr>
+          <p:nvPr/>
+        </p:nvPicPr>
+        <p:blipFill>
+          <a:blip r:embed="rId2"/>
+          <a:stretch>
+            <a:fillRect/>
+          </a:stretch>
+        </p:blipFill>
+        <p:spPr>
+          <a:xfrm>
+            <a:off x="0" y="2285604"/>
+            <a:ext cx="6858594" cy="4572396"/>
+          </a:xfrm>
+          <a:prstGeom prst="rect">
+            <a:avLst/>
+          </a:prstGeom>
+        </p:spPr>
+      </p:pic>
+    </p:spTree>
+    <p:extLst>
+      <p:ext uri="{BB962C8B-B14F-4D97-AF65-F5344CB8AC3E}">
+        <p14:creationId xmlns:p14="http://schemas.microsoft.com/office/powerpoint/2010/main" val="2980914662"/>
+      </p:ext>
+    </p:extLst>
+  </p:cSld>
+  <p:clrMapOvr>
+    <a:masterClrMapping/>
+  </p:clrMapOvr>
+</p:sld>
+</file>
+
+<file path=ppt/slides/slide7.xml><?xml version="1.0" encoding="utf-8"?>
 <p:sld xmlns:a="http://schemas.openxmlformats.org/drawingml/2006/main" xmlns:r="http://schemas.openxmlformats.org/officeDocument/2006/relationships" xmlns:p="http://schemas.openxmlformats.org/presentationml/2006/main">
   <p:cSld>
     <p:spTree>

--- a/Report_REALIZA_Entrepreneurs profile from Mobilization.pptx
+++ b/Report_REALIZA_Entrepreneurs profile from Mobilization.pptx
@@ -5,7 +5,7 @@
     <p:sldMasterId id="2147483755" r:id="rId1"/>
   </p:sldMasterIdLst>
   <p:notesMasterIdLst>
-    <p:notesMasterId r:id="rId9"/>
+    <p:notesMasterId r:id="rId10"/>
   </p:notesMasterIdLst>
   <p:sldIdLst>
     <p:sldId id="427" r:id="rId2"/>
@@ -14,12 +14,13 @@
     <p:sldId id="430" r:id="rId5"/>
     <p:sldId id="431" r:id="rId6"/>
     <p:sldId id="432" r:id="rId7"/>
-    <p:sldId id="429" r:id="rId8"/>
+    <p:sldId id="433" r:id="rId8"/>
+    <p:sldId id="429" r:id="rId9"/>
   </p:sldIdLst>
   <p:sldSz cx="12192000" cy="6858000"/>
   <p:notesSz cx="6858000" cy="9144000"/>
   <p:custDataLst>
-    <p:tags r:id="rId10"/>
+    <p:tags r:id="rId11"/>
   </p:custDataLst>
   <p:defaultTextStyle>
     <a:defPPr>
@@ -238,7 +239,7 @@
           <a:p>
             <a:fld id="{E449EAFB-6CA2-0549-91FE-559B677DC9B0}" type="datetimeFigureOut">
               <a:rPr lang="de-DE" smtClean="0"/>
-              <a:t>04.11.2022</a:t>
+              <a:t>07.11.2022</a:t>
             </a:fld>
             <a:endParaRPr lang="de-DE"/>
           </a:p>
@@ -741,7 +742,7 @@
           <a:p>
             <a:fld id="{543AD3FE-E04B-7243-B43B-D859803316D2}" type="slidenum">
               <a:rPr lang="de-DE" smtClean="0"/>
-              <a:t>7</a:t>
+              <a:t>8</a:t>
             </a:fld>
             <a:endParaRPr lang="de-DE"/>
           </a:p>
@@ -960,7 +961,7 @@
           <a:p>
             <a:fld id="{4AAD347D-5ACD-4C99-B74B-A9C85AD731AF}" type="datetimeFigureOut">
               <a:rPr lang="en-US" smtClean="0"/>
-              <a:t>11/4/2022</a:t>
+              <a:t>11/7/2022</a:t>
             </a:fld>
             <a:endParaRPr lang="en-US"/>
           </a:p>
@@ -1150,7 +1151,7 @@
           <a:p>
             <a:fld id="{4509A250-FF31-4206-8172-F9D3106AACB1}" type="datetimeFigureOut">
               <a:rPr lang="en-US" smtClean="0"/>
-              <a:t>11/4/2022</a:t>
+              <a:t>11/7/2022</a:t>
             </a:fld>
             <a:endParaRPr lang="en-US"/>
           </a:p>
@@ -1330,7 +1331,7 @@
           <a:p>
             <a:fld id="{4509A250-FF31-4206-8172-F9D3106AACB1}" type="datetimeFigureOut">
               <a:rPr lang="en-US" smtClean="0"/>
-              <a:t>11/4/2022</a:t>
+              <a:t>11/7/2022</a:t>
             </a:fld>
             <a:endParaRPr lang="en-US"/>
           </a:p>
@@ -1500,7 +1501,7 @@
           <a:p>
             <a:fld id="{4509A250-FF31-4206-8172-F9D3106AACB1}" type="datetimeFigureOut">
               <a:rPr lang="en-US" smtClean="0"/>
-              <a:t>11/4/2022</a:t>
+              <a:t>11/7/2022</a:t>
             </a:fld>
             <a:endParaRPr lang="en-US"/>
           </a:p>
@@ -1756,7 +1757,7 @@
           <a:p>
             <a:fld id="{9796027F-7875-4030-9381-8BD8C4F21935}" type="datetimeFigureOut">
               <a:rPr lang="en-US" smtClean="0"/>
-              <a:t>11/4/2022</a:t>
+              <a:t>11/7/2022</a:t>
             </a:fld>
             <a:endParaRPr lang="en-US"/>
           </a:p>
@@ -2044,7 +2045,7 @@
           <a:p>
             <a:fld id="{9796027F-7875-4030-9381-8BD8C4F21935}" type="datetimeFigureOut">
               <a:rPr lang="en-US" smtClean="0"/>
-              <a:t>11/4/2022</a:t>
+              <a:t>11/7/2022</a:t>
             </a:fld>
             <a:endParaRPr lang="en-US"/>
           </a:p>
@@ -2482,7 +2483,7 @@
           <a:p>
             <a:fld id="{9796027F-7875-4030-9381-8BD8C4F21935}" type="datetimeFigureOut">
               <a:rPr lang="en-US" smtClean="0"/>
-              <a:t>11/4/2022</a:t>
+              <a:t>11/7/2022</a:t>
             </a:fld>
             <a:endParaRPr lang="en-US"/>
           </a:p>
@@ -2600,7 +2601,7 @@
           <a:p>
             <a:fld id="{4509A250-FF31-4206-8172-F9D3106AACB1}" type="datetimeFigureOut">
               <a:rPr lang="en-US" smtClean="0"/>
-              <a:t>11/4/2022</a:t>
+              <a:t>11/7/2022</a:t>
             </a:fld>
             <a:endParaRPr lang="en-US"/>
           </a:p>
@@ -2695,7 +2696,7 @@
           <a:p>
             <a:fld id="{4509A250-FF31-4206-8172-F9D3106AACB1}" type="datetimeFigureOut">
               <a:rPr lang="en-US" smtClean="0"/>
-              <a:t>11/4/2022</a:t>
+              <a:t>11/7/2022</a:t>
             </a:fld>
             <a:endParaRPr lang="en-US"/>
           </a:p>
@@ -3051,7 +3052,7 @@
           <a:p>
             <a:fld id="{4509A250-FF31-4206-8172-F9D3106AACB1}" type="datetimeFigureOut">
               <a:rPr lang="en-US" smtClean="0"/>
-              <a:t>11/4/2022</a:t>
+              <a:t>11/7/2022</a:t>
             </a:fld>
             <a:endParaRPr lang="en-US"/>
           </a:p>
@@ -3366,7 +3367,7 @@
           <a:p>
             <a:fld id="{4509A250-FF31-4206-8172-F9D3106AACB1}" type="datetimeFigureOut">
               <a:rPr lang="en-US" smtClean="0"/>
-              <a:t>11/4/2022</a:t>
+              <a:t>11/7/2022</a:t>
             </a:fld>
             <a:endParaRPr lang="en-US"/>
           </a:p>
@@ -3599,7 +3600,7 @@
           <a:p>
             <a:fld id="{4AAD347D-5ACD-4C99-B74B-A9C85AD731AF}" type="datetimeFigureOut">
               <a:rPr lang="en-US" smtClean="0"/>
-              <a:t>11/4/2022</a:t>
+              <a:t>11/7/2022</a:t>
             </a:fld>
             <a:endParaRPr lang="en-US"/>
           </a:p>
@@ -5371,6 +5372,76 @@
           </a:prstGeom>
         </p:spPr>
       </p:pic>
+      <p:sp>
+        <p:nvSpPr>
+          <p:cNvPr id="3" name="CaixaDeTexto 2">
+            <a:extLst>
+              <a:ext uri="{FF2B5EF4-FFF2-40B4-BE49-F238E27FC236}">
+                <a16:creationId xmlns:a16="http://schemas.microsoft.com/office/drawing/2014/main" id="{06A97C78-4117-C572-A638-8FA68E609D72}"/>
+              </a:ext>
+            </a:extLst>
+          </p:cNvPr>
+          <p:cNvSpPr txBox="1"/>
+          <p:nvPr/>
+        </p:nvSpPr>
+        <p:spPr>
+          <a:xfrm>
+            <a:off x="780176" y="1787941"/>
+            <a:ext cx="915635" cy="369332"/>
+          </a:xfrm>
+          <a:prstGeom prst="rect">
+            <a:avLst/>
+          </a:prstGeom>
+          <a:noFill/>
+        </p:spPr>
+        <p:txBody>
+          <a:bodyPr wrap="none" rtlCol="0">
+            <a:spAutoFit/>
+          </a:bodyPr>
+          <a:lstStyle/>
+          <a:p>
+            <a:r>
+              <a:rPr lang="pt-PT" b="1" dirty="0"/>
+              <a:t>N=6003</a:t>
+            </a:r>
+          </a:p>
+        </p:txBody>
+      </p:sp>
+      <p:sp>
+        <p:nvSpPr>
+          <p:cNvPr id="4" name="CaixaDeTexto 3">
+            <a:extLst>
+              <a:ext uri="{FF2B5EF4-FFF2-40B4-BE49-F238E27FC236}">
+                <a16:creationId xmlns:a16="http://schemas.microsoft.com/office/drawing/2014/main" id="{59C4D919-8E6F-BC3E-26CF-8FE4E1AE6906}"/>
+              </a:ext>
+            </a:extLst>
+          </p:cNvPr>
+          <p:cNvSpPr txBox="1"/>
+          <p:nvPr/>
+        </p:nvSpPr>
+        <p:spPr>
+          <a:xfrm>
+            <a:off x="11097895" y="1886835"/>
+            <a:ext cx="915635" cy="369332"/>
+          </a:xfrm>
+          <a:prstGeom prst="rect">
+            <a:avLst/>
+          </a:prstGeom>
+          <a:noFill/>
+        </p:spPr>
+        <p:txBody>
+          <a:bodyPr wrap="none" rtlCol="0">
+            <a:spAutoFit/>
+          </a:bodyPr>
+          <a:lstStyle/>
+          <a:p>
+            <a:r>
+              <a:rPr lang="pt-PT" b="1" dirty="0"/>
+              <a:t>N=5914</a:t>
+            </a:r>
+          </a:p>
+        </p:txBody>
+      </p:sp>
     </p:spTree>
     <p:extLst>
       <p:ext uri="{BB962C8B-B14F-4D97-AF65-F5344CB8AC3E}">
@@ -5495,7 +5566,7 @@
         </p:blipFill>
         <p:spPr>
           <a:xfrm>
-            <a:off x="352337" y="2379525"/>
+            <a:off x="395414" y="2379525"/>
             <a:ext cx="6420385" cy="4423860"/>
           </a:xfrm>
           <a:prstGeom prst="rect">
@@ -5650,6 +5721,310 @@
                 </a:solidFill>
               </a:rPr>
               <a:t>.</a:t>
+            </a:r>
+          </a:p>
+        </p:txBody>
+      </p:sp>
+      <p:sp>
+        <p:nvSpPr>
+          <p:cNvPr id="3" name="CaixaDeTexto 2">
+            <a:extLst>
+              <a:ext uri="{FF2B5EF4-FFF2-40B4-BE49-F238E27FC236}">
+                <a16:creationId xmlns:a16="http://schemas.microsoft.com/office/drawing/2014/main" id="{4605BC7C-2736-B94C-ABCF-1D435CBA979A}"/>
+              </a:ext>
+            </a:extLst>
+          </p:cNvPr>
+          <p:cNvSpPr txBox="1"/>
+          <p:nvPr/>
+        </p:nvSpPr>
+        <p:spPr>
+          <a:xfrm>
+            <a:off x="11081117" y="2324911"/>
+            <a:ext cx="915635" cy="369332"/>
+          </a:xfrm>
+          <a:prstGeom prst="rect">
+            <a:avLst/>
+          </a:prstGeom>
+          <a:noFill/>
+        </p:spPr>
+        <p:txBody>
+          <a:bodyPr wrap="none" rtlCol="0">
+            <a:spAutoFit/>
+          </a:bodyPr>
+          <a:lstStyle/>
+          <a:p>
+            <a:r>
+              <a:rPr lang="pt-PT" b="1" dirty="0"/>
+              <a:t>N=5914</a:t>
+            </a:r>
+          </a:p>
+        </p:txBody>
+      </p:sp>
+      <p:sp>
+        <p:nvSpPr>
+          <p:cNvPr id="5" name="CaixaDeTexto 4">
+            <a:extLst>
+              <a:ext uri="{FF2B5EF4-FFF2-40B4-BE49-F238E27FC236}">
+                <a16:creationId xmlns:a16="http://schemas.microsoft.com/office/drawing/2014/main" id="{7D19F185-4D96-6181-50DB-200FA8FC784C}"/>
+              </a:ext>
+            </a:extLst>
+          </p:cNvPr>
+          <p:cNvSpPr txBox="1"/>
+          <p:nvPr/>
+        </p:nvSpPr>
+        <p:spPr>
+          <a:xfrm>
+            <a:off x="5730813" y="2270297"/>
+            <a:ext cx="915635" cy="369332"/>
+          </a:xfrm>
+          <a:prstGeom prst="rect">
+            <a:avLst/>
+          </a:prstGeom>
+          <a:noFill/>
+        </p:spPr>
+        <p:txBody>
+          <a:bodyPr wrap="none" rtlCol="0">
+            <a:spAutoFit/>
+          </a:bodyPr>
+          <a:lstStyle/>
+          <a:p>
+            <a:r>
+              <a:rPr lang="pt-PT" b="1" dirty="0"/>
+              <a:t>N=5914</a:t>
+            </a:r>
+          </a:p>
+        </p:txBody>
+      </p:sp>
+      <p:sp>
+        <p:nvSpPr>
+          <p:cNvPr id="9" name="CaixaDeTexto 8">
+            <a:extLst>
+              <a:ext uri="{FF2B5EF4-FFF2-40B4-BE49-F238E27FC236}">
+                <a16:creationId xmlns:a16="http://schemas.microsoft.com/office/drawing/2014/main" id="{5B0F02B9-BBAA-9BB3-40BA-50C3E3EEC93A}"/>
+              </a:ext>
+            </a:extLst>
+          </p:cNvPr>
+          <p:cNvSpPr txBox="1"/>
+          <p:nvPr/>
+        </p:nvSpPr>
+        <p:spPr>
+          <a:xfrm>
+            <a:off x="2241333" y="5749370"/>
+            <a:ext cx="684803" cy="253916"/>
+          </a:xfrm>
+          <a:prstGeom prst="rect">
+            <a:avLst/>
+          </a:prstGeom>
+          <a:noFill/>
+        </p:spPr>
+        <p:txBody>
+          <a:bodyPr wrap="none" rtlCol="0">
+            <a:spAutoFit/>
+          </a:bodyPr>
+          <a:lstStyle/>
+          <a:p>
+            <a:r>
+              <a:rPr lang="pt-PT" sz="1050" b="1" dirty="0">
+                <a:solidFill>
+                  <a:srgbClr val="7030A0"/>
+                </a:solidFill>
+              </a:rPr>
+              <a:t>(N=1729)</a:t>
+            </a:r>
+          </a:p>
+        </p:txBody>
+      </p:sp>
+      <p:sp>
+        <p:nvSpPr>
+          <p:cNvPr id="10" name="CaixaDeTexto 9">
+            <a:extLst>
+              <a:ext uri="{FF2B5EF4-FFF2-40B4-BE49-F238E27FC236}">
+                <a16:creationId xmlns:a16="http://schemas.microsoft.com/office/drawing/2014/main" id="{1B841106-DD54-07E5-EDB3-3C977357703B}"/>
+              </a:ext>
+            </a:extLst>
+          </p:cNvPr>
+          <p:cNvSpPr txBox="1"/>
+          <p:nvPr/>
+        </p:nvSpPr>
+        <p:spPr>
+          <a:xfrm>
+            <a:off x="4031590" y="5749370"/>
+            <a:ext cx="684803" cy="253916"/>
+          </a:xfrm>
+          <a:prstGeom prst="rect">
+            <a:avLst/>
+          </a:prstGeom>
+          <a:noFill/>
+        </p:spPr>
+        <p:txBody>
+          <a:bodyPr wrap="none" rtlCol="0">
+            <a:spAutoFit/>
+          </a:bodyPr>
+          <a:lstStyle/>
+          <a:p>
+            <a:r>
+              <a:rPr lang="pt-PT" sz="1050" b="1" dirty="0">
+                <a:solidFill>
+                  <a:srgbClr val="7030A0"/>
+                </a:solidFill>
+              </a:rPr>
+              <a:t>(N=2533)</a:t>
+            </a:r>
+          </a:p>
+        </p:txBody>
+      </p:sp>
+      <p:sp>
+        <p:nvSpPr>
+          <p:cNvPr id="11" name="CaixaDeTexto 10">
+            <a:extLst>
+              <a:ext uri="{FF2B5EF4-FFF2-40B4-BE49-F238E27FC236}">
+                <a16:creationId xmlns:a16="http://schemas.microsoft.com/office/drawing/2014/main" id="{0A5868F0-FB38-CC1F-CF13-8900CE087067}"/>
+              </a:ext>
+            </a:extLst>
+          </p:cNvPr>
+          <p:cNvSpPr txBox="1"/>
+          <p:nvPr/>
+        </p:nvSpPr>
+        <p:spPr>
+          <a:xfrm>
+            <a:off x="5961645" y="5803460"/>
+            <a:ext cx="684803" cy="253916"/>
+          </a:xfrm>
+          <a:prstGeom prst="rect">
+            <a:avLst/>
+          </a:prstGeom>
+          <a:noFill/>
+        </p:spPr>
+        <p:txBody>
+          <a:bodyPr wrap="square" rtlCol="0">
+            <a:spAutoFit/>
+          </a:bodyPr>
+          <a:lstStyle/>
+          <a:p>
+            <a:r>
+              <a:rPr lang="pt-PT" sz="1050" b="1" dirty="0">
+                <a:solidFill>
+                  <a:srgbClr val="7030A0"/>
+                </a:solidFill>
+              </a:rPr>
+              <a:t>(N=1652)</a:t>
+            </a:r>
+          </a:p>
+        </p:txBody>
+      </p:sp>
+      <p:sp>
+        <p:nvSpPr>
+          <p:cNvPr id="12" name="CaixaDeTexto 11">
+            <a:extLst>
+              <a:ext uri="{FF2B5EF4-FFF2-40B4-BE49-F238E27FC236}">
+                <a16:creationId xmlns:a16="http://schemas.microsoft.com/office/drawing/2014/main" id="{BDBE9910-48E3-1029-9AE0-E0E596412506}"/>
+              </a:ext>
+            </a:extLst>
+          </p:cNvPr>
+          <p:cNvSpPr txBox="1"/>
+          <p:nvPr/>
+        </p:nvSpPr>
+        <p:spPr>
+          <a:xfrm>
+            <a:off x="7915218" y="5763804"/>
+            <a:ext cx="684803" cy="253916"/>
+          </a:xfrm>
+          <a:prstGeom prst="rect">
+            <a:avLst/>
+          </a:prstGeom>
+          <a:noFill/>
+        </p:spPr>
+        <p:txBody>
+          <a:bodyPr wrap="none" rtlCol="0">
+            <a:spAutoFit/>
+          </a:bodyPr>
+          <a:lstStyle/>
+          <a:p>
+            <a:r>
+              <a:rPr lang="pt-PT" sz="1050" b="1" dirty="0">
+                <a:solidFill>
+                  <a:srgbClr val="7030A0"/>
+                </a:solidFill>
+              </a:rPr>
+              <a:t>(N=1729)</a:t>
+            </a:r>
+          </a:p>
+        </p:txBody>
+      </p:sp>
+      <p:sp>
+        <p:nvSpPr>
+          <p:cNvPr id="13" name="CaixaDeTexto 12">
+            <a:extLst>
+              <a:ext uri="{FF2B5EF4-FFF2-40B4-BE49-F238E27FC236}">
+                <a16:creationId xmlns:a16="http://schemas.microsoft.com/office/drawing/2014/main" id="{2826E3DB-E879-3D7B-BCA4-1E8C0FE6B0A1}"/>
+              </a:ext>
+            </a:extLst>
+          </p:cNvPr>
+          <p:cNvSpPr txBox="1"/>
+          <p:nvPr/>
+        </p:nvSpPr>
+        <p:spPr>
+          <a:xfrm>
+            <a:off x="9613583" y="5749370"/>
+            <a:ext cx="684803" cy="253916"/>
+          </a:xfrm>
+          <a:prstGeom prst="rect">
+            <a:avLst/>
+          </a:prstGeom>
+          <a:noFill/>
+        </p:spPr>
+        <p:txBody>
+          <a:bodyPr wrap="none" rtlCol="0">
+            <a:spAutoFit/>
+          </a:bodyPr>
+          <a:lstStyle/>
+          <a:p>
+            <a:r>
+              <a:rPr lang="pt-PT" sz="1050" b="1" dirty="0">
+                <a:solidFill>
+                  <a:srgbClr val="7030A0"/>
+                </a:solidFill>
+              </a:rPr>
+              <a:t>(N=2533)</a:t>
+            </a:r>
+          </a:p>
+        </p:txBody>
+      </p:sp>
+      <p:sp>
+        <p:nvSpPr>
+          <p:cNvPr id="14" name="CaixaDeTexto 13">
+            <a:extLst>
+              <a:ext uri="{FF2B5EF4-FFF2-40B4-BE49-F238E27FC236}">
+                <a16:creationId xmlns:a16="http://schemas.microsoft.com/office/drawing/2014/main" id="{02DC72A9-D427-2919-D96E-85787AFA8D88}"/>
+              </a:ext>
+            </a:extLst>
+          </p:cNvPr>
+          <p:cNvSpPr txBox="1"/>
+          <p:nvPr/>
+        </p:nvSpPr>
+        <p:spPr>
+          <a:xfrm>
+            <a:off x="11311949" y="5764329"/>
+            <a:ext cx="684803" cy="253916"/>
+          </a:xfrm>
+          <a:prstGeom prst="rect">
+            <a:avLst/>
+          </a:prstGeom>
+          <a:noFill/>
+        </p:spPr>
+        <p:txBody>
+          <a:bodyPr wrap="square" rtlCol="0">
+            <a:spAutoFit/>
+          </a:bodyPr>
+          <a:lstStyle/>
+          <a:p>
+            <a:r>
+              <a:rPr lang="pt-PT" sz="1050" b="1" dirty="0">
+                <a:solidFill>
+                  <a:srgbClr val="7030A0"/>
+                </a:solidFill>
+              </a:rPr>
+              <a:t>(N=1652)</a:t>
             </a:r>
           </a:p>
         </p:txBody>
@@ -5670,6 +6045,14 @@
 <file path=ppt/slides/slide6.xml><?xml version="1.0" encoding="utf-8"?>
 <p:sld xmlns:a="http://schemas.openxmlformats.org/drawingml/2006/main" xmlns:r="http://schemas.openxmlformats.org/officeDocument/2006/relationships" xmlns:p="http://schemas.openxmlformats.org/presentationml/2006/main">
   <p:cSld>
+    <p:bg>
+      <p:bgPr>
+        <a:solidFill>
+          <a:schemeClr val="bg1"/>
+        </a:solidFill>
+        <a:effectLst/>
+      </p:bgPr>
+    </p:bg>
     <p:spTree>
       <p:nvGrpSpPr>
         <p:cNvPr id="1" name=""/>
@@ -5684,6 +6067,96 @@
           <a:chExt cx="0" cy="0"/>
         </a:xfrm>
       </p:grpSpPr>
+      <p:sp useBgFill="1">
+        <p:nvSpPr>
+          <p:cNvPr id="14" name="Rectangle 9">
+            <a:extLst>
+              <a:ext uri="{FF2B5EF4-FFF2-40B4-BE49-F238E27FC236}">
+                <a16:creationId xmlns:a16="http://schemas.microsoft.com/office/drawing/2014/main" id="{FAB618CE-98EA-45A7-8250-CAB4615AB153}"/>
+              </a:ext>
+              <a:ext uri="{C183D7F6-B498-43B3-948B-1728B52AA6E4}">
+                <adec:decorative xmlns:adec="http://schemas.microsoft.com/office/drawing/2017/decorative" val="1"/>
+              </a:ext>
+            </a:extLst>
+          </p:cNvPr>
+          <p:cNvSpPr>
+            <a:spLocks noGrp="1" noRot="1" noChangeAspect="1" noMove="1" noResize="1" noEditPoints="1" noAdjustHandles="1" noChangeArrowheads="1" noChangeShapeType="1" noTextEdit="1"/>
+          </p:cNvSpPr>
+          <p:nvPr>
+            <p:extLst>
+              <p:ext uri="{386F3935-93C4-4BCD-93E2-E3B085C9AB24}">
+                <p16:designElem xmlns:p16="http://schemas.microsoft.com/office/powerpoint/2015/main" val="1"/>
+              </p:ext>
+            </p:extLst>
+          </p:nvPr>
+        </p:nvSpPr>
+        <p:spPr>
+          <a:xfrm>
+            <a:off x="0" y="0"/>
+            <a:ext cx="12192000" cy="6858000"/>
+          </a:xfrm>
+          <a:prstGeom prst="rect">
+            <a:avLst/>
+          </a:prstGeom>
+          <a:ln>
+            <a:noFill/>
+          </a:ln>
+        </p:spPr>
+        <p:style>
+          <a:lnRef idx="2">
+            <a:schemeClr val="accent1">
+              <a:shade val="50000"/>
+            </a:schemeClr>
+          </a:lnRef>
+          <a:fillRef idx="1">
+            <a:schemeClr val="accent1"/>
+          </a:fillRef>
+          <a:effectRef idx="0">
+            <a:schemeClr val="accent1"/>
+          </a:effectRef>
+          <a:fontRef idx="minor">
+            <a:schemeClr val="lt1"/>
+          </a:fontRef>
+        </p:style>
+        <p:txBody>
+          <a:bodyPr rtlCol="0" anchor="ctr"/>
+          <a:lstStyle/>
+          <a:p>
+            <a:pPr algn="ctr"/>
+            <a:endParaRPr lang="en-US"/>
+          </a:p>
+        </p:txBody>
+      </p:sp>
+      <p:pic>
+        <p:nvPicPr>
+          <p:cNvPr id="3" name="Imagem 2">
+            <a:extLst>
+              <a:ext uri="{FF2B5EF4-FFF2-40B4-BE49-F238E27FC236}">
+                <a16:creationId xmlns:a16="http://schemas.microsoft.com/office/drawing/2014/main" id="{A25AA9CD-D57A-E4FA-8645-9FC7B0B63DDC}"/>
+              </a:ext>
+            </a:extLst>
+          </p:cNvPr>
+          <p:cNvPicPr>
+            <a:picLocks noChangeAspect="1"/>
+          </p:cNvPicPr>
+          <p:nvPr/>
+        </p:nvPicPr>
+        <p:blipFill>
+          <a:blip r:embed="rId2"/>
+          <a:stretch>
+            <a:fillRect/>
+          </a:stretch>
+        </p:blipFill>
+        <p:spPr>
+          <a:xfrm>
+            <a:off x="480270" y="3226677"/>
+            <a:ext cx="4940209" cy="3359342"/>
+          </a:xfrm>
+          <a:prstGeom prst="rect">
+            <a:avLst/>
+          </a:prstGeom>
+        </p:spPr>
+      </p:pic>
       <p:pic>
         <p:nvPicPr>
           <p:cNvPr id="5" name="Imagem 4">
@@ -5699,21 +6172,429 @@
           <p:nvPr/>
         </p:nvPicPr>
         <p:blipFill>
-          <a:blip r:embed="rId2"/>
+          <a:blip r:embed="rId3"/>
           <a:stretch>
             <a:fillRect/>
           </a:stretch>
         </p:blipFill>
         <p:spPr>
           <a:xfrm>
-            <a:off x="0" y="2285604"/>
-            <a:ext cx="6858594" cy="4572396"/>
+            <a:off x="6401706" y="3226677"/>
+            <a:ext cx="4809066" cy="3210051"/>
           </a:xfrm>
           <a:prstGeom prst="rect">
             <a:avLst/>
           </a:prstGeom>
         </p:spPr>
       </p:pic>
+      <p:sp>
+        <p:nvSpPr>
+          <p:cNvPr id="6" name="CaixaDeTexto 5">
+            <a:extLst>
+              <a:ext uri="{FF2B5EF4-FFF2-40B4-BE49-F238E27FC236}">
+                <a16:creationId xmlns:a16="http://schemas.microsoft.com/office/drawing/2014/main" id="{D5F8B3FE-F257-2094-A6DD-0E8A4EC7F240}"/>
+              </a:ext>
+            </a:extLst>
+          </p:cNvPr>
+          <p:cNvSpPr txBox="1"/>
+          <p:nvPr/>
+        </p:nvSpPr>
+        <p:spPr>
+          <a:xfrm>
+            <a:off x="480270" y="271981"/>
+            <a:ext cx="10746530" cy="646331"/>
+          </a:xfrm>
+          <a:prstGeom prst="rect">
+            <a:avLst/>
+          </a:prstGeom>
+          <a:noFill/>
+        </p:spPr>
+        <p:txBody>
+          <a:bodyPr wrap="square">
+            <a:spAutoFit/>
+          </a:bodyPr>
+          <a:lstStyle/>
+          <a:p>
+            <a:r>
+              <a:rPr lang="en-US" dirty="0">
+                <a:solidFill>
+                  <a:srgbClr val="7030A0"/>
+                </a:solidFill>
+              </a:rPr>
+              <a:t>The businesses of registered female entrepreneurs are on average 4 years old, while unregistered businesses are on average 3 years old. </a:t>
+            </a:r>
+            <a:endParaRPr lang="pt-PT" dirty="0">
+              <a:solidFill>
+                <a:srgbClr val="7030A0"/>
+              </a:solidFill>
+            </a:endParaRPr>
+          </a:p>
+        </p:txBody>
+      </p:sp>
+      <p:sp>
+        <p:nvSpPr>
+          <p:cNvPr id="8" name="CaixaDeTexto 7">
+            <a:extLst>
+              <a:ext uri="{FF2B5EF4-FFF2-40B4-BE49-F238E27FC236}">
+                <a16:creationId xmlns:a16="http://schemas.microsoft.com/office/drawing/2014/main" id="{829AAFDF-B594-EC3E-893C-39C9462121E3}"/>
+              </a:ext>
+            </a:extLst>
+          </p:cNvPr>
+          <p:cNvSpPr txBox="1"/>
+          <p:nvPr/>
+        </p:nvSpPr>
+        <p:spPr>
+          <a:xfrm>
+            <a:off x="464242" y="932753"/>
+            <a:ext cx="10746530" cy="646331"/>
+          </a:xfrm>
+          <a:prstGeom prst="rect">
+            <a:avLst/>
+          </a:prstGeom>
+          <a:noFill/>
+        </p:spPr>
+        <p:txBody>
+          <a:bodyPr wrap="square">
+            <a:spAutoFit/>
+          </a:bodyPr>
+          <a:lstStyle/>
+          <a:p>
+            <a:r>
+              <a:rPr lang="pt-PT" dirty="0"/>
+              <a:t>Podemos notar que temos mais empreendedoras com negocio registado com mais tempo no mercado comparativamente as empreendedoras sem registo onde a maioria delas não tem mais de 6 anos no mercado. </a:t>
+            </a:r>
+          </a:p>
+        </p:txBody>
+      </p:sp>
+      <p:sp>
+        <p:nvSpPr>
+          <p:cNvPr id="11" name="CaixaDeTexto 10">
+            <a:extLst>
+              <a:ext uri="{FF2B5EF4-FFF2-40B4-BE49-F238E27FC236}">
+                <a16:creationId xmlns:a16="http://schemas.microsoft.com/office/drawing/2014/main" id="{C479E631-8992-E852-ACF9-494849D06E4E}"/>
+              </a:ext>
+            </a:extLst>
+          </p:cNvPr>
+          <p:cNvSpPr txBox="1"/>
+          <p:nvPr/>
+        </p:nvSpPr>
+        <p:spPr>
+          <a:xfrm>
+            <a:off x="480270" y="1650146"/>
+            <a:ext cx="10249249" cy="369332"/>
+          </a:xfrm>
+          <a:prstGeom prst="rect">
+            <a:avLst/>
+          </a:prstGeom>
+          <a:noFill/>
+        </p:spPr>
+        <p:txBody>
+          <a:bodyPr wrap="square">
+            <a:spAutoFit/>
+          </a:bodyPr>
+          <a:lstStyle/>
+          <a:p>
+            <a:r>
+              <a:rPr lang="en-US" b="1" dirty="0"/>
+              <a:t>The higher the profit of female entrepreneurs, the greater the chance of the business being registered. </a:t>
+            </a:r>
+            <a:endParaRPr lang="pt-PT" b="1" dirty="0"/>
+          </a:p>
+        </p:txBody>
+      </p:sp>
+      <p:sp>
+        <p:nvSpPr>
+          <p:cNvPr id="13" name="CaixaDeTexto 12">
+            <a:extLst>
+              <a:ext uri="{FF2B5EF4-FFF2-40B4-BE49-F238E27FC236}">
+                <a16:creationId xmlns:a16="http://schemas.microsoft.com/office/drawing/2014/main" id="{7E051F17-14D9-7690-7CC6-3DA794611941}"/>
+              </a:ext>
+            </a:extLst>
+          </p:cNvPr>
+          <p:cNvSpPr txBox="1"/>
+          <p:nvPr/>
+        </p:nvSpPr>
+        <p:spPr>
+          <a:xfrm>
+            <a:off x="385153" y="2829204"/>
+            <a:ext cx="915635" cy="369332"/>
+          </a:xfrm>
+          <a:prstGeom prst="rect">
+            <a:avLst/>
+          </a:prstGeom>
+          <a:noFill/>
+        </p:spPr>
+        <p:txBody>
+          <a:bodyPr wrap="none" rtlCol="0">
+            <a:spAutoFit/>
+          </a:bodyPr>
+          <a:lstStyle/>
+          <a:p>
+            <a:r>
+              <a:rPr lang="pt-PT" b="1" dirty="0"/>
+              <a:t>N=5914</a:t>
+            </a:r>
+          </a:p>
+        </p:txBody>
+      </p:sp>
+      <p:sp>
+        <p:nvSpPr>
+          <p:cNvPr id="15" name="CaixaDeTexto 14">
+            <a:extLst>
+              <a:ext uri="{FF2B5EF4-FFF2-40B4-BE49-F238E27FC236}">
+                <a16:creationId xmlns:a16="http://schemas.microsoft.com/office/drawing/2014/main" id="{D869926A-AC9C-00CE-AADE-1CAB65158132}"/>
+              </a:ext>
+            </a:extLst>
+          </p:cNvPr>
+          <p:cNvSpPr txBox="1"/>
+          <p:nvPr/>
+        </p:nvSpPr>
+        <p:spPr>
+          <a:xfrm>
+            <a:off x="6288576" y="2805405"/>
+            <a:ext cx="915635" cy="369332"/>
+          </a:xfrm>
+          <a:prstGeom prst="rect">
+            <a:avLst/>
+          </a:prstGeom>
+          <a:noFill/>
+        </p:spPr>
+        <p:txBody>
+          <a:bodyPr wrap="none" rtlCol="0">
+            <a:spAutoFit/>
+          </a:bodyPr>
+          <a:lstStyle/>
+          <a:p>
+            <a:r>
+              <a:rPr lang="pt-PT" b="1" dirty="0"/>
+              <a:t>N=5914</a:t>
+            </a:r>
+          </a:p>
+        </p:txBody>
+      </p:sp>
+      <p:sp>
+        <p:nvSpPr>
+          <p:cNvPr id="16" name="CaixaDeTexto 15">
+            <a:extLst>
+              <a:ext uri="{FF2B5EF4-FFF2-40B4-BE49-F238E27FC236}">
+                <a16:creationId xmlns:a16="http://schemas.microsoft.com/office/drawing/2014/main" id="{5A1CFE60-EE2A-F617-4897-29C01DB60344}"/>
+              </a:ext>
+            </a:extLst>
+          </p:cNvPr>
+          <p:cNvSpPr txBox="1"/>
+          <p:nvPr/>
+        </p:nvSpPr>
+        <p:spPr>
+          <a:xfrm>
+            <a:off x="5324072" y="3819425"/>
+            <a:ext cx="663964" cy="276999"/>
+          </a:xfrm>
+          <a:prstGeom prst="rect">
+            <a:avLst/>
+          </a:prstGeom>
+          <a:noFill/>
+        </p:spPr>
+        <p:txBody>
+          <a:bodyPr wrap="none" rtlCol="0">
+            <a:spAutoFit/>
+          </a:bodyPr>
+          <a:lstStyle>
+            <a:defPPr>
+              <a:defRPr lang="en-US"/>
+            </a:defPPr>
+            <a:lvl1pPr>
+              <a:defRPr sz="1200" b="1"/>
+            </a:lvl1pPr>
+          </a:lstStyle>
+          <a:p>
+            <a:r>
+              <a:rPr lang="pt-PT" dirty="0">
+                <a:solidFill>
+                  <a:srgbClr val="7030A0"/>
+                </a:solidFill>
+              </a:rPr>
+              <a:t>N=5236</a:t>
+            </a:r>
+          </a:p>
+        </p:txBody>
+      </p:sp>
+      <p:sp>
+        <p:nvSpPr>
+          <p:cNvPr id="17" name="CaixaDeTexto 16">
+            <a:extLst>
+              <a:ext uri="{FF2B5EF4-FFF2-40B4-BE49-F238E27FC236}">
+                <a16:creationId xmlns:a16="http://schemas.microsoft.com/office/drawing/2014/main" id="{8CB450D8-C91E-C0F5-8867-53A6C17C5A30}"/>
+              </a:ext>
+            </a:extLst>
+          </p:cNvPr>
+          <p:cNvSpPr txBox="1"/>
+          <p:nvPr/>
+        </p:nvSpPr>
+        <p:spPr>
+          <a:xfrm>
+            <a:off x="5324072" y="4838523"/>
+            <a:ext cx="587020" cy="276999"/>
+          </a:xfrm>
+          <a:prstGeom prst="rect">
+            <a:avLst/>
+          </a:prstGeom>
+          <a:noFill/>
+        </p:spPr>
+        <p:txBody>
+          <a:bodyPr wrap="none" rtlCol="0">
+            <a:spAutoFit/>
+          </a:bodyPr>
+          <a:lstStyle/>
+          <a:p>
+            <a:r>
+              <a:rPr lang="pt-PT" sz="1200" b="1" dirty="0">
+                <a:solidFill>
+                  <a:srgbClr val="7030A0"/>
+                </a:solidFill>
+              </a:rPr>
+              <a:t>N=678</a:t>
+            </a:r>
+          </a:p>
+        </p:txBody>
+      </p:sp>
+      <p:sp>
+        <p:nvSpPr>
+          <p:cNvPr id="18" name="CaixaDeTexto 17">
+            <a:extLst>
+              <a:ext uri="{FF2B5EF4-FFF2-40B4-BE49-F238E27FC236}">
+                <a16:creationId xmlns:a16="http://schemas.microsoft.com/office/drawing/2014/main" id="{E9FDD997-DB4A-9A6E-5977-48014B689064}"/>
+              </a:ext>
+            </a:extLst>
+          </p:cNvPr>
+          <p:cNvSpPr txBox="1"/>
+          <p:nvPr/>
+        </p:nvSpPr>
+        <p:spPr>
+          <a:xfrm>
+            <a:off x="7271716" y="5648248"/>
+            <a:ext cx="663964" cy="276999"/>
+          </a:xfrm>
+          <a:prstGeom prst="rect">
+            <a:avLst/>
+          </a:prstGeom>
+          <a:noFill/>
+        </p:spPr>
+        <p:txBody>
+          <a:bodyPr wrap="none" rtlCol="0">
+            <a:spAutoFit/>
+          </a:bodyPr>
+          <a:lstStyle>
+            <a:defPPr>
+              <a:defRPr lang="en-US"/>
+            </a:defPPr>
+            <a:lvl1pPr>
+              <a:defRPr sz="1200" b="1"/>
+            </a:lvl1pPr>
+          </a:lstStyle>
+          <a:p>
+            <a:r>
+              <a:rPr lang="pt-PT" dirty="0">
+                <a:solidFill>
+                  <a:srgbClr val="7030A0"/>
+                </a:solidFill>
+              </a:rPr>
+              <a:t>N=4002</a:t>
+            </a:r>
+          </a:p>
+        </p:txBody>
+      </p:sp>
+      <p:sp>
+        <p:nvSpPr>
+          <p:cNvPr id="19" name="CaixaDeTexto 18">
+            <a:extLst>
+              <a:ext uri="{FF2B5EF4-FFF2-40B4-BE49-F238E27FC236}">
+                <a16:creationId xmlns:a16="http://schemas.microsoft.com/office/drawing/2014/main" id="{54210170-3497-A96F-8F64-803871140B0C}"/>
+              </a:ext>
+            </a:extLst>
+          </p:cNvPr>
+          <p:cNvSpPr txBox="1"/>
+          <p:nvPr/>
+        </p:nvSpPr>
+        <p:spPr>
+          <a:xfrm>
+            <a:off x="9353584" y="5581159"/>
+            <a:ext cx="663964" cy="276999"/>
+          </a:xfrm>
+          <a:prstGeom prst="rect">
+            <a:avLst/>
+          </a:prstGeom>
+          <a:noFill/>
+        </p:spPr>
+        <p:txBody>
+          <a:bodyPr wrap="none" rtlCol="0">
+            <a:spAutoFit/>
+          </a:bodyPr>
+          <a:lstStyle>
+            <a:defPPr>
+              <a:defRPr lang="en-US"/>
+            </a:defPPr>
+            <a:lvl1pPr>
+              <a:defRPr sz="1200" b="1"/>
+            </a:lvl1pPr>
+          </a:lstStyle>
+          <a:p>
+            <a:r>
+              <a:rPr lang="pt-PT" dirty="0">
+                <a:solidFill>
+                  <a:srgbClr val="7030A0"/>
+                </a:solidFill>
+              </a:rPr>
+              <a:t>N=1267</a:t>
+            </a:r>
+          </a:p>
+        </p:txBody>
+      </p:sp>
+      <p:sp>
+        <p:nvSpPr>
+          <p:cNvPr id="20" name="CaixaDeTexto 19">
+            <a:extLst>
+              <a:ext uri="{FF2B5EF4-FFF2-40B4-BE49-F238E27FC236}">
+                <a16:creationId xmlns:a16="http://schemas.microsoft.com/office/drawing/2014/main" id="{BCE84148-5203-D184-8A31-95E1A339DD80}"/>
+              </a:ext>
+            </a:extLst>
+          </p:cNvPr>
+          <p:cNvSpPr txBox="1"/>
+          <p:nvPr/>
+        </p:nvSpPr>
+        <p:spPr>
+          <a:xfrm>
+            <a:off x="10632520" y="5581158"/>
+            <a:ext cx="510076" cy="276999"/>
+          </a:xfrm>
+          <a:prstGeom prst="rect">
+            <a:avLst/>
+          </a:prstGeom>
+          <a:noFill/>
+        </p:spPr>
+        <p:txBody>
+          <a:bodyPr wrap="none" rtlCol="0">
+            <a:spAutoFit/>
+          </a:bodyPr>
+          <a:lstStyle>
+            <a:defPPr>
+              <a:defRPr lang="en-US"/>
+            </a:defPPr>
+            <a:lvl1pPr>
+              <a:defRPr sz="1200" b="1"/>
+            </a:lvl1pPr>
+          </a:lstStyle>
+          <a:p>
+            <a:r>
+              <a:rPr lang="pt-PT" dirty="0">
+                <a:solidFill>
+                  <a:srgbClr val="7030A0"/>
+                </a:solidFill>
+              </a:rPr>
+              <a:t>N=45</a:t>
+            </a:r>
+          </a:p>
+        </p:txBody>
+      </p:sp>
     </p:spTree>
     <p:extLst>
       <p:ext uri="{BB962C8B-B14F-4D97-AF65-F5344CB8AC3E}">
@@ -5728,6 +6609,36 @@
 </file>
 
 <file path=ppt/slides/slide7.xml><?xml version="1.0" encoding="utf-8"?>
+<p:sld xmlns:a="http://schemas.openxmlformats.org/drawingml/2006/main" xmlns:r="http://schemas.openxmlformats.org/officeDocument/2006/relationships" xmlns:p="http://schemas.openxmlformats.org/presentationml/2006/main">
+  <p:cSld>
+    <p:spTree>
+      <p:nvGrpSpPr>
+        <p:cNvPr id="1" name=""/>
+        <p:cNvGrpSpPr/>
+        <p:nvPr/>
+      </p:nvGrpSpPr>
+      <p:grpSpPr>
+        <a:xfrm>
+          <a:off x="0" y="0"/>
+          <a:ext cx="0" cy="0"/>
+          <a:chOff x="0" y="0"/>
+          <a:chExt cx="0" cy="0"/>
+        </a:xfrm>
+      </p:grpSpPr>
+    </p:spTree>
+    <p:extLst>
+      <p:ext uri="{BB962C8B-B14F-4D97-AF65-F5344CB8AC3E}">
+        <p14:creationId xmlns:p14="http://schemas.microsoft.com/office/powerpoint/2010/main" val="192108845"/>
+      </p:ext>
+    </p:extLst>
+  </p:cSld>
+  <p:clrMapOvr>
+    <a:masterClrMapping/>
+  </p:clrMapOvr>
+</p:sld>
+</file>
+
+<file path=ppt/slides/slide8.xml><?xml version="1.0" encoding="utf-8"?>
 <p:sld xmlns:a="http://schemas.openxmlformats.org/drawingml/2006/main" xmlns:r="http://schemas.openxmlformats.org/officeDocument/2006/relationships" xmlns:p="http://schemas.openxmlformats.org/presentationml/2006/main">
   <p:cSld>
     <p:spTree>

--- a/Report_REALIZA_Entrepreneurs profile from Mobilization.pptx
+++ b/Report_REALIZA_Entrepreneurs profile from Mobilization.pptx
@@ -5,7 +5,7 @@
     <p:sldMasterId id="2147483755" r:id="rId1"/>
   </p:sldMasterIdLst>
   <p:notesMasterIdLst>
-    <p:notesMasterId r:id="rId10"/>
+    <p:notesMasterId r:id="rId13"/>
   </p:notesMasterIdLst>
   <p:sldIdLst>
     <p:sldId id="427" r:id="rId2"/>
@@ -15,12 +15,15 @@
     <p:sldId id="431" r:id="rId6"/>
     <p:sldId id="432" r:id="rId7"/>
     <p:sldId id="433" r:id="rId8"/>
-    <p:sldId id="429" r:id="rId9"/>
+    <p:sldId id="434" r:id="rId9"/>
+    <p:sldId id="435" r:id="rId10"/>
+    <p:sldId id="429" r:id="rId11"/>
+    <p:sldId id="436" r:id="rId12"/>
   </p:sldIdLst>
   <p:sldSz cx="12192000" cy="6858000"/>
   <p:notesSz cx="6858000" cy="9144000"/>
   <p:custDataLst>
-    <p:tags r:id="rId11"/>
+    <p:tags r:id="rId14"/>
   </p:custDataLst>
   <p:defaultTextStyle>
     <a:defPPr>
@@ -742,7 +745,7 @@
           <a:p>
             <a:fld id="{543AD3FE-E04B-7243-B43B-D859803316D2}" type="slidenum">
               <a:rPr lang="de-DE" smtClean="0"/>
-              <a:t>8</a:t>
+              <a:t>10</a:t>
             </a:fld>
             <a:endParaRPr lang="de-DE"/>
           </a:p>
@@ -4354,7 +4357,7 @@
 </p:sld>
 </file>
 
-<file path=ppt/slides/slide2.xml><?xml version="1.0" encoding="utf-8"?>
+<file path=ppt/slides/slide10.xml><?xml version="1.0" encoding="utf-8"?>
 <p:sld xmlns:a="http://schemas.openxmlformats.org/drawingml/2006/main" xmlns:r="http://schemas.openxmlformats.org/officeDocument/2006/relationships" xmlns:p="http://schemas.openxmlformats.org/presentationml/2006/main">
   <p:cSld>
     <p:spTree>
@@ -4371,100 +4374,6 @@
           <a:chExt cx="0" cy="0"/>
         </a:xfrm>
       </p:grpSpPr>
-      <p:sp>
-        <p:nvSpPr>
-          <p:cNvPr id="6" name="Rechteck 5">
-            <a:extLst>
-              <a:ext uri="{FF2B5EF4-FFF2-40B4-BE49-F238E27FC236}">
-                <a16:creationId xmlns:a16="http://schemas.microsoft.com/office/drawing/2014/main" id="{4D98BED5-83CE-464A-BFA1-360B417CEF67}"/>
-              </a:ext>
-            </a:extLst>
-          </p:cNvPr>
-          <p:cNvSpPr/>
-          <p:nvPr/>
-        </p:nvSpPr>
-        <p:spPr>
-          <a:xfrm>
-            <a:off x="758966" y="2000699"/>
-            <a:ext cx="10184338" cy="2954655"/>
-          </a:xfrm>
-          <a:prstGeom prst="rect">
-            <a:avLst/>
-          </a:prstGeom>
-        </p:spPr>
-        <p:txBody>
-          <a:bodyPr wrap="square">
-            <a:spAutoFit/>
-          </a:bodyPr>
-          <a:lstStyle/>
-          <a:p>
-            <a:pPr algn="just"/>
-            <a:r>
-              <a:rPr lang="pt-BR" b="1" dirty="0">
-                <a:latin typeface="Gill Sans" panose="020B0502020104020203" pitchFamily="34" charset="0"/>
-              </a:rPr>
-              <a:t>Report main objectives:</a:t>
-            </a:r>
-          </a:p>
-          <a:p>
-            <a:pPr algn="just"/>
-            <a:endParaRPr lang="pt-BR" sz="2400" dirty="0">
-              <a:latin typeface="Gill Sans" panose="020B0502020104020203" pitchFamily="34" charset="0"/>
-            </a:endParaRPr>
-          </a:p>
-          <a:p>
-            <a:pPr marL="342900" indent="-342900" algn="just">
-              <a:buFont typeface="Arial" panose="020B0604020202020204" pitchFamily="34" charset="0"/>
-              <a:buChar char="•"/>
-            </a:pPr>
-            <a:r>
-              <a:rPr lang="en-US" dirty="0">
-                <a:latin typeface="Gill Sans" panose="020B0502020104020203" pitchFamily="34" charset="0"/>
-              </a:rPr>
-              <a:t>Describing the profiles of female entrepreneurs mobilized for the REALIZA Program in order to understand which profiles expressed interest in enrolling in the program during the mobilization period;</a:t>
-            </a:r>
-          </a:p>
-          <a:p>
-            <a:pPr marL="342900" indent="-342900" algn="just">
-              <a:buFont typeface="Arial" panose="020B0604020202020204" pitchFamily="34" charset="0"/>
-              <a:buChar char="•"/>
-            </a:pPr>
-            <a:endParaRPr lang="en-US" dirty="0">
-              <a:latin typeface="Gill Sans" panose="020B0502020104020203" pitchFamily="34" charset="0"/>
-            </a:endParaRPr>
-          </a:p>
-          <a:p>
-            <a:pPr marL="342900" indent="-342900" algn="just">
-              <a:buFont typeface="Arial" panose="020B0604020202020204" pitchFamily="34" charset="0"/>
-              <a:buChar char="•"/>
-            </a:pPr>
-            <a:r>
-              <a:rPr lang="en-US" dirty="0">
-                <a:latin typeface="Gill Sans" panose="020B0502020104020203" pitchFamily="34" charset="0"/>
-              </a:rPr>
-              <a:t>Identify whether there are new strategies that can be used to mobilize the profile idealized for the REALIZA Program based on the data available.</a:t>
-            </a:r>
-            <a:endParaRPr lang="pt-BR" dirty="0">
-              <a:latin typeface="Gill Sans" panose="020B0502020104020203" pitchFamily="34" charset="0"/>
-            </a:endParaRPr>
-          </a:p>
-          <a:p>
-            <a:pPr algn="just"/>
-            <a:endParaRPr lang="pt-BR" sz="2400" dirty="0">
-              <a:latin typeface="Gill Sans" panose="020B0502020104020203" pitchFamily="34" charset="0"/>
-            </a:endParaRPr>
-          </a:p>
-          <a:p>
-            <a:pPr marL="342900" indent="-342900" algn="just">
-              <a:buFont typeface="Arial" panose="020B0604020202020204" pitchFamily="34" charset="0"/>
-              <a:buChar char="•"/>
-            </a:pPr>
-            <a:endParaRPr lang="pt-BR" sz="2400" dirty="0">
-              <a:latin typeface="Gill Sans" panose="020B0502020104020203" pitchFamily="34" charset="0"/>
-            </a:endParaRPr>
-          </a:p>
-        </p:txBody>
-      </p:sp>
       <p:grpSp>
         <p:nvGrpSpPr>
           <p:cNvPr id="8" name="Group 7">
@@ -4479,7 +4388,7 @@
         </p:nvGrpSpPr>
         <p:grpSpPr>
           <a:xfrm>
-            <a:off x="4705645" y="0"/>
+            <a:off x="4671467" y="-21959"/>
             <a:ext cx="7617830" cy="828649"/>
             <a:chOff x="4078224" y="378493"/>
             <a:chExt cx="8243785" cy="709800"/>
@@ -4590,7 +4499,7 @@
         </p:nvSpPr>
         <p:spPr>
           <a:xfrm>
-            <a:off x="4572805" y="227375"/>
+            <a:off x="4572805" y="183130"/>
             <a:ext cx="6960281" cy="467795"/>
           </a:xfrm>
           <a:prstGeom prst="rect">
@@ -4637,7 +4546,7 @@
                 </a:solidFill>
                 <a:latin typeface="Gill Sans" panose="020B0502020104020203"/>
               </a:rPr>
-              <a:t>Report objective </a:t>
+              <a:t>Report Production Plan   </a:t>
             </a:r>
           </a:p>
         </p:txBody>
@@ -4677,10 +4586,596 @@
           </a:prstGeom>
         </p:spPr>
       </p:pic>
+      <p:grpSp>
+        <p:nvGrpSpPr>
+          <p:cNvPr id="13" name="Group 7">
+            <a:extLst>
+              <a:ext uri="{FF2B5EF4-FFF2-40B4-BE49-F238E27FC236}">
+                <a16:creationId xmlns:a16="http://schemas.microsoft.com/office/drawing/2014/main" id="{CD9ADA40-29E1-46EB-8841-466C557C66C3}"/>
+              </a:ext>
+            </a:extLst>
+          </p:cNvPr>
+          <p:cNvGrpSpPr/>
+          <p:nvPr/>
+        </p:nvGrpSpPr>
+        <p:grpSpPr>
+          <a:xfrm>
+            <a:off x="341" y="2063026"/>
+            <a:ext cx="12225507" cy="894307"/>
+            <a:chOff x="4078224" y="378493"/>
+            <a:chExt cx="8243785" cy="709800"/>
+          </a:xfrm>
+        </p:grpSpPr>
+        <p:sp>
+          <p:nvSpPr>
+            <p:cNvPr id="14" name="Rectangle 8">
+              <a:extLst>
+                <a:ext uri="{FF2B5EF4-FFF2-40B4-BE49-F238E27FC236}">
+                  <a16:creationId xmlns:a16="http://schemas.microsoft.com/office/drawing/2014/main" id="{F2EAA999-1CFC-40B6-AFAB-FE54A4E2EDF0}"/>
+                </a:ext>
+              </a:extLst>
+            </p:cNvPr>
+            <p:cNvSpPr/>
+            <p:nvPr/>
+          </p:nvSpPr>
+          <p:spPr>
+            <a:xfrm>
+              <a:off x="4078224" y="530059"/>
+              <a:ext cx="7388450" cy="487098"/>
+            </a:xfrm>
+            <a:prstGeom prst="rect">
+              <a:avLst/>
+            </a:prstGeom>
+            <a:solidFill>
+              <a:srgbClr val="731531"/>
+            </a:solidFill>
+            <a:ln>
+              <a:noFill/>
+            </a:ln>
+          </p:spPr>
+          <p:style>
+            <a:lnRef idx="2">
+              <a:schemeClr val="accent1">
+                <a:shade val="50000"/>
+              </a:schemeClr>
+            </a:lnRef>
+            <a:fillRef idx="1">
+              <a:schemeClr val="accent1"/>
+            </a:fillRef>
+            <a:effectRef idx="0">
+              <a:schemeClr val="accent1"/>
+            </a:effectRef>
+            <a:fontRef idx="minor">
+              <a:schemeClr val="lt1"/>
+            </a:fontRef>
+          </p:style>
+          <p:txBody>
+            <a:bodyPr rtlCol="0" anchor="ctr"/>
+            <a:lstStyle/>
+            <a:p>
+              <a:pPr algn="ctr"/>
+              <a:endParaRPr lang="pt-PT" dirty="0"/>
+            </a:p>
+          </p:txBody>
+        </p:sp>
+        <p:pic>
+          <p:nvPicPr>
+            <p:cNvPr id="15" name="Picture 9" descr="A screenshot of a video game&#10;&#10;Description automatically generated with low confidence">
+              <a:extLst>
+                <a:ext uri="{FF2B5EF4-FFF2-40B4-BE49-F238E27FC236}">
+                  <a16:creationId xmlns:a16="http://schemas.microsoft.com/office/drawing/2014/main" id="{0DF45868-A473-4763-AA66-ED7EC649C01B}"/>
+                </a:ext>
+              </a:extLst>
+            </p:cNvPr>
+            <p:cNvPicPr>
+              <a:picLocks noChangeAspect="1"/>
+            </p:cNvPicPr>
+            <p:nvPr/>
+          </p:nvPicPr>
+          <p:blipFill>
+            <a:blip r:embed="rId3" cstate="hqprint">
+              <a:extLst>
+                <a:ext uri="{28A0092B-C50C-407E-A947-70E740481C1C}">
+                  <a14:useLocalDpi xmlns:a14="http://schemas.microsoft.com/office/drawing/2010/main" val="0"/>
+                </a:ext>
+              </a:extLst>
+            </a:blip>
+            <a:stretch>
+              <a:fillRect/>
+            </a:stretch>
+          </p:blipFill>
+          <p:spPr>
+            <a:xfrm>
+              <a:off x="10533132" y="378493"/>
+              <a:ext cx="1788877" cy="709800"/>
+            </a:xfrm>
+            <a:prstGeom prst="rect">
+              <a:avLst/>
+            </a:prstGeom>
+          </p:spPr>
+        </p:pic>
+      </p:grpSp>
+      <p:sp>
+        <p:nvSpPr>
+          <p:cNvPr id="2" name="CaixaDeTexto 1">
+            <a:extLst>
+              <a:ext uri="{FF2B5EF4-FFF2-40B4-BE49-F238E27FC236}">
+                <a16:creationId xmlns:a16="http://schemas.microsoft.com/office/drawing/2014/main" id="{CCFC71FE-0E59-4D0C-9DAC-4EB788504E4D}"/>
+              </a:ext>
+            </a:extLst>
+          </p:cNvPr>
+          <p:cNvSpPr txBox="1"/>
+          <p:nvPr/>
+        </p:nvSpPr>
+        <p:spPr>
+          <a:xfrm>
+            <a:off x="417306" y="3051985"/>
+            <a:ext cx="1460091" cy="1477328"/>
+          </a:xfrm>
+          <a:prstGeom prst="rect">
+            <a:avLst/>
+          </a:prstGeom>
+          <a:noFill/>
+          <a:ln>
+            <a:solidFill>
+              <a:srgbClr val="731531"/>
+            </a:solidFill>
+          </a:ln>
+        </p:spPr>
+        <p:txBody>
+          <a:bodyPr wrap="square" rtlCol="0">
+            <a:spAutoFit/>
+          </a:bodyPr>
+          <a:lstStyle/>
+          <a:p>
+            <a:pPr algn="ctr"/>
+            <a:r>
+              <a:rPr lang="en-US" b="1" dirty="0"/>
+              <a:t>26</a:t>
+            </a:r>
+            <a:r>
+              <a:rPr lang="en-US" b="1" baseline="30000" dirty="0"/>
+              <a:t>TH</a:t>
+            </a:r>
+            <a:r>
+              <a:rPr lang="en-US" b="1" dirty="0"/>
+              <a:t> October </a:t>
+            </a:r>
+          </a:p>
+          <a:p>
+            <a:pPr algn="ctr"/>
+            <a:r>
+              <a:rPr lang="en-US" dirty="0"/>
+              <a:t>MUVA Team and the WB agree the  chosen data.</a:t>
+            </a:r>
+          </a:p>
+        </p:txBody>
+      </p:sp>
+      <p:sp>
+        <p:nvSpPr>
+          <p:cNvPr id="16" name="CaixaDeTexto 15">
+            <a:extLst>
+              <a:ext uri="{FF2B5EF4-FFF2-40B4-BE49-F238E27FC236}">
+                <a16:creationId xmlns:a16="http://schemas.microsoft.com/office/drawing/2014/main" id="{D75E9EF3-6D6C-4E36-B8E2-FA948AEDAA6D}"/>
+              </a:ext>
+            </a:extLst>
+          </p:cNvPr>
+          <p:cNvSpPr txBox="1"/>
+          <p:nvPr/>
+        </p:nvSpPr>
+        <p:spPr>
+          <a:xfrm>
+            <a:off x="2508128" y="3065047"/>
+            <a:ext cx="1632156" cy="1477328"/>
+          </a:xfrm>
+          <a:prstGeom prst="rect">
+            <a:avLst/>
+          </a:prstGeom>
+          <a:noFill/>
+          <a:ln>
+            <a:solidFill>
+              <a:srgbClr val="731531"/>
+            </a:solidFill>
+          </a:ln>
+        </p:spPr>
+        <p:txBody>
+          <a:bodyPr wrap="square" rtlCol="0">
+            <a:spAutoFit/>
+          </a:bodyPr>
+          <a:lstStyle/>
+          <a:p>
+            <a:pPr algn="ctr"/>
+            <a:r>
+              <a:rPr lang="en-US" b="1" dirty="0"/>
+              <a:t>4</a:t>
+            </a:r>
+            <a:r>
+              <a:rPr lang="en-US" b="1" baseline="30000" dirty="0"/>
+              <a:t>th</a:t>
+            </a:r>
+            <a:r>
+              <a:rPr lang="en-US" b="1" dirty="0"/>
+              <a:t> November</a:t>
+            </a:r>
+          </a:p>
+          <a:p>
+            <a:pPr algn="ctr"/>
+            <a:r>
+              <a:rPr lang="en-US" dirty="0"/>
+              <a:t>Graphs produced  with the data selected </a:t>
+            </a:r>
+          </a:p>
+        </p:txBody>
+      </p:sp>
+      <p:sp>
+        <p:nvSpPr>
+          <p:cNvPr id="17" name="CaixaDeTexto 16">
+            <a:extLst>
+              <a:ext uri="{FF2B5EF4-FFF2-40B4-BE49-F238E27FC236}">
+                <a16:creationId xmlns:a16="http://schemas.microsoft.com/office/drawing/2014/main" id="{BF1C8287-6003-44F8-921F-4B758F52AA80}"/>
+              </a:ext>
+            </a:extLst>
+          </p:cNvPr>
+          <p:cNvSpPr txBox="1"/>
+          <p:nvPr/>
+        </p:nvSpPr>
+        <p:spPr>
+          <a:xfrm>
+            <a:off x="4659587" y="3065047"/>
+            <a:ext cx="1632156" cy="2308324"/>
+          </a:xfrm>
+          <a:prstGeom prst="rect">
+            <a:avLst/>
+          </a:prstGeom>
+          <a:noFill/>
+          <a:ln>
+            <a:solidFill>
+              <a:srgbClr val="731531"/>
+            </a:solidFill>
+          </a:ln>
+        </p:spPr>
+        <p:txBody>
+          <a:bodyPr wrap="square" rtlCol="0">
+            <a:spAutoFit/>
+          </a:bodyPr>
+          <a:lstStyle/>
+          <a:p>
+            <a:pPr algn="ctr"/>
+            <a:r>
+              <a:rPr lang="en-US" b="1" dirty="0"/>
+              <a:t>18</a:t>
+            </a:r>
+            <a:r>
+              <a:rPr lang="en-US" b="1" baseline="30000" dirty="0"/>
+              <a:t>th</a:t>
+            </a:r>
+            <a:r>
+              <a:rPr lang="en-US" b="1" dirty="0"/>
+              <a:t> November</a:t>
+            </a:r>
+          </a:p>
+          <a:p>
+            <a:pPr algn="ctr"/>
+            <a:r>
+              <a:rPr lang="en-US" dirty="0"/>
+              <a:t>Graphs analyzed and first draft of the report shared with the MUVA team for review</a:t>
+            </a:r>
+          </a:p>
+        </p:txBody>
+      </p:sp>
+      <p:sp>
+        <p:nvSpPr>
+          <p:cNvPr id="18" name="CaixaDeTexto 17">
+            <a:extLst>
+              <a:ext uri="{FF2B5EF4-FFF2-40B4-BE49-F238E27FC236}">
+                <a16:creationId xmlns:a16="http://schemas.microsoft.com/office/drawing/2014/main" id="{1843F72D-257B-45E2-9FDB-E41D57C4F8B1}"/>
+              </a:ext>
+            </a:extLst>
+          </p:cNvPr>
+          <p:cNvSpPr txBox="1"/>
+          <p:nvPr/>
+        </p:nvSpPr>
+        <p:spPr>
+          <a:xfrm>
+            <a:off x="6784034" y="3065047"/>
+            <a:ext cx="1632156" cy="1200329"/>
+          </a:xfrm>
+          <a:prstGeom prst="rect">
+            <a:avLst/>
+          </a:prstGeom>
+          <a:noFill/>
+          <a:ln>
+            <a:solidFill>
+              <a:srgbClr val="731531"/>
+            </a:solidFill>
+          </a:ln>
+        </p:spPr>
+        <p:txBody>
+          <a:bodyPr wrap="square" rtlCol="0">
+            <a:spAutoFit/>
+          </a:bodyPr>
+          <a:lstStyle/>
+          <a:p>
+            <a:pPr algn="ctr"/>
+            <a:r>
+              <a:rPr lang="en-US" b="1" dirty="0"/>
+              <a:t>25th November</a:t>
+            </a:r>
+          </a:p>
+          <a:p>
+            <a:pPr algn="ctr"/>
+            <a:r>
+              <a:rPr lang="en-US" dirty="0"/>
+              <a:t>Document reviewed by MUVA team </a:t>
+            </a:r>
+          </a:p>
+        </p:txBody>
+      </p:sp>
+      <p:sp>
+        <p:nvSpPr>
+          <p:cNvPr id="19" name="CaixaDeTexto 18">
+            <a:extLst>
+              <a:ext uri="{FF2B5EF4-FFF2-40B4-BE49-F238E27FC236}">
+                <a16:creationId xmlns:a16="http://schemas.microsoft.com/office/drawing/2014/main" id="{2E38FDB0-9159-4E8B-A9F5-3D38A658B6DA}"/>
+              </a:ext>
+            </a:extLst>
+          </p:cNvPr>
+          <p:cNvSpPr txBox="1"/>
+          <p:nvPr/>
+        </p:nvSpPr>
+        <p:spPr>
+          <a:xfrm>
+            <a:off x="8756871" y="3051230"/>
+            <a:ext cx="1632156" cy="1477328"/>
+          </a:xfrm>
+          <a:prstGeom prst="rect">
+            <a:avLst/>
+          </a:prstGeom>
+          <a:noFill/>
+          <a:ln>
+            <a:solidFill>
+              <a:srgbClr val="731531"/>
+            </a:solidFill>
+          </a:ln>
+        </p:spPr>
+        <p:txBody>
+          <a:bodyPr wrap="square" rtlCol="0">
+            <a:spAutoFit/>
+          </a:bodyPr>
+          <a:lstStyle/>
+          <a:p>
+            <a:pPr algn="ctr"/>
+            <a:r>
+              <a:rPr lang="en-US" b="1" dirty="0"/>
+              <a:t>30th November</a:t>
+            </a:r>
+          </a:p>
+          <a:p>
+            <a:pPr algn="ctr"/>
+            <a:r>
+              <a:rPr lang="en-US" dirty="0"/>
+              <a:t>First version of the report delivered to the WB team</a:t>
+            </a:r>
+          </a:p>
+        </p:txBody>
+      </p:sp>
+      <p:cxnSp>
+        <p:nvCxnSpPr>
+          <p:cNvPr id="4" name="Conexão reta 3">
+            <a:extLst>
+              <a:ext uri="{FF2B5EF4-FFF2-40B4-BE49-F238E27FC236}">
+                <a16:creationId xmlns:a16="http://schemas.microsoft.com/office/drawing/2014/main" id="{B1C0C394-F19C-4D67-B040-237FDDDFB72E}"/>
+              </a:ext>
+            </a:extLst>
+          </p:cNvPr>
+          <p:cNvCxnSpPr/>
+          <p:nvPr/>
+        </p:nvCxnSpPr>
+        <p:spPr>
+          <a:xfrm>
+            <a:off x="1139976" y="2682521"/>
+            <a:ext cx="0" cy="368709"/>
+          </a:xfrm>
+          <a:prstGeom prst="line">
+            <a:avLst/>
+          </a:prstGeom>
+          <a:ln>
+            <a:solidFill>
+              <a:srgbClr val="731531"/>
+            </a:solidFill>
+          </a:ln>
+        </p:spPr>
+        <p:style>
+          <a:lnRef idx="1">
+            <a:schemeClr val="accent1"/>
+          </a:lnRef>
+          <a:fillRef idx="0">
+            <a:schemeClr val="accent1"/>
+          </a:fillRef>
+          <a:effectRef idx="0">
+            <a:schemeClr val="accent1"/>
+          </a:effectRef>
+          <a:fontRef idx="minor">
+            <a:schemeClr val="tx1"/>
+          </a:fontRef>
+        </p:style>
+      </p:cxnSp>
+      <p:cxnSp>
+        <p:nvCxnSpPr>
+          <p:cNvPr id="20" name="Conexão reta 19">
+            <a:extLst>
+              <a:ext uri="{FF2B5EF4-FFF2-40B4-BE49-F238E27FC236}">
+                <a16:creationId xmlns:a16="http://schemas.microsoft.com/office/drawing/2014/main" id="{DD4E92A8-C183-43E0-ABCC-C959E794EEC9}"/>
+              </a:ext>
+            </a:extLst>
+          </p:cNvPr>
+          <p:cNvCxnSpPr>
+            <a:cxnSpLocks/>
+          </p:cNvCxnSpPr>
+          <p:nvPr/>
+        </p:nvCxnSpPr>
+        <p:spPr>
+          <a:xfrm>
+            <a:off x="3324206" y="2667123"/>
+            <a:ext cx="0" cy="397924"/>
+          </a:xfrm>
+          <a:prstGeom prst="line">
+            <a:avLst/>
+          </a:prstGeom>
+          <a:ln>
+            <a:solidFill>
+              <a:srgbClr val="731531"/>
+            </a:solidFill>
+          </a:ln>
+        </p:spPr>
+        <p:style>
+          <a:lnRef idx="1">
+            <a:schemeClr val="accent1"/>
+          </a:lnRef>
+          <a:fillRef idx="0">
+            <a:schemeClr val="accent1"/>
+          </a:fillRef>
+          <a:effectRef idx="0">
+            <a:schemeClr val="accent1"/>
+          </a:effectRef>
+          <a:fontRef idx="minor">
+            <a:schemeClr val="tx1"/>
+          </a:fontRef>
+        </p:style>
+      </p:cxnSp>
+      <p:cxnSp>
+        <p:nvCxnSpPr>
+          <p:cNvPr id="21" name="Conexão reta 20">
+            <a:extLst>
+              <a:ext uri="{FF2B5EF4-FFF2-40B4-BE49-F238E27FC236}">
+                <a16:creationId xmlns:a16="http://schemas.microsoft.com/office/drawing/2014/main" id="{49DFE036-7CBB-481A-87C0-AED90ACD6C89}"/>
+              </a:ext>
+            </a:extLst>
+          </p:cNvPr>
+          <p:cNvCxnSpPr>
+            <a:cxnSpLocks/>
+          </p:cNvCxnSpPr>
+          <p:nvPr/>
+        </p:nvCxnSpPr>
+        <p:spPr>
+          <a:xfrm>
+            <a:off x="5475665" y="2653305"/>
+            <a:ext cx="0" cy="397924"/>
+          </a:xfrm>
+          <a:prstGeom prst="line">
+            <a:avLst/>
+          </a:prstGeom>
+          <a:ln>
+            <a:solidFill>
+              <a:srgbClr val="731531"/>
+            </a:solidFill>
+          </a:ln>
+        </p:spPr>
+        <p:style>
+          <a:lnRef idx="1">
+            <a:schemeClr val="accent1"/>
+          </a:lnRef>
+          <a:fillRef idx="0">
+            <a:schemeClr val="accent1"/>
+          </a:fillRef>
+          <a:effectRef idx="0">
+            <a:schemeClr val="accent1"/>
+          </a:effectRef>
+          <a:fontRef idx="minor">
+            <a:schemeClr val="tx1"/>
+          </a:fontRef>
+        </p:style>
+      </p:cxnSp>
+      <p:cxnSp>
+        <p:nvCxnSpPr>
+          <p:cNvPr id="22" name="Conexão reta 21">
+            <a:extLst>
+              <a:ext uri="{FF2B5EF4-FFF2-40B4-BE49-F238E27FC236}">
+                <a16:creationId xmlns:a16="http://schemas.microsoft.com/office/drawing/2014/main" id="{5AA5971E-EF77-464F-B819-D40D459DF10F}"/>
+              </a:ext>
+            </a:extLst>
+          </p:cNvPr>
+          <p:cNvCxnSpPr>
+            <a:cxnSpLocks/>
+          </p:cNvCxnSpPr>
+          <p:nvPr/>
+        </p:nvCxnSpPr>
+        <p:spPr>
+          <a:xfrm>
+            <a:off x="7576998" y="2653304"/>
+            <a:ext cx="0" cy="397924"/>
+          </a:xfrm>
+          <a:prstGeom prst="line">
+            <a:avLst/>
+          </a:prstGeom>
+          <a:ln>
+            <a:solidFill>
+              <a:srgbClr val="731531"/>
+            </a:solidFill>
+          </a:ln>
+        </p:spPr>
+        <p:style>
+          <a:lnRef idx="1">
+            <a:schemeClr val="accent1"/>
+          </a:lnRef>
+          <a:fillRef idx="0">
+            <a:schemeClr val="accent1"/>
+          </a:fillRef>
+          <a:effectRef idx="0">
+            <a:schemeClr val="accent1"/>
+          </a:effectRef>
+          <a:fontRef idx="minor">
+            <a:schemeClr val="tx1"/>
+          </a:fontRef>
+        </p:style>
+      </p:cxnSp>
+      <p:cxnSp>
+        <p:nvCxnSpPr>
+          <p:cNvPr id="24" name="Conexão reta 23">
+            <a:extLst>
+              <a:ext uri="{FF2B5EF4-FFF2-40B4-BE49-F238E27FC236}">
+                <a16:creationId xmlns:a16="http://schemas.microsoft.com/office/drawing/2014/main" id="{2B915498-A4C9-4569-B55A-B62EE9E61989}"/>
+              </a:ext>
+            </a:extLst>
+          </p:cNvPr>
+          <p:cNvCxnSpPr>
+            <a:cxnSpLocks/>
+          </p:cNvCxnSpPr>
+          <p:nvPr/>
+        </p:nvCxnSpPr>
+        <p:spPr>
+          <a:xfrm>
+            <a:off x="9351380" y="2660716"/>
+            <a:ext cx="0" cy="397924"/>
+          </a:xfrm>
+          <a:prstGeom prst="line">
+            <a:avLst/>
+          </a:prstGeom>
+          <a:ln>
+            <a:solidFill>
+              <a:srgbClr val="731531"/>
+            </a:solidFill>
+          </a:ln>
+        </p:spPr>
+        <p:style>
+          <a:lnRef idx="1">
+            <a:schemeClr val="accent1"/>
+          </a:lnRef>
+          <a:fillRef idx="0">
+            <a:schemeClr val="accent1"/>
+          </a:fillRef>
+          <a:effectRef idx="0">
+            <a:schemeClr val="accent1"/>
+          </a:effectRef>
+          <a:fontRef idx="minor">
+            <a:schemeClr val="tx1"/>
+          </a:fontRef>
+        </p:style>
+      </p:cxnSp>
     </p:spTree>
     <p:extLst>
       <p:ext uri="{BB962C8B-B14F-4D97-AF65-F5344CB8AC3E}">
-        <p14:creationId xmlns:p14="http://schemas.microsoft.com/office/powerpoint/2010/main" val="1876262357"/>
+        <p14:creationId xmlns:p14="http://schemas.microsoft.com/office/powerpoint/2010/main" val="3294743765"/>
       </p:ext>
     </p:extLst>
   </p:cSld>
@@ -4690,7 +5185,7 @@
 </p:sld>
 </file>
 
-<file path=ppt/slides/slide3.xml><?xml version="1.0" encoding="utf-8"?>
+<file path=ppt/slides/slide11.xml><?xml version="1.0" encoding="utf-8"?>
 <p:sld xmlns:a="http://schemas.openxmlformats.org/drawingml/2006/main" xmlns:r="http://schemas.openxmlformats.org/officeDocument/2006/relationships" xmlns:p="http://schemas.openxmlformats.org/presentationml/2006/main">
   <p:cSld>
     <p:spTree>
@@ -4709,6 +5204,354 @@
       </p:grpSpPr>
       <p:sp>
         <p:nvSpPr>
+          <p:cNvPr id="2" name="Título 1">
+            <a:extLst>
+              <a:ext uri="{FF2B5EF4-FFF2-40B4-BE49-F238E27FC236}">
+                <a16:creationId xmlns:a16="http://schemas.microsoft.com/office/drawing/2014/main" id="{C44B2234-D4B7-CA92-69A4-C3142DEB4807}"/>
+              </a:ext>
+            </a:extLst>
+          </p:cNvPr>
+          <p:cNvSpPr>
+            <a:spLocks noGrp="1"/>
+          </p:cNvSpPr>
+          <p:nvPr>
+            <p:ph type="title"/>
+          </p:nvPr>
+        </p:nvSpPr>
+        <p:spPr/>
+        <p:txBody>
+          <a:bodyPr/>
+          <a:lstStyle/>
+          <a:p>
+            <a:endParaRPr lang="pt-PT"/>
+          </a:p>
+        </p:txBody>
+      </p:sp>
+      <p:sp>
+        <p:nvSpPr>
+          <p:cNvPr id="3" name="Marcador de Posição de Conteúdo 2">
+            <a:extLst>
+              <a:ext uri="{FF2B5EF4-FFF2-40B4-BE49-F238E27FC236}">
+                <a16:creationId xmlns:a16="http://schemas.microsoft.com/office/drawing/2014/main" id="{F5531518-CCD1-BE7D-6ABA-271DD1AE83B5}"/>
+              </a:ext>
+            </a:extLst>
+          </p:cNvPr>
+          <p:cNvSpPr>
+            <a:spLocks noGrp="1"/>
+          </p:cNvSpPr>
+          <p:nvPr>
+            <p:ph idx="1"/>
+          </p:nvPr>
+        </p:nvSpPr>
+        <p:spPr/>
+        <p:txBody>
+          <a:bodyPr/>
+          <a:lstStyle/>
+          <a:p>
+            <a:endParaRPr lang="pt-PT" dirty="0"/>
+          </a:p>
+        </p:txBody>
+      </p:sp>
+      <p:sp>
+        <p:nvSpPr>
+          <p:cNvPr id="4" name="CaixaDeTexto 3">
+            <a:extLst>
+              <a:ext uri="{FF2B5EF4-FFF2-40B4-BE49-F238E27FC236}">
+                <a16:creationId xmlns:a16="http://schemas.microsoft.com/office/drawing/2014/main" id="{A34E6E0A-E700-6001-7C19-3BBE73914566}"/>
+              </a:ext>
+            </a:extLst>
+          </p:cNvPr>
+          <p:cNvSpPr txBox="1"/>
+          <p:nvPr/>
+        </p:nvSpPr>
+        <p:spPr>
+          <a:xfrm>
+            <a:off x="1262107" y="2729138"/>
+            <a:ext cx="1544715" cy="369332"/>
+          </a:xfrm>
+          <a:prstGeom prst="rect">
+            <a:avLst/>
+          </a:prstGeom>
+          <a:noFill/>
+        </p:spPr>
+        <p:txBody>
+          <a:bodyPr wrap="square" rtlCol="0">
+            <a:spAutoFit/>
+          </a:bodyPr>
+          <a:lstStyle/>
+          <a:p>
+            <a:r>
+              <a:rPr lang="pt-PT" dirty="0"/>
+              <a:t>Apenas </a:t>
+            </a:r>
+            <a:r>
+              <a:rPr lang="pt-PT" dirty="0" err="1"/>
+              <a:t>Alim</a:t>
+            </a:r>
+            <a:endParaRPr lang="pt-PT" dirty="0"/>
+          </a:p>
+        </p:txBody>
+      </p:sp>
+      <p:sp>
+        <p:nvSpPr>
+          <p:cNvPr id="5" name="CaixaDeTexto 4">
+            <a:extLst>
+              <a:ext uri="{FF2B5EF4-FFF2-40B4-BE49-F238E27FC236}">
+                <a16:creationId xmlns:a16="http://schemas.microsoft.com/office/drawing/2014/main" id="{7353AC07-4184-FDC7-912E-25786FDBD8AE}"/>
+              </a:ext>
+            </a:extLst>
+          </p:cNvPr>
+          <p:cNvSpPr txBox="1"/>
+          <p:nvPr/>
+        </p:nvSpPr>
+        <p:spPr>
+          <a:xfrm>
+            <a:off x="1262108" y="3238299"/>
+            <a:ext cx="1738543" cy="369332"/>
+          </a:xfrm>
+          <a:prstGeom prst="rect">
+            <a:avLst/>
+          </a:prstGeom>
+          <a:noFill/>
+        </p:spPr>
+        <p:txBody>
+          <a:bodyPr wrap="square" rtlCol="0">
+            <a:spAutoFit/>
+          </a:bodyPr>
+          <a:lstStyle/>
+          <a:p>
+            <a:r>
+              <a:rPr lang="pt-PT" dirty="0"/>
+              <a:t>Apenas </a:t>
+            </a:r>
+            <a:r>
+              <a:rPr lang="pt-PT" dirty="0" err="1"/>
+              <a:t>estet</a:t>
+            </a:r>
+            <a:endParaRPr lang="pt-PT" dirty="0"/>
+          </a:p>
+        </p:txBody>
+      </p:sp>
+      <p:sp>
+        <p:nvSpPr>
+          <p:cNvPr id="6" name="CaixaDeTexto 5">
+            <a:extLst>
+              <a:ext uri="{FF2B5EF4-FFF2-40B4-BE49-F238E27FC236}">
+                <a16:creationId xmlns:a16="http://schemas.microsoft.com/office/drawing/2014/main" id="{4B147D28-C841-0FEE-25F1-ECEA29ED8B9C}"/>
+              </a:ext>
+            </a:extLst>
+          </p:cNvPr>
+          <p:cNvSpPr txBox="1"/>
+          <p:nvPr/>
+        </p:nvSpPr>
+        <p:spPr>
+          <a:xfrm>
+            <a:off x="1300563" y="3669878"/>
+            <a:ext cx="1738543" cy="369332"/>
+          </a:xfrm>
+          <a:prstGeom prst="rect">
+            <a:avLst/>
+          </a:prstGeom>
+          <a:solidFill>
+            <a:srgbClr val="FFFF00"/>
+          </a:solidFill>
+        </p:spPr>
+        <p:txBody>
+          <a:bodyPr wrap="square" rtlCol="0">
+            <a:spAutoFit/>
+          </a:bodyPr>
+          <a:lstStyle/>
+          <a:p>
+            <a:r>
+              <a:rPr lang="pt-PT" b="1" dirty="0" err="1">
+                <a:solidFill>
+                  <a:srgbClr val="00B050"/>
+                </a:solidFill>
+              </a:rPr>
+              <a:t>Alim</a:t>
+            </a:r>
+            <a:r>
+              <a:rPr lang="pt-PT" b="1" dirty="0">
+                <a:solidFill>
+                  <a:srgbClr val="00B050"/>
+                </a:solidFill>
+              </a:rPr>
+              <a:t> e este</a:t>
+            </a:r>
+          </a:p>
+        </p:txBody>
+      </p:sp>
+      <p:sp>
+        <p:nvSpPr>
+          <p:cNvPr id="7" name="CaixaDeTexto 6">
+            <a:extLst>
+              <a:ext uri="{FF2B5EF4-FFF2-40B4-BE49-F238E27FC236}">
+                <a16:creationId xmlns:a16="http://schemas.microsoft.com/office/drawing/2014/main" id="{80A36F5F-2A8C-3BBF-BF0A-2F927607377F}"/>
+              </a:ext>
+            </a:extLst>
+          </p:cNvPr>
+          <p:cNvSpPr txBox="1"/>
+          <p:nvPr/>
+        </p:nvSpPr>
+        <p:spPr>
+          <a:xfrm>
+            <a:off x="1300564" y="4107626"/>
+            <a:ext cx="1738543" cy="369332"/>
+          </a:xfrm>
+          <a:prstGeom prst="rect">
+            <a:avLst/>
+          </a:prstGeom>
+          <a:solidFill>
+            <a:srgbClr val="FFFF00"/>
+          </a:solidFill>
+        </p:spPr>
+        <p:txBody>
+          <a:bodyPr wrap="square" rtlCol="0">
+            <a:spAutoFit/>
+          </a:bodyPr>
+          <a:lstStyle/>
+          <a:p>
+            <a:r>
+              <a:rPr lang="pt-PT" b="1" dirty="0" err="1">
+                <a:solidFill>
+                  <a:srgbClr val="00B050"/>
+                </a:solidFill>
+              </a:rPr>
+              <a:t>Alim</a:t>
+            </a:r>
+            <a:r>
+              <a:rPr lang="pt-PT" b="1" dirty="0">
+                <a:solidFill>
+                  <a:srgbClr val="00B050"/>
+                </a:solidFill>
+              </a:rPr>
+              <a:t> e out</a:t>
+            </a:r>
+          </a:p>
+        </p:txBody>
+      </p:sp>
+      <p:sp>
+        <p:nvSpPr>
+          <p:cNvPr id="8" name="CaixaDeTexto 7">
+            <a:extLst>
+              <a:ext uri="{FF2B5EF4-FFF2-40B4-BE49-F238E27FC236}">
+                <a16:creationId xmlns:a16="http://schemas.microsoft.com/office/drawing/2014/main" id="{3B5A4B2B-044E-1BED-48E1-EEE1B15DD52C}"/>
+              </a:ext>
+            </a:extLst>
+          </p:cNvPr>
+          <p:cNvSpPr txBox="1"/>
+          <p:nvPr/>
+        </p:nvSpPr>
+        <p:spPr>
+          <a:xfrm>
+            <a:off x="1300565" y="4545374"/>
+            <a:ext cx="1738543" cy="369332"/>
+          </a:xfrm>
+          <a:prstGeom prst="rect">
+            <a:avLst/>
+          </a:prstGeom>
+          <a:solidFill>
+            <a:srgbClr val="FFFF00"/>
+          </a:solidFill>
+        </p:spPr>
+        <p:txBody>
+          <a:bodyPr wrap="square" rtlCol="0">
+            <a:spAutoFit/>
+          </a:bodyPr>
+          <a:lstStyle/>
+          <a:p>
+            <a:r>
+              <a:rPr lang="pt-PT" b="1" dirty="0" err="1">
+                <a:solidFill>
+                  <a:srgbClr val="00B050"/>
+                </a:solidFill>
+              </a:rPr>
+              <a:t>Est</a:t>
+            </a:r>
+            <a:r>
+              <a:rPr lang="pt-PT" b="1" dirty="0">
+                <a:solidFill>
+                  <a:srgbClr val="00B050"/>
+                </a:solidFill>
+              </a:rPr>
+              <a:t> e out</a:t>
+            </a:r>
+          </a:p>
+        </p:txBody>
+      </p:sp>
+      <p:sp>
+        <p:nvSpPr>
+          <p:cNvPr id="9" name="CaixaDeTexto 8">
+            <a:extLst>
+              <a:ext uri="{FF2B5EF4-FFF2-40B4-BE49-F238E27FC236}">
+                <a16:creationId xmlns:a16="http://schemas.microsoft.com/office/drawing/2014/main" id="{41AD0C5F-00F1-7C37-B0D7-F68109E69567}"/>
+              </a:ext>
+            </a:extLst>
+          </p:cNvPr>
+          <p:cNvSpPr txBox="1"/>
+          <p:nvPr/>
+        </p:nvSpPr>
+        <p:spPr>
+          <a:xfrm>
+            <a:off x="1327934" y="4983122"/>
+            <a:ext cx="1738543" cy="369332"/>
+          </a:xfrm>
+          <a:prstGeom prst="rect">
+            <a:avLst/>
+          </a:prstGeom>
+          <a:solidFill>
+            <a:srgbClr val="FFFF00"/>
+          </a:solidFill>
+        </p:spPr>
+        <p:txBody>
+          <a:bodyPr wrap="square" rtlCol="0">
+            <a:spAutoFit/>
+          </a:bodyPr>
+          <a:lstStyle/>
+          <a:p>
+            <a:r>
+              <a:rPr lang="pt-PT" b="1" dirty="0">
+                <a:solidFill>
+                  <a:srgbClr val="00B050"/>
+                </a:solidFill>
+              </a:rPr>
+              <a:t>outros</a:t>
+            </a:r>
+          </a:p>
+        </p:txBody>
+      </p:sp>
+    </p:spTree>
+    <p:extLst>
+      <p:ext uri="{BB962C8B-B14F-4D97-AF65-F5344CB8AC3E}">
+        <p14:creationId xmlns:p14="http://schemas.microsoft.com/office/powerpoint/2010/main" val="555610288"/>
+      </p:ext>
+    </p:extLst>
+  </p:cSld>
+  <p:clrMapOvr>
+    <a:masterClrMapping/>
+  </p:clrMapOvr>
+</p:sld>
+</file>
+
+<file path=ppt/slides/slide2.xml><?xml version="1.0" encoding="utf-8"?>
+<p:sld xmlns:a="http://schemas.openxmlformats.org/drawingml/2006/main" xmlns:r="http://schemas.openxmlformats.org/officeDocument/2006/relationships" xmlns:p="http://schemas.openxmlformats.org/presentationml/2006/main">
+  <p:cSld>
+    <p:spTree>
+      <p:nvGrpSpPr>
+        <p:cNvPr id="1" name=""/>
+        <p:cNvGrpSpPr/>
+        <p:nvPr/>
+      </p:nvGrpSpPr>
+      <p:grpSpPr>
+        <a:xfrm>
+          <a:off x="0" y="0"/>
+          <a:ext cx="0" cy="0"/>
+          <a:chOff x="0" y="0"/>
+          <a:chExt cx="0" cy="0"/>
+        </a:xfrm>
+      </p:grpSpPr>
+      <p:sp>
+        <p:nvSpPr>
           <p:cNvPr id="6" name="Rechteck 5">
             <a:extLst>
               <a:ext uri="{FF2B5EF4-FFF2-40B4-BE49-F238E27FC236}">
@@ -4721,8 +5564,8 @@
         </p:nvSpPr>
         <p:spPr>
           <a:xfrm>
-            <a:off x="330003" y="532047"/>
-            <a:ext cx="11993472" cy="7017306"/>
+            <a:off x="758966" y="2000699"/>
+            <a:ext cx="10184338" cy="2954655"/>
           </a:xfrm>
           <a:prstGeom prst="rect">
             <a:avLst/>
@@ -4735,252 +5578,52 @@
           <a:lstStyle/>
           <a:p>
             <a:pPr algn="just"/>
-            <a:endParaRPr lang="pt-BR" sz="2400" b="1" dirty="0">
-              <a:latin typeface="Gill Sans" panose="020B0502020104020203" pitchFamily="34" charset="0"/>
-            </a:endParaRPr>
-          </a:p>
-          <a:p>
-            <a:pPr marL="457200" indent="-457200" algn="just">
-              <a:buAutoNum type="arabicPeriod"/>
-            </a:pPr>
             <a:r>
               <a:rPr lang="pt-BR" b="1" dirty="0">
                 <a:latin typeface="Gill Sans" panose="020B0502020104020203" pitchFamily="34" charset="0"/>
               </a:rPr>
-              <a:t>Mobilization Processo for the REALIZA Program: </a:t>
+              <a:t>Report main objectives:</a:t>
             </a:r>
           </a:p>
           <a:p>
             <a:pPr algn="just"/>
-            <a:r>
-              <a:rPr lang="pt-BR" dirty="0">
-                <a:latin typeface="Gill Sans" panose="020B0502020104020203" pitchFamily="34" charset="0"/>
-              </a:rPr>
-              <a:t>1.1 </a:t>
-            </a:r>
+            <a:endParaRPr lang="pt-BR" sz="2400" dirty="0">
+              <a:latin typeface="Gill Sans" panose="020B0502020104020203" pitchFamily="34" charset="0"/>
+            </a:endParaRPr>
+          </a:p>
+          <a:p>
+            <a:pPr marL="342900" indent="-342900" algn="just">
+              <a:buFont typeface="Arial" panose="020B0604020202020204" pitchFamily="34" charset="0"/>
+              <a:buChar char="•"/>
+            </a:pPr>
             <a:r>
               <a:rPr lang="en-US" dirty="0">
                 <a:latin typeface="Gill Sans" panose="020B0502020104020203" pitchFamily="34" charset="0"/>
               </a:rPr>
-              <a:t>What was done in the mobilization process for the REALIZA Program?</a:t>
-            </a:r>
-          </a:p>
-          <a:p>
-            <a:pPr algn="just"/>
+              <a:t>Describing the profiles of female entrepreneurs mobilized for the REALIZA Program in order to understand which profiles expressed interest in enrolling in the program during the mobilization period;</a:t>
+            </a:r>
+          </a:p>
+          <a:p>
+            <a:pPr marL="342900" indent="-342900" algn="just">
+              <a:buFont typeface="Arial" panose="020B0604020202020204" pitchFamily="34" charset="0"/>
+              <a:buChar char="•"/>
+            </a:pPr>
+            <a:endParaRPr lang="en-US" dirty="0">
+              <a:latin typeface="Gill Sans" panose="020B0502020104020203" pitchFamily="34" charset="0"/>
+            </a:endParaRPr>
+          </a:p>
+          <a:p>
+            <a:pPr marL="342900" indent="-342900" algn="just">
+              <a:buFont typeface="Arial" panose="020B0604020202020204" pitchFamily="34" charset="0"/>
+              <a:buChar char="•"/>
+            </a:pPr>
             <a:r>
               <a:rPr lang="en-US" dirty="0">
                 <a:latin typeface="Gill Sans" panose="020B0502020104020203" pitchFamily="34" charset="0"/>
               </a:rPr>
-              <a:t>1.2 Main challenges and main learnings from the mobilization process</a:t>
-            </a:r>
-          </a:p>
-          <a:p>
-            <a:pPr algn="just"/>
-            <a:endParaRPr lang="en-US" dirty="0">
-              <a:latin typeface="Gill Sans" panose="020B0502020104020203" pitchFamily="34" charset="0"/>
-            </a:endParaRPr>
-          </a:p>
-          <a:p>
-            <a:pPr algn="just"/>
-            <a:r>
-              <a:rPr lang="en-US" b="1" dirty="0">
-                <a:latin typeface="Gill Sans" panose="020B0502020104020203" pitchFamily="34" charset="0"/>
-              </a:rPr>
-              <a:t>2. Profile description of the six thousand female entrepreneurs mobilized</a:t>
-            </a:r>
-          </a:p>
-          <a:p>
-            <a:pPr algn="just"/>
-            <a:r>
-              <a:rPr lang="en-US" dirty="0">
-                <a:latin typeface="Gill Sans" panose="020B0502020104020203" pitchFamily="34" charset="0"/>
-              </a:rPr>
-              <a:t>2.1 Geography, formalization and profit </a:t>
-            </a:r>
-            <a:r>
-              <a:rPr lang="en-US" dirty="0">
-                <a:solidFill>
-                  <a:srgbClr val="731531"/>
-                </a:solidFill>
-                <a:latin typeface="Gill Sans" panose="020B0502020104020203" pitchFamily="34" charset="0"/>
-              </a:rPr>
-              <a:t>(areas for next mobilization with the profile needed)</a:t>
-            </a:r>
-          </a:p>
-          <a:p>
-            <a:pPr algn="just"/>
-            <a:r>
-              <a:rPr lang="en-US" dirty="0">
-                <a:latin typeface="Gill Sans" panose="020B0502020104020203" pitchFamily="34" charset="0"/>
-              </a:rPr>
-              <a:t>2.2 Type of business and formalization </a:t>
-            </a:r>
-            <a:r>
-              <a:rPr lang="en-US" dirty="0">
-                <a:solidFill>
-                  <a:srgbClr val="731531"/>
-                </a:solidFill>
-                <a:latin typeface="Gill Sans" panose="020B0502020104020203" pitchFamily="34" charset="0"/>
-              </a:rPr>
-              <a:t>(identify if we should focus on specific types of business)</a:t>
-            </a:r>
-          </a:p>
-          <a:p>
-            <a:pPr algn="just"/>
-            <a:r>
-              <a:rPr lang="en-US" dirty="0">
-                <a:latin typeface="Gill Sans" panose="020B0502020104020203" pitchFamily="34" charset="0"/>
-              </a:rPr>
-              <a:t>2.3 Type of business, profit and number of workers </a:t>
-            </a:r>
-            <a:r>
-              <a:rPr lang="en-US" dirty="0">
-                <a:solidFill>
-                  <a:srgbClr val="731531"/>
-                </a:solidFill>
-                <a:latin typeface="Gill Sans" panose="020B0502020104020203" pitchFamily="34" charset="0"/>
-              </a:rPr>
-              <a:t>(identify if there is any relation about those variants)</a:t>
-            </a:r>
-          </a:p>
-          <a:p>
-            <a:pPr algn="just"/>
-            <a:r>
-              <a:rPr lang="en-US" dirty="0">
-                <a:latin typeface="Gill Sans" panose="020B0502020104020203" pitchFamily="34" charset="0"/>
-              </a:rPr>
-              <a:t>2.4 Age and formalization </a:t>
-            </a:r>
-            <a:r>
-              <a:rPr lang="en-US" dirty="0">
-                <a:solidFill>
-                  <a:srgbClr val="731531"/>
-                </a:solidFill>
-                <a:latin typeface="Gill Sans" panose="020B0502020104020203" pitchFamily="34" charset="0"/>
-              </a:rPr>
-              <a:t>(identify if there is a trend about age of entrepreneurs and formalization) </a:t>
-            </a:r>
-          </a:p>
-          <a:p>
-            <a:pPr algn="just"/>
-            <a:r>
-              <a:rPr lang="en-US" dirty="0">
-                <a:latin typeface="Gill Sans" panose="020B0502020104020203" pitchFamily="34" charset="0"/>
-              </a:rPr>
-              <a:t>2.5 Social media and profit </a:t>
-            </a:r>
-            <a:r>
-              <a:rPr lang="en-US" dirty="0">
-                <a:solidFill>
-                  <a:srgbClr val="731531"/>
-                </a:solidFill>
-                <a:latin typeface="Gill Sans" panose="020B0502020104020203" pitchFamily="34" charset="0"/>
-              </a:rPr>
-              <a:t>(identify if social media management can be related to better profit) </a:t>
-            </a:r>
-          </a:p>
-          <a:p>
-            <a:pPr algn="just"/>
-            <a:r>
-              <a:rPr lang="en-US" dirty="0">
-                <a:latin typeface="Gill Sans" panose="020B0502020104020203" pitchFamily="34" charset="0"/>
-              </a:rPr>
-              <a:t>2.6 Years of the business and profit </a:t>
-            </a:r>
-            <a:r>
-              <a:rPr lang="en-US" dirty="0">
-                <a:solidFill>
-                  <a:srgbClr val="731531"/>
-                </a:solidFill>
-                <a:latin typeface="Gill Sans" panose="020B0502020104020203" pitchFamily="34" charset="0"/>
-              </a:rPr>
-              <a:t>(identify if there is a relation between old and new businesses about profit) </a:t>
-            </a:r>
-          </a:p>
-          <a:p>
-            <a:pPr algn="just"/>
-            <a:endParaRPr lang="en-US" dirty="0">
-              <a:latin typeface="Gill Sans" panose="020B0502020104020203" pitchFamily="34" charset="0"/>
-            </a:endParaRPr>
-          </a:p>
-          <a:p>
-            <a:pPr algn="just"/>
-            <a:r>
-              <a:rPr lang="en-US" b="1" dirty="0">
-                <a:latin typeface="Gill Sans" panose="020B0502020104020203" pitchFamily="34" charset="0"/>
-              </a:rPr>
-              <a:t>3. Profile description of the two thousand eligible entrepreneurs</a:t>
-            </a:r>
-          </a:p>
-          <a:p>
-            <a:pPr algn="just"/>
-            <a:r>
-              <a:rPr lang="en-US" dirty="0">
-                <a:latin typeface="Gill Sans" panose="020B0502020104020203" pitchFamily="34" charset="0"/>
-              </a:rPr>
-              <a:t>2.1 Geography, formalization and profit </a:t>
-            </a:r>
-          </a:p>
-          <a:p>
-            <a:pPr algn="just"/>
-            <a:r>
-              <a:rPr lang="en-US" dirty="0">
-                <a:latin typeface="Gill Sans" panose="020B0502020104020203" pitchFamily="34" charset="0"/>
-              </a:rPr>
-              <a:t>2.2 Type of business and formalization </a:t>
-            </a:r>
-          </a:p>
-          <a:p>
-            <a:pPr algn="just"/>
-            <a:r>
-              <a:rPr lang="en-US" dirty="0">
-                <a:latin typeface="Gill Sans" panose="020B0502020104020203" pitchFamily="34" charset="0"/>
-              </a:rPr>
-              <a:t>2.3 Type of business, profit and number of workers </a:t>
-            </a:r>
-          </a:p>
-          <a:p>
-            <a:pPr algn="just"/>
-            <a:r>
-              <a:rPr lang="en-US" dirty="0">
-                <a:latin typeface="Gill Sans" panose="020B0502020104020203" pitchFamily="34" charset="0"/>
-              </a:rPr>
-              <a:t>2.4 Age and formalization </a:t>
-            </a:r>
-          </a:p>
-          <a:p>
-            <a:pPr algn="just"/>
-            <a:r>
-              <a:rPr lang="en-US" dirty="0">
-                <a:latin typeface="Gill Sans" panose="020B0502020104020203" pitchFamily="34" charset="0"/>
-              </a:rPr>
-              <a:t>2.5 Social media and profit </a:t>
-            </a:r>
-          </a:p>
-          <a:p>
-            <a:pPr algn="just"/>
-            <a:r>
-              <a:rPr lang="en-US" dirty="0">
-                <a:latin typeface="Gill Sans" panose="020B0502020104020203" pitchFamily="34" charset="0"/>
-              </a:rPr>
-              <a:t>2.6 Years of the business and profit </a:t>
-            </a:r>
-          </a:p>
-          <a:p>
-            <a:pPr algn="just"/>
-            <a:endParaRPr lang="en-US" dirty="0">
-              <a:latin typeface="Gill Sans" panose="020B0502020104020203" pitchFamily="34" charset="0"/>
-            </a:endParaRPr>
-          </a:p>
-          <a:p>
-            <a:pPr algn="just"/>
-            <a:r>
-              <a:rPr lang="en-US" b="1" dirty="0">
-                <a:latin typeface="Gill Sans" panose="020B0502020104020203" pitchFamily="34" charset="0"/>
-              </a:rPr>
-              <a:t>4. Key strategic considerations for future mobilization</a:t>
-            </a:r>
-            <a:endParaRPr lang="pt-BR" sz="2400" b="1" dirty="0">
+              <a:t>Identify whether there are new strategies that can be used to mobilize the profile idealized for the REALIZA Program based on the data available.</a:t>
+            </a:r>
+            <a:endParaRPr lang="pt-BR" dirty="0">
               <a:latin typeface="Gill Sans" panose="020B0502020104020203" pitchFamily="34" charset="0"/>
             </a:endParaRPr>
           </a:p>
@@ -5173,7 +5816,7 @@
                 </a:solidFill>
                 <a:latin typeface="Gill Sans" panose="020B0502020104020203"/>
               </a:rPr>
-              <a:t>Report Outline  </a:t>
+              <a:t>Report objective </a:t>
             </a:r>
           </a:p>
         </p:txBody>
@@ -5216,7 +5859,7 @@
     </p:spTree>
     <p:extLst>
       <p:ext uri="{BB962C8B-B14F-4D97-AF65-F5344CB8AC3E}">
-        <p14:creationId xmlns:p14="http://schemas.microsoft.com/office/powerpoint/2010/main" val="4041024132"/>
+        <p14:creationId xmlns:p14="http://schemas.microsoft.com/office/powerpoint/2010/main" val="1876262357"/>
       </p:ext>
     </p:extLst>
   </p:cSld>
@@ -5226,7 +5869,7 @@
 </p:sld>
 </file>
 
-<file path=ppt/slides/slide4.xml><?xml version="1.0" encoding="utf-8"?>
+<file path=ppt/slides/slide3.xml><?xml version="1.0" encoding="utf-8"?>
 <p:sld xmlns:a="http://schemas.openxmlformats.org/drawingml/2006/main" xmlns:r="http://schemas.openxmlformats.org/officeDocument/2006/relationships" xmlns:p="http://schemas.openxmlformats.org/presentationml/2006/main">
   <p:cSld>
     <p:spTree>
@@ -5245,356 +5888,24 @@
       </p:grpSpPr>
       <p:sp>
         <p:nvSpPr>
-          <p:cNvPr id="2" name="Título 1">
+          <p:cNvPr id="6" name="Rechteck 5">
             <a:extLst>
               <a:ext uri="{FF2B5EF4-FFF2-40B4-BE49-F238E27FC236}">
-                <a16:creationId xmlns:a16="http://schemas.microsoft.com/office/drawing/2014/main" id="{BD426FFE-3ADD-2B25-A332-DBEC201BB672}"/>
+                <a16:creationId xmlns:a16="http://schemas.microsoft.com/office/drawing/2014/main" id="{4D98BED5-83CE-464A-BFA1-360B417CEF67}"/>
               </a:ext>
             </a:extLst>
           </p:cNvPr>
-          <p:cNvSpPr>
-            <a:spLocks noGrp="1"/>
-          </p:cNvSpPr>
-          <p:nvPr>
-            <p:ph type="title"/>
-          </p:nvPr>
-        </p:nvSpPr>
-        <p:spPr>
-          <a:xfrm>
-            <a:off x="325120" y="190699"/>
-            <a:ext cx="10772775" cy="580601"/>
-          </a:xfrm>
-        </p:spPr>
-        <p:txBody>
-          <a:bodyPr>
-            <a:normAutofit fontScale="90000"/>
-          </a:bodyPr>
-          <a:lstStyle/>
-          <a:p>
-            <a:r>
-              <a:rPr lang="pt-PT" dirty="0"/>
-              <a:t>Mobilizadas</a:t>
-            </a:r>
-          </a:p>
-        </p:txBody>
-      </p:sp>
-      <p:sp>
-        <p:nvSpPr>
-          <p:cNvPr id="22" name="CaixaDeTexto 21">
-            <a:extLst>
-              <a:ext uri="{FF2B5EF4-FFF2-40B4-BE49-F238E27FC236}">
-                <a16:creationId xmlns:a16="http://schemas.microsoft.com/office/drawing/2014/main" id="{91F8AF67-6B0C-E701-A6D6-59336A538093}"/>
-              </a:ext>
-            </a:extLst>
-          </p:cNvPr>
-          <p:cNvSpPr txBox="1"/>
+          <p:cNvSpPr/>
           <p:nvPr/>
         </p:nvSpPr>
         <p:spPr>
           <a:xfrm>
-            <a:off x="325120" y="1056290"/>
-            <a:ext cx="11541760" cy="646331"/>
+            <a:off x="330003" y="532047"/>
+            <a:ext cx="11993472" cy="7017306"/>
           </a:xfrm>
           <a:prstGeom prst="rect">
             <a:avLst/>
           </a:prstGeom>
-          <a:noFill/>
-        </p:spPr>
-        <p:txBody>
-          <a:bodyPr wrap="square" rtlCol="0">
-            <a:spAutoFit/>
-          </a:bodyPr>
-          <a:lstStyle/>
-          <a:p>
-            <a:r>
-              <a:rPr lang="en-US" b="1" dirty="0"/>
-              <a:t>There were 6003 entrepreneurs mobilized of which 89 were not business owners. We note that these business owners registered online. </a:t>
-            </a:r>
-            <a:endParaRPr lang="pt-PT" b="1" dirty="0"/>
-          </a:p>
-        </p:txBody>
-      </p:sp>
-      <p:pic>
-        <p:nvPicPr>
-          <p:cNvPr id="10" name="Imagem 9">
-            <a:extLst>
-              <a:ext uri="{FF2B5EF4-FFF2-40B4-BE49-F238E27FC236}">
-                <a16:creationId xmlns:a16="http://schemas.microsoft.com/office/drawing/2014/main" id="{D374E568-3A5C-F525-ACDE-7F0C42557D51}"/>
-              </a:ext>
-            </a:extLst>
-          </p:cNvPr>
-          <p:cNvPicPr>
-            <a:picLocks noChangeAspect="1"/>
-          </p:cNvPicPr>
-          <p:nvPr/>
-        </p:nvPicPr>
-        <p:blipFill rotWithShape="1">
-          <a:blip r:embed="rId2"/>
-          <a:srcRect t="1364" b="1"/>
-          <a:stretch/>
-        </p:blipFill>
-        <p:spPr>
-          <a:xfrm>
-            <a:off x="174747" y="2157273"/>
-            <a:ext cx="5921253" cy="4510027"/>
-          </a:xfrm>
-          <a:prstGeom prst="rect">
-            <a:avLst/>
-          </a:prstGeom>
-        </p:spPr>
-      </p:pic>
-      <p:pic>
-        <p:nvPicPr>
-          <p:cNvPr id="6" name="Imagem 5">
-            <a:extLst>
-              <a:ext uri="{FF2B5EF4-FFF2-40B4-BE49-F238E27FC236}">
-                <a16:creationId xmlns:a16="http://schemas.microsoft.com/office/drawing/2014/main" id="{8CFC201C-3B5A-6394-039A-85DF102D20D6}"/>
-              </a:ext>
-            </a:extLst>
-          </p:cNvPr>
-          <p:cNvPicPr>
-            <a:picLocks noChangeAspect="1"/>
-          </p:cNvPicPr>
-          <p:nvPr/>
-        </p:nvPicPr>
-        <p:blipFill rotWithShape="1">
-          <a:blip r:embed="rId3"/>
-          <a:srcRect t="2650"/>
-          <a:stretch/>
-        </p:blipFill>
-        <p:spPr>
-          <a:xfrm>
-            <a:off x="6096000" y="1987611"/>
-            <a:ext cx="5921253" cy="4718123"/>
-          </a:xfrm>
-          <a:prstGeom prst="rect">
-            <a:avLst/>
-          </a:prstGeom>
-        </p:spPr>
-      </p:pic>
-      <p:sp>
-        <p:nvSpPr>
-          <p:cNvPr id="3" name="CaixaDeTexto 2">
-            <a:extLst>
-              <a:ext uri="{FF2B5EF4-FFF2-40B4-BE49-F238E27FC236}">
-                <a16:creationId xmlns:a16="http://schemas.microsoft.com/office/drawing/2014/main" id="{06A97C78-4117-C572-A638-8FA68E609D72}"/>
-              </a:ext>
-            </a:extLst>
-          </p:cNvPr>
-          <p:cNvSpPr txBox="1"/>
-          <p:nvPr/>
-        </p:nvSpPr>
-        <p:spPr>
-          <a:xfrm>
-            <a:off x="780176" y="1787941"/>
-            <a:ext cx="915635" cy="369332"/>
-          </a:xfrm>
-          <a:prstGeom prst="rect">
-            <a:avLst/>
-          </a:prstGeom>
-          <a:noFill/>
-        </p:spPr>
-        <p:txBody>
-          <a:bodyPr wrap="none" rtlCol="0">
-            <a:spAutoFit/>
-          </a:bodyPr>
-          <a:lstStyle/>
-          <a:p>
-            <a:r>
-              <a:rPr lang="pt-PT" b="1" dirty="0"/>
-              <a:t>N=6003</a:t>
-            </a:r>
-          </a:p>
-        </p:txBody>
-      </p:sp>
-      <p:sp>
-        <p:nvSpPr>
-          <p:cNvPr id="4" name="CaixaDeTexto 3">
-            <a:extLst>
-              <a:ext uri="{FF2B5EF4-FFF2-40B4-BE49-F238E27FC236}">
-                <a16:creationId xmlns:a16="http://schemas.microsoft.com/office/drawing/2014/main" id="{59C4D919-8E6F-BC3E-26CF-8FE4E1AE6906}"/>
-              </a:ext>
-            </a:extLst>
-          </p:cNvPr>
-          <p:cNvSpPr txBox="1"/>
-          <p:nvPr/>
-        </p:nvSpPr>
-        <p:spPr>
-          <a:xfrm>
-            <a:off x="11097895" y="1886835"/>
-            <a:ext cx="915635" cy="369332"/>
-          </a:xfrm>
-          <a:prstGeom prst="rect">
-            <a:avLst/>
-          </a:prstGeom>
-          <a:noFill/>
-        </p:spPr>
-        <p:txBody>
-          <a:bodyPr wrap="none" rtlCol="0">
-            <a:spAutoFit/>
-          </a:bodyPr>
-          <a:lstStyle/>
-          <a:p>
-            <a:r>
-              <a:rPr lang="pt-PT" b="1" dirty="0"/>
-              <a:t>N=5914</a:t>
-            </a:r>
-          </a:p>
-        </p:txBody>
-      </p:sp>
-    </p:spTree>
-    <p:extLst>
-      <p:ext uri="{BB962C8B-B14F-4D97-AF65-F5344CB8AC3E}">
-        <p14:creationId xmlns:p14="http://schemas.microsoft.com/office/powerpoint/2010/main" val="2217484933"/>
-      </p:ext>
-    </p:extLst>
-  </p:cSld>
-  <p:clrMapOvr>
-    <a:masterClrMapping/>
-  </p:clrMapOvr>
-</p:sld>
-</file>
-
-<file path=ppt/slides/slide5.xml><?xml version="1.0" encoding="utf-8"?>
-<p:sld xmlns:a="http://schemas.openxmlformats.org/drawingml/2006/main" xmlns:r="http://schemas.openxmlformats.org/officeDocument/2006/relationships" xmlns:p="http://schemas.openxmlformats.org/presentationml/2006/main">
-  <p:cSld>
-    <p:spTree>
-      <p:nvGrpSpPr>
-        <p:cNvPr id="1" name=""/>
-        <p:cNvGrpSpPr/>
-        <p:nvPr/>
-      </p:nvGrpSpPr>
-      <p:grpSpPr>
-        <a:xfrm>
-          <a:off x="0" y="0"/>
-          <a:ext cx="0" cy="0"/>
-          <a:chOff x="0" y="0"/>
-          <a:chExt cx="0" cy="0"/>
-        </a:xfrm>
-      </p:grpSpPr>
-      <p:sp>
-        <p:nvSpPr>
-          <p:cNvPr id="2" name="CaixaDeTexto 1">
-            <a:extLst>
-              <a:ext uri="{FF2B5EF4-FFF2-40B4-BE49-F238E27FC236}">
-                <a16:creationId xmlns:a16="http://schemas.microsoft.com/office/drawing/2014/main" id="{B0939F91-496C-0C6E-CDB7-BEFAEC5DEB57}"/>
-              </a:ext>
-            </a:extLst>
-          </p:cNvPr>
-          <p:cNvSpPr txBox="1"/>
-          <p:nvPr/>
-        </p:nvSpPr>
-        <p:spPr>
-          <a:xfrm>
-            <a:off x="444616" y="276837"/>
-            <a:ext cx="11190914" cy="1200329"/>
-          </a:xfrm>
-          <a:prstGeom prst="rect">
-            <a:avLst/>
-          </a:prstGeom>
-          <a:noFill/>
-        </p:spPr>
-        <p:txBody>
-          <a:bodyPr wrap="square" rtlCol="0">
-            <a:spAutoFit/>
-          </a:bodyPr>
-          <a:lstStyle/>
-          <a:p>
-            <a:r>
-              <a:rPr lang="en-US" sz="2400" dirty="0">
-                <a:solidFill>
-                  <a:srgbClr val="00B050"/>
-                </a:solidFill>
-              </a:rPr>
-              <a:t>In all cities, women entrepreneurs earning more than 10,000 meticais do not reach 15%. Beira has the lowest percentage (9%) of female entrepreneurs earning at least 10,000 meticais. </a:t>
-            </a:r>
-            <a:endParaRPr lang="pt-PT" sz="2400" dirty="0">
-              <a:solidFill>
-                <a:srgbClr val="00B050"/>
-              </a:solidFill>
-            </a:endParaRPr>
-          </a:p>
-        </p:txBody>
-      </p:sp>
-      <p:pic>
-        <p:nvPicPr>
-          <p:cNvPr id="8" name="Imagem 7">
-            <a:extLst>
-              <a:ext uri="{FF2B5EF4-FFF2-40B4-BE49-F238E27FC236}">
-                <a16:creationId xmlns:a16="http://schemas.microsoft.com/office/drawing/2014/main" id="{E8DAC2D4-148F-F32C-B815-13201E016CA7}"/>
-              </a:ext>
-            </a:extLst>
-          </p:cNvPr>
-          <p:cNvPicPr>
-            <a:picLocks noChangeAspect="1"/>
-          </p:cNvPicPr>
-          <p:nvPr/>
-        </p:nvPicPr>
-        <p:blipFill rotWithShape="1">
-          <a:blip r:embed="rId2"/>
-          <a:srcRect t="860" b="-1"/>
-          <a:stretch/>
-        </p:blipFill>
-        <p:spPr>
-          <a:xfrm>
-            <a:off x="6188631" y="2324911"/>
-            <a:ext cx="5921253" cy="4533089"/>
-          </a:xfrm>
-          <a:prstGeom prst="rect">
-            <a:avLst/>
-          </a:prstGeom>
-        </p:spPr>
-      </p:pic>
-      <p:pic>
-        <p:nvPicPr>
-          <p:cNvPr id="4" name="Imagem 3">
-            <a:extLst>
-              <a:ext uri="{FF2B5EF4-FFF2-40B4-BE49-F238E27FC236}">
-                <a16:creationId xmlns:a16="http://schemas.microsoft.com/office/drawing/2014/main" id="{7EE00536-E813-3B70-3E97-2B0D80D8AC55}"/>
-              </a:ext>
-            </a:extLst>
-          </p:cNvPr>
-          <p:cNvPicPr>
-            <a:picLocks noChangeAspect="1"/>
-          </p:cNvPicPr>
-          <p:nvPr/>
-        </p:nvPicPr>
-        <p:blipFill rotWithShape="1">
-          <a:blip r:embed="rId3"/>
-          <a:srcRect t="1567"/>
-          <a:stretch/>
-        </p:blipFill>
-        <p:spPr>
-          <a:xfrm>
-            <a:off x="395414" y="2379525"/>
-            <a:ext cx="6420385" cy="4423860"/>
-          </a:xfrm>
-          <a:prstGeom prst="rect">
-            <a:avLst/>
-          </a:prstGeom>
-        </p:spPr>
-      </p:pic>
-      <p:sp>
-        <p:nvSpPr>
-          <p:cNvPr id="6" name="CaixaDeTexto 5">
-            <a:extLst>
-              <a:ext uri="{FF2B5EF4-FFF2-40B4-BE49-F238E27FC236}">
-                <a16:creationId xmlns:a16="http://schemas.microsoft.com/office/drawing/2014/main" id="{E9B671A3-D031-C668-C336-665210EE8F4F}"/>
-              </a:ext>
-            </a:extLst>
-          </p:cNvPr>
-          <p:cNvSpPr txBox="1"/>
-          <p:nvPr/>
-        </p:nvSpPr>
-        <p:spPr>
-          <a:xfrm>
-            <a:off x="444616" y="1642899"/>
-            <a:ext cx="10905689" cy="461665"/>
-          </a:xfrm>
-          <a:prstGeom prst="rect">
-            <a:avLst/>
-          </a:prstGeom>
-          <a:noFill/>
         </p:spPr>
         <p:txBody>
           <a:bodyPr wrap="square">
@@ -5602,1059 +5913,273 @@
           </a:bodyPr>
           <a:lstStyle/>
           <a:p>
-            <a:r>
-              <a:rPr lang="pt-PT" sz="2400" dirty="0">
-                <a:solidFill>
-                  <a:srgbClr val="7030A0"/>
-                </a:solidFill>
+            <a:pPr algn="just"/>
+            <a:endParaRPr lang="pt-BR" sz="2400" b="1" dirty="0">
+              <a:latin typeface="Gill Sans" panose="020B0502020104020203" pitchFamily="34" charset="0"/>
+            </a:endParaRPr>
+          </a:p>
+          <a:p>
+            <a:pPr marL="457200" indent="-457200" algn="just">
+              <a:buAutoNum type="arabicPeriod"/>
+            </a:pPr>
+            <a:r>
+              <a:rPr lang="pt-BR" b="1" dirty="0">
+                <a:latin typeface="Gill Sans" panose="020B0502020104020203" pitchFamily="34" charset="0"/>
               </a:rPr>
-              <a:t>More </a:t>
-            </a:r>
-            <a:r>
-              <a:rPr lang="pt-PT" sz="2400" dirty="0" err="1">
-                <a:solidFill>
-                  <a:srgbClr val="7030A0"/>
-                </a:solidFill>
+              <a:t>Mobilization Processo for the REALIZA Program: </a:t>
+            </a:r>
+          </a:p>
+          <a:p>
+            <a:pPr algn="just"/>
+            <a:r>
+              <a:rPr lang="pt-BR" dirty="0">
+                <a:latin typeface="Gill Sans" panose="020B0502020104020203" pitchFamily="34" charset="0"/>
               </a:rPr>
-              <a:t>than</a:t>
-            </a:r>
-            <a:r>
-              <a:rPr lang="pt-PT" sz="2400" dirty="0">
-                <a:solidFill>
-                  <a:srgbClr val="7030A0"/>
-                </a:solidFill>
+              <a:t>1.1 </a:t>
+            </a:r>
+            <a:r>
+              <a:rPr lang="en-US" dirty="0">
+                <a:latin typeface="Gill Sans" panose="020B0502020104020203" pitchFamily="34" charset="0"/>
               </a:rPr>
-              <a:t> 80 </a:t>
-            </a:r>
-            <a:r>
-              <a:rPr lang="pt-PT" sz="2400" dirty="0" err="1">
-                <a:solidFill>
-                  <a:srgbClr val="7030A0"/>
-                </a:solidFill>
+              <a:t>What was done in the mobilization process for the REALIZA Program?</a:t>
+            </a:r>
+          </a:p>
+          <a:p>
+            <a:pPr algn="just"/>
+            <a:r>
+              <a:rPr lang="en-US" dirty="0">
+                <a:latin typeface="Gill Sans" panose="020B0502020104020203" pitchFamily="34" charset="0"/>
               </a:rPr>
-              <a:t>percent</a:t>
-            </a:r>
-            <a:r>
-              <a:rPr lang="pt-PT" sz="2400" dirty="0">
-                <a:solidFill>
-                  <a:srgbClr val="7030A0"/>
-                </a:solidFill>
+              <a:t>1.2 Main challenges and main learnings from the mobilization process</a:t>
+            </a:r>
+          </a:p>
+          <a:p>
+            <a:pPr algn="just"/>
+            <a:endParaRPr lang="en-US" dirty="0">
+              <a:latin typeface="Gill Sans" panose="020B0502020104020203" pitchFamily="34" charset="0"/>
+            </a:endParaRPr>
+          </a:p>
+          <a:p>
+            <a:pPr algn="just"/>
+            <a:r>
+              <a:rPr lang="en-US" b="1" dirty="0">
+                <a:latin typeface="Gill Sans" panose="020B0502020104020203" pitchFamily="34" charset="0"/>
               </a:rPr>
-              <a:t> </a:t>
-            </a:r>
-            <a:r>
-              <a:rPr lang="pt-PT" sz="2400" dirty="0" err="1">
-                <a:solidFill>
-                  <a:srgbClr val="7030A0"/>
-                </a:solidFill>
+              <a:t>2. Profile description of the six thousand female entrepreneurs mobilized</a:t>
+            </a:r>
+          </a:p>
+          <a:p>
+            <a:pPr algn="just"/>
+            <a:r>
+              <a:rPr lang="en-US" dirty="0">
+                <a:latin typeface="Gill Sans" panose="020B0502020104020203" pitchFamily="34" charset="0"/>
               </a:rPr>
-              <a:t>of</a:t>
-            </a:r>
-            <a:r>
-              <a:rPr lang="pt-PT" sz="2400" dirty="0">
-                <a:solidFill>
-                  <a:srgbClr val="7030A0"/>
-                </a:solidFill>
-              </a:rPr>
-              <a:t> </a:t>
-            </a:r>
-            <a:r>
-              <a:rPr lang="pt-PT" sz="2400" dirty="0" err="1">
-                <a:solidFill>
-                  <a:srgbClr val="7030A0"/>
-                </a:solidFill>
-              </a:rPr>
-              <a:t>women</a:t>
-            </a:r>
-            <a:r>
-              <a:rPr lang="pt-PT" sz="2400" dirty="0">
-                <a:solidFill>
-                  <a:srgbClr val="7030A0"/>
-                </a:solidFill>
-              </a:rPr>
-              <a:t>, </a:t>
-            </a:r>
-            <a:r>
-              <a:rPr lang="pt-PT" sz="2400" dirty="0" err="1">
-                <a:solidFill>
-                  <a:srgbClr val="7030A0"/>
-                </a:solidFill>
-              </a:rPr>
-              <a:t>their</a:t>
-            </a:r>
-            <a:r>
-              <a:rPr lang="pt-PT" sz="2400" dirty="0">
-                <a:solidFill>
-                  <a:srgbClr val="7030A0"/>
-                </a:solidFill>
-              </a:rPr>
-              <a:t> businesses are </a:t>
-            </a:r>
-            <a:r>
-              <a:rPr lang="pt-PT" sz="2400" dirty="0" err="1">
-                <a:solidFill>
-                  <a:srgbClr val="7030A0"/>
-                </a:solidFill>
-              </a:rPr>
-              <a:t>not</a:t>
-            </a:r>
-            <a:r>
-              <a:rPr lang="pt-PT" sz="2400" dirty="0">
-                <a:solidFill>
-                  <a:srgbClr val="7030A0"/>
-                </a:solidFill>
-              </a:rPr>
-              <a:t> </a:t>
-            </a:r>
-            <a:r>
-              <a:rPr lang="pt-PT" sz="2400" dirty="0" err="1">
-                <a:solidFill>
-                  <a:srgbClr val="7030A0"/>
-                </a:solidFill>
-              </a:rPr>
-              <a:t>formalized</a:t>
-            </a:r>
-            <a:r>
-              <a:rPr lang="pt-PT" sz="2400" dirty="0">
-                <a:solidFill>
-                  <a:srgbClr val="7030A0"/>
-                </a:solidFill>
-              </a:rPr>
-              <a:t>.</a:t>
-            </a:r>
-          </a:p>
-        </p:txBody>
-      </p:sp>
-      <p:sp>
-        <p:nvSpPr>
-          <p:cNvPr id="3" name="CaixaDeTexto 2">
-            <a:extLst>
-              <a:ext uri="{FF2B5EF4-FFF2-40B4-BE49-F238E27FC236}">
-                <a16:creationId xmlns:a16="http://schemas.microsoft.com/office/drawing/2014/main" id="{4605BC7C-2736-B94C-ABCF-1D435CBA979A}"/>
-              </a:ext>
-            </a:extLst>
-          </p:cNvPr>
-          <p:cNvSpPr txBox="1"/>
-          <p:nvPr/>
-        </p:nvSpPr>
-        <p:spPr>
-          <a:xfrm>
-            <a:off x="11081117" y="2324911"/>
-            <a:ext cx="915635" cy="369332"/>
-          </a:xfrm>
-          <a:prstGeom prst="rect">
-            <a:avLst/>
-          </a:prstGeom>
-          <a:noFill/>
-        </p:spPr>
-        <p:txBody>
-          <a:bodyPr wrap="none" rtlCol="0">
-            <a:spAutoFit/>
-          </a:bodyPr>
-          <a:lstStyle/>
-          <a:p>
-            <a:r>
-              <a:rPr lang="pt-PT" b="1" dirty="0"/>
-              <a:t>N=5914</a:t>
-            </a:r>
-          </a:p>
-        </p:txBody>
-      </p:sp>
-      <p:sp>
-        <p:nvSpPr>
-          <p:cNvPr id="5" name="CaixaDeTexto 4">
-            <a:extLst>
-              <a:ext uri="{FF2B5EF4-FFF2-40B4-BE49-F238E27FC236}">
-                <a16:creationId xmlns:a16="http://schemas.microsoft.com/office/drawing/2014/main" id="{7D19F185-4D96-6181-50DB-200FA8FC784C}"/>
-              </a:ext>
-            </a:extLst>
-          </p:cNvPr>
-          <p:cNvSpPr txBox="1"/>
-          <p:nvPr/>
-        </p:nvSpPr>
-        <p:spPr>
-          <a:xfrm>
-            <a:off x="5730813" y="2270297"/>
-            <a:ext cx="915635" cy="369332"/>
-          </a:xfrm>
-          <a:prstGeom prst="rect">
-            <a:avLst/>
-          </a:prstGeom>
-          <a:noFill/>
-        </p:spPr>
-        <p:txBody>
-          <a:bodyPr wrap="none" rtlCol="0">
-            <a:spAutoFit/>
-          </a:bodyPr>
-          <a:lstStyle/>
-          <a:p>
-            <a:r>
-              <a:rPr lang="pt-PT" b="1" dirty="0"/>
-              <a:t>N=5914</a:t>
-            </a:r>
-          </a:p>
-        </p:txBody>
-      </p:sp>
-      <p:sp>
-        <p:nvSpPr>
-          <p:cNvPr id="9" name="CaixaDeTexto 8">
-            <a:extLst>
-              <a:ext uri="{FF2B5EF4-FFF2-40B4-BE49-F238E27FC236}">
-                <a16:creationId xmlns:a16="http://schemas.microsoft.com/office/drawing/2014/main" id="{5B0F02B9-BBAA-9BB3-40BA-50C3E3EEC93A}"/>
-              </a:ext>
-            </a:extLst>
-          </p:cNvPr>
-          <p:cNvSpPr txBox="1"/>
-          <p:nvPr/>
-        </p:nvSpPr>
-        <p:spPr>
-          <a:xfrm>
-            <a:off x="2241333" y="5749370"/>
-            <a:ext cx="684803" cy="253916"/>
-          </a:xfrm>
-          <a:prstGeom prst="rect">
-            <a:avLst/>
-          </a:prstGeom>
-          <a:noFill/>
-        </p:spPr>
-        <p:txBody>
-          <a:bodyPr wrap="none" rtlCol="0">
-            <a:spAutoFit/>
-          </a:bodyPr>
-          <a:lstStyle/>
-          <a:p>
-            <a:r>
-              <a:rPr lang="pt-PT" sz="1050" b="1" dirty="0">
-                <a:solidFill>
-                  <a:srgbClr val="7030A0"/>
-                </a:solidFill>
-              </a:rPr>
-              <a:t>(N=1729)</a:t>
-            </a:r>
-          </a:p>
-        </p:txBody>
-      </p:sp>
-      <p:sp>
-        <p:nvSpPr>
-          <p:cNvPr id="10" name="CaixaDeTexto 9">
-            <a:extLst>
-              <a:ext uri="{FF2B5EF4-FFF2-40B4-BE49-F238E27FC236}">
-                <a16:creationId xmlns:a16="http://schemas.microsoft.com/office/drawing/2014/main" id="{1B841106-DD54-07E5-EDB3-3C977357703B}"/>
-              </a:ext>
-            </a:extLst>
-          </p:cNvPr>
-          <p:cNvSpPr txBox="1"/>
-          <p:nvPr/>
-        </p:nvSpPr>
-        <p:spPr>
-          <a:xfrm>
-            <a:off x="4031590" y="5749370"/>
-            <a:ext cx="684803" cy="253916"/>
-          </a:xfrm>
-          <a:prstGeom prst="rect">
-            <a:avLst/>
-          </a:prstGeom>
-          <a:noFill/>
-        </p:spPr>
-        <p:txBody>
-          <a:bodyPr wrap="none" rtlCol="0">
-            <a:spAutoFit/>
-          </a:bodyPr>
-          <a:lstStyle/>
-          <a:p>
-            <a:r>
-              <a:rPr lang="pt-PT" sz="1050" b="1" dirty="0">
-                <a:solidFill>
-                  <a:srgbClr val="7030A0"/>
-                </a:solidFill>
-              </a:rPr>
-              <a:t>(N=2533)</a:t>
-            </a:r>
-          </a:p>
-        </p:txBody>
-      </p:sp>
-      <p:sp>
-        <p:nvSpPr>
-          <p:cNvPr id="11" name="CaixaDeTexto 10">
-            <a:extLst>
-              <a:ext uri="{FF2B5EF4-FFF2-40B4-BE49-F238E27FC236}">
-                <a16:creationId xmlns:a16="http://schemas.microsoft.com/office/drawing/2014/main" id="{0A5868F0-FB38-CC1F-CF13-8900CE087067}"/>
-              </a:ext>
-            </a:extLst>
-          </p:cNvPr>
-          <p:cNvSpPr txBox="1"/>
-          <p:nvPr/>
-        </p:nvSpPr>
-        <p:spPr>
-          <a:xfrm>
-            <a:off x="5961645" y="5803460"/>
-            <a:ext cx="684803" cy="253916"/>
-          </a:xfrm>
-          <a:prstGeom prst="rect">
-            <a:avLst/>
-          </a:prstGeom>
-          <a:noFill/>
-        </p:spPr>
-        <p:txBody>
-          <a:bodyPr wrap="square" rtlCol="0">
-            <a:spAutoFit/>
-          </a:bodyPr>
-          <a:lstStyle/>
-          <a:p>
-            <a:r>
-              <a:rPr lang="pt-PT" sz="1050" b="1" dirty="0">
-                <a:solidFill>
-                  <a:srgbClr val="7030A0"/>
-                </a:solidFill>
-              </a:rPr>
-              <a:t>(N=1652)</a:t>
-            </a:r>
-          </a:p>
-        </p:txBody>
-      </p:sp>
-      <p:sp>
-        <p:nvSpPr>
-          <p:cNvPr id="12" name="CaixaDeTexto 11">
-            <a:extLst>
-              <a:ext uri="{FF2B5EF4-FFF2-40B4-BE49-F238E27FC236}">
-                <a16:creationId xmlns:a16="http://schemas.microsoft.com/office/drawing/2014/main" id="{BDBE9910-48E3-1029-9AE0-E0E596412506}"/>
-              </a:ext>
-            </a:extLst>
-          </p:cNvPr>
-          <p:cNvSpPr txBox="1"/>
-          <p:nvPr/>
-        </p:nvSpPr>
-        <p:spPr>
-          <a:xfrm>
-            <a:off x="7915218" y="5763804"/>
-            <a:ext cx="684803" cy="253916"/>
-          </a:xfrm>
-          <a:prstGeom prst="rect">
-            <a:avLst/>
-          </a:prstGeom>
-          <a:noFill/>
-        </p:spPr>
-        <p:txBody>
-          <a:bodyPr wrap="none" rtlCol="0">
-            <a:spAutoFit/>
-          </a:bodyPr>
-          <a:lstStyle/>
-          <a:p>
-            <a:r>
-              <a:rPr lang="pt-PT" sz="1050" b="1" dirty="0">
-                <a:solidFill>
-                  <a:srgbClr val="7030A0"/>
-                </a:solidFill>
-              </a:rPr>
-              <a:t>(N=1729)</a:t>
-            </a:r>
-          </a:p>
-        </p:txBody>
-      </p:sp>
-      <p:sp>
-        <p:nvSpPr>
-          <p:cNvPr id="13" name="CaixaDeTexto 12">
-            <a:extLst>
-              <a:ext uri="{FF2B5EF4-FFF2-40B4-BE49-F238E27FC236}">
-                <a16:creationId xmlns:a16="http://schemas.microsoft.com/office/drawing/2014/main" id="{2826E3DB-E879-3D7B-BCA4-1E8C0FE6B0A1}"/>
-              </a:ext>
-            </a:extLst>
-          </p:cNvPr>
-          <p:cNvSpPr txBox="1"/>
-          <p:nvPr/>
-        </p:nvSpPr>
-        <p:spPr>
-          <a:xfrm>
-            <a:off x="9613583" y="5749370"/>
-            <a:ext cx="684803" cy="253916"/>
-          </a:xfrm>
-          <a:prstGeom prst="rect">
-            <a:avLst/>
-          </a:prstGeom>
-          <a:noFill/>
-        </p:spPr>
-        <p:txBody>
-          <a:bodyPr wrap="none" rtlCol="0">
-            <a:spAutoFit/>
-          </a:bodyPr>
-          <a:lstStyle/>
-          <a:p>
-            <a:r>
-              <a:rPr lang="pt-PT" sz="1050" b="1" dirty="0">
-                <a:solidFill>
-                  <a:srgbClr val="7030A0"/>
-                </a:solidFill>
-              </a:rPr>
-              <a:t>(N=2533)</a:t>
-            </a:r>
-          </a:p>
-        </p:txBody>
-      </p:sp>
-      <p:sp>
-        <p:nvSpPr>
-          <p:cNvPr id="14" name="CaixaDeTexto 13">
-            <a:extLst>
-              <a:ext uri="{FF2B5EF4-FFF2-40B4-BE49-F238E27FC236}">
-                <a16:creationId xmlns:a16="http://schemas.microsoft.com/office/drawing/2014/main" id="{02DC72A9-D427-2919-D96E-85787AFA8D88}"/>
-              </a:ext>
-            </a:extLst>
-          </p:cNvPr>
-          <p:cNvSpPr txBox="1"/>
-          <p:nvPr/>
-        </p:nvSpPr>
-        <p:spPr>
-          <a:xfrm>
-            <a:off x="11311949" y="5764329"/>
-            <a:ext cx="684803" cy="253916"/>
-          </a:xfrm>
-          <a:prstGeom prst="rect">
-            <a:avLst/>
-          </a:prstGeom>
-          <a:noFill/>
-        </p:spPr>
-        <p:txBody>
-          <a:bodyPr wrap="square" rtlCol="0">
-            <a:spAutoFit/>
-          </a:bodyPr>
-          <a:lstStyle/>
-          <a:p>
-            <a:r>
-              <a:rPr lang="pt-PT" sz="1050" b="1" dirty="0">
-                <a:solidFill>
-                  <a:srgbClr val="7030A0"/>
-                </a:solidFill>
-              </a:rPr>
-              <a:t>(N=1652)</a:t>
-            </a:r>
-          </a:p>
-        </p:txBody>
-      </p:sp>
-    </p:spTree>
-    <p:extLst>
-      <p:ext uri="{BB962C8B-B14F-4D97-AF65-F5344CB8AC3E}">
-        <p14:creationId xmlns:p14="http://schemas.microsoft.com/office/powerpoint/2010/main" val="2600633616"/>
-      </p:ext>
-    </p:extLst>
-  </p:cSld>
-  <p:clrMapOvr>
-    <a:masterClrMapping/>
-  </p:clrMapOvr>
-</p:sld>
-</file>
-
-<file path=ppt/slides/slide6.xml><?xml version="1.0" encoding="utf-8"?>
-<p:sld xmlns:a="http://schemas.openxmlformats.org/drawingml/2006/main" xmlns:r="http://schemas.openxmlformats.org/officeDocument/2006/relationships" xmlns:p="http://schemas.openxmlformats.org/presentationml/2006/main">
-  <p:cSld>
-    <p:bg>
-      <p:bgPr>
-        <a:solidFill>
-          <a:schemeClr val="bg1"/>
-        </a:solidFill>
-        <a:effectLst/>
-      </p:bgPr>
-    </p:bg>
-    <p:spTree>
-      <p:nvGrpSpPr>
-        <p:cNvPr id="1" name=""/>
-        <p:cNvGrpSpPr/>
-        <p:nvPr/>
-      </p:nvGrpSpPr>
-      <p:grpSpPr>
-        <a:xfrm>
-          <a:off x="0" y="0"/>
-          <a:ext cx="0" cy="0"/>
-          <a:chOff x="0" y="0"/>
-          <a:chExt cx="0" cy="0"/>
-        </a:xfrm>
-      </p:grpSpPr>
-      <p:sp useBgFill="1">
-        <p:nvSpPr>
-          <p:cNvPr id="14" name="Rectangle 9">
-            <a:extLst>
-              <a:ext uri="{FF2B5EF4-FFF2-40B4-BE49-F238E27FC236}">
-                <a16:creationId xmlns:a16="http://schemas.microsoft.com/office/drawing/2014/main" id="{FAB618CE-98EA-45A7-8250-CAB4615AB153}"/>
-              </a:ext>
-              <a:ext uri="{C183D7F6-B498-43B3-948B-1728B52AA6E4}">
-                <adec:decorative xmlns:adec="http://schemas.microsoft.com/office/drawing/2017/decorative" val="1"/>
-              </a:ext>
-            </a:extLst>
-          </p:cNvPr>
-          <p:cNvSpPr>
-            <a:spLocks noGrp="1" noRot="1" noChangeAspect="1" noMove="1" noResize="1" noEditPoints="1" noAdjustHandles="1" noChangeArrowheads="1" noChangeShapeType="1" noTextEdit="1"/>
-          </p:cNvSpPr>
-          <p:nvPr>
-            <p:extLst>
-              <p:ext uri="{386F3935-93C4-4BCD-93E2-E3B085C9AB24}">
-                <p16:designElem xmlns:p16="http://schemas.microsoft.com/office/powerpoint/2015/main" val="1"/>
-              </p:ext>
-            </p:extLst>
-          </p:nvPr>
-        </p:nvSpPr>
-        <p:spPr>
-          <a:xfrm>
-            <a:off x="0" y="0"/>
-            <a:ext cx="12192000" cy="6858000"/>
-          </a:xfrm>
-          <a:prstGeom prst="rect">
-            <a:avLst/>
-          </a:prstGeom>
-          <a:ln>
-            <a:noFill/>
-          </a:ln>
-        </p:spPr>
-        <p:style>
-          <a:lnRef idx="2">
-            <a:schemeClr val="accent1">
-              <a:shade val="50000"/>
-            </a:schemeClr>
-          </a:lnRef>
-          <a:fillRef idx="1">
-            <a:schemeClr val="accent1"/>
-          </a:fillRef>
-          <a:effectRef idx="0">
-            <a:schemeClr val="accent1"/>
-          </a:effectRef>
-          <a:fontRef idx="minor">
-            <a:schemeClr val="lt1"/>
-          </a:fontRef>
-        </p:style>
-        <p:txBody>
-          <a:bodyPr rtlCol="0" anchor="ctr"/>
-          <a:lstStyle/>
-          <a:p>
-            <a:pPr algn="ctr"/>
-            <a:endParaRPr lang="en-US"/>
-          </a:p>
-        </p:txBody>
-      </p:sp>
-      <p:pic>
-        <p:nvPicPr>
-          <p:cNvPr id="3" name="Imagem 2">
-            <a:extLst>
-              <a:ext uri="{FF2B5EF4-FFF2-40B4-BE49-F238E27FC236}">
-                <a16:creationId xmlns:a16="http://schemas.microsoft.com/office/drawing/2014/main" id="{A25AA9CD-D57A-E4FA-8645-9FC7B0B63DDC}"/>
-              </a:ext>
-            </a:extLst>
-          </p:cNvPr>
-          <p:cNvPicPr>
-            <a:picLocks noChangeAspect="1"/>
-          </p:cNvPicPr>
-          <p:nvPr/>
-        </p:nvPicPr>
-        <p:blipFill>
-          <a:blip r:embed="rId2"/>
-          <a:stretch>
-            <a:fillRect/>
-          </a:stretch>
-        </p:blipFill>
-        <p:spPr>
-          <a:xfrm>
-            <a:off x="480270" y="3226677"/>
-            <a:ext cx="4940209" cy="3359342"/>
-          </a:xfrm>
-          <a:prstGeom prst="rect">
-            <a:avLst/>
-          </a:prstGeom>
-        </p:spPr>
-      </p:pic>
-      <p:pic>
-        <p:nvPicPr>
-          <p:cNvPr id="5" name="Imagem 4">
-            <a:extLst>
-              <a:ext uri="{FF2B5EF4-FFF2-40B4-BE49-F238E27FC236}">
-                <a16:creationId xmlns:a16="http://schemas.microsoft.com/office/drawing/2014/main" id="{7351D983-7B36-40B3-3B47-058B0148C932}"/>
-              </a:ext>
-            </a:extLst>
-          </p:cNvPr>
-          <p:cNvPicPr>
-            <a:picLocks noChangeAspect="1"/>
-          </p:cNvPicPr>
-          <p:nvPr/>
-        </p:nvPicPr>
-        <p:blipFill>
-          <a:blip r:embed="rId3"/>
-          <a:stretch>
-            <a:fillRect/>
-          </a:stretch>
-        </p:blipFill>
-        <p:spPr>
-          <a:xfrm>
-            <a:off x="6401706" y="3226677"/>
-            <a:ext cx="4809066" cy="3210051"/>
-          </a:xfrm>
-          <a:prstGeom prst="rect">
-            <a:avLst/>
-          </a:prstGeom>
-        </p:spPr>
-      </p:pic>
-      <p:sp>
-        <p:nvSpPr>
-          <p:cNvPr id="6" name="CaixaDeTexto 5">
-            <a:extLst>
-              <a:ext uri="{FF2B5EF4-FFF2-40B4-BE49-F238E27FC236}">
-                <a16:creationId xmlns:a16="http://schemas.microsoft.com/office/drawing/2014/main" id="{D5F8B3FE-F257-2094-A6DD-0E8A4EC7F240}"/>
-              </a:ext>
-            </a:extLst>
-          </p:cNvPr>
-          <p:cNvSpPr txBox="1"/>
-          <p:nvPr/>
-        </p:nvSpPr>
-        <p:spPr>
-          <a:xfrm>
-            <a:off x="480270" y="271981"/>
-            <a:ext cx="10746530" cy="646331"/>
-          </a:xfrm>
-          <a:prstGeom prst="rect">
-            <a:avLst/>
-          </a:prstGeom>
-          <a:noFill/>
-        </p:spPr>
-        <p:txBody>
-          <a:bodyPr wrap="square">
-            <a:spAutoFit/>
-          </a:bodyPr>
-          <a:lstStyle/>
-          <a:p>
+              <a:t>2.1 Geography, formalization and profit </a:t>
+            </a:r>
             <a:r>
               <a:rPr lang="en-US" dirty="0">
                 <a:solidFill>
-                  <a:srgbClr val="7030A0"/>
+                  <a:srgbClr val="731531"/>
                 </a:solidFill>
+                <a:latin typeface="Gill Sans" panose="020B0502020104020203" pitchFamily="34" charset="0"/>
               </a:rPr>
-              <a:t>The businesses of registered female entrepreneurs are on average 4 years old, while unregistered businesses are on average 3 years old. </a:t>
-            </a:r>
-            <a:endParaRPr lang="pt-PT" dirty="0">
-              <a:solidFill>
-                <a:srgbClr val="7030A0"/>
-              </a:solidFill>
+              <a:t>(areas for next mobilization with the profile needed)</a:t>
+            </a:r>
+          </a:p>
+          <a:p>
+            <a:pPr algn="just"/>
+            <a:r>
+              <a:rPr lang="en-US" dirty="0">
+                <a:latin typeface="Gill Sans" panose="020B0502020104020203" pitchFamily="34" charset="0"/>
+              </a:rPr>
+              <a:t>2.2 Type of business and formalization </a:t>
+            </a:r>
+            <a:r>
+              <a:rPr lang="en-US" dirty="0">
+                <a:solidFill>
+                  <a:srgbClr val="731531"/>
+                </a:solidFill>
+                <a:latin typeface="Gill Sans" panose="020B0502020104020203" pitchFamily="34" charset="0"/>
+              </a:rPr>
+              <a:t>(identify if we should focus on specific types of business)</a:t>
+            </a:r>
+          </a:p>
+          <a:p>
+            <a:pPr algn="just"/>
+            <a:r>
+              <a:rPr lang="en-US" dirty="0">
+                <a:latin typeface="Gill Sans" panose="020B0502020104020203" pitchFamily="34" charset="0"/>
+              </a:rPr>
+              <a:t>2.3 Type of business, profit and number of workers </a:t>
+            </a:r>
+            <a:r>
+              <a:rPr lang="en-US" dirty="0">
+                <a:solidFill>
+                  <a:srgbClr val="731531"/>
+                </a:solidFill>
+                <a:latin typeface="Gill Sans" panose="020B0502020104020203" pitchFamily="34" charset="0"/>
+              </a:rPr>
+              <a:t>(identify if there is any relation about those variants)</a:t>
+            </a:r>
+          </a:p>
+          <a:p>
+            <a:pPr algn="just"/>
+            <a:r>
+              <a:rPr lang="en-US" dirty="0">
+                <a:latin typeface="Gill Sans" panose="020B0502020104020203" pitchFamily="34" charset="0"/>
+              </a:rPr>
+              <a:t>2.4 Age and formalization </a:t>
+            </a:r>
+            <a:r>
+              <a:rPr lang="en-US" dirty="0">
+                <a:solidFill>
+                  <a:srgbClr val="731531"/>
+                </a:solidFill>
+                <a:latin typeface="Gill Sans" panose="020B0502020104020203" pitchFamily="34" charset="0"/>
+              </a:rPr>
+              <a:t>(identify if there is a trend about age of entrepreneurs and formalization) </a:t>
+            </a:r>
+          </a:p>
+          <a:p>
+            <a:pPr algn="just"/>
+            <a:r>
+              <a:rPr lang="en-US" dirty="0">
+                <a:latin typeface="Gill Sans" panose="020B0502020104020203" pitchFamily="34" charset="0"/>
+              </a:rPr>
+              <a:t>2.5 Social media and profit </a:t>
+            </a:r>
+            <a:r>
+              <a:rPr lang="en-US" dirty="0">
+                <a:solidFill>
+                  <a:srgbClr val="731531"/>
+                </a:solidFill>
+                <a:latin typeface="Gill Sans" panose="020B0502020104020203" pitchFamily="34" charset="0"/>
+              </a:rPr>
+              <a:t>(identify if social media management can be related to better profit) </a:t>
+            </a:r>
+          </a:p>
+          <a:p>
+            <a:pPr algn="just"/>
+            <a:r>
+              <a:rPr lang="en-US" dirty="0">
+                <a:latin typeface="Gill Sans" panose="020B0502020104020203" pitchFamily="34" charset="0"/>
+              </a:rPr>
+              <a:t>2.6 Years of the business and profit </a:t>
+            </a:r>
+            <a:r>
+              <a:rPr lang="en-US" dirty="0">
+                <a:solidFill>
+                  <a:srgbClr val="731531"/>
+                </a:solidFill>
+                <a:latin typeface="Gill Sans" panose="020B0502020104020203" pitchFamily="34" charset="0"/>
+              </a:rPr>
+              <a:t>(identify if there is a relation between old and new businesses about profit) </a:t>
+            </a:r>
+          </a:p>
+          <a:p>
+            <a:pPr algn="just"/>
+            <a:endParaRPr lang="en-US" dirty="0">
+              <a:latin typeface="Gill Sans" panose="020B0502020104020203" pitchFamily="34" charset="0"/>
             </a:endParaRPr>
           </a:p>
-        </p:txBody>
-      </p:sp>
-      <p:sp>
-        <p:nvSpPr>
-          <p:cNvPr id="8" name="CaixaDeTexto 7">
-            <a:extLst>
-              <a:ext uri="{FF2B5EF4-FFF2-40B4-BE49-F238E27FC236}">
-                <a16:creationId xmlns:a16="http://schemas.microsoft.com/office/drawing/2014/main" id="{829AAFDF-B594-EC3E-893C-39C9462121E3}"/>
-              </a:ext>
-            </a:extLst>
-          </p:cNvPr>
-          <p:cNvSpPr txBox="1"/>
-          <p:nvPr/>
-        </p:nvSpPr>
-        <p:spPr>
-          <a:xfrm>
-            <a:off x="464242" y="932753"/>
-            <a:ext cx="10746530" cy="646331"/>
-          </a:xfrm>
-          <a:prstGeom prst="rect">
-            <a:avLst/>
-          </a:prstGeom>
-          <a:noFill/>
-        </p:spPr>
-        <p:txBody>
-          <a:bodyPr wrap="square">
-            <a:spAutoFit/>
-          </a:bodyPr>
-          <a:lstStyle/>
-          <a:p>
-            <a:r>
-              <a:rPr lang="pt-PT" dirty="0"/>
-              <a:t>Podemos notar que temos mais empreendedoras com negocio registado com mais tempo no mercado comparativamente as empreendedoras sem registo onde a maioria delas não tem mais de 6 anos no mercado. </a:t>
-            </a:r>
-          </a:p>
-        </p:txBody>
-      </p:sp>
-      <p:sp>
-        <p:nvSpPr>
-          <p:cNvPr id="11" name="CaixaDeTexto 10">
-            <a:extLst>
-              <a:ext uri="{FF2B5EF4-FFF2-40B4-BE49-F238E27FC236}">
-                <a16:creationId xmlns:a16="http://schemas.microsoft.com/office/drawing/2014/main" id="{C479E631-8992-E852-ACF9-494849D06E4E}"/>
-              </a:ext>
-            </a:extLst>
-          </p:cNvPr>
-          <p:cNvSpPr txBox="1"/>
-          <p:nvPr/>
-        </p:nvSpPr>
-        <p:spPr>
-          <a:xfrm>
-            <a:off x="480270" y="1650146"/>
-            <a:ext cx="10249249" cy="369332"/>
-          </a:xfrm>
-          <a:prstGeom prst="rect">
-            <a:avLst/>
-          </a:prstGeom>
-          <a:noFill/>
-        </p:spPr>
-        <p:txBody>
-          <a:bodyPr wrap="square">
-            <a:spAutoFit/>
-          </a:bodyPr>
-          <a:lstStyle/>
-          <a:p>
-            <a:r>
-              <a:rPr lang="en-US" b="1" dirty="0"/>
-              <a:t>The higher the profit of female entrepreneurs, the greater the chance of the business being registered. </a:t>
-            </a:r>
-            <a:endParaRPr lang="pt-PT" b="1" dirty="0"/>
-          </a:p>
-        </p:txBody>
-      </p:sp>
-      <p:sp>
-        <p:nvSpPr>
-          <p:cNvPr id="13" name="CaixaDeTexto 12">
-            <a:extLst>
-              <a:ext uri="{FF2B5EF4-FFF2-40B4-BE49-F238E27FC236}">
-                <a16:creationId xmlns:a16="http://schemas.microsoft.com/office/drawing/2014/main" id="{7E051F17-14D9-7690-7CC6-3DA794611941}"/>
-              </a:ext>
-            </a:extLst>
-          </p:cNvPr>
-          <p:cNvSpPr txBox="1"/>
-          <p:nvPr/>
-        </p:nvSpPr>
-        <p:spPr>
-          <a:xfrm>
-            <a:off x="385153" y="2829204"/>
-            <a:ext cx="915635" cy="369332"/>
-          </a:xfrm>
-          <a:prstGeom prst="rect">
-            <a:avLst/>
-          </a:prstGeom>
-          <a:noFill/>
-        </p:spPr>
-        <p:txBody>
-          <a:bodyPr wrap="none" rtlCol="0">
-            <a:spAutoFit/>
-          </a:bodyPr>
-          <a:lstStyle/>
-          <a:p>
-            <a:r>
-              <a:rPr lang="pt-PT" b="1" dirty="0"/>
-              <a:t>N=5914</a:t>
-            </a:r>
-          </a:p>
-        </p:txBody>
-      </p:sp>
-      <p:sp>
-        <p:nvSpPr>
-          <p:cNvPr id="15" name="CaixaDeTexto 14">
-            <a:extLst>
-              <a:ext uri="{FF2B5EF4-FFF2-40B4-BE49-F238E27FC236}">
-                <a16:creationId xmlns:a16="http://schemas.microsoft.com/office/drawing/2014/main" id="{D869926A-AC9C-00CE-AADE-1CAB65158132}"/>
-              </a:ext>
-            </a:extLst>
-          </p:cNvPr>
-          <p:cNvSpPr txBox="1"/>
-          <p:nvPr/>
-        </p:nvSpPr>
-        <p:spPr>
-          <a:xfrm>
-            <a:off x="6288576" y="2805405"/>
-            <a:ext cx="915635" cy="369332"/>
-          </a:xfrm>
-          <a:prstGeom prst="rect">
-            <a:avLst/>
-          </a:prstGeom>
-          <a:noFill/>
-        </p:spPr>
-        <p:txBody>
-          <a:bodyPr wrap="none" rtlCol="0">
-            <a:spAutoFit/>
-          </a:bodyPr>
-          <a:lstStyle/>
-          <a:p>
-            <a:r>
-              <a:rPr lang="pt-PT" b="1" dirty="0"/>
-              <a:t>N=5914</a:t>
-            </a:r>
-          </a:p>
-        </p:txBody>
-      </p:sp>
-      <p:sp>
-        <p:nvSpPr>
-          <p:cNvPr id="16" name="CaixaDeTexto 15">
-            <a:extLst>
-              <a:ext uri="{FF2B5EF4-FFF2-40B4-BE49-F238E27FC236}">
-                <a16:creationId xmlns:a16="http://schemas.microsoft.com/office/drawing/2014/main" id="{5A1CFE60-EE2A-F617-4897-29C01DB60344}"/>
-              </a:ext>
-            </a:extLst>
-          </p:cNvPr>
-          <p:cNvSpPr txBox="1"/>
-          <p:nvPr/>
-        </p:nvSpPr>
-        <p:spPr>
-          <a:xfrm>
-            <a:off x="5324072" y="3819425"/>
-            <a:ext cx="663964" cy="276999"/>
-          </a:xfrm>
-          <a:prstGeom prst="rect">
-            <a:avLst/>
-          </a:prstGeom>
-          <a:noFill/>
-        </p:spPr>
-        <p:txBody>
-          <a:bodyPr wrap="none" rtlCol="0">
-            <a:spAutoFit/>
-          </a:bodyPr>
-          <a:lstStyle>
-            <a:defPPr>
-              <a:defRPr lang="en-US"/>
-            </a:defPPr>
-            <a:lvl1pPr>
-              <a:defRPr sz="1200" b="1"/>
-            </a:lvl1pPr>
-          </a:lstStyle>
-          <a:p>
-            <a:r>
-              <a:rPr lang="pt-PT" dirty="0">
-                <a:solidFill>
-                  <a:srgbClr val="7030A0"/>
-                </a:solidFill>
+          <a:p>
+            <a:pPr algn="just"/>
+            <a:r>
+              <a:rPr lang="en-US" b="1" dirty="0">
+                <a:latin typeface="Gill Sans" panose="020B0502020104020203" pitchFamily="34" charset="0"/>
               </a:rPr>
-              <a:t>N=5236</a:t>
-            </a:r>
-          </a:p>
-        </p:txBody>
-      </p:sp>
-      <p:sp>
-        <p:nvSpPr>
-          <p:cNvPr id="17" name="CaixaDeTexto 16">
-            <a:extLst>
-              <a:ext uri="{FF2B5EF4-FFF2-40B4-BE49-F238E27FC236}">
-                <a16:creationId xmlns:a16="http://schemas.microsoft.com/office/drawing/2014/main" id="{8CB450D8-C91E-C0F5-8867-53A6C17C5A30}"/>
-              </a:ext>
-            </a:extLst>
-          </p:cNvPr>
-          <p:cNvSpPr txBox="1"/>
-          <p:nvPr/>
-        </p:nvSpPr>
-        <p:spPr>
-          <a:xfrm>
-            <a:off x="5324072" y="4838523"/>
-            <a:ext cx="587020" cy="276999"/>
-          </a:xfrm>
-          <a:prstGeom prst="rect">
-            <a:avLst/>
-          </a:prstGeom>
-          <a:noFill/>
-        </p:spPr>
-        <p:txBody>
-          <a:bodyPr wrap="none" rtlCol="0">
-            <a:spAutoFit/>
-          </a:bodyPr>
-          <a:lstStyle/>
-          <a:p>
-            <a:r>
-              <a:rPr lang="pt-PT" sz="1200" b="1" dirty="0">
-                <a:solidFill>
-                  <a:srgbClr val="7030A0"/>
-                </a:solidFill>
+              <a:t>3. Profile description of the two thousand eligible entrepreneurs</a:t>
+            </a:r>
+          </a:p>
+          <a:p>
+            <a:pPr algn="just"/>
+            <a:r>
+              <a:rPr lang="en-US" dirty="0">
+                <a:latin typeface="Gill Sans" panose="020B0502020104020203" pitchFamily="34" charset="0"/>
               </a:rPr>
-              <a:t>N=678</a:t>
-            </a:r>
-          </a:p>
-        </p:txBody>
-      </p:sp>
-      <p:sp>
-        <p:nvSpPr>
-          <p:cNvPr id="18" name="CaixaDeTexto 17">
-            <a:extLst>
-              <a:ext uri="{FF2B5EF4-FFF2-40B4-BE49-F238E27FC236}">
-                <a16:creationId xmlns:a16="http://schemas.microsoft.com/office/drawing/2014/main" id="{E9FDD997-DB4A-9A6E-5977-48014B689064}"/>
-              </a:ext>
-            </a:extLst>
-          </p:cNvPr>
-          <p:cNvSpPr txBox="1"/>
-          <p:nvPr/>
-        </p:nvSpPr>
-        <p:spPr>
-          <a:xfrm>
-            <a:off x="7271716" y="5648248"/>
-            <a:ext cx="663964" cy="276999"/>
-          </a:xfrm>
-          <a:prstGeom prst="rect">
-            <a:avLst/>
-          </a:prstGeom>
-          <a:noFill/>
-        </p:spPr>
-        <p:txBody>
-          <a:bodyPr wrap="none" rtlCol="0">
-            <a:spAutoFit/>
-          </a:bodyPr>
-          <a:lstStyle>
-            <a:defPPr>
-              <a:defRPr lang="en-US"/>
-            </a:defPPr>
-            <a:lvl1pPr>
-              <a:defRPr sz="1200" b="1"/>
-            </a:lvl1pPr>
-          </a:lstStyle>
-          <a:p>
-            <a:r>
-              <a:rPr lang="pt-PT" dirty="0">
-                <a:solidFill>
-                  <a:srgbClr val="7030A0"/>
-                </a:solidFill>
+              <a:t>2.1 Geography, formalization and profit </a:t>
+            </a:r>
+          </a:p>
+          <a:p>
+            <a:pPr algn="just"/>
+            <a:r>
+              <a:rPr lang="en-US" dirty="0">
+                <a:latin typeface="Gill Sans" panose="020B0502020104020203" pitchFamily="34" charset="0"/>
               </a:rPr>
-              <a:t>N=4002</a:t>
-            </a:r>
-          </a:p>
-        </p:txBody>
-      </p:sp>
-      <p:sp>
-        <p:nvSpPr>
-          <p:cNvPr id="19" name="CaixaDeTexto 18">
-            <a:extLst>
-              <a:ext uri="{FF2B5EF4-FFF2-40B4-BE49-F238E27FC236}">
-                <a16:creationId xmlns:a16="http://schemas.microsoft.com/office/drawing/2014/main" id="{54210170-3497-A96F-8F64-803871140B0C}"/>
-              </a:ext>
-            </a:extLst>
-          </p:cNvPr>
-          <p:cNvSpPr txBox="1"/>
-          <p:nvPr/>
-        </p:nvSpPr>
-        <p:spPr>
-          <a:xfrm>
-            <a:off x="9353584" y="5581159"/>
-            <a:ext cx="663964" cy="276999"/>
-          </a:xfrm>
-          <a:prstGeom prst="rect">
-            <a:avLst/>
-          </a:prstGeom>
-          <a:noFill/>
-        </p:spPr>
-        <p:txBody>
-          <a:bodyPr wrap="none" rtlCol="0">
-            <a:spAutoFit/>
-          </a:bodyPr>
-          <a:lstStyle>
-            <a:defPPr>
-              <a:defRPr lang="en-US"/>
-            </a:defPPr>
-            <a:lvl1pPr>
-              <a:defRPr sz="1200" b="1"/>
-            </a:lvl1pPr>
-          </a:lstStyle>
-          <a:p>
-            <a:r>
-              <a:rPr lang="pt-PT" dirty="0">
-                <a:solidFill>
-                  <a:srgbClr val="7030A0"/>
-                </a:solidFill>
+              <a:t>2.2 Type of business and formalization </a:t>
+            </a:r>
+          </a:p>
+          <a:p>
+            <a:pPr algn="just"/>
+            <a:r>
+              <a:rPr lang="en-US" dirty="0">
+                <a:latin typeface="Gill Sans" panose="020B0502020104020203" pitchFamily="34" charset="0"/>
               </a:rPr>
-              <a:t>N=1267</a:t>
-            </a:r>
-          </a:p>
-        </p:txBody>
-      </p:sp>
-      <p:sp>
-        <p:nvSpPr>
-          <p:cNvPr id="20" name="CaixaDeTexto 19">
-            <a:extLst>
-              <a:ext uri="{FF2B5EF4-FFF2-40B4-BE49-F238E27FC236}">
-                <a16:creationId xmlns:a16="http://schemas.microsoft.com/office/drawing/2014/main" id="{BCE84148-5203-D184-8A31-95E1A339DD80}"/>
-              </a:ext>
-            </a:extLst>
-          </p:cNvPr>
-          <p:cNvSpPr txBox="1"/>
-          <p:nvPr/>
-        </p:nvSpPr>
-        <p:spPr>
-          <a:xfrm>
-            <a:off x="10632520" y="5581158"/>
-            <a:ext cx="510076" cy="276999"/>
-          </a:xfrm>
-          <a:prstGeom prst="rect">
-            <a:avLst/>
-          </a:prstGeom>
-          <a:noFill/>
-        </p:spPr>
-        <p:txBody>
-          <a:bodyPr wrap="none" rtlCol="0">
-            <a:spAutoFit/>
-          </a:bodyPr>
-          <a:lstStyle>
-            <a:defPPr>
-              <a:defRPr lang="en-US"/>
-            </a:defPPr>
-            <a:lvl1pPr>
-              <a:defRPr sz="1200" b="1"/>
-            </a:lvl1pPr>
-          </a:lstStyle>
-          <a:p>
-            <a:r>
-              <a:rPr lang="pt-PT" dirty="0">
-                <a:solidFill>
-                  <a:srgbClr val="7030A0"/>
-                </a:solidFill>
+              <a:t>2.3 Type of business, profit and number of workers </a:t>
+            </a:r>
+          </a:p>
+          <a:p>
+            <a:pPr algn="just"/>
+            <a:r>
+              <a:rPr lang="en-US" dirty="0">
+                <a:latin typeface="Gill Sans" panose="020B0502020104020203" pitchFamily="34" charset="0"/>
               </a:rPr>
-              <a:t>N=45</a:t>
-            </a:r>
-          </a:p>
-        </p:txBody>
-      </p:sp>
-    </p:spTree>
-    <p:extLst>
-      <p:ext uri="{BB962C8B-B14F-4D97-AF65-F5344CB8AC3E}">
-        <p14:creationId xmlns:p14="http://schemas.microsoft.com/office/powerpoint/2010/main" val="2980914662"/>
-      </p:ext>
-    </p:extLst>
-  </p:cSld>
-  <p:clrMapOvr>
-    <a:masterClrMapping/>
-  </p:clrMapOvr>
-</p:sld>
-</file>
-
-<file path=ppt/slides/slide7.xml><?xml version="1.0" encoding="utf-8"?>
-<p:sld xmlns:a="http://schemas.openxmlformats.org/drawingml/2006/main" xmlns:r="http://schemas.openxmlformats.org/officeDocument/2006/relationships" xmlns:p="http://schemas.openxmlformats.org/presentationml/2006/main">
-  <p:cSld>
-    <p:spTree>
-      <p:nvGrpSpPr>
-        <p:cNvPr id="1" name=""/>
-        <p:cNvGrpSpPr/>
-        <p:nvPr/>
-      </p:nvGrpSpPr>
-      <p:grpSpPr>
-        <a:xfrm>
-          <a:off x="0" y="0"/>
-          <a:ext cx="0" cy="0"/>
-          <a:chOff x="0" y="0"/>
-          <a:chExt cx="0" cy="0"/>
-        </a:xfrm>
-      </p:grpSpPr>
-    </p:spTree>
-    <p:extLst>
-      <p:ext uri="{BB962C8B-B14F-4D97-AF65-F5344CB8AC3E}">
-        <p14:creationId xmlns:p14="http://schemas.microsoft.com/office/powerpoint/2010/main" val="192108845"/>
-      </p:ext>
-    </p:extLst>
-  </p:cSld>
-  <p:clrMapOvr>
-    <a:masterClrMapping/>
-  </p:clrMapOvr>
-</p:sld>
-</file>
-
-<file path=ppt/slides/slide8.xml><?xml version="1.0" encoding="utf-8"?>
-<p:sld xmlns:a="http://schemas.openxmlformats.org/drawingml/2006/main" xmlns:r="http://schemas.openxmlformats.org/officeDocument/2006/relationships" xmlns:p="http://schemas.openxmlformats.org/presentationml/2006/main">
-  <p:cSld>
-    <p:spTree>
-      <p:nvGrpSpPr>
-        <p:cNvPr id="1" name=""/>
-        <p:cNvGrpSpPr/>
-        <p:nvPr/>
-      </p:nvGrpSpPr>
-      <p:grpSpPr>
-        <a:xfrm>
-          <a:off x="0" y="0"/>
-          <a:ext cx="0" cy="0"/>
-          <a:chOff x="0" y="0"/>
-          <a:chExt cx="0" cy="0"/>
-        </a:xfrm>
-      </p:grpSpPr>
+              <a:t>2.4 Age and formalization </a:t>
+            </a:r>
+          </a:p>
+          <a:p>
+            <a:pPr algn="just"/>
+            <a:r>
+              <a:rPr lang="en-US" dirty="0">
+                <a:latin typeface="Gill Sans" panose="020B0502020104020203" pitchFamily="34" charset="0"/>
+              </a:rPr>
+              <a:t>2.5 Social media and profit </a:t>
+            </a:r>
+          </a:p>
+          <a:p>
+            <a:pPr algn="just"/>
+            <a:r>
+              <a:rPr lang="en-US" dirty="0">
+                <a:latin typeface="Gill Sans" panose="020B0502020104020203" pitchFamily="34" charset="0"/>
+              </a:rPr>
+              <a:t>2.6 Years of the business and profit </a:t>
+            </a:r>
+          </a:p>
+          <a:p>
+            <a:pPr algn="just"/>
+            <a:endParaRPr lang="en-US" dirty="0">
+              <a:latin typeface="Gill Sans" panose="020B0502020104020203" pitchFamily="34" charset="0"/>
+            </a:endParaRPr>
+          </a:p>
+          <a:p>
+            <a:pPr algn="just"/>
+            <a:r>
+              <a:rPr lang="en-US" b="1" dirty="0">
+                <a:latin typeface="Gill Sans" panose="020B0502020104020203" pitchFamily="34" charset="0"/>
+              </a:rPr>
+              <a:t>4. Key strategic considerations for future mobilization</a:t>
+            </a:r>
+            <a:endParaRPr lang="pt-BR" sz="2400" b="1" dirty="0">
+              <a:latin typeface="Gill Sans" panose="020B0502020104020203" pitchFamily="34" charset="0"/>
+            </a:endParaRPr>
+          </a:p>
+          <a:p>
+            <a:pPr algn="just"/>
+            <a:endParaRPr lang="pt-BR" sz="2400" dirty="0">
+              <a:latin typeface="Gill Sans" panose="020B0502020104020203" pitchFamily="34" charset="0"/>
+            </a:endParaRPr>
+          </a:p>
+          <a:p>
+            <a:pPr marL="342900" indent="-342900" algn="just">
+              <a:buFont typeface="Arial" panose="020B0604020202020204" pitchFamily="34" charset="0"/>
+              <a:buChar char="•"/>
+            </a:pPr>
+            <a:endParaRPr lang="pt-BR" sz="2400" dirty="0">
+              <a:latin typeface="Gill Sans" panose="020B0502020104020203" pitchFamily="34" charset="0"/>
+            </a:endParaRPr>
+          </a:p>
+        </p:txBody>
+      </p:sp>
       <p:grpSp>
         <p:nvGrpSpPr>
           <p:cNvPr id="8" name="Group 7">
@@ -6669,7 +6194,7 @@
         </p:nvGrpSpPr>
         <p:grpSpPr>
           <a:xfrm>
-            <a:off x="4671467" y="-21959"/>
+            <a:off x="4705645" y="0"/>
             <a:ext cx="7617830" cy="828649"/>
             <a:chOff x="4078224" y="378493"/>
             <a:chExt cx="8243785" cy="709800"/>
@@ -6780,7 +6305,7 @@
         </p:nvSpPr>
         <p:spPr>
           <a:xfrm>
-            <a:off x="4572805" y="183130"/>
+            <a:off x="4572805" y="227375"/>
             <a:ext cx="6960281" cy="467795"/>
           </a:xfrm>
           <a:prstGeom prst="rect">
@@ -6827,7 +6352,7 @@
                 </a:solidFill>
                 <a:latin typeface="Gill Sans" panose="020B0502020104020203"/>
               </a:rPr>
-              <a:t>Report Production Plan   </a:t>
+              <a:t>Report Outline  </a:t>
             </a:r>
           </a:p>
         </p:txBody>
@@ -6867,121 +6392,77 @@
           </a:prstGeom>
         </p:spPr>
       </p:pic>
-      <p:grpSp>
-        <p:nvGrpSpPr>
-          <p:cNvPr id="13" name="Group 7">
+    </p:spTree>
+    <p:extLst>
+      <p:ext uri="{BB962C8B-B14F-4D97-AF65-F5344CB8AC3E}">
+        <p14:creationId xmlns:p14="http://schemas.microsoft.com/office/powerpoint/2010/main" val="4041024132"/>
+      </p:ext>
+    </p:extLst>
+  </p:cSld>
+  <p:clrMapOvr>
+    <a:masterClrMapping/>
+  </p:clrMapOvr>
+</p:sld>
+</file>
+
+<file path=ppt/slides/slide4.xml><?xml version="1.0" encoding="utf-8"?>
+<p:sld xmlns:a="http://schemas.openxmlformats.org/drawingml/2006/main" xmlns:r="http://schemas.openxmlformats.org/officeDocument/2006/relationships" xmlns:p="http://schemas.openxmlformats.org/presentationml/2006/main">
+  <p:cSld>
+    <p:spTree>
+      <p:nvGrpSpPr>
+        <p:cNvPr id="1" name=""/>
+        <p:cNvGrpSpPr/>
+        <p:nvPr/>
+      </p:nvGrpSpPr>
+      <p:grpSpPr>
+        <a:xfrm>
+          <a:off x="0" y="0"/>
+          <a:ext cx="0" cy="0"/>
+          <a:chOff x="0" y="0"/>
+          <a:chExt cx="0" cy="0"/>
+        </a:xfrm>
+      </p:grpSpPr>
+      <p:sp>
+        <p:nvSpPr>
+          <p:cNvPr id="2" name="Título 1">
             <a:extLst>
               <a:ext uri="{FF2B5EF4-FFF2-40B4-BE49-F238E27FC236}">
-                <a16:creationId xmlns:a16="http://schemas.microsoft.com/office/drawing/2014/main" id="{CD9ADA40-29E1-46EB-8841-466C557C66C3}"/>
+                <a16:creationId xmlns:a16="http://schemas.microsoft.com/office/drawing/2014/main" id="{BD426FFE-3ADD-2B25-A332-DBEC201BB672}"/>
               </a:ext>
             </a:extLst>
           </p:cNvPr>
-          <p:cNvGrpSpPr/>
-          <p:nvPr/>
-        </p:nvGrpSpPr>
-        <p:grpSpPr>
-          <a:xfrm>
-            <a:off x="341" y="2063026"/>
-            <a:ext cx="12225507" cy="894307"/>
-            <a:chOff x="4078224" y="378493"/>
-            <a:chExt cx="8243785" cy="709800"/>
-          </a:xfrm>
-        </p:grpSpPr>
-        <p:sp>
-          <p:nvSpPr>
-            <p:cNvPr id="14" name="Rectangle 8">
-              <a:extLst>
-                <a:ext uri="{FF2B5EF4-FFF2-40B4-BE49-F238E27FC236}">
-                  <a16:creationId xmlns:a16="http://schemas.microsoft.com/office/drawing/2014/main" id="{F2EAA999-1CFC-40B6-AFAB-FE54A4E2EDF0}"/>
-                </a:ext>
-              </a:extLst>
-            </p:cNvPr>
-            <p:cNvSpPr/>
-            <p:nvPr/>
-          </p:nvSpPr>
-          <p:spPr>
-            <a:xfrm>
-              <a:off x="4078224" y="530059"/>
-              <a:ext cx="7388450" cy="487098"/>
-            </a:xfrm>
-            <a:prstGeom prst="rect">
-              <a:avLst/>
-            </a:prstGeom>
-            <a:solidFill>
-              <a:srgbClr val="731531"/>
-            </a:solidFill>
-            <a:ln>
-              <a:noFill/>
-            </a:ln>
-          </p:spPr>
-          <p:style>
-            <a:lnRef idx="2">
-              <a:schemeClr val="accent1">
-                <a:shade val="50000"/>
-              </a:schemeClr>
-            </a:lnRef>
-            <a:fillRef idx="1">
-              <a:schemeClr val="accent1"/>
-            </a:fillRef>
-            <a:effectRef idx="0">
-              <a:schemeClr val="accent1"/>
-            </a:effectRef>
-            <a:fontRef idx="minor">
-              <a:schemeClr val="lt1"/>
-            </a:fontRef>
-          </p:style>
-          <p:txBody>
-            <a:bodyPr rtlCol="0" anchor="ctr"/>
-            <a:lstStyle/>
-            <a:p>
-              <a:pPr algn="ctr"/>
-              <a:endParaRPr lang="pt-PT" dirty="0"/>
-            </a:p>
-          </p:txBody>
-        </p:sp>
-        <p:pic>
-          <p:nvPicPr>
-            <p:cNvPr id="15" name="Picture 9" descr="A screenshot of a video game&#10;&#10;Description automatically generated with low confidence">
-              <a:extLst>
-                <a:ext uri="{FF2B5EF4-FFF2-40B4-BE49-F238E27FC236}">
-                  <a16:creationId xmlns:a16="http://schemas.microsoft.com/office/drawing/2014/main" id="{0DF45868-A473-4763-AA66-ED7EC649C01B}"/>
-                </a:ext>
-              </a:extLst>
-            </p:cNvPr>
-            <p:cNvPicPr>
-              <a:picLocks noChangeAspect="1"/>
-            </p:cNvPicPr>
-            <p:nvPr/>
-          </p:nvPicPr>
-          <p:blipFill>
-            <a:blip r:embed="rId3" cstate="hqprint">
-              <a:extLst>
-                <a:ext uri="{28A0092B-C50C-407E-A947-70E740481C1C}">
-                  <a14:useLocalDpi xmlns:a14="http://schemas.microsoft.com/office/drawing/2010/main" val="0"/>
-                </a:ext>
-              </a:extLst>
-            </a:blip>
-            <a:stretch>
-              <a:fillRect/>
-            </a:stretch>
-          </p:blipFill>
-          <p:spPr>
-            <a:xfrm>
-              <a:off x="10533132" y="378493"/>
-              <a:ext cx="1788877" cy="709800"/>
-            </a:xfrm>
-            <a:prstGeom prst="rect">
-              <a:avLst/>
-            </a:prstGeom>
-          </p:spPr>
-        </p:pic>
-      </p:grpSp>
-      <p:sp>
-        <p:nvSpPr>
-          <p:cNvPr id="2" name="CaixaDeTexto 1">
+          <p:cNvSpPr>
+            <a:spLocks noGrp="1"/>
+          </p:cNvSpPr>
+          <p:nvPr>
+            <p:ph type="title"/>
+          </p:nvPr>
+        </p:nvSpPr>
+        <p:spPr>
+          <a:xfrm>
+            <a:off x="325120" y="190699"/>
+            <a:ext cx="10772775" cy="580601"/>
+          </a:xfrm>
+        </p:spPr>
+        <p:txBody>
+          <a:bodyPr>
+            <a:normAutofit fontScale="90000"/>
+          </a:bodyPr>
+          <a:lstStyle/>
+          <a:p>
+            <a:r>
+              <a:rPr lang="pt-PT" dirty="0"/>
+              <a:t>Mobilizadas</a:t>
+            </a:r>
+          </a:p>
+        </p:txBody>
+      </p:sp>
+      <p:sp>
+        <p:nvSpPr>
+          <p:cNvPr id="22" name="CaixaDeTexto 21">
             <a:extLst>
               <a:ext uri="{FF2B5EF4-FFF2-40B4-BE49-F238E27FC236}">
-                <a16:creationId xmlns:a16="http://schemas.microsoft.com/office/drawing/2014/main" id="{CCFC71FE-0E59-4D0C-9DAC-4EB788504E4D}"/>
+                <a16:creationId xmlns:a16="http://schemas.microsoft.com/office/drawing/2014/main" id="{91F8AF67-6B0C-E701-A6D6-59336A538093}"/>
               </a:ext>
             </a:extLst>
           </p:cNvPr>
@@ -6990,18 +6471,13 @@
         </p:nvSpPr>
         <p:spPr>
           <a:xfrm>
-            <a:off x="417306" y="3051985"/>
-            <a:ext cx="1460091" cy="1477328"/>
+            <a:off x="325120" y="1056290"/>
+            <a:ext cx="11541760" cy="646331"/>
           </a:xfrm>
           <a:prstGeom prst="rect">
             <a:avLst/>
           </a:prstGeom>
           <a:noFill/>
-          <a:ln>
-            <a:solidFill>
-              <a:srgbClr val="731531"/>
-            </a:solidFill>
-          </a:ln>
         </p:spPr>
         <p:txBody>
           <a:bodyPr wrap="square" rtlCol="0">
@@ -7009,35 +6485,78 @@
           </a:bodyPr>
           <a:lstStyle/>
           <a:p>
-            <a:pPr algn="ctr"/>
             <a:r>
               <a:rPr lang="en-US" b="1" dirty="0"/>
-              <a:t>26</a:t>
-            </a:r>
-            <a:r>
-              <a:rPr lang="en-US" b="1" baseline="30000" dirty="0"/>
-              <a:t>TH</a:t>
-            </a:r>
-            <a:r>
-              <a:rPr lang="en-US" b="1" dirty="0"/>
-              <a:t> October </a:t>
-            </a:r>
-          </a:p>
-          <a:p>
-            <a:pPr algn="ctr"/>
-            <a:r>
-              <a:rPr lang="en-US" dirty="0"/>
-              <a:t>MUVA Team and the WB agree the  chosen data.</a:t>
-            </a:r>
-          </a:p>
-        </p:txBody>
-      </p:sp>
-      <p:sp>
-        <p:nvSpPr>
-          <p:cNvPr id="16" name="CaixaDeTexto 15">
+              <a:t>There were 6003 entrepreneurs mobilized of which 89 were not business owners. We note that these business owners registered online. </a:t>
+            </a:r>
+            <a:endParaRPr lang="pt-PT" b="1" dirty="0"/>
+          </a:p>
+        </p:txBody>
+      </p:sp>
+      <p:pic>
+        <p:nvPicPr>
+          <p:cNvPr id="10" name="Imagem 9">
             <a:extLst>
               <a:ext uri="{FF2B5EF4-FFF2-40B4-BE49-F238E27FC236}">
-                <a16:creationId xmlns:a16="http://schemas.microsoft.com/office/drawing/2014/main" id="{D75E9EF3-6D6C-4E36-B8E2-FA948AEDAA6D}"/>
+                <a16:creationId xmlns:a16="http://schemas.microsoft.com/office/drawing/2014/main" id="{D374E568-3A5C-F525-ACDE-7F0C42557D51}"/>
+              </a:ext>
+            </a:extLst>
+          </p:cNvPr>
+          <p:cNvPicPr>
+            <a:picLocks noChangeAspect="1"/>
+          </p:cNvPicPr>
+          <p:nvPr/>
+        </p:nvPicPr>
+        <p:blipFill rotWithShape="1">
+          <a:blip r:embed="rId2"/>
+          <a:srcRect t="1364" b="1"/>
+          <a:stretch/>
+        </p:blipFill>
+        <p:spPr>
+          <a:xfrm>
+            <a:off x="174747" y="2157273"/>
+            <a:ext cx="5921253" cy="4510027"/>
+          </a:xfrm>
+          <a:prstGeom prst="rect">
+            <a:avLst/>
+          </a:prstGeom>
+        </p:spPr>
+      </p:pic>
+      <p:pic>
+        <p:nvPicPr>
+          <p:cNvPr id="6" name="Imagem 5">
+            <a:extLst>
+              <a:ext uri="{FF2B5EF4-FFF2-40B4-BE49-F238E27FC236}">
+                <a16:creationId xmlns:a16="http://schemas.microsoft.com/office/drawing/2014/main" id="{8CFC201C-3B5A-6394-039A-85DF102D20D6}"/>
+              </a:ext>
+            </a:extLst>
+          </p:cNvPr>
+          <p:cNvPicPr>
+            <a:picLocks noChangeAspect="1"/>
+          </p:cNvPicPr>
+          <p:nvPr/>
+        </p:nvPicPr>
+        <p:blipFill rotWithShape="1">
+          <a:blip r:embed="rId3"/>
+          <a:srcRect t="2650"/>
+          <a:stretch/>
+        </p:blipFill>
+        <p:spPr>
+          <a:xfrm>
+            <a:off x="6096000" y="1987611"/>
+            <a:ext cx="5921253" cy="4718123"/>
+          </a:xfrm>
+          <a:prstGeom prst="rect">
+            <a:avLst/>
+          </a:prstGeom>
+        </p:spPr>
+      </p:pic>
+      <p:sp>
+        <p:nvSpPr>
+          <p:cNvPr id="3" name="CaixaDeTexto 2">
+            <a:extLst>
+              <a:ext uri="{FF2B5EF4-FFF2-40B4-BE49-F238E27FC236}">
+                <a16:creationId xmlns:a16="http://schemas.microsoft.com/office/drawing/2014/main" id="{06A97C78-4117-C572-A638-8FA68E609D72}"/>
               </a:ext>
             </a:extLst>
           </p:cNvPr>
@@ -7046,54 +6565,33 @@
         </p:nvSpPr>
         <p:spPr>
           <a:xfrm>
-            <a:off x="2508128" y="3065047"/>
-            <a:ext cx="1632156" cy="1477328"/>
+            <a:off x="780176" y="1787941"/>
+            <a:ext cx="915635" cy="369332"/>
           </a:xfrm>
           <a:prstGeom prst="rect">
             <a:avLst/>
           </a:prstGeom>
           <a:noFill/>
-          <a:ln>
-            <a:solidFill>
-              <a:srgbClr val="731531"/>
-            </a:solidFill>
-          </a:ln>
-        </p:spPr>
-        <p:txBody>
-          <a:bodyPr wrap="square" rtlCol="0">
+        </p:spPr>
+        <p:txBody>
+          <a:bodyPr wrap="none" rtlCol="0">
             <a:spAutoFit/>
           </a:bodyPr>
           <a:lstStyle/>
           <a:p>
-            <a:pPr algn="ctr"/>
-            <a:r>
-              <a:rPr lang="en-US" b="1" dirty="0"/>
-              <a:t>4</a:t>
-            </a:r>
-            <a:r>
-              <a:rPr lang="en-US" b="1" baseline="30000" dirty="0"/>
-              <a:t>th</a:t>
-            </a:r>
-            <a:r>
-              <a:rPr lang="en-US" b="1" dirty="0"/>
-              <a:t> November</a:t>
-            </a:r>
-          </a:p>
-          <a:p>
-            <a:pPr algn="ctr"/>
-            <a:r>
-              <a:rPr lang="en-US" dirty="0"/>
-              <a:t>Graphs produced  with the data selected </a:t>
-            </a:r>
-          </a:p>
-        </p:txBody>
-      </p:sp>
-      <p:sp>
-        <p:nvSpPr>
-          <p:cNvPr id="17" name="CaixaDeTexto 16">
+            <a:r>
+              <a:rPr lang="pt-PT" b="1" dirty="0"/>
+              <a:t>N=6003</a:t>
+            </a:r>
+          </a:p>
+        </p:txBody>
+      </p:sp>
+      <p:sp>
+        <p:nvSpPr>
+          <p:cNvPr id="4" name="CaixaDeTexto 3">
             <a:extLst>
               <a:ext uri="{FF2B5EF4-FFF2-40B4-BE49-F238E27FC236}">
-                <a16:creationId xmlns:a16="http://schemas.microsoft.com/office/drawing/2014/main" id="{BF1C8287-6003-44F8-921F-4B758F52AA80}"/>
+                <a16:creationId xmlns:a16="http://schemas.microsoft.com/office/drawing/2014/main" id="{59C4D919-8E6F-BC3E-26CF-8FE4E1AE6906}"/>
               </a:ext>
             </a:extLst>
           </p:cNvPr>
@@ -7102,54 +6600,63 @@
         </p:nvSpPr>
         <p:spPr>
           <a:xfrm>
-            <a:off x="4659587" y="3065047"/>
-            <a:ext cx="1632156" cy="2308324"/>
+            <a:off x="11097895" y="1886835"/>
+            <a:ext cx="915635" cy="369332"/>
           </a:xfrm>
           <a:prstGeom prst="rect">
             <a:avLst/>
           </a:prstGeom>
           <a:noFill/>
-          <a:ln>
-            <a:solidFill>
-              <a:srgbClr val="731531"/>
-            </a:solidFill>
-          </a:ln>
-        </p:spPr>
-        <p:txBody>
-          <a:bodyPr wrap="square" rtlCol="0">
+        </p:spPr>
+        <p:txBody>
+          <a:bodyPr wrap="none" rtlCol="0">
             <a:spAutoFit/>
           </a:bodyPr>
           <a:lstStyle/>
           <a:p>
-            <a:pPr algn="ctr"/>
-            <a:r>
-              <a:rPr lang="en-US" b="1" dirty="0"/>
-              <a:t>18</a:t>
-            </a:r>
-            <a:r>
-              <a:rPr lang="en-US" b="1" baseline="30000" dirty="0"/>
-              <a:t>th</a:t>
-            </a:r>
-            <a:r>
-              <a:rPr lang="en-US" b="1" dirty="0"/>
-              <a:t> November</a:t>
-            </a:r>
-          </a:p>
-          <a:p>
-            <a:pPr algn="ctr"/>
-            <a:r>
-              <a:rPr lang="en-US" dirty="0"/>
-              <a:t>Graphs analyzed and first draft of the report shared with the MUVA team for review</a:t>
-            </a:r>
-          </a:p>
-        </p:txBody>
-      </p:sp>
-      <p:sp>
-        <p:nvSpPr>
-          <p:cNvPr id="18" name="CaixaDeTexto 17">
+            <a:r>
+              <a:rPr lang="pt-PT" b="1" dirty="0"/>
+              <a:t>N=5914</a:t>
+            </a:r>
+          </a:p>
+        </p:txBody>
+      </p:sp>
+    </p:spTree>
+    <p:extLst>
+      <p:ext uri="{BB962C8B-B14F-4D97-AF65-F5344CB8AC3E}">
+        <p14:creationId xmlns:p14="http://schemas.microsoft.com/office/powerpoint/2010/main" val="2217484933"/>
+      </p:ext>
+    </p:extLst>
+  </p:cSld>
+  <p:clrMapOvr>
+    <a:masterClrMapping/>
+  </p:clrMapOvr>
+</p:sld>
+</file>
+
+<file path=ppt/slides/slide5.xml><?xml version="1.0" encoding="utf-8"?>
+<p:sld xmlns:a="http://schemas.openxmlformats.org/drawingml/2006/main" xmlns:r="http://schemas.openxmlformats.org/officeDocument/2006/relationships" xmlns:p="http://schemas.openxmlformats.org/presentationml/2006/main">
+  <p:cSld>
+    <p:spTree>
+      <p:nvGrpSpPr>
+        <p:cNvPr id="1" name=""/>
+        <p:cNvGrpSpPr/>
+        <p:nvPr/>
+      </p:nvGrpSpPr>
+      <p:grpSpPr>
+        <a:xfrm>
+          <a:off x="0" y="0"/>
+          <a:ext cx="0" cy="0"/>
+          <a:chOff x="0" y="0"/>
+          <a:chExt cx="0" cy="0"/>
+        </a:xfrm>
+      </p:grpSpPr>
+      <p:sp>
+        <p:nvSpPr>
+          <p:cNvPr id="2" name="CaixaDeTexto 1">
             <a:extLst>
               <a:ext uri="{FF2B5EF4-FFF2-40B4-BE49-F238E27FC236}">
-                <a16:creationId xmlns:a16="http://schemas.microsoft.com/office/drawing/2014/main" id="{1843F72D-257B-45E2-9FDB-E41D57C4F8B1}"/>
+                <a16:creationId xmlns:a16="http://schemas.microsoft.com/office/drawing/2014/main" id="{B0939F91-496C-0C6E-CDB7-BEFAEC5DEB57}"/>
               </a:ext>
             </a:extLst>
           </p:cNvPr>
@@ -7158,18 +6665,13 @@
         </p:nvSpPr>
         <p:spPr>
           <a:xfrm>
-            <a:off x="6784034" y="3065047"/>
-            <a:ext cx="1632156" cy="1200329"/>
+            <a:off x="444616" y="276837"/>
+            <a:ext cx="11190914" cy="1200329"/>
           </a:xfrm>
           <a:prstGeom prst="rect">
             <a:avLst/>
           </a:prstGeom>
           <a:noFill/>
-          <a:ln>
-            <a:solidFill>
-              <a:srgbClr val="731531"/>
-            </a:solidFill>
-          </a:ln>
         </p:spPr>
         <p:txBody>
           <a:bodyPr wrap="square" rtlCol="0">
@@ -7177,27 +6679,86 @@
           </a:bodyPr>
           <a:lstStyle/>
           <a:p>
-            <a:pPr algn="ctr"/>
-            <a:r>
-              <a:rPr lang="en-US" b="1" dirty="0"/>
-              <a:t>25th November</a:t>
-            </a:r>
-          </a:p>
-          <a:p>
-            <a:pPr algn="ctr"/>
-            <a:r>
-              <a:rPr lang="en-US" dirty="0"/>
-              <a:t>Document reviewed by MUVA team </a:t>
-            </a:r>
-          </a:p>
-        </p:txBody>
-      </p:sp>
-      <p:sp>
-        <p:nvSpPr>
-          <p:cNvPr id="19" name="CaixaDeTexto 18">
+            <a:r>
+              <a:rPr lang="en-US" sz="2400" dirty="0">
+                <a:solidFill>
+                  <a:srgbClr val="00B050"/>
+                </a:solidFill>
+              </a:rPr>
+              <a:t>In all cities, women entrepreneurs earning more than 10,000 meticais do not reach 15%. Beira has the lowest percentage (9%) of female entrepreneurs earning at least 10,000 meticais. </a:t>
+            </a:r>
+            <a:endParaRPr lang="pt-PT" sz="2400" dirty="0">
+              <a:solidFill>
+                <a:srgbClr val="00B050"/>
+              </a:solidFill>
+            </a:endParaRPr>
+          </a:p>
+        </p:txBody>
+      </p:sp>
+      <p:pic>
+        <p:nvPicPr>
+          <p:cNvPr id="8" name="Imagem 7">
             <a:extLst>
               <a:ext uri="{FF2B5EF4-FFF2-40B4-BE49-F238E27FC236}">
-                <a16:creationId xmlns:a16="http://schemas.microsoft.com/office/drawing/2014/main" id="{2E38FDB0-9159-4E8B-A9F5-3D38A658B6DA}"/>
+                <a16:creationId xmlns:a16="http://schemas.microsoft.com/office/drawing/2014/main" id="{E8DAC2D4-148F-F32C-B815-13201E016CA7}"/>
+              </a:ext>
+            </a:extLst>
+          </p:cNvPr>
+          <p:cNvPicPr>
+            <a:picLocks noChangeAspect="1"/>
+          </p:cNvPicPr>
+          <p:nvPr/>
+        </p:nvPicPr>
+        <p:blipFill rotWithShape="1">
+          <a:blip r:embed="rId2"/>
+          <a:srcRect t="860" b="-1"/>
+          <a:stretch/>
+        </p:blipFill>
+        <p:spPr>
+          <a:xfrm>
+            <a:off x="6188631" y="2324911"/>
+            <a:ext cx="5921253" cy="4533089"/>
+          </a:xfrm>
+          <a:prstGeom prst="rect">
+            <a:avLst/>
+          </a:prstGeom>
+        </p:spPr>
+      </p:pic>
+      <p:pic>
+        <p:nvPicPr>
+          <p:cNvPr id="4" name="Imagem 3">
+            <a:extLst>
+              <a:ext uri="{FF2B5EF4-FFF2-40B4-BE49-F238E27FC236}">
+                <a16:creationId xmlns:a16="http://schemas.microsoft.com/office/drawing/2014/main" id="{7EE00536-E813-3B70-3E97-2B0D80D8AC55}"/>
+              </a:ext>
+            </a:extLst>
+          </p:cNvPr>
+          <p:cNvPicPr>
+            <a:picLocks noChangeAspect="1"/>
+          </p:cNvPicPr>
+          <p:nvPr/>
+        </p:nvPicPr>
+        <p:blipFill rotWithShape="1">
+          <a:blip r:embed="rId3"/>
+          <a:srcRect t="1567"/>
+          <a:stretch/>
+        </p:blipFill>
+        <p:spPr>
+          <a:xfrm>
+            <a:off x="395414" y="2379525"/>
+            <a:ext cx="6420385" cy="4423860"/>
+          </a:xfrm>
+          <a:prstGeom prst="rect">
+            <a:avLst/>
+          </a:prstGeom>
+        </p:spPr>
+      </p:pic>
+      <p:sp>
+        <p:nvSpPr>
+          <p:cNvPr id="6" name="CaixaDeTexto 5">
+            <a:extLst>
+              <a:ext uri="{FF2B5EF4-FFF2-40B4-BE49-F238E27FC236}">
+                <a16:creationId xmlns:a16="http://schemas.microsoft.com/office/drawing/2014/main" id="{E9B671A3-D031-C668-C336-665210EE8F4F}"/>
               </a:ext>
             </a:extLst>
           </p:cNvPr>
@@ -7206,18 +6767,312 @@
         </p:nvSpPr>
         <p:spPr>
           <a:xfrm>
-            <a:off x="8756871" y="3051230"/>
-            <a:ext cx="1632156" cy="1477328"/>
+            <a:off x="444616" y="1642899"/>
+            <a:ext cx="10905689" cy="461665"/>
           </a:xfrm>
           <a:prstGeom prst="rect">
             <a:avLst/>
           </a:prstGeom>
           <a:noFill/>
-          <a:ln>
-            <a:solidFill>
-              <a:srgbClr val="731531"/>
-            </a:solidFill>
-          </a:ln>
+        </p:spPr>
+        <p:txBody>
+          <a:bodyPr wrap="square">
+            <a:spAutoFit/>
+          </a:bodyPr>
+          <a:lstStyle/>
+          <a:p>
+            <a:r>
+              <a:rPr lang="pt-PT" sz="2400" dirty="0">
+                <a:solidFill>
+                  <a:srgbClr val="7030A0"/>
+                </a:solidFill>
+              </a:rPr>
+              <a:t>More </a:t>
+            </a:r>
+            <a:r>
+              <a:rPr lang="pt-PT" sz="2400" dirty="0" err="1">
+                <a:solidFill>
+                  <a:srgbClr val="7030A0"/>
+                </a:solidFill>
+              </a:rPr>
+              <a:t>than</a:t>
+            </a:r>
+            <a:r>
+              <a:rPr lang="pt-PT" sz="2400" dirty="0">
+                <a:solidFill>
+                  <a:srgbClr val="7030A0"/>
+                </a:solidFill>
+              </a:rPr>
+              <a:t> 80 </a:t>
+            </a:r>
+            <a:r>
+              <a:rPr lang="pt-PT" sz="2400" dirty="0" err="1">
+                <a:solidFill>
+                  <a:srgbClr val="7030A0"/>
+                </a:solidFill>
+              </a:rPr>
+              <a:t>percent</a:t>
+            </a:r>
+            <a:r>
+              <a:rPr lang="pt-PT" sz="2400" dirty="0">
+                <a:solidFill>
+                  <a:srgbClr val="7030A0"/>
+                </a:solidFill>
+              </a:rPr>
+              <a:t> </a:t>
+            </a:r>
+            <a:r>
+              <a:rPr lang="pt-PT" sz="2400" dirty="0" err="1">
+                <a:solidFill>
+                  <a:srgbClr val="7030A0"/>
+                </a:solidFill>
+              </a:rPr>
+              <a:t>of</a:t>
+            </a:r>
+            <a:r>
+              <a:rPr lang="pt-PT" sz="2400" dirty="0">
+                <a:solidFill>
+                  <a:srgbClr val="7030A0"/>
+                </a:solidFill>
+              </a:rPr>
+              <a:t> </a:t>
+            </a:r>
+            <a:r>
+              <a:rPr lang="pt-PT" sz="2400" dirty="0" err="1">
+                <a:solidFill>
+                  <a:srgbClr val="7030A0"/>
+                </a:solidFill>
+              </a:rPr>
+              <a:t>women</a:t>
+            </a:r>
+            <a:r>
+              <a:rPr lang="pt-PT" sz="2400" dirty="0">
+                <a:solidFill>
+                  <a:srgbClr val="7030A0"/>
+                </a:solidFill>
+              </a:rPr>
+              <a:t>, </a:t>
+            </a:r>
+            <a:r>
+              <a:rPr lang="pt-PT" sz="2400" dirty="0" err="1">
+                <a:solidFill>
+                  <a:srgbClr val="7030A0"/>
+                </a:solidFill>
+              </a:rPr>
+              <a:t>their</a:t>
+            </a:r>
+            <a:r>
+              <a:rPr lang="pt-PT" sz="2400" dirty="0">
+                <a:solidFill>
+                  <a:srgbClr val="7030A0"/>
+                </a:solidFill>
+              </a:rPr>
+              <a:t> businesses are </a:t>
+            </a:r>
+            <a:r>
+              <a:rPr lang="pt-PT" sz="2400" dirty="0" err="1">
+                <a:solidFill>
+                  <a:srgbClr val="7030A0"/>
+                </a:solidFill>
+              </a:rPr>
+              <a:t>not</a:t>
+            </a:r>
+            <a:r>
+              <a:rPr lang="pt-PT" sz="2400" dirty="0">
+                <a:solidFill>
+                  <a:srgbClr val="7030A0"/>
+                </a:solidFill>
+              </a:rPr>
+              <a:t> </a:t>
+            </a:r>
+            <a:r>
+              <a:rPr lang="pt-PT" sz="2400" dirty="0" err="1">
+                <a:solidFill>
+                  <a:srgbClr val="7030A0"/>
+                </a:solidFill>
+              </a:rPr>
+              <a:t>formalized</a:t>
+            </a:r>
+            <a:r>
+              <a:rPr lang="pt-PT" sz="2400" dirty="0">
+                <a:solidFill>
+                  <a:srgbClr val="7030A0"/>
+                </a:solidFill>
+              </a:rPr>
+              <a:t>.</a:t>
+            </a:r>
+          </a:p>
+        </p:txBody>
+      </p:sp>
+      <p:sp>
+        <p:nvSpPr>
+          <p:cNvPr id="3" name="CaixaDeTexto 2">
+            <a:extLst>
+              <a:ext uri="{FF2B5EF4-FFF2-40B4-BE49-F238E27FC236}">
+                <a16:creationId xmlns:a16="http://schemas.microsoft.com/office/drawing/2014/main" id="{4605BC7C-2736-B94C-ABCF-1D435CBA979A}"/>
+              </a:ext>
+            </a:extLst>
+          </p:cNvPr>
+          <p:cNvSpPr txBox="1"/>
+          <p:nvPr/>
+        </p:nvSpPr>
+        <p:spPr>
+          <a:xfrm>
+            <a:off x="11081117" y="2324911"/>
+            <a:ext cx="915635" cy="369332"/>
+          </a:xfrm>
+          <a:prstGeom prst="rect">
+            <a:avLst/>
+          </a:prstGeom>
+          <a:noFill/>
+        </p:spPr>
+        <p:txBody>
+          <a:bodyPr wrap="none" rtlCol="0">
+            <a:spAutoFit/>
+          </a:bodyPr>
+          <a:lstStyle/>
+          <a:p>
+            <a:r>
+              <a:rPr lang="pt-PT" b="1" dirty="0"/>
+              <a:t>N=5914</a:t>
+            </a:r>
+          </a:p>
+        </p:txBody>
+      </p:sp>
+      <p:sp>
+        <p:nvSpPr>
+          <p:cNvPr id="5" name="CaixaDeTexto 4">
+            <a:extLst>
+              <a:ext uri="{FF2B5EF4-FFF2-40B4-BE49-F238E27FC236}">
+                <a16:creationId xmlns:a16="http://schemas.microsoft.com/office/drawing/2014/main" id="{7D19F185-4D96-6181-50DB-200FA8FC784C}"/>
+              </a:ext>
+            </a:extLst>
+          </p:cNvPr>
+          <p:cNvSpPr txBox="1"/>
+          <p:nvPr/>
+        </p:nvSpPr>
+        <p:spPr>
+          <a:xfrm>
+            <a:off x="5730813" y="2270297"/>
+            <a:ext cx="915635" cy="369332"/>
+          </a:xfrm>
+          <a:prstGeom prst="rect">
+            <a:avLst/>
+          </a:prstGeom>
+          <a:noFill/>
+        </p:spPr>
+        <p:txBody>
+          <a:bodyPr wrap="none" rtlCol="0">
+            <a:spAutoFit/>
+          </a:bodyPr>
+          <a:lstStyle/>
+          <a:p>
+            <a:r>
+              <a:rPr lang="pt-PT" b="1" dirty="0"/>
+              <a:t>N=5914</a:t>
+            </a:r>
+          </a:p>
+        </p:txBody>
+      </p:sp>
+      <p:sp>
+        <p:nvSpPr>
+          <p:cNvPr id="9" name="CaixaDeTexto 8">
+            <a:extLst>
+              <a:ext uri="{FF2B5EF4-FFF2-40B4-BE49-F238E27FC236}">
+                <a16:creationId xmlns:a16="http://schemas.microsoft.com/office/drawing/2014/main" id="{5B0F02B9-BBAA-9BB3-40BA-50C3E3EEC93A}"/>
+              </a:ext>
+            </a:extLst>
+          </p:cNvPr>
+          <p:cNvSpPr txBox="1"/>
+          <p:nvPr/>
+        </p:nvSpPr>
+        <p:spPr>
+          <a:xfrm>
+            <a:off x="2241333" y="5749370"/>
+            <a:ext cx="684803" cy="253916"/>
+          </a:xfrm>
+          <a:prstGeom prst="rect">
+            <a:avLst/>
+          </a:prstGeom>
+          <a:noFill/>
+        </p:spPr>
+        <p:txBody>
+          <a:bodyPr wrap="none" rtlCol="0">
+            <a:spAutoFit/>
+          </a:bodyPr>
+          <a:lstStyle/>
+          <a:p>
+            <a:r>
+              <a:rPr lang="pt-PT" sz="1050" b="1" dirty="0">
+                <a:solidFill>
+                  <a:srgbClr val="7030A0"/>
+                </a:solidFill>
+              </a:rPr>
+              <a:t>(N=1729)</a:t>
+            </a:r>
+          </a:p>
+        </p:txBody>
+      </p:sp>
+      <p:sp>
+        <p:nvSpPr>
+          <p:cNvPr id="10" name="CaixaDeTexto 9">
+            <a:extLst>
+              <a:ext uri="{FF2B5EF4-FFF2-40B4-BE49-F238E27FC236}">
+                <a16:creationId xmlns:a16="http://schemas.microsoft.com/office/drawing/2014/main" id="{1B841106-DD54-07E5-EDB3-3C977357703B}"/>
+              </a:ext>
+            </a:extLst>
+          </p:cNvPr>
+          <p:cNvSpPr txBox="1"/>
+          <p:nvPr/>
+        </p:nvSpPr>
+        <p:spPr>
+          <a:xfrm>
+            <a:off x="4031590" y="5749370"/>
+            <a:ext cx="684803" cy="253916"/>
+          </a:xfrm>
+          <a:prstGeom prst="rect">
+            <a:avLst/>
+          </a:prstGeom>
+          <a:noFill/>
+        </p:spPr>
+        <p:txBody>
+          <a:bodyPr wrap="none" rtlCol="0">
+            <a:spAutoFit/>
+          </a:bodyPr>
+          <a:lstStyle/>
+          <a:p>
+            <a:r>
+              <a:rPr lang="pt-PT" sz="1050" b="1" dirty="0">
+                <a:solidFill>
+                  <a:srgbClr val="7030A0"/>
+                </a:solidFill>
+              </a:rPr>
+              <a:t>(N=2533)</a:t>
+            </a:r>
+          </a:p>
+        </p:txBody>
+      </p:sp>
+      <p:sp>
+        <p:nvSpPr>
+          <p:cNvPr id="11" name="CaixaDeTexto 10">
+            <a:extLst>
+              <a:ext uri="{FF2B5EF4-FFF2-40B4-BE49-F238E27FC236}">
+                <a16:creationId xmlns:a16="http://schemas.microsoft.com/office/drawing/2014/main" id="{0A5868F0-FB38-CC1F-CF13-8900CE087067}"/>
+              </a:ext>
+            </a:extLst>
+          </p:cNvPr>
+          <p:cNvSpPr txBox="1"/>
+          <p:nvPr/>
+        </p:nvSpPr>
+        <p:spPr>
+          <a:xfrm>
+            <a:off x="5961645" y="5803460"/>
+            <a:ext cx="684803" cy="253916"/>
+          </a:xfrm>
+          <a:prstGeom prst="rect">
+            <a:avLst/>
+          </a:prstGeom>
+          <a:noFill/>
         </p:spPr>
         <p:txBody>
           <a:bodyPr wrap="square" rtlCol="0">
@@ -7225,238 +7080,1100 @@
           </a:bodyPr>
           <a:lstStyle/>
           <a:p>
-            <a:pPr algn="ctr"/>
-            <a:r>
-              <a:rPr lang="en-US" b="1" dirty="0"/>
-              <a:t>30th November</a:t>
-            </a:r>
-          </a:p>
-          <a:p>
-            <a:pPr algn="ctr"/>
-            <a:r>
-              <a:rPr lang="en-US" dirty="0"/>
-              <a:t>First version of the report delivered to the WB team</a:t>
-            </a:r>
-          </a:p>
-        </p:txBody>
-      </p:sp>
-      <p:cxnSp>
-        <p:nvCxnSpPr>
-          <p:cNvPr id="4" name="Conexão reta 3">
+            <a:r>
+              <a:rPr lang="pt-PT" sz="1050" b="1" dirty="0">
+                <a:solidFill>
+                  <a:srgbClr val="7030A0"/>
+                </a:solidFill>
+              </a:rPr>
+              <a:t>(N=1652)</a:t>
+            </a:r>
+          </a:p>
+        </p:txBody>
+      </p:sp>
+      <p:sp>
+        <p:nvSpPr>
+          <p:cNvPr id="12" name="CaixaDeTexto 11">
             <a:extLst>
               <a:ext uri="{FF2B5EF4-FFF2-40B4-BE49-F238E27FC236}">
-                <a16:creationId xmlns:a16="http://schemas.microsoft.com/office/drawing/2014/main" id="{B1C0C394-F19C-4D67-B040-237FDDDFB72E}"/>
+                <a16:creationId xmlns:a16="http://schemas.microsoft.com/office/drawing/2014/main" id="{BDBE9910-48E3-1029-9AE0-E0E596412506}"/>
               </a:ext>
             </a:extLst>
           </p:cNvPr>
-          <p:cNvCxnSpPr/>
+          <p:cNvSpPr txBox="1"/>
           <p:nvPr/>
-        </p:nvCxnSpPr>
-        <p:spPr>
-          <a:xfrm>
-            <a:off x="1139976" y="2682521"/>
-            <a:ext cx="0" cy="368709"/>
-          </a:xfrm>
-          <a:prstGeom prst="line">
+        </p:nvSpPr>
+        <p:spPr>
+          <a:xfrm>
+            <a:off x="7915218" y="5763804"/>
+            <a:ext cx="684803" cy="253916"/>
+          </a:xfrm>
+          <a:prstGeom prst="rect">
+            <a:avLst/>
+          </a:prstGeom>
+          <a:noFill/>
+        </p:spPr>
+        <p:txBody>
+          <a:bodyPr wrap="none" rtlCol="0">
+            <a:spAutoFit/>
+          </a:bodyPr>
+          <a:lstStyle/>
+          <a:p>
+            <a:r>
+              <a:rPr lang="pt-PT" sz="1050" b="1" dirty="0">
+                <a:solidFill>
+                  <a:srgbClr val="7030A0"/>
+                </a:solidFill>
+              </a:rPr>
+              <a:t>(N=1729)</a:t>
+            </a:r>
+          </a:p>
+        </p:txBody>
+      </p:sp>
+      <p:sp>
+        <p:nvSpPr>
+          <p:cNvPr id="13" name="CaixaDeTexto 12">
+            <a:extLst>
+              <a:ext uri="{FF2B5EF4-FFF2-40B4-BE49-F238E27FC236}">
+                <a16:creationId xmlns:a16="http://schemas.microsoft.com/office/drawing/2014/main" id="{2826E3DB-E879-3D7B-BCA4-1E8C0FE6B0A1}"/>
+              </a:ext>
+            </a:extLst>
+          </p:cNvPr>
+          <p:cNvSpPr txBox="1"/>
+          <p:nvPr/>
+        </p:nvSpPr>
+        <p:spPr>
+          <a:xfrm>
+            <a:off x="9613583" y="5749370"/>
+            <a:ext cx="684803" cy="253916"/>
+          </a:xfrm>
+          <a:prstGeom prst="rect">
+            <a:avLst/>
+          </a:prstGeom>
+          <a:noFill/>
+        </p:spPr>
+        <p:txBody>
+          <a:bodyPr wrap="none" rtlCol="0">
+            <a:spAutoFit/>
+          </a:bodyPr>
+          <a:lstStyle/>
+          <a:p>
+            <a:r>
+              <a:rPr lang="pt-PT" sz="1050" b="1" dirty="0">
+                <a:solidFill>
+                  <a:srgbClr val="7030A0"/>
+                </a:solidFill>
+              </a:rPr>
+              <a:t>(N=2533)</a:t>
+            </a:r>
+          </a:p>
+        </p:txBody>
+      </p:sp>
+      <p:sp>
+        <p:nvSpPr>
+          <p:cNvPr id="14" name="CaixaDeTexto 13">
+            <a:extLst>
+              <a:ext uri="{FF2B5EF4-FFF2-40B4-BE49-F238E27FC236}">
+                <a16:creationId xmlns:a16="http://schemas.microsoft.com/office/drawing/2014/main" id="{02DC72A9-D427-2919-D96E-85787AFA8D88}"/>
+              </a:ext>
+            </a:extLst>
+          </p:cNvPr>
+          <p:cNvSpPr txBox="1"/>
+          <p:nvPr/>
+        </p:nvSpPr>
+        <p:spPr>
+          <a:xfrm>
+            <a:off x="11311949" y="5764329"/>
+            <a:ext cx="684803" cy="253916"/>
+          </a:xfrm>
+          <a:prstGeom prst="rect">
+            <a:avLst/>
+          </a:prstGeom>
+          <a:noFill/>
+        </p:spPr>
+        <p:txBody>
+          <a:bodyPr wrap="square" rtlCol="0">
+            <a:spAutoFit/>
+          </a:bodyPr>
+          <a:lstStyle/>
+          <a:p>
+            <a:r>
+              <a:rPr lang="pt-PT" sz="1050" b="1" dirty="0">
+                <a:solidFill>
+                  <a:srgbClr val="7030A0"/>
+                </a:solidFill>
+              </a:rPr>
+              <a:t>(N=1652)</a:t>
+            </a:r>
+          </a:p>
+        </p:txBody>
+      </p:sp>
+    </p:spTree>
+    <p:extLst>
+      <p:ext uri="{BB962C8B-B14F-4D97-AF65-F5344CB8AC3E}">
+        <p14:creationId xmlns:p14="http://schemas.microsoft.com/office/powerpoint/2010/main" val="2600633616"/>
+      </p:ext>
+    </p:extLst>
+  </p:cSld>
+  <p:clrMapOvr>
+    <a:masterClrMapping/>
+  </p:clrMapOvr>
+</p:sld>
+</file>
+
+<file path=ppt/slides/slide6.xml><?xml version="1.0" encoding="utf-8"?>
+<p:sld xmlns:a="http://schemas.openxmlformats.org/drawingml/2006/main" xmlns:r="http://schemas.openxmlformats.org/officeDocument/2006/relationships" xmlns:p="http://schemas.openxmlformats.org/presentationml/2006/main">
+  <p:cSld>
+    <p:bg>
+      <p:bgPr>
+        <a:solidFill>
+          <a:schemeClr val="bg1"/>
+        </a:solidFill>
+        <a:effectLst/>
+      </p:bgPr>
+    </p:bg>
+    <p:spTree>
+      <p:nvGrpSpPr>
+        <p:cNvPr id="1" name=""/>
+        <p:cNvGrpSpPr/>
+        <p:nvPr/>
+      </p:nvGrpSpPr>
+      <p:grpSpPr>
+        <a:xfrm>
+          <a:off x="0" y="0"/>
+          <a:ext cx="0" cy="0"/>
+          <a:chOff x="0" y="0"/>
+          <a:chExt cx="0" cy="0"/>
+        </a:xfrm>
+      </p:grpSpPr>
+      <p:sp useBgFill="1">
+        <p:nvSpPr>
+          <p:cNvPr id="14" name="Rectangle 9">
+            <a:extLst>
+              <a:ext uri="{FF2B5EF4-FFF2-40B4-BE49-F238E27FC236}">
+                <a16:creationId xmlns:a16="http://schemas.microsoft.com/office/drawing/2014/main" id="{FAB618CE-98EA-45A7-8250-CAB4615AB153}"/>
+              </a:ext>
+              <a:ext uri="{C183D7F6-B498-43B3-948B-1728B52AA6E4}">
+                <adec:decorative xmlns:adec="http://schemas.microsoft.com/office/drawing/2017/decorative" val="1"/>
+              </a:ext>
+            </a:extLst>
+          </p:cNvPr>
+          <p:cNvSpPr>
+            <a:spLocks noGrp="1" noRot="1" noChangeAspect="1" noMove="1" noResize="1" noEditPoints="1" noAdjustHandles="1" noChangeArrowheads="1" noChangeShapeType="1" noTextEdit="1"/>
+          </p:cNvSpPr>
+          <p:nvPr>
+            <p:extLst>
+              <p:ext uri="{386F3935-93C4-4BCD-93E2-E3B085C9AB24}">
+                <p16:designElem xmlns:p16="http://schemas.microsoft.com/office/powerpoint/2015/main" val="1"/>
+              </p:ext>
+            </p:extLst>
+          </p:nvPr>
+        </p:nvSpPr>
+        <p:spPr>
+          <a:xfrm>
+            <a:off x="0" y="0"/>
+            <a:ext cx="12192000" cy="6858000"/>
+          </a:xfrm>
+          <a:prstGeom prst="rect">
             <a:avLst/>
           </a:prstGeom>
           <a:ln>
-            <a:solidFill>
-              <a:srgbClr val="731531"/>
-            </a:solidFill>
+            <a:noFill/>
           </a:ln>
         </p:spPr>
         <p:style>
-          <a:lnRef idx="1">
-            <a:schemeClr val="accent1"/>
+          <a:lnRef idx="2">
+            <a:schemeClr val="accent1">
+              <a:shade val="50000"/>
+            </a:schemeClr>
           </a:lnRef>
-          <a:fillRef idx="0">
+          <a:fillRef idx="1">
             <a:schemeClr val="accent1"/>
           </a:fillRef>
           <a:effectRef idx="0">
             <a:schemeClr val="accent1"/>
           </a:effectRef>
           <a:fontRef idx="minor">
-            <a:schemeClr val="tx1"/>
+            <a:schemeClr val="lt1"/>
           </a:fontRef>
         </p:style>
-      </p:cxnSp>
-      <p:cxnSp>
-        <p:nvCxnSpPr>
-          <p:cNvPr id="20" name="Conexão reta 19">
+        <p:txBody>
+          <a:bodyPr rtlCol="0" anchor="ctr"/>
+          <a:lstStyle/>
+          <a:p>
+            <a:pPr algn="ctr"/>
+            <a:endParaRPr lang="en-US"/>
+          </a:p>
+        </p:txBody>
+      </p:sp>
+      <p:pic>
+        <p:nvPicPr>
+          <p:cNvPr id="3" name="Imagem 2">
             <a:extLst>
               <a:ext uri="{FF2B5EF4-FFF2-40B4-BE49-F238E27FC236}">
-                <a16:creationId xmlns:a16="http://schemas.microsoft.com/office/drawing/2014/main" id="{DD4E92A8-C183-43E0-ABCC-C959E794EEC9}"/>
+                <a16:creationId xmlns:a16="http://schemas.microsoft.com/office/drawing/2014/main" id="{A25AA9CD-D57A-E4FA-8645-9FC7B0B63DDC}"/>
               </a:ext>
             </a:extLst>
           </p:cNvPr>
-          <p:cNvCxnSpPr>
-            <a:cxnSpLocks/>
-          </p:cNvCxnSpPr>
+          <p:cNvPicPr>
+            <a:picLocks noChangeAspect="1"/>
+          </p:cNvPicPr>
           <p:nvPr/>
-        </p:nvCxnSpPr>
-        <p:spPr>
-          <a:xfrm>
-            <a:off x="3324206" y="2667123"/>
-            <a:ext cx="0" cy="397924"/>
-          </a:xfrm>
-          <a:prstGeom prst="line">
+        </p:nvPicPr>
+        <p:blipFill>
+          <a:blip r:embed="rId2"/>
+          <a:stretch>
+            <a:fillRect/>
+          </a:stretch>
+        </p:blipFill>
+        <p:spPr>
+          <a:xfrm>
+            <a:off x="480270" y="3226677"/>
+            <a:ext cx="4940209" cy="3359342"/>
+          </a:xfrm>
+          <a:prstGeom prst="rect">
             <a:avLst/>
           </a:prstGeom>
+        </p:spPr>
+      </p:pic>
+      <p:pic>
+        <p:nvPicPr>
+          <p:cNvPr id="5" name="Imagem 4">
+            <a:extLst>
+              <a:ext uri="{FF2B5EF4-FFF2-40B4-BE49-F238E27FC236}">
+                <a16:creationId xmlns:a16="http://schemas.microsoft.com/office/drawing/2014/main" id="{7351D983-7B36-40B3-3B47-058B0148C932}"/>
+              </a:ext>
+            </a:extLst>
+          </p:cNvPr>
+          <p:cNvPicPr>
+            <a:picLocks noChangeAspect="1"/>
+          </p:cNvPicPr>
+          <p:nvPr/>
+        </p:nvPicPr>
+        <p:blipFill>
+          <a:blip r:embed="rId3"/>
+          <a:stretch>
+            <a:fillRect/>
+          </a:stretch>
+        </p:blipFill>
+        <p:spPr>
+          <a:xfrm>
+            <a:off x="6401706" y="3226677"/>
+            <a:ext cx="4809066" cy="3210051"/>
+          </a:xfrm>
+          <a:prstGeom prst="rect">
+            <a:avLst/>
+          </a:prstGeom>
+        </p:spPr>
+      </p:pic>
+      <p:sp>
+        <p:nvSpPr>
+          <p:cNvPr id="6" name="CaixaDeTexto 5">
+            <a:extLst>
+              <a:ext uri="{FF2B5EF4-FFF2-40B4-BE49-F238E27FC236}">
+                <a16:creationId xmlns:a16="http://schemas.microsoft.com/office/drawing/2014/main" id="{D5F8B3FE-F257-2094-A6DD-0E8A4EC7F240}"/>
+              </a:ext>
+            </a:extLst>
+          </p:cNvPr>
+          <p:cNvSpPr txBox="1"/>
+          <p:nvPr/>
+        </p:nvSpPr>
+        <p:spPr>
+          <a:xfrm>
+            <a:off x="480270" y="271981"/>
+            <a:ext cx="10746530" cy="646331"/>
+          </a:xfrm>
+          <a:prstGeom prst="rect">
+            <a:avLst/>
+          </a:prstGeom>
+          <a:noFill/>
+        </p:spPr>
+        <p:txBody>
+          <a:bodyPr wrap="square">
+            <a:spAutoFit/>
+          </a:bodyPr>
+          <a:lstStyle/>
+          <a:p>
+            <a:r>
+              <a:rPr lang="en-US" dirty="0">
+                <a:solidFill>
+                  <a:srgbClr val="7030A0"/>
+                </a:solidFill>
+              </a:rPr>
+              <a:t>The businesses of registered female entrepreneurs are on average 4 years old, while unregistered businesses are on average 3 years old. </a:t>
+            </a:r>
+            <a:endParaRPr lang="pt-PT" dirty="0">
+              <a:solidFill>
+                <a:srgbClr val="7030A0"/>
+              </a:solidFill>
+            </a:endParaRPr>
+          </a:p>
+        </p:txBody>
+      </p:sp>
+      <p:sp>
+        <p:nvSpPr>
+          <p:cNvPr id="8" name="CaixaDeTexto 7">
+            <a:extLst>
+              <a:ext uri="{FF2B5EF4-FFF2-40B4-BE49-F238E27FC236}">
+                <a16:creationId xmlns:a16="http://schemas.microsoft.com/office/drawing/2014/main" id="{829AAFDF-B594-EC3E-893C-39C9462121E3}"/>
+              </a:ext>
+            </a:extLst>
+          </p:cNvPr>
+          <p:cNvSpPr txBox="1"/>
+          <p:nvPr/>
+        </p:nvSpPr>
+        <p:spPr>
+          <a:xfrm>
+            <a:off x="464242" y="932753"/>
+            <a:ext cx="10746530" cy="646331"/>
+          </a:xfrm>
+          <a:prstGeom prst="rect">
+            <a:avLst/>
+          </a:prstGeom>
+          <a:noFill/>
+        </p:spPr>
+        <p:txBody>
+          <a:bodyPr wrap="square">
+            <a:spAutoFit/>
+          </a:bodyPr>
+          <a:lstStyle/>
+          <a:p>
+            <a:r>
+              <a:rPr lang="pt-PT" dirty="0"/>
+              <a:t>Podemos notar que temos mais empreendedoras com negocio registado com mais tempo no mercado comparativamente as empreendedoras sem registo onde a maioria delas não tem mais de 6 anos no mercado. </a:t>
+            </a:r>
+          </a:p>
+        </p:txBody>
+      </p:sp>
+      <p:sp>
+        <p:nvSpPr>
+          <p:cNvPr id="11" name="CaixaDeTexto 10">
+            <a:extLst>
+              <a:ext uri="{FF2B5EF4-FFF2-40B4-BE49-F238E27FC236}">
+                <a16:creationId xmlns:a16="http://schemas.microsoft.com/office/drawing/2014/main" id="{C479E631-8992-E852-ACF9-494849D06E4E}"/>
+              </a:ext>
+            </a:extLst>
+          </p:cNvPr>
+          <p:cNvSpPr txBox="1"/>
+          <p:nvPr/>
+        </p:nvSpPr>
+        <p:spPr>
+          <a:xfrm>
+            <a:off x="480270" y="1650146"/>
+            <a:ext cx="10249249" cy="369332"/>
+          </a:xfrm>
+          <a:prstGeom prst="rect">
+            <a:avLst/>
+          </a:prstGeom>
+          <a:noFill/>
+        </p:spPr>
+        <p:txBody>
+          <a:bodyPr wrap="square">
+            <a:spAutoFit/>
+          </a:bodyPr>
+          <a:lstStyle/>
+          <a:p>
+            <a:r>
+              <a:rPr lang="en-US" b="1" dirty="0"/>
+              <a:t>The higher the profit of female entrepreneurs, the greater the chance of the business being registered. </a:t>
+            </a:r>
+            <a:endParaRPr lang="pt-PT" b="1" dirty="0"/>
+          </a:p>
+        </p:txBody>
+      </p:sp>
+      <p:sp>
+        <p:nvSpPr>
+          <p:cNvPr id="13" name="CaixaDeTexto 12">
+            <a:extLst>
+              <a:ext uri="{FF2B5EF4-FFF2-40B4-BE49-F238E27FC236}">
+                <a16:creationId xmlns:a16="http://schemas.microsoft.com/office/drawing/2014/main" id="{7E051F17-14D9-7690-7CC6-3DA794611941}"/>
+              </a:ext>
+            </a:extLst>
+          </p:cNvPr>
+          <p:cNvSpPr txBox="1"/>
+          <p:nvPr/>
+        </p:nvSpPr>
+        <p:spPr>
+          <a:xfrm>
+            <a:off x="385153" y="2829204"/>
+            <a:ext cx="915635" cy="369332"/>
+          </a:xfrm>
+          <a:prstGeom prst="rect">
+            <a:avLst/>
+          </a:prstGeom>
+          <a:noFill/>
+        </p:spPr>
+        <p:txBody>
+          <a:bodyPr wrap="none" rtlCol="0">
+            <a:spAutoFit/>
+          </a:bodyPr>
+          <a:lstStyle/>
+          <a:p>
+            <a:r>
+              <a:rPr lang="pt-PT" b="1" dirty="0"/>
+              <a:t>N=5914</a:t>
+            </a:r>
+          </a:p>
+        </p:txBody>
+      </p:sp>
+      <p:sp>
+        <p:nvSpPr>
+          <p:cNvPr id="15" name="CaixaDeTexto 14">
+            <a:extLst>
+              <a:ext uri="{FF2B5EF4-FFF2-40B4-BE49-F238E27FC236}">
+                <a16:creationId xmlns:a16="http://schemas.microsoft.com/office/drawing/2014/main" id="{D869926A-AC9C-00CE-AADE-1CAB65158132}"/>
+              </a:ext>
+            </a:extLst>
+          </p:cNvPr>
+          <p:cNvSpPr txBox="1"/>
+          <p:nvPr/>
+        </p:nvSpPr>
+        <p:spPr>
+          <a:xfrm>
+            <a:off x="6288576" y="2805405"/>
+            <a:ext cx="915635" cy="369332"/>
+          </a:xfrm>
+          <a:prstGeom prst="rect">
+            <a:avLst/>
+          </a:prstGeom>
+          <a:noFill/>
+        </p:spPr>
+        <p:txBody>
+          <a:bodyPr wrap="none" rtlCol="0">
+            <a:spAutoFit/>
+          </a:bodyPr>
+          <a:lstStyle/>
+          <a:p>
+            <a:r>
+              <a:rPr lang="pt-PT" b="1" dirty="0"/>
+              <a:t>N=5914</a:t>
+            </a:r>
+          </a:p>
+        </p:txBody>
+      </p:sp>
+      <p:sp>
+        <p:nvSpPr>
+          <p:cNvPr id="16" name="CaixaDeTexto 15">
+            <a:extLst>
+              <a:ext uri="{FF2B5EF4-FFF2-40B4-BE49-F238E27FC236}">
+                <a16:creationId xmlns:a16="http://schemas.microsoft.com/office/drawing/2014/main" id="{5A1CFE60-EE2A-F617-4897-29C01DB60344}"/>
+              </a:ext>
+            </a:extLst>
+          </p:cNvPr>
+          <p:cNvSpPr txBox="1"/>
+          <p:nvPr/>
+        </p:nvSpPr>
+        <p:spPr>
+          <a:xfrm>
+            <a:off x="5324072" y="3819425"/>
+            <a:ext cx="663964" cy="276999"/>
+          </a:xfrm>
+          <a:prstGeom prst="rect">
+            <a:avLst/>
+          </a:prstGeom>
+          <a:noFill/>
+        </p:spPr>
+        <p:txBody>
+          <a:bodyPr wrap="none" rtlCol="0">
+            <a:spAutoFit/>
+          </a:bodyPr>
+          <a:lstStyle>
+            <a:defPPr>
+              <a:defRPr lang="en-US"/>
+            </a:defPPr>
+            <a:lvl1pPr>
+              <a:defRPr sz="1200" b="1"/>
+            </a:lvl1pPr>
+          </a:lstStyle>
+          <a:p>
+            <a:r>
+              <a:rPr lang="pt-PT" dirty="0">
+                <a:solidFill>
+                  <a:srgbClr val="7030A0"/>
+                </a:solidFill>
+              </a:rPr>
+              <a:t>N=5236</a:t>
+            </a:r>
+          </a:p>
+        </p:txBody>
+      </p:sp>
+      <p:sp>
+        <p:nvSpPr>
+          <p:cNvPr id="17" name="CaixaDeTexto 16">
+            <a:extLst>
+              <a:ext uri="{FF2B5EF4-FFF2-40B4-BE49-F238E27FC236}">
+                <a16:creationId xmlns:a16="http://schemas.microsoft.com/office/drawing/2014/main" id="{8CB450D8-C91E-C0F5-8867-53A6C17C5A30}"/>
+              </a:ext>
+            </a:extLst>
+          </p:cNvPr>
+          <p:cNvSpPr txBox="1"/>
+          <p:nvPr/>
+        </p:nvSpPr>
+        <p:spPr>
+          <a:xfrm>
+            <a:off x="5324072" y="4838523"/>
+            <a:ext cx="587020" cy="276999"/>
+          </a:xfrm>
+          <a:prstGeom prst="rect">
+            <a:avLst/>
+          </a:prstGeom>
+          <a:noFill/>
+        </p:spPr>
+        <p:txBody>
+          <a:bodyPr wrap="none" rtlCol="0">
+            <a:spAutoFit/>
+          </a:bodyPr>
+          <a:lstStyle/>
+          <a:p>
+            <a:r>
+              <a:rPr lang="pt-PT" sz="1200" b="1" dirty="0">
+                <a:solidFill>
+                  <a:srgbClr val="7030A0"/>
+                </a:solidFill>
+              </a:rPr>
+              <a:t>N=678</a:t>
+            </a:r>
+          </a:p>
+        </p:txBody>
+      </p:sp>
+      <p:sp>
+        <p:nvSpPr>
+          <p:cNvPr id="18" name="CaixaDeTexto 17">
+            <a:extLst>
+              <a:ext uri="{FF2B5EF4-FFF2-40B4-BE49-F238E27FC236}">
+                <a16:creationId xmlns:a16="http://schemas.microsoft.com/office/drawing/2014/main" id="{E9FDD997-DB4A-9A6E-5977-48014B689064}"/>
+              </a:ext>
+            </a:extLst>
+          </p:cNvPr>
+          <p:cNvSpPr txBox="1"/>
+          <p:nvPr/>
+        </p:nvSpPr>
+        <p:spPr>
+          <a:xfrm>
+            <a:off x="7271716" y="5648248"/>
+            <a:ext cx="663964" cy="276999"/>
+          </a:xfrm>
+          <a:prstGeom prst="rect">
+            <a:avLst/>
+          </a:prstGeom>
+          <a:noFill/>
+        </p:spPr>
+        <p:txBody>
+          <a:bodyPr wrap="none" rtlCol="0">
+            <a:spAutoFit/>
+          </a:bodyPr>
+          <a:lstStyle>
+            <a:defPPr>
+              <a:defRPr lang="en-US"/>
+            </a:defPPr>
+            <a:lvl1pPr>
+              <a:defRPr sz="1200" b="1"/>
+            </a:lvl1pPr>
+          </a:lstStyle>
+          <a:p>
+            <a:r>
+              <a:rPr lang="pt-PT" dirty="0">
+                <a:solidFill>
+                  <a:srgbClr val="7030A0"/>
+                </a:solidFill>
+              </a:rPr>
+              <a:t>N=4002</a:t>
+            </a:r>
+          </a:p>
+        </p:txBody>
+      </p:sp>
+      <p:sp>
+        <p:nvSpPr>
+          <p:cNvPr id="19" name="CaixaDeTexto 18">
+            <a:extLst>
+              <a:ext uri="{FF2B5EF4-FFF2-40B4-BE49-F238E27FC236}">
+                <a16:creationId xmlns:a16="http://schemas.microsoft.com/office/drawing/2014/main" id="{54210170-3497-A96F-8F64-803871140B0C}"/>
+              </a:ext>
+            </a:extLst>
+          </p:cNvPr>
+          <p:cNvSpPr txBox="1"/>
+          <p:nvPr/>
+        </p:nvSpPr>
+        <p:spPr>
+          <a:xfrm>
+            <a:off x="9353584" y="5581159"/>
+            <a:ext cx="663964" cy="276999"/>
+          </a:xfrm>
+          <a:prstGeom prst="rect">
+            <a:avLst/>
+          </a:prstGeom>
+          <a:noFill/>
+        </p:spPr>
+        <p:txBody>
+          <a:bodyPr wrap="none" rtlCol="0">
+            <a:spAutoFit/>
+          </a:bodyPr>
+          <a:lstStyle>
+            <a:defPPr>
+              <a:defRPr lang="en-US"/>
+            </a:defPPr>
+            <a:lvl1pPr>
+              <a:defRPr sz="1200" b="1"/>
+            </a:lvl1pPr>
+          </a:lstStyle>
+          <a:p>
+            <a:r>
+              <a:rPr lang="pt-PT" dirty="0">
+                <a:solidFill>
+                  <a:srgbClr val="7030A0"/>
+                </a:solidFill>
+              </a:rPr>
+              <a:t>N=1267</a:t>
+            </a:r>
+          </a:p>
+        </p:txBody>
+      </p:sp>
+      <p:sp>
+        <p:nvSpPr>
+          <p:cNvPr id="20" name="CaixaDeTexto 19">
+            <a:extLst>
+              <a:ext uri="{FF2B5EF4-FFF2-40B4-BE49-F238E27FC236}">
+                <a16:creationId xmlns:a16="http://schemas.microsoft.com/office/drawing/2014/main" id="{BCE84148-5203-D184-8A31-95E1A339DD80}"/>
+              </a:ext>
+            </a:extLst>
+          </p:cNvPr>
+          <p:cNvSpPr txBox="1"/>
+          <p:nvPr/>
+        </p:nvSpPr>
+        <p:spPr>
+          <a:xfrm>
+            <a:off x="10632520" y="5581158"/>
+            <a:ext cx="510076" cy="276999"/>
+          </a:xfrm>
+          <a:prstGeom prst="rect">
+            <a:avLst/>
+          </a:prstGeom>
+          <a:noFill/>
+        </p:spPr>
+        <p:txBody>
+          <a:bodyPr wrap="none" rtlCol="0">
+            <a:spAutoFit/>
+          </a:bodyPr>
+          <a:lstStyle>
+            <a:defPPr>
+              <a:defRPr lang="en-US"/>
+            </a:defPPr>
+            <a:lvl1pPr>
+              <a:defRPr sz="1200" b="1"/>
+            </a:lvl1pPr>
+          </a:lstStyle>
+          <a:p>
+            <a:r>
+              <a:rPr lang="pt-PT" dirty="0">
+                <a:solidFill>
+                  <a:srgbClr val="7030A0"/>
+                </a:solidFill>
+              </a:rPr>
+              <a:t>N=45</a:t>
+            </a:r>
+          </a:p>
+        </p:txBody>
+      </p:sp>
+    </p:spTree>
+    <p:extLst>
+      <p:ext uri="{BB962C8B-B14F-4D97-AF65-F5344CB8AC3E}">
+        <p14:creationId xmlns:p14="http://schemas.microsoft.com/office/powerpoint/2010/main" val="2980914662"/>
+      </p:ext>
+    </p:extLst>
+  </p:cSld>
+  <p:clrMapOvr>
+    <a:masterClrMapping/>
+  </p:clrMapOvr>
+</p:sld>
+</file>
+
+<file path=ppt/slides/slide7.xml><?xml version="1.0" encoding="utf-8"?>
+<p:sld xmlns:a="http://schemas.openxmlformats.org/drawingml/2006/main" xmlns:r="http://schemas.openxmlformats.org/officeDocument/2006/relationships" xmlns:p="http://schemas.openxmlformats.org/presentationml/2006/main">
+  <p:cSld>
+    <p:spTree>
+      <p:nvGrpSpPr>
+        <p:cNvPr id="1" name=""/>
+        <p:cNvGrpSpPr/>
+        <p:nvPr/>
+      </p:nvGrpSpPr>
+      <p:grpSpPr>
+        <a:xfrm>
+          <a:off x="0" y="0"/>
+          <a:ext cx="0" cy="0"/>
+          <a:chOff x="0" y="0"/>
+          <a:chExt cx="0" cy="0"/>
+        </a:xfrm>
+      </p:grpSpPr>
+      <p:pic>
+        <p:nvPicPr>
+          <p:cNvPr id="9" name="Imagem 8">
+            <a:extLst>
+              <a:ext uri="{FF2B5EF4-FFF2-40B4-BE49-F238E27FC236}">
+                <a16:creationId xmlns:a16="http://schemas.microsoft.com/office/drawing/2014/main" id="{99B1F9D5-A848-6150-B1BF-C984DD9807B0}"/>
+              </a:ext>
+            </a:extLst>
+          </p:cNvPr>
+          <p:cNvPicPr>
+            <a:picLocks noChangeAspect="1"/>
+          </p:cNvPicPr>
+          <p:nvPr/>
+        </p:nvPicPr>
+        <p:blipFill>
+          <a:blip r:embed="rId2"/>
+          <a:stretch>
+            <a:fillRect/>
+          </a:stretch>
+        </p:blipFill>
+        <p:spPr>
+          <a:xfrm>
+            <a:off x="1" y="1646953"/>
+            <a:ext cx="5715495" cy="5143946"/>
+          </a:xfrm>
+          <a:prstGeom prst="rect">
+            <a:avLst/>
+          </a:prstGeom>
+        </p:spPr>
+      </p:pic>
+      <p:pic>
+        <p:nvPicPr>
+          <p:cNvPr id="13" name="Imagem 12">
+            <a:extLst>
+              <a:ext uri="{FF2B5EF4-FFF2-40B4-BE49-F238E27FC236}">
+                <a16:creationId xmlns:a16="http://schemas.microsoft.com/office/drawing/2014/main" id="{2C18F1EE-D2B9-4367-0604-7856C7578660}"/>
+              </a:ext>
+            </a:extLst>
+          </p:cNvPr>
+          <p:cNvPicPr>
+            <a:picLocks noChangeAspect="1"/>
+          </p:cNvPicPr>
+          <p:nvPr/>
+        </p:nvPicPr>
+        <p:blipFill rotWithShape="1">
+          <a:blip r:embed="rId3"/>
+          <a:srcRect l="19615"/>
+          <a:stretch/>
+        </p:blipFill>
+        <p:spPr>
+          <a:xfrm>
+            <a:off x="5715496" y="1646953"/>
+            <a:ext cx="6248400" cy="3886537"/>
+          </a:xfrm>
+          <a:prstGeom prst="rect">
+            <a:avLst/>
+          </a:prstGeom>
+        </p:spPr>
+      </p:pic>
+    </p:spTree>
+    <p:extLst>
+      <p:ext uri="{BB962C8B-B14F-4D97-AF65-F5344CB8AC3E}">
+        <p14:creationId xmlns:p14="http://schemas.microsoft.com/office/powerpoint/2010/main" val="192108845"/>
+      </p:ext>
+    </p:extLst>
+  </p:cSld>
+  <p:clrMapOvr>
+    <a:masterClrMapping/>
+  </p:clrMapOvr>
+</p:sld>
+</file>
+
+<file path=ppt/slides/slide8.xml><?xml version="1.0" encoding="utf-8"?>
+<p:sld xmlns:a="http://schemas.openxmlformats.org/drawingml/2006/main" xmlns:r="http://schemas.openxmlformats.org/officeDocument/2006/relationships" xmlns:p="http://schemas.openxmlformats.org/presentationml/2006/main">
+  <p:cSld>
+    <p:bg>
+      <p:bgPr>
+        <a:solidFill>
+          <a:schemeClr val="bg1"/>
+        </a:solidFill>
+        <a:effectLst/>
+      </p:bgPr>
+    </p:bg>
+    <p:spTree>
+      <p:nvGrpSpPr>
+        <p:cNvPr id="1" name=""/>
+        <p:cNvGrpSpPr/>
+        <p:nvPr/>
+      </p:nvGrpSpPr>
+      <p:grpSpPr>
+        <a:xfrm>
+          <a:off x="0" y="0"/>
+          <a:ext cx="0" cy="0"/>
+          <a:chOff x="0" y="0"/>
+          <a:chExt cx="0" cy="0"/>
+        </a:xfrm>
+      </p:grpSpPr>
+      <p:sp>
+        <p:nvSpPr>
+          <p:cNvPr id="10" name="Rectangle 9">
+            <a:extLst>
+              <a:ext uri="{FF2B5EF4-FFF2-40B4-BE49-F238E27FC236}">
+                <a16:creationId xmlns:a16="http://schemas.microsoft.com/office/drawing/2014/main" id="{B5C3FE1E-0A7F-41BE-A568-1BF85E2E8DD8}"/>
+              </a:ext>
+              <a:ext uri="{C183D7F6-B498-43B3-948B-1728B52AA6E4}">
+                <adec:decorative xmlns:adec="http://schemas.microsoft.com/office/drawing/2017/decorative" val="1"/>
+              </a:ext>
+            </a:extLst>
+          </p:cNvPr>
+          <p:cNvSpPr>
+            <a:spLocks noGrp="1" noRot="1" noChangeAspect="1" noMove="1" noResize="1" noEditPoints="1" noAdjustHandles="1" noChangeArrowheads="1" noChangeShapeType="1" noTextEdit="1"/>
+          </p:cNvSpPr>
+          <p:nvPr>
+            <p:extLst>
+              <p:ext uri="{386F3935-93C4-4BCD-93E2-E3B085C9AB24}">
+                <p16:designElem xmlns:p16="http://schemas.microsoft.com/office/powerpoint/2015/main" val="1"/>
+              </p:ext>
+            </p:extLst>
+          </p:nvPr>
+        </p:nvSpPr>
+        <p:spPr>
+          <a:xfrm>
+            <a:off x="6720840" y="0"/>
+            <a:ext cx="5471160" cy="6858000"/>
+          </a:xfrm>
+          <a:prstGeom prst="rect">
+            <a:avLst/>
+          </a:prstGeom>
+          <a:solidFill>
+            <a:schemeClr val="bg1">
+              <a:lumMod val="85000"/>
+              <a:alpha val="75000"/>
+            </a:schemeClr>
+          </a:solidFill>
           <a:ln>
-            <a:solidFill>
-              <a:srgbClr val="731531"/>
-            </a:solidFill>
+            <a:noFill/>
           </a:ln>
         </p:spPr>
         <p:style>
-          <a:lnRef idx="1">
-            <a:schemeClr val="accent1"/>
+          <a:lnRef idx="2">
+            <a:schemeClr val="accent1">
+              <a:shade val="50000"/>
+            </a:schemeClr>
           </a:lnRef>
-          <a:fillRef idx="0">
+          <a:fillRef idx="1">
             <a:schemeClr val="accent1"/>
           </a:fillRef>
           <a:effectRef idx="0">
             <a:schemeClr val="accent1"/>
           </a:effectRef>
           <a:fontRef idx="minor">
-            <a:schemeClr val="tx1"/>
+            <a:schemeClr val="lt1"/>
           </a:fontRef>
         </p:style>
-      </p:cxnSp>
-      <p:cxnSp>
-        <p:nvCxnSpPr>
-          <p:cNvPr id="21" name="Conexão reta 20">
+        <p:txBody>
+          <a:bodyPr rtlCol="0" anchor="ctr"/>
+          <a:lstStyle/>
+          <a:p>
+            <a:pPr algn="ctr"/>
+            <a:endParaRPr lang="en-US"/>
+          </a:p>
+        </p:txBody>
+      </p:sp>
+      <p:pic>
+        <p:nvPicPr>
+          <p:cNvPr id="7" name="Graphic 6" descr="Utilizador">
             <a:extLst>
               <a:ext uri="{FF2B5EF4-FFF2-40B4-BE49-F238E27FC236}">
-                <a16:creationId xmlns:a16="http://schemas.microsoft.com/office/drawing/2014/main" id="{49DFE036-7CBB-481A-87C0-AED90ACD6C89}"/>
+                <a16:creationId xmlns:a16="http://schemas.microsoft.com/office/drawing/2014/main" id="{170761EE-8773-F5B8-1F04-51FD52F6BB2A}"/>
               </a:ext>
             </a:extLst>
           </p:cNvPr>
-          <p:cNvCxnSpPr>
-            <a:cxnSpLocks/>
-          </p:cNvCxnSpPr>
+          <p:cNvPicPr>
+            <a:picLocks noChangeAspect="1"/>
+          </p:cNvPicPr>
           <p:nvPr/>
-        </p:nvCxnSpPr>
-        <p:spPr>
-          <a:xfrm>
-            <a:off x="5475665" y="2653305"/>
-            <a:ext cx="0" cy="397924"/>
-          </a:xfrm>
-          <a:prstGeom prst="line">
+        </p:nvPicPr>
+        <p:blipFill>
+          <a:blip r:embed="rId2">
+            <a:extLst>
+              <a:ext uri="{28A0092B-C50C-407E-A947-70E740481C1C}">
+                <a14:useLocalDpi xmlns:a14="http://schemas.microsoft.com/office/drawing/2010/main" val="0"/>
+              </a:ext>
+              <a:ext uri="{96DAC541-7B7A-43D3-8B79-37D633B846F1}">
+                <asvg:svgBlip xmlns:asvg="http://schemas.microsoft.com/office/drawing/2016/SVG/main" r:embed="rId3"/>
+              </a:ext>
+            </a:extLst>
+          </a:blip>
+          <a:stretch>
+            <a:fillRect/>
+          </a:stretch>
+        </p:blipFill>
+        <p:spPr>
+          <a:xfrm>
+            <a:off x="745132" y="645106"/>
+            <a:ext cx="5247747" cy="5247747"/>
+          </a:xfrm>
+          <a:prstGeom prst="rect">
             <a:avLst/>
           </a:prstGeom>
-          <a:ln>
-            <a:solidFill>
-              <a:srgbClr val="731531"/>
-            </a:solidFill>
-          </a:ln>
-        </p:spPr>
-        <p:style>
-          <a:lnRef idx="1">
-            <a:schemeClr val="accent1"/>
-          </a:lnRef>
-          <a:fillRef idx="0">
-            <a:schemeClr val="accent1"/>
-          </a:fillRef>
-          <a:effectRef idx="0">
-            <a:schemeClr val="accent1"/>
-          </a:effectRef>
-          <a:fontRef idx="minor">
-            <a:schemeClr val="tx1"/>
-          </a:fontRef>
-        </p:style>
-      </p:cxnSp>
-      <p:cxnSp>
-        <p:nvCxnSpPr>
-          <p:cNvPr id="22" name="Conexão reta 21">
+        </p:spPr>
+      </p:pic>
+      <p:sp>
+        <p:nvSpPr>
+          <p:cNvPr id="3" name="CaixaDeTexto 2">
             <a:extLst>
               <a:ext uri="{FF2B5EF4-FFF2-40B4-BE49-F238E27FC236}">
-                <a16:creationId xmlns:a16="http://schemas.microsoft.com/office/drawing/2014/main" id="{5AA5971E-EF77-464F-B819-D40D459DF10F}"/>
+                <a16:creationId xmlns:a16="http://schemas.microsoft.com/office/drawing/2014/main" id="{C637C9A9-6972-AB78-1851-072625DF92C5}"/>
               </a:ext>
             </a:extLst>
           </p:cNvPr>
-          <p:cNvCxnSpPr>
-            <a:cxnSpLocks/>
-          </p:cNvCxnSpPr>
+          <p:cNvSpPr txBox="1"/>
           <p:nvPr/>
-        </p:nvCxnSpPr>
-        <p:spPr>
-          <a:xfrm>
-            <a:off x="7576998" y="2653304"/>
-            <a:ext cx="0" cy="397924"/>
-          </a:xfrm>
-          <a:prstGeom prst="line">
+        </p:nvSpPr>
+        <p:spPr>
+          <a:xfrm>
+            <a:off x="6720840" y="2011680"/>
+            <a:ext cx="5367695" cy="3864732"/>
+          </a:xfrm>
+          <a:prstGeom prst="rect">
             <a:avLst/>
           </a:prstGeom>
-          <a:ln>
-            <a:solidFill>
-              <a:srgbClr val="731531"/>
-            </a:solidFill>
-          </a:ln>
-        </p:spPr>
-        <p:style>
-          <a:lnRef idx="1">
-            <a:schemeClr val="accent1"/>
-          </a:lnRef>
-          <a:fillRef idx="0">
-            <a:schemeClr val="accent1"/>
-          </a:fillRef>
-          <a:effectRef idx="0">
-            <a:schemeClr val="accent1"/>
-          </a:effectRef>
-          <a:fontRef idx="minor">
-            <a:schemeClr val="tx1"/>
-          </a:fontRef>
-        </p:style>
-      </p:cxnSp>
-      <p:cxnSp>
-        <p:nvCxnSpPr>
-          <p:cNvPr id="24" name="Conexão reta 23">
+        </p:spPr>
+        <p:txBody>
+          <a:bodyPr vert="horz" lIns="91440" tIns="45720" rIns="91440" bIns="45720" rtlCol="0">
+            <a:normAutofit/>
+          </a:bodyPr>
+          <a:lstStyle/>
+          <a:p>
+            <a:pPr defTabSz="914400">
+              <a:lnSpc>
+                <a:spcPct val="85000"/>
+              </a:lnSpc>
+              <a:spcAft>
+                <a:spcPts val="600"/>
+              </a:spcAft>
+            </a:pPr>
+            <a:r>
+              <a:rPr lang="en-US" sz="4000" b="1" dirty="0">
+                <a:solidFill>
+                  <a:srgbClr val="00B050"/>
+                </a:solidFill>
+              </a:rPr>
+              <a:t>Profile description of the two thousand eligible entrepreneurs</a:t>
+            </a:r>
+          </a:p>
+        </p:txBody>
+      </p:sp>
+    </p:spTree>
+    <p:extLst>
+      <p:ext uri="{BB962C8B-B14F-4D97-AF65-F5344CB8AC3E}">
+        <p14:creationId xmlns:p14="http://schemas.microsoft.com/office/powerpoint/2010/main" val="4072205350"/>
+      </p:ext>
+    </p:extLst>
+  </p:cSld>
+  <p:clrMapOvr>
+    <a:masterClrMapping/>
+  </p:clrMapOvr>
+</p:sld>
+</file>
+
+<file path=ppt/slides/slide9.xml><?xml version="1.0" encoding="utf-8"?>
+<p:sld xmlns:a="http://schemas.openxmlformats.org/drawingml/2006/main" xmlns:r="http://schemas.openxmlformats.org/officeDocument/2006/relationships" xmlns:p="http://schemas.openxmlformats.org/presentationml/2006/main">
+  <p:cSld>
+    <p:spTree>
+      <p:nvGrpSpPr>
+        <p:cNvPr id="1" name=""/>
+        <p:cNvGrpSpPr/>
+        <p:nvPr/>
+      </p:nvGrpSpPr>
+      <p:grpSpPr>
+        <a:xfrm>
+          <a:off x="0" y="0"/>
+          <a:ext cx="0" cy="0"/>
+          <a:chOff x="0" y="0"/>
+          <a:chExt cx="0" cy="0"/>
+        </a:xfrm>
+      </p:grpSpPr>
+      <p:pic>
+        <p:nvPicPr>
+          <p:cNvPr id="5" name="Imagem 4">
             <a:extLst>
               <a:ext uri="{FF2B5EF4-FFF2-40B4-BE49-F238E27FC236}">
-                <a16:creationId xmlns:a16="http://schemas.microsoft.com/office/drawing/2014/main" id="{2B915498-A4C9-4569-B55A-B62EE9E61989}"/>
+                <a16:creationId xmlns:a16="http://schemas.microsoft.com/office/drawing/2014/main" id="{664F5564-1BDC-BA20-5179-7A5B62883FE6}"/>
               </a:ext>
             </a:extLst>
           </p:cNvPr>
-          <p:cNvCxnSpPr>
-            <a:cxnSpLocks/>
-          </p:cNvCxnSpPr>
+          <p:cNvPicPr>
+            <a:picLocks noChangeAspect="1"/>
+          </p:cNvPicPr>
           <p:nvPr/>
-        </p:nvCxnSpPr>
-        <p:spPr>
-          <a:xfrm>
-            <a:off x="9351380" y="2660716"/>
-            <a:ext cx="0" cy="397924"/>
-          </a:xfrm>
-          <a:prstGeom prst="line">
+        </p:nvPicPr>
+        <p:blipFill>
+          <a:blip r:embed="rId2"/>
+          <a:stretch>
+            <a:fillRect/>
+          </a:stretch>
+        </p:blipFill>
+        <p:spPr>
+          <a:xfrm>
+            <a:off x="264346" y="857027"/>
+            <a:ext cx="5715495" cy="5143946"/>
+          </a:xfrm>
+          <a:prstGeom prst="rect">
             <a:avLst/>
           </a:prstGeom>
-          <a:ln>
-            <a:solidFill>
-              <a:srgbClr val="731531"/>
-            </a:solidFill>
-          </a:ln>
-        </p:spPr>
-        <p:style>
-          <a:lnRef idx="1">
-            <a:schemeClr val="accent1"/>
-          </a:lnRef>
-          <a:fillRef idx="0">
-            <a:schemeClr val="accent1"/>
-          </a:fillRef>
-          <a:effectRef idx="0">
-            <a:schemeClr val="accent1"/>
-          </a:effectRef>
-          <a:fontRef idx="minor">
-            <a:schemeClr val="tx1"/>
-          </a:fontRef>
-        </p:style>
-      </p:cxnSp>
+        </p:spPr>
+      </p:pic>
+      <p:pic>
+        <p:nvPicPr>
+          <p:cNvPr id="13" name="Imagem 12">
+            <a:extLst>
+              <a:ext uri="{FF2B5EF4-FFF2-40B4-BE49-F238E27FC236}">
+                <a16:creationId xmlns:a16="http://schemas.microsoft.com/office/drawing/2014/main" id="{E1C929A2-F320-822A-B9D9-113E180B264B}"/>
+              </a:ext>
+            </a:extLst>
+          </p:cNvPr>
+          <p:cNvPicPr>
+            <a:picLocks noChangeAspect="1"/>
+          </p:cNvPicPr>
+          <p:nvPr/>
+        </p:nvPicPr>
+        <p:blipFill rotWithShape="1">
+          <a:blip r:embed="rId3"/>
+          <a:srcRect l="50000" t="31182" r="1494" b="35988"/>
+          <a:stretch/>
+        </p:blipFill>
+        <p:spPr>
+          <a:xfrm>
+            <a:off x="6096000" y="5101164"/>
+            <a:ext cx="4990292" cy="1688742"/>
+          </a:xfrm>
+          <a:prstGeom prst="rect">
+            <a:avLst/>
+          </a:prstGeom>
+        </p:spPr>
+      </p:pic>
+      <p:pic>
+        <p:nvPicPr>
+          <p:cNvPr id="17" name="Imagem 16">
+            <a:extLst>
+              <a:ext uri="{FF2B5EF4-FFF2-40B4-BE49-F238E27FC236}">
+                <a16:creationId xmlns:a16="http://schemas.microsoft.com/office/drawing/2014/main" id="{559D7B44-47B8-8CED-5752-A1914EACEAB6}"/>
+              </a:ext>
+            </a:extLst>
+          </p:cNvPr>
+          <p:cNvPicPr>
+            <a:picLocks noChangeAspect="1"/>
+          </p:cNvPicPr>
+          <p:nvPr/>
+        </p:nvPicPr>
+        <p:blipFill rotWithShape="1">
+          <a:blip r:embed="rId4"/>
+          <a:srcRect b="5190"/>
+          <a:stretch/>
+        </p:blipFill>
+        <p:spPr>
+          <a:xfrm>
+            <a:off x="6096000" y="834197"/>
+            <a:ext cx="5715495" cy="4335061"/>
+          </a:xfrm>
+          <a:prstGeom prst="rect">
+            <a:avLst/>
+          </a:prstGeom>
+        </p:spPr>
+      </p:pic>
     </p:spTree>
     <p:extLst>
       <p:ext uri="{BB962C8B-B14F-4D97-AF65-F5344CB8AC3E}">
-        <p14:creationId xmlns:p14="http://schemas.microsoft.com/office/powerpoint/2010/main" val="3294743765"/>
+        <p14:creationId xmlns:p14="http://schemas.microsoft.com/office/powerpoint/2010/main" val="1974696103"/>
       </p:ext>
     </p:extLst>
   </p:cSld>

--- a/Report_REALIZA_Entrepreneurs profile from Mobilization.pptx
+++ b/Report_REALIZA_Entrepreneurs profile from Mobilization.pptx
@@ -5,25 +5,28 @@
     <p:sldMasterId id="2147483755" r:id="rId1"/>
   </p:sldMasterIdLst>
   <p:notesMasterIdLst>
-    <p:notesMasterId r:id="rId13"/>
+    <p:notesMasterId r:id="rId16"/>
   </p:notesMasterIdLst>
   <p:sldIdLst>
     <p:sldId id="427" r:id="rId2"/>
     <p:sldId id="425" r:id="rId3"/>
     <p:sldId id="428" r:id="rId4"/>
-    <p:sldId id="430" r:id="rId5"/>
-    <p:sldId id="431" r:id="rId6"/>
-    <p:sldId id="432" r:id="rId7"/>
-    <p:sldId id="433" r:id="rId8"/>
-    <p:sldId id="434" r:id="rId9"/>
-    <p:sldId id="435" r:id="rId10"/>
-    <p:sldId id="429" r:id="rId11"/>
-    <p:sldId id="436" r:id="rId12"/>
+    <p:sldId id="439" r:id="rId5"/>
+    <p:sldId id="430" r:id="rId6"/>
+    <p:sldId id="431" r:id="rId7"/>
+    <p:sldId id="432" r:id="rId8"/>
+    <p:sldId id="433" r:id="rId9"/>
+    <p:sldId id="440" r:id="rId10"/>
+    <p:sldId id="435" r:id="rId11"/>
+    <p:sldId id="437" r:id="rId12"/>
+    <p:sldId id="438" r:id="rId13"/>
+    <p:sldId id="429" r:id="rId14"/>
+    <p:sldId id="436" r:id="rId15"/>
   </p:sldIdLst>
   <p:sldSz cx="12192000" cy="6858000"/>
   <p:notesSz cx="6858000" cy="9144000"/>
   <p:custDataLst>
-    <p:tags r:id="rId14"/>
+    <p:tags r:id="rId17"/>
   </p:custDataLst>
   <p:defaultTextStyle>
     <a:defPPr>
@@ -242,7 +245,7 @@
           <a:p>
             <a:fld id="{E449EAFB-6CA2-0549-91FE-559B677DC9B0}" type="datetimeFigureOut">
               <a:rPr lang="de-DE" smtClean="0"/>
-              <a:t>07.11.2022</a:t>
+              <a:t>15.11.2022</a:t>
             </a:fld>
             <a:endParaRPr lang="de-DE"/>
           </a:p>
@@ -745,7 +748,7 @@
           <a:p>
             <a:fld id="{543AD3FE-E04B-7243-B43B-D859803316D2}" type="slidenum">
               <a:rPr lang="de-DE" smtClean="0"/>
-              <a:t>10</a:t>
+              <a:t>13</a:t>
             </a:fld>
             <a:endParaRPr lang="de-DE"/>
           </a:p>
@@ -964,7 +967,7 @@
           <a:p>
             <a:fld id="{4AAD347D-5ACD-4C99-B74B-A9C85AD731AF}" type="datetimeFigureOut">
               <a:rPr lang="en-US" smtClean="0"/>
-              <a:t>11/7/2022</a:t>
+              <a:t>11/15/2022</a:t>
             </a:fld>
             <a:endParaRPr lang="en-US"/>
           </a:p>
@@ -1154,7 +1157,7 @@
           <a:p>
             <a:fld id="{4509A250-FF31-4206-8172-F9D3106AACB1}" type="datetimeFigureOut">
               <a:rPr lang="en-US" smtClean="0"/>
-              <a:t>11/7/2022</a:t>
+              <a:t>11/15/2022</a:t>
             </a:fld>
             <a:endParaRPr lang="en-US"/>
           </a:p>
@@ -1334,7 +1337,7 @@
           <a:p>
             <a:fld id="{4509A250-FF31-4206-8172-F9D3106AACB1}" type="datetimeFigureOut">
               <a:rPr lang="en-US" smtClean="0"/>
-              <a:t>11/7/2022</a:t>
+              <a:t>11/15/2022</a:t>
             </a:fld>
             <a:endParaRPr lang="en-US"/>
           </a:p>
@@ -1504,7 +1507,7 @@
           <a:p>
             <a:fld id="{4509A250-FF31-4206-8172-F9D3106AACB1}" type="datetimeFigureOut">
               <a:rPr lang="en-US" smtClean="0"/>
-              <a:t>11/7/2022</a:t>
+              <a:t>11/15/2022</a:t>
             </a:fld>
             <a:endParaRPr lang="en-US"/>
           </a:p>
@@ -1760,7 +1763,7 @@
           <a:p>
             <a:fld id="{9796027F-7875-4030-9381-8BD8C4F21935}" type="datetimeFigureOut">
               <a:rPr lang="en-US" smtClean="0"/>
-              <a:t>11/7/2022</a:t>
+              <a:t>11/15/2022</a:t>
             </a:fld>
             <a:endParaRPr lang="en-US"/>
           </a:p>
@@ -2048,7 +2051,7 @@
           <a:p>
             <a:fld id="{9796027F-7875-4030-9381-8BD8C4F21935}" type="datetimeFigureOut">
               <a:rPr lang="en-US" smtClean="0"/>
-              <a:t>11/7/2022</a:t>
+              <a:t>11/15/2022</a:t>
             </a:fld>
             <a:endParaRPr lang="en-US"/>
           </a:p>
@@ -2486,7 +2489,7 @@
           <a:p>
             <a:fld id="{9796027F-7875-4030-9381-8BD8C4F21935}" type="datetimeFigureOut">
               <a:rPr lang="en-US" smtClean="0"/>
-              <a:t>11/7/2022</a:t>
+              <a:t>11/15/2022</a:t>
             </a:fld>
             <a:endParaRPr lang="en-US"/>
           </a:p>
@@ -2604,7 +2607,7 @@
           <a:p>
             <a:fld id="{4509A250-FF31-4206-8172-F9D3106AACB1}" type="datetimeFigureOut">
               <a:rPr lang="en-US" smtClean="0"/>
-              <a:t>11/7/2022</a:t>
+              <a:t>11/15/2022</a:t>
             </a:fld>
             <a:endParaRPr lang="en-US"/>
           </a:p>
@@ -2699,7 +2702,7 @@
           <a:p>
             <a:fld id="{4509A250-FF31-4206-8172-F9D3106AACB1}" type="datetimeFigureOut">
               <a:rPr lang="en-US" smtClean="0"/>
-              <a:t>11/7/2022</a:t>
+              <a:t>11/15/2022</a:t>
             </a:fld>
             <a:endParaRPr lang="en-US"/>
           </a:p>
@@ -3055,7 +3058,7 @@
           <a:p>
             <a:fld id="{4509A250-FF31-4206-8172-F9D3106AACB1}" type="datetimeFigureOut">
               <a:rPr lang="en-US" smtClean="0"/>
-              <a:t>11/7/2022</a:t>
+              <a:t>11/15/2022</a:t>
             </a:fld>
             <a:endParaRPr lang="en-US"/>
           </a:p>
@@ -3370,7 +3373,7 @@
           <a:p>
             <a:fld id="{4509A250-FF31-4206-8172-F9D3106AACB1}" type="datetimeFigureOut">
               <a:rPr lang="en-US" smtClean="0"/>
-              <a:t>11/7/2022</a:t>
+              <a:t>11/15/2022</a:t>
             </a:fld>
             <a:endParaRPr lang="en-US"/>
           </a:p>
@@ -3603,7 +3606,7 @@
           <a:p>
             <a:fld id="{4AAD347D-5ACD-4C99-B74B-A9C85AD731AF}" type="datetimeFigureOut">
               <a:rPr lang="en-US" smtClean="0"/>
-              <a:t>11/7/2022</a:t>
+              <a:t>11/15/2022</a:t>
             </a:fld>
             <a:endParaRPr lang="en-US"/>
           </a:p>
@@ -4374,6 +4377,244 @@
           <a:chExt cx="0" cy="0"/>
         </a:xfrm>
       </p:grpSpPr>
+      <p:pic>
+        <p:nvPicPr>
+          <p:cNvPr id="5" name="Imagem 4">
+            <a:extLst>
+              <a:ext uri="{FF2B5EF4-FFF2-40B4-BE49-F238E27FC236}">
+                <a16:creationId xmlns:a16="http://schemas.microsoft.com/office/drawing/2014/main" id="{664F5564-1BDC-BA20-5179-7A5B62883FE6}"/>
+              </a:ext>
+            </a:extLst>
+          </p:cNvPr>
+          <p:cNvPicPr>
+            <a:picLocks noChangeAspect="1"/>
+          </p:cNvPicPr>
+          <p:nvPr/>
+        </p:nvPicPr>
+        <p:blipFill>
+          <a:blip r:embed="rId2"/>
+          <a:stretch>
+            <a:fillRect/>
+          </a:stretch>
+        </p:blipFill>
+        <p:spPr>
+          <a:xfrm>
+            <a:off x="264346" y="857027"/>
+            <a:ext cx="5715495" cy="5143946"/>
+          </a:xfrm>
+          <a:prstGeom prst="rect">
+            <a:avLst/>
+          </a:prstGeom>
+        </p:spPr>
+      </p:pic>
+      <p:pic>
+        <p:nvPicPr>
+          <p:cNvPr id="13" name="Imagem 12">
+            <a:extLst>
+              <a:ext uri="{FF2B5EF4-FFF2-40B4-BE49-F238E27FC236}">
+                <a16:creationId xmlns:a16="http://schemas.microsoft.com/office/drawing/2014/main" id="{E1C929A2-F320-822A-B9D9-113E180B264B}"/>
+              </a:ext>
+            </a:extLst>
+          </p:cNvPr>
+          <p:cNvPicPr>
+            <a:picLocks noChangeAspect="1"/>
+          </p:cNvPicPr>
+          <p:nvPr/>
+        </p:nvPicPr>
+        <p:blipFill rotWithShape="1">
+          <a:blip r:embed="rId3"/>
+          <a:srcRect l="50000" t="31182" r="1494" b="35988"/>
+          <a:stretch/>
+        </p:blipFill>
+        <p:spPr>
+          <a:xfrm>
+            <a:off x="6096000" y="5101164"/>
+            <a:ext cx="4990292" cy="1688742"/>
+          </a:xfrm>
+          <a:prstGeom prst="rect">
+            <a:avLst/>
+          </a:prstGeom>
+        </p:spPr>
+      </p:pic>
+      <p:pic>
+        <p:nvPicPr>
+          <p:cNvPr id="17" name="Imagem 16">
+            <a:extLst>
+              <a:ext uri="{FF2B5EF4-FFF2-40B4-BE49-F238E27FC236}">
+                <a16:creationId xmlns:a16="http://schemas.microsoft.com/office/drawing/2014/main" id="{559D7B44-47B8-8CED-5752-A1914EACEAB6}"/>
+              </a:ext>
+            </a:extLst>
+          </p:cNvPr>
+          <p:cNvPicPr>
+            <a:picLocks noChangeAspect="1"/>
+          </p:cNvPicPr>
+          <p:nvPr/>
+        </p:nvPicPr>
+        <p:blipFill rotWithShape="1">
+          <a:blip r:embed="rId4"/>
+          <a:srcRect b="5190"/>
+          <a:stretch/>
+        </p:blipFill>
+        <p:spPr>
+          <a:xfrm>
+            <a:off x="6096000" y="834197"/>
+            <a:ext cx="5715495" cy="4335061"/>
+          </a:xfrm>
+          <a:prstGeom prst="rect">
+            <a:avLst/>
+          </a:prstGeom>
+        </p:spPr>
+      </p:pic>
+    </p:spTree>
+    <p:extLst>
+      <p:ext uri="{BB962C8B-B14F-4D97-AF65-F5344CB8AC3E}">
+        <p14:creationId xmlns:p14="http://schemas.microsoft.com/office/powerpoint/2010/main" val="1974696103"/>
+      </p:ext>
+    </p:extLst>
+  </p:cSld>
+  <p:clrMapOvr>
+    <a:masterClrMapping/>
+  </p:clrMapOvr>
+</p:sld>
+</file>
+
+<file path=ppt/slides/slide11.xml><?xml version="1.0" encoding="utf-8"?>
+<p:sld xmlns:a="http://schemas.openxmlformats.org/drawingml/2006/main" xmlns:r="http://schemas.openxmlformats.org/officeDocument/2006/relationships" xmlns:p="http://schemas.openxmlformats.org/presentationml/2006/main">
+  <p:cSld>
+    <p:spTree>
+      <p:nvGrpSpPr>
+        <p:cNvPr id="1" name=""/>
+        <p:cNvGrpSpPr/>
+        <p:nvPr/>
+      </p:nvGrpSpPr>
+      <p:grpSpPr>
+        <a:xfrm>
+          <a:off x="0" y="0"/>
+          <a:ext cx="0" cy="0"/>
+          <a:chOff x="0" y="0"/>
+          <a:chExt cx="0" cy="0"/>
+        </a:xfrm>
+      </p:grpSpPr>
+      <p:pic>
+        <p:nvPicPr>
+          <p:cNvPr id="5" name="Imagem 4">
+            <a:extLst>
+              <a:ext uri="{FF2B5EF4-FFF2-40B4-BE49-F238E27FC236}">
+                <a16:creationId xmlns:a16="http://schemas.microsoft.com/office/drawing/2014/main" id="{D4511F86-EFCB-6F86-AC83-6A4DB96B3C57}"/>
+              </a:ext>
+            </a:extLst>
+          </p:cNvPr>
+          <p:cNvPicPr>
+            <a:picLocks noChangeAspect="1"/>
+          </p:cNvPicPr>
+          <p:nvPr/>
+        </p:nvPicPr>
+        <p:blipFill>
+          <a:blip r:embed="rId2"/>
+          <a:stretch>
+            <a:fillRect/>
+          </a:stretch>
+        </p:blipFill>
+        <p:spPr>
+          <a:xfrm>
+            <a:off x="6622782" y="2285604"/>
+            <a:ext cx="5143946" cy="4572396"/>
+          </a:xfrm>
+          <a:prstGeom prst="rect">
+            <a:avLst/>
+          </a:prstGeom>
+        </p:spPr>
+      </p:pic>
+      <p:pic>
+        <p:nvPicPr>
+          <p:cNvPr id="7" name="Imagem 6">
+            <a:extLst>
+              <a:ext uri="{FF2B5EF4-FFF2-40B4-BE49-F238E27FC236}">
+                <a16:creationId xmlns:a16="http://schemas.microsoft.com/office/drawing/2014/main" id="{34D0B39A-B76C-7BC8-6E44-9F2A72732CF0}"/>
+              </a:ext>
+            </a:extLst>
+          </p:cNvPr>
+          <p:cNvPicPr>
+            <a:picLocks noChangeAspect="1"/>
+          </p:cNvPicPr>
+          <p:nvPr/>
+        </p:nvPicPr>
+        <p:blipFill>
+          <a:blip r:embed="rId3"/>
+          <a:stretch>
+            <a:fillRect/>
+          </a:stretch>
+        </p:blipFill>
+        <p:spPr>
+          <a:xfrm>
+            <a:off x="335737" y="2285604"/>
+            <a:ext cx="6287045" cy="4572396"/>
+          </a:xfrm>
+          <a:prstGeom prst="rect">
+            <a:avLst/>
+          </a:prstGeom>
+        </p:spPr>
+      </p:pic>
+    </p:spTree>
+    <p:extLst>
+      <p:ext uri="{BB962C8B-B14F-4D97-AF65-F5344CB8AC3E}">
+        <p14:creationId xmlns:p14="http://schemas.microsoft.com/office/powerpoint/2010/main" val="432179160"/>
+      </p:ext>
+    </p:extLst>
+  </p:cSld>
+  <p:clrMapOvr>
+    <a:masterClrMapping/>
+  </p:clrMapOvr>
+</p:sld>
+</file>
+
+<file path=ppt/slides/slide12.xml><?xml version="1.0" encoding="utf-8"?>
+<p:sld xmlns:a="http://schemas.openxmlformats.org/drawingml/2006/main" xmlns:r="http://schemas.openxmlformats.org/officeDocument/2006/relationships" xmlns:p="http://schemas.openxmlformats.org/presentationml/2006/main">
+  <p:cSld>
+    <p:spTree>
+      <p:nvGrpSpPr>
+        <p:cNvPr id="1" name=""/>
+        <p:cNvGrpSpPr/>
+        <p:nvPr/>
+      </p:nvGrpSpPr>
+      <p:grpSpPr>
+        <a:xfrm>
+          <a:off x="0" y="0"/>
+          <a:ext cx="0" cy="0"/>
+          <a:chOff x="0" y="0"/>
+          <a:chExt cx="0" cy="0"/>
+        </a:xfrm>
+      </p:grpSpPr>
+    </p:spTree>
+    <p:extLst>
+      <p:ext uri="{BB962C8B-B14F-4D97-AF65-F5344CB8AC3E}">
+        <p14:creationId xmlns:p14="http://schemas.microsoft.com/office/powerpoint/2010/main" val="1715477294"/>
+      </p:ext>
+    </p:extLst>
+  </p:cSld>
+  <p:clrMapOvr>
+    <a:masterClrMapping/>
+  </p:clrMapOvr>
+</p:sld>
+</file>
+
+<file path=ppt/slides/slide13.xml><?xml version="1.0" encoding="utf-8"?>
+<p:sld xmlns:a="http://schemas.openxmlformats.org/drawingml/2006/main" xmlns:r="http://schemas.openxmlformats.org/officeDocument/2006/relationships" xmlns:p="http://schemas.openxmlformats.org/presentationml/2006/main">
+  <p:cSld>
+    <p:spTree>
+      <p:nvGrpSpPr>
+        <p:cNvPr id="1" name=""/>
+        <p:cNvGrpSpPr/>
+        <p:nvPr/>
+      </p:nvGrpSpPr>
+      <p:grpSpPr>
+        <a:xfrm>
+          <a:off x="0" y="0"/>
+          <a:ext cx="0" cy="0"/>
+          <a:chOff x="0" y="0"/>
+          <a:chExt cx="0" cy="0"/>
+        </a:xfrm>
+      </p:grpSpPr>
       <p:grpSp>
         <p:nvGrpSpPr>
           <p:cNvPr id="8" name="Group 7">
@@ -5185,7 +5426,7 @@
 </p:sld>
 </file>
 
-<file path=ppt/slides/slide11.xml><?xml version="1.0" encoding="utf-8"?>
+<file path=ppt/slides/slide14.xml><?xml version="1.0" encoding="utf-8"?>
 <p:sld xmlns:a="http://schemas.openxmlformats.org/drawingml/2006/main" xmlns:r="http://schemas.openxmlformats.org/officeDocument/2006/relationships" xmlns:p="http://schemas.openxmlformats.org/presentationml/2006/main">
   <p:cSld>
     <p:spTree>
@@ -6427,7 +6668,7 @@
           <p:cNvPr id="2" name="Título 1">
             <a:extLst>
               <a:ext uri="{FF2B5EF4-FFF2-40B4-BE49-F238E27FC236}">
-                <a16:creationId xmlns:a16="http://schemas.microsoft.com/office/drawing/2014/main" id="{BD426FFE-3ADD-2B25-A332-DBEC201BB672}"/>
+                <a16:creationId xmlns:a16="http://schemas.microsoft.com/office/drawing/2014/main" id="{12945157-43DA-CB2B-868C-92BF7EA29B07}"/>
               </a:ext>
             </a:extLst>
           </p:cNvPr>
@@ -6435,19 +6676,17 @@
             <a:spLocks noGrp="1"/>
           </p:cNvSpPr>
           <p:nvPr>
-            <p:ph type="title"/>
+            <p:ph type="ctrTitle"/>
           </p:nvPr>
         </p:nvSpPr>
         <p:spPr>
           <a:xfrm>
-            <a:off x="325120" y="190699"/>
-            <a:ext cx="10772775" cy="580601"/>
-          </a:xfrm>
-        </p:spPr>
-        <p:txBody>
-          <a:bodyPr>
-            <a:normAutofit fontScale="90000"/>
-          </a:bodyPr>
+            <a:off x="6409678" y="3018407"/>
+            <a:ext cx="7063111" cy="1478289"/>
+          </a:xfrm>
+        </p:spPr>
+        <p:txBody>
+          <a:bodyPr/>
           <a:lstStyle/>
           <a:p>
             <a:r>
@@ -6459,46 +6698,114 @@
       </p:sp>
       <p:sp>
         <p:nvSpPr>
-          <p:cNvPr id="22" name="CaixaDeTexto 21">
+          <p:cNvPr id="6" name="Retângulo 5">
             <a:extLst>
               <a:ext uri="{FF2B5EF4-FFF2-40B4-BE49-F238E27FC236}">
-                <a16:creationId xmlns:a16="http://schemas.microsoft.com/office/drawing/2014/main" id="{91F8AF67-6B0C-E701-A6D6-59336A538093}"/>
+                <a16:creationId xmlns:a16="http://schemas.microsoft.com/office/drawing/2014/main" id="{7C38FB21-A6E8-F6F7-8F2E-1E2D06280B08}"/>
               </a:ext>
             </a:extLst>
           </p:cNvPr>
-          <p:cNvSpPr txBox="1"/>
+          <p:cNvSpPr/>
           <p:nvPr/>
         </p:nvSpPr>
         <p:spPr>
           <a:xfrm>
-            <a:off x="325120" y="1056290"/>
-            <a:ext cx="11541760" cy="646331"/>
+            <a:off x="0" y="2446867"/>
+            <a:ext cx="6409678" cy="1876558"/>
           </a:xfrm>
           <a:prstGeom prst="rect">
             <a:avLst/>
           </a:prstGeom>
           <a:noFill/>
-        </p:spPr>
-        <p:txBody>
-          <a:bodyPr wrap="square" rtlCol="0">
-            <a:spAutoFit/>
-          </a:bodyPr>
+          <a:ln w="38100">
+            <a:solidFill>
+              <a:srgbClr val="C80F00"/>
+            </a:solidFill>
+          </a:ln>
+        </p:spPr>
+        <p:style>
+          <a:lnRef idx="2">
+            <a:schemeClr val="accent1">
+              <a:shade val="50000"/>
+            </a:schemeClr>
+          </a:lnRef>
+          <a:fillRef idx="1">
+            <a:schemeClr val="accent1"/>
+          </a:fillRef>
+          <a:effectRef idx="0">
+            <a:schemeClr val="accent1"/>
+          </a:effectRef>
+          <a:fontRef idx="minor">
+            <a:schemeClr val="lt1"/>
+          </a:fontRef>
+        </p:style>
+        <p:txBody>
+          <a:bodyPr rtlCol="0" anchor="ctr"/>
           <a:lstStyle/>
           <a:p>
-            <a:r>
-              <a:rPr lang="en-US" b="1" dirty="0"/>
-              <a:t>There were 6003 entrepreneurs mobilized of which 89 were not business owners. We note that these business owners registered online. </a:t>
-            </a:r>
-            <a:endParaRPr lang="pt-PT" b="1" dirty="0"/>
+            <a:pPr algn="ctr"/>
+            <a:endParaRPr lang="pt-PT"/>
+          </a:p>
+        </p:txBody>
+      </p:sp>
+      <p:sp>
+        <p:nvSpPr>
+          <p:cNvPr id="7" name="Retângulo 6">
+            <a:extLst>
+              <a:ext uri="{FF2B5EF4-FFF2-40B4-BE49-F238E27FC236}">
+                <a16:creationId xmlns:a16="http://schemas.microsoft.com/office/drawing/2014/main" id="{99214519-89C5-B3B7-4850-7862EC123C39}"/>
+              </a:ext>
+            </a:extLst>
+          </p:cNvPr>
+          <p:cNvSpPr/>
+          <p:nvPr/>
+        </p:nvSpPr>
+        <p:spPr>
+          <a:xfrm>
+            <a:off x="3204839" y="2837854"/>
+            <a:ext cx="8765488" cy="2267545"/>
+          </a:xfrm>
+          <a:prstGeom prst="rect">
+            <a:avLst/>
+          </a:prstGeom>
+          <a:noFill/>
+          <a:ln w="38100">
+            <a:solidFill>
+              <a:srgbClr val="C80F00"/>
+            </a:solidFill>
+          </a:ln>
+        </p:spPr>
+        <p:style>
+          <a:lnRef idx="2">
+            <a:schemeClr val="accent1">
+              <a:shade val="50000"/>
+            </a:schemeClr>
+          </a:lnRef>
+          <a:fillRef idx="1">
+            <a:schemeClr val="accent1"/>
+          </a:fillRef>
+          <a:effectRef idx="0">
+            <a:schemeClr val="accent1"/>
+          </a:effectRef>
+          <a:fontRef idx="minor">
+            <a:schemeClr val="lt1"/>
+          </a:fontRef>
+        </p:style>
+        <p:txBody>
+          <a:bodyPr rtlCol="0" anchor="ctr"/>
+          <a:lstStyle/>
+          <a:p>
+            <a:pPr algn="ctr"/>
+            <a:endParaRPr lang="pt-PT"/>
           </a:p>
         </p:txBody>
       </p:sp>
       <p:pic>
         <p:nvPicPr>
-          <p:cNvPr id="10" name="Imagem 9">
+          <p:cNvPr id="8" name="Picture 11" descr="Logo&#10;&#10;Description automatically generated">
             <a:extLst>
               <a:ext uri="{FF2B5EF4-FFF2-40B4-BE49-F238E27FC236}">
-                <a16:creationId xmlns:a16="http://schemas.microsoft.com/office/drawing/2014/main" id="{D374E568-3A5C-F525-ACDE-7F0C42557D51}"/>
+                <a16:creationId xmlns:a16="http://schemas.microsoft.com/office/drawing/2014/main" id="{E3BA779E-F4A9-E871-39D0-92D4A7FF11CF}"/>
               </a:ext>
             </a:extLst>
           </p:cNvPr>
@@ -6508,123 +6815,33 @@
           <p:nvPr/>
         </p:nvPicPr>
         <p:blipFill rotWithShape="1">
-          <a:blip r:embed="rId2"/>
-          <a:srcRect t="1364" b="1"/>
+          <a:blip r:embed="rId2" cstate="hqprint">
+            <a:extLst>
+              <a:ext uri="{28A0092B-C50C-407E-A947-70E740481C1C}">
+                <a14:useLocalDpi xmlns:a14="http://schemas.microsoft.com/office/drawing/2010/main" val="0"/>
+              </a:ext>
+            </a:extLst>
+          </a:blip>
+          <a:srcRect l="7711" t="39067" r="8755" b="35466"/>
           <a:stretch/>
         </p:blipFill>
         <p:spPr>
           <a:xfrm>
-            <a:off x="174747" y="2157273"/>
-            <a:ext cx="5921253" cy="4510027"/>
+            <a:off x="-28438" y="2446867"/>
+            <a:ext cx="6409678" cy="1853220"/>
           </a:xfrm>
           <a:prstGeom prst="rect">
             <a:avLst/>
           </a:prstGeom>
+          <a:solidFill>
+            <a:schemeClr val="bg1"/>
+          </a:solidFill>
         </p:spPr>
       </p:pic>
-      <p:pic>
-        <p:nvPicPr>
-          <p:cNvPr id="6" name="Imagem 5">
-            <a:extLst>
-              <a:ext uri="{FF2B5EF4-FFF2-40B4-BE49-F238E27FC236}">
-                <a16:creationId xmlns:a16="http://schemas.microsoft.com/office/drawing/2014/main" id="{8CFC201C-3B5A-6394-039A-85DF102D20D6}"/>
-              </a:ext>
-            </a:extLst>
-          </p:cNvPr>
-          <p:cNvPicPr>
-            <a:picLocks noChangeAspect="1"/>
-          </p:cNvPicPr>
-          <p:nvPr/>
-        </p:nvPicPr>
-        <p:blipFill rotWithShape="1">
-          <a:blip r:embed="rId3"/>
-          <a:srcRect t="2650"/>
-          <a:stretch/>
-        </p:blipFill>
-        <p:spPr>
-          <a:xfrm>
-            <a:off x="6096000" y="1987611"/>
-            <a:ext cx="5921253" cy="4718123"/>
-          </a:xfrm>
-          <a:prstGeom prst="rect">
-            <a:avLst/>
-          </a:prstGeom>
-        </p:spPr>
-      </p:pic>
-      <p:sp>
-        <p:nvSpPr>
-          <p:cNvPr id="3" name="CaixaDeTexto 2">
-            <a:extLst>
-              <a:ext uri="{FF2B5EF4-FFF2-40B4-BE49-F238E27FC236}">
-                <a16:creationId xmlns:a16="http://schemas.microsoft.com/office/drawing/2014/main" id="{06A97C78-4117-C572-A638-8FA68E609D72}"/>
-              </a:ext>
-            </a:extLst>
-          </p:cNvPr>
-          <p:cNvSpPr txBox="1"/>
-          <p:nvPr/>
-        </p:nvSpPr>
-        <p:spPr>
-          <a:xfrm>
-            <a:off x="780176" y="1787941"/>
-            <a:ext cx="915635" cy="369332"/>
-          </a:xfrm>
-          <a:prstGeom prst="rect">
-            <a:avLst/>
-          </a:prstGeom>
-          <a:noFill/>
-        </p:spPr>
-        <p:txBody>
-          <a:bodyPr wrap="none" rtlCol="0">
-            <a:spAutoFit/>
-          </a:bodyPr>
-          <a:lstStyle/>
-          <a:p>
-            <a:r>
-              <a:rPr lang="pt-PT" b="1" dirty="0"/>
-              <a:t>N=6003</a:t>
-            </a:r>
-          </a:p>
-        </p:txBody>
-      </p:sp>
-      <p:sp>
-        <p:nvSpPr>
-          <p:cNvPr id="4" name="CaixaDeTexto 3">
-            <a:extLst>
-              <a:ext uri="{FF2B5EF4-FFF2-40B4-BE49-F238E27FC236}">
-                <a16:creationId xmlns:a16="http://schemas.microsoft.com/office/drawing/2014/main" id="{59C4D919-8E6F-BC3E-26CF-8FE4E1AE6906}"/>
-              </a:ext>
-            </a:extLst>
-          </p:cNvPr>
-          <p:cNvSpPr txBox="1"/>
-          <p:nvPr/>
-        </p:nvSpPr>
-        <p:spPr>
-          <a:xfrm>
-            <a:off x="11097895" y="1886835"/>
-            <a:ext cx="915635" cy="369332"/>
-          </a:xfrm>
-          <a:prstGeom prst="rect">
-            <a:avLst/>
-          </a:prstGeom>
-          <a:noFill/>
-        </p:spPr>
-        <p:txBody>
-          <a:bodyPr wrap="none" rtlCol="0">
-            <a:spAutoFit/>
-          </a:bodyPr>
-          <a:lstStyle/>
-          <a:p>
-            <a:r>
-              <a:rPr lang="pt-PT" b="1" dirty="0"/>
-              <a:t>N=5914</a:t>
-            </a:r>
-          </a:p>
-        </p:txBody>
-      </p:sp>
     </p:spTree>
     <p:extLst>
       <p:ext uri="{BB962C8B-B14F-4D97-AF65-F5344CB8AC3E}">
-        <p14:creationId xmlns:p14="http://schemas.microsoft.com/office/powerpoint/2010/main" val="2217484933"/>
+        <p14:creationId xmlns:p14="http://schemas.microsoft.com/office/powerpoint/2010/main" val="4040312876"/>
       </p:ext>
     </p:extLst>
   </p:cSld>
@@ -6653,10 +6870,45 @@
       </p:grpSpPr>
       <p:sp>
         <p:nvSpPr>
-          <p:cNvPr id="2" name="CaixaDeTexto 1">
+          <p:cNvPr id="2" name="Título 1">
             <a:extLst>
               <a:ext uri="{FF2B5EF4-FFF2-40B4-BE49-F238E27FC236}">
-                <a16:creationId xmlns:a16="http://schemas.microsoft.com/office/drawing/2014/main" id="{B0939F91-496C-0C6E-CDB7-BEFAEC5DEB57}"/>
+                <a16:creationId xmlns:a16="http://schemas.microsoft.com/office/drawing/2014/main" id="{BD426FFE-3ADD-2B25-A332-DBEC201BB672}"/>
+              </a:ext>
+            </a:extLst>
+          </p:cNvPr>
+          <p:cNvSpPr>
+            <a:spLocks noGrp="1"/>
+          </p:cNvSpPr>
+          <p:nvPr>
+            <p:ph type="title"/>
+          </p:nvPr>
+        </p:nvSpPr>
+        <p:spPr>
+          <a:xfrm>
+            <a:off x="325120" y="190699"/>
+            <a:ext cx="10772775" cy="580601"/>
+          </a:xfrm>
+        </p:spPr>
+        <p:txBody>
+          <a:bodyPr>
+            <a:normAutofit fontScale="90000"/>
+          </a:bodyPr>
+          <a:lstStyle/>
+          <a:p>
+            <a:r>
+              <a:rPr lang="pt-PT" dirty="0"/>
+              <a:t>Mobilizadas</a:t>
+            </a:r>
+          </a:p>
+        </p:txBody>
+      </p:sp>
+      <p:sp>
+        <p:nvSpPr>
+          <p:cNvPr id="22" name="CaixaDeTexto 21">
+            <a:extLst>
+              <a:ext uri="{FF2B5EF4-FFF2-40B4-BE49-F238E27FC236}">
+                <a16:creationId xmlns:a16="http://schemas.microsoft.com/office/drawing/2014/main" id="{91F8AF67-6B0C-E701-A6D6-59336A538093}"/>
               </a:ext>
             </a:extLst>
           </p:cNvPr>
@@ -6665,7 +6917,201 @@
         </p:nvSpPr>
         <p:spPr>
           <a:xfrm>
-            <a:off x="444616" y="276837"/>
+            <a:off x="325120" y="1056290"/>
+            <a:ext cx="11541760" cy="646331"/>
+          </a:xfrm>
+          <a:prstGeom prst="rect">
+            <a:avLst/>
+          </a:prstGeom>
+          <a:noFill/>
+        </p:spPr>
+        <p:txBody>
+          <a:bodyPr wrap="square" rtlCol="0">
+            <a:spAutoFit/>
+          </a:bodyPr>
+          <a:lstStyle/>
+          <a:p>
+            <a:r>
+              <a:rPr lang="en-US" b="1" dirty="0"/>
+              <a:t>There were 6003 entrepreneurs mobilized of which 89 were not business owners. We note that these business owners registered online. </a:t>
+            </a:r>
+            <a:endParaRPr lang="pt-PT" b="1" dirty="0"/>
+          </a:p>
+        </p:txBody>
+      </p:sp>
+      <p:pic>
+        <p:nvPicPr>
+          <p:cNvPr id="10" name="Imagem 9">
+            <a:extLst>
+              <a:ext uri="{FF2B5EF4-FFF2-40B4-BE49-F238E27FC236}">
+                <a16:creationId xmlns:a16="http://schemas.microsoft.com/office/drawing/2014/main" id="{D374E568-3A5C-F525-ACDE-7F0C42557D51}"/>
+              </a:ext>
+            </a:extLst>
+          </p:cNvPr>
+          <p:cNvPicPr>
+            <a:picLocks noChangeAspect="1"/>
+          </p:cNvPicPr>
+          <p:nvPr/>
+        </p:nvPicPr>
+        <p:blipFill rotWithShape="1">
+          <a:blip r:embed="rId2"/>
+          <a:srcRect t="1364" b="1"/>
+          <a:stretch/>
+        </p:blipFill>
+        <p:spPr>
+          <a:xfrm>
+            <a:off x="174747" y="2157273"/>
+            <a:ext cx="5921253" cy="4510027"/>
+          </a:xfrm>
+          <a:prstGeom prst="rect">
+            <a:avLst/>
+          </a:prstGeom>
+        </p:spPr>
+      </p:pic>
+      <p:pic>
+        <p:nvPicPr>
+          <p:cNvPr id="6" name="Imagem 5">
+            <a:extLst>
+              <a:ext uri="{FF2B5EF4-FFF2-40B4-BE49-F238E27FC236}">
+                <a16:creationId xmlns:a16="http://schemas.microsoft.com/office/drawing/2014/main" id="{8CFC201C-3B5A-6394-039A-85DF102D20D6}"/>
+              </a:ext>
+            </a:extLst>
+          </p:cNvPr>
+          <p:cNvPicPr>
+            <a:picLocks noChangeAspect="1"/>
+          </p:cNvPicPr>
+          <p:nvPr/>
+        </p:nvPicPr>
+        <p:blipFill rotWithShape="1">
+          <a:blip r:embed="rId3"/>
+          <a:srcRect t="2650"/>
+          <a:stretch/>
+        </p:blipFill>
+        <p:spPr>
+          <a:xfrm>
+            <a:off x="6096000" y="1987611"/>
+            <a:ext cx="5921253" cy="4718123"/>
+          </a:xfrm>
+          <a:prstGeom prst="rect">
+            <a:avLst/>
+          </a:prstGeom>
+        </p:spPr>
+      </p:pic>
+      <p:sp>
+        <p:nvSpPr>
+          <p:cNvPr id="3" name="CaixaDeTexto 2">
+            <a:extLst>
+              <a:ext uri="{FF2B5EF4-FFF2-40B4-BE49-F238E27FC236}">
+                <a16:creationId xmlns:a16="http://schemas.microsoft.com/office/drawing/2014/main" id="{06A97C78-4117-C572-A638-8FA68E609D72}"/>
+              </a:ext>
+            </a:extLst>
+          </p:cNvPr>
+          <p:cNvSpPr txBox="1"/>
+          <p:nvPr/>
+        </p:nvSpPr>
+        <p:spPr>
+          <a:xfrm>
+            <a:off x="780176" y="1787941"/>
+            <a:ext cx="915635" cy="369332"/>
+          </a:xfrm>
+          <a:prstGeom prst="rect">
+            <a:avLst/>
+          </a:prstGeom>
+          <a:noFill/>
+        </p:spPr>
+        <p:txBody>
+          <a:bodyPr wrap="none" rtlCol="0">
+            <a:spAutoFit/>
+          </a:bodyPr>
+          <a:lstStyle/>
+          <a:p>
+            <a:r>
+              <a:rPr lang="pt-PT" b="1" dirty="0"/>
+              <a:t>N=6003</a:t>
+            </a:r>
+          </a:p>
+        </p:txBody>
+      </p:sp>
+      <p:sp>
+        <p:nvSpPr>
+          <p:cNvPr id="4" name="CaixaDeTexto 3">
+            <a:extLst>
+              <a:ext uri="{FF2B5EF4-FFF2-40B4-BE49-F238E27FC236}">
+                <a16:creationId xmlns:a16="http://schemas.microsoft.com/office/drawing/2014/main" id="{59C4D919-8E6F-BC3E-26CF-8FE4E1AE6906}"/>
+              </a:ext>
+            </a:extLst>
+          </p:cNvPr>
+          <p:cNvSpPr txBox="1"/>
+          <p:nvPr/>
+        </p:nvSpPr>
+        <p:spPr>
+          <a:xfrm>
+            <a:off x="11097895" y="1886835"/>
+            <a:ext cx="915635" cy="369332"/>
+          </a:xfrm>
+          <a:prstGeom prst="rect">
+            <a:avLst/>
+          </a:prstGeom>
+          <a:noFill/>
+        </p:spPr>
+        <p:txBody>
+          <a:bodyPr wrap="none" rtlCol="0">
+            <a:spAutoFit/>
+          </a:bodyPr>
+          <a:lstStyle/>
+          <a:p>
+            <a:r>
+              <a:rPr lang="pt-PT" b="1" dirty="0"/>
+              <a:t>N=5914</a:t>
+            </a:r>
+          </a:p>
+        </p:txBody>
+      </p:sp>
+    </p:spTree>
+    <p:extLst>
+      <p:ext uri="{BB962C8B-B14F-4D97-AF65-F5344CB8AC3E}">
+        <p14:creationId xmlns:p14="http://schemas.microsoft.com/office/powerpoint/2010/main" val="2217484933"/>
+      </p:ext>
+    </p:extLst>
+  </p:cSld>
+  <p:clrMapOvr>
+    <a:masterClrMapping/>
+  </p:clrMapOvr>
+</p:sld>
+</file>
+
+<file path=ppt/slides/slide6.xml><?xml version="1.0" encoding="utf-8"?>
+<p:sld xmlns:a="http://schemas.openxmlformats.org/drawingml/2006/main" xmlns:r="http://schemas.openxmlformats.org/officeDocument/2006/relationships" xmlns:p="http://schemas.openxmlformats.org/presentationml/2006/main">
+  <p:cSld>
+    <p:spTree>
+      <p:nvGrpSpPr>
+        <p:cNvPr id="1" name=""/>
+        <p:cNvGrpSpPr/>
+        <p:nvPr/>
+      </p:nvGrpSpPr>
+      <p:grpSpPr>
+        <a:xfrm>
+          <a:off x="0" y="0"/>
+          <a:ext cx="0" cy="0"/>
+          <a:chOff x="0" y="0"/>
+          <a:chExt cx="0" cy="0"/>
+        </a:xfrm>
+      </p:grpSpPr>
+      <p:sp>
+        <p:nvSpPr>
+          <p:cNvPr id="2" name="CaixaDeTexto 1">
+            <a:extLst>
+              <a:ext uri="{FF2B5EF4-FFF2-40B4-BE49-F238E27FC236}">
+                <a16:creationId xmlns:a16="http://schemas.microsoft.com/office/drawing/2014/main" id="{B0939F91-496C-0C6E-CDB7-BEFAEC5DEB57}"/>
+              </a:ext>
+            </a:extLst>
+          </p:cNvPr>
+          <p:cNvSpPr txBox="1"/>
+          <p:nvPr/>
+        </p:nvSpPr>
+        <p:spPr>
+          <a:xfrm>
+            <a:off x="302003" y="497111"/>
             <a:ext cx="11190914" cy="1200329"/>
           </a:xfrm>
           <a:prstGeom prst="rect">
@@ -7221,7 +7667,7 @@
 </p:sld>
 </file>
 
-<file path=ppt/slides/slide6.xml><?xml version="1.0" encoding="utf-8"?>
+<file path=ppt/slides/slide7.xml><?xml version="1.0" encoding="utf-8"?>
 <p:sld xmlns:a="http://schemas.openxmlformats.org/drawingml/2006/main" xmlns:r="http://schemas.openxmlformats.org/officeDocument/2006/relationships" xmlns:p="http://schemas.openxmlformats.org/presentationml/2006/main">
   <p:cSld>
     <p:bg>
@@ -7787,7 +8233,7 @@
 </p:sld>
 </file>
 
-<file path=ppt/slides/slide7.xml><?xml version="1.0" encoding="utf-8"?>
+<file path=ppt/slides/slide8.xml><?xml version="1.0" encoding="utf-8"?>
 <p:sld xmlns:a="http://schemas.openxmlformats.org/drawingml/2006/main" xmlns:r="http://schemas.openxmlformats.org/officeDocument/2006/relationships" xmlns:p="http://schemas.openxmlformats.org/presentationml/2006/main">
   <p:cSld>
     <p:spTree>
@@ -7867,195 +8313,6 @@
     <p:extLst>
       <p:ext uri="{BB962C8B-B14F-4D97-AF65-F5344CB8AC3E}">
         <p14:creationId xmlns:p14="http://schemas.microsoft.com/office/powerpoint/2010/main" val="192108845"/>
-      </p:ext>
-    </p:extLst>
-  </p:cSld>
-  <p:clrMapOvr>
-    <a:masterClrMapping/>
-  </p:clrMapOvr>
-</p:sld>
-</file>
-
-<file path=ppt/slides/slide8.xml><?xml version="1.0" encoding="utf-8"?>
-<p:sld xmlns:a="http://schemas.openxmlformats.org/drawingml/2006/main" xmlns:r="http://schemas.openxmlformats.org/officeDocument/2006/relationships" xmlns:p="http://schemas.openxmlformats.org/presentationml/2006/main">
-  <p:cSld>
-    <p:bg>
-      <p:bgPr>
-        <a:solidFill>
-          <a:schemeClr val="bg1"/>
-        </a:solidFill>
-        <a:effectLst/>
-      </p:bgPr>
-    </p:bg>
-    <p:spTree>
-      <p:nvGrpSpPr>
-        <p:cNvPr id="1" name=""/>
-        <p:cNvGrpSpPr/>
-        <p:nvPr/>
-      </p:nvGrpSpPr>
-      <p:grpSpPr>
-        <a:xfrm>
-          <a:off x="0" y="0"/>
-          <a:ext cx="0" cy="0"/>
-          <a:chOff x="0" y="0"/>
-          <a:chExt cx="0" cy="0"/>
-        </a:xfrm>
-      </p:grpSpPr>
-      <p:sp>
-        <p:nvSpPr>
-          <p:cNvPr id="10" name="Rectangle 9">
-            <a:extLst>
-              <a:ext uri="{FF2B5EF4-FFF2-40B4-BE49-F238E27FC236}">
-                <a16:creationId xmlns:a16="http://schemas.microsoft.com/office/drawing/2014/main" id="{B5C3FE1E-0A7F-41BE-A568-1BF85E2E8DD8}"/>
-              </a:ext>
-              <a:ext uri="{C183D7F6-B498-43B3-948B-1728B52AA6E4}">
-                <adec:decorative xmlns:adec="http://schemas.microsoft.com/office/drawing/2017/decorative" val="1"/>
-              </a:ext>
-            </a:extLst>
-          </p:cNvPr>
-          <p:cNvSpPr>
-            <a:spLocks noGrp="1" noRot="1" noChangeAspect="1" noMove="1" noResize="1" noEditPoints="1" noAdjustHandles="1" noChangeArrowheads="1" noChangeShapeType="1" noTextEdit="1"/>
-          </p:cNvSpPr>
-          <p:nvPr>
-            <p:extLst>
-              <p:ext uri="{386F3935-93C4-4BCD-93E2-E3B085C9AB24}">
-                <p16:designElem xmlns:p16="http://schemas.microsoft.com/office/powerpoint/2015/main" val="1"/>
-              </p:ext>
-            </p:extLst>
-          </p:nvPr>
-        </p:nvSpPr>
-        <p:spPr>
-          <a:xfrm>
-            <a:off x="6720840" y="0"/>
-            <a:ext cx="5471160" cy="6858000"/>
-          </a:xfrm>
-          <a:prstGeom prst="rect">
-            <a:avLst/>
-          </a:prstGeom>
-          <a:solidFill>
-            <a:schemeClr val="bg1">
-              <a:lumMod val="85000"/>
-              <a:alpha val="75000"/>
-            </a:schemeClr>
-          </a:solidFill>
-          <a:ln>
-            <a:noFill/>
-          </a:ln>
-        </p:spPr>
-        <p:style>
-          <a:lnRef idx="2">
-            <a:schemeClr val="accent1">
-              <a:shade val="50000"/>
-            </a:schemeClr>
-          </a:lnRef>
-          <a:fillRef idx="1">
-            <a:schemeClr val="accent1"/>
-          </a:fillRef>
-          <a:effectRef idx="0">
-            <a:schemeClr val="accent1"/>
-          </a:effectRef>
-          <a:fontRef idx="minor">
-            <a:schemeClr val="lt1"/>
-          </a:fontRef>
-        </p:style>
-        <p:txBody>
-          <a:bodyPr rtlCol="0" anchor="ctr"/>
-          <a:lstStyle/>
-          <a:p>
-            <a:pPr algn="ctr"/>
-            <a:endParaRPr lang="en-US"/>
-          </a:p>
-        </p:txBody>
-      </p:sp>
-      <p:pic>
-        <p:nvPicPr>
-          <p:cNvPr id="7" name="Graphic 6" descr="Utilizador">
-            <a:extLst>
-              <a:ext uri="{FF2B5EF4-FFF2-40B4-BE49-F238E27FC236}">
-                <a16:creationId xmlns:a16="http://schemas.microsoft.com/office/drawing/2014/main" id="{170761EE-8773-F5B8-1F04-51FD52F6BB2A}"/>
-              </a:ext>
-            </a:extLst>
-          </p:cNvPr>
-          <p:cNvPicPr>
-            <a:picLocks noChangeAspect="1"/>
-          </p:cNvPicPr>
-          <p:nvPr/>
-        </p:nvPicPr>
-        <p:blipFill>
-          <a:blip r:embed="rId2">
-            <a:extLst>
-              <a:ext uri="{28A0092B-C50C-407E-A947-70E740481C1C}">
-                <a14:useLocalDpi xmlns:a14="http://schemas.microsoft.com/office/drawing/2010/main" val="0"/>
-              </a:ext>
-              <a:ext uri="{96DAC541-7B7A-43D3-8B79-37D633B846F1}">
-                <asvg:svgBlip xmlns:asvg="http://schemas.microsoft.com/office/drawing/2016/SVG/main" r:embed="rId3"/>
-              </a:ext>
-            </a:extLst>
-          </a:blip>
-          <a:stretch>
-            <a:fillRect/>
-          </a:stretch>
-        </p:blipFill>
-        <p:spPr>
-          <a:xfrm>
-            <a:off x="745132" y="645106"/>
-            <a:ext cx="5247747" cy="5247747"/>
-          </a:xfrm>
-          <a:prstGeom prst="rect">
-            <a:avLst/>
-          </a:prstGeom>
-        </p:spPr>
-      </p:pic>
-      <p:sp>
-        <p:nvSpPr>
-          <p:cNvPr id="3" name="CaixaDeTexto 2">
-            <a:extLst>
-              <a:ext uri="{FF2B5EF4-FFF2-40B4-BE49-F238E27FC236}">
-                <a16:creationId xmlns:a16="http://schemas.microsoft.com/office/drawing/2014/main" id="{C637C9A9-6972-AB78-1851-072625DF92C5}"/>
-              </a:ext>
-            </a:extLst>
-          </p:cNvPr>
-          <p:cNvSpPr txBox="1"/>
-          <p:nvPr/>
-        </p:nvSpPr>
-        <p:spPr>
-          <a:xfrm>
-            <a:off x="6720840" y="2011680"/>
-            <a:ext cx="5367695" cy="3864732"/>
-          </a:xfrm>
-          <a:prstGeom prst="rect">
-            <a:avLst/>
-          </a:prstGeom>
-        </p:spPr>
-        <p:txBody>
-          <a:bodyPr vert="horz" lIns="91440" tIns="45720" rIns="91440" bIns="45720" rtlCol="0">
-            <a:normAutofit/>
-          </a:bodyPr>
-          <a:lstStyle/>
-          <a:p>
-            <a:pPr defTabSz="914400">
-              <a:lnSpc>
-                <a:spcPct val="85000"/>
-              </a:lnSpc>
-              <a:spcAft>
-                <a:spcPts val="600"/>
-              </a:spcAft>
-            </a:pPr>
-            <a:r>
-              <a:rPr lang="en-US" sz="4000" b="1" dirty="0">
-                <a:solidFill>
-                  <a:srgbClr val="00B050"/>
-                </a:solidFill>
-              </a:rPr>
-              <a:t>Profile description of the two thousand eligible entrepreneurs</a:t>
-            </a:r>
-          </a:p>
-        </p:txBody>
-      </p:sp>
-    </p:spTree>
-    <p:extLst>
-      <p:ext uri="{BB962C8B-B14F-4D97-AF65-F5344CB8AC3E}">
-        <p14:creationId xmlns:p14="http://schemas.microsoft.com/office/powerpoint/2010/main" val="4072205350"/>
       </p:ext>
     </p:extLst>
   </p:cSld>
@@ -8082,12 +8339,187 @@
           <a:chExt cx="0" cy="0"/>
         </a:xfrm>
       </p:grpSpPr>
+      <p:sp>
+        <p:nvSpPr>
+          <p:cNvPr id="2" name="Título 1">
+            <a:extLst>
+              <a:ext uri="{FF2B5EF4-FFF2-40B4-BE49-F238E27FC236}">
+                <a16:creationId xmlns:a16="http://schemas.microsoft.com/office/drawing/2014/main" id="{12945157-43DA-CB2B-868C-92BF7EA29B07}"/>
+              </a:ext>
+            </a:extLst>
+          </p:cNvPr>
+          <p:cNvSpPr>
+            <a:spLocks noGrp="1"/>
+          </p:cNvSpPr>
+          <p:nvPr>
+            <p:ph type="ctrTitle"/>
+          </p:nvPr>
+        </p:nvSpPr>
+        <p:spPr>
+          <a:xfrm>
+            <a:off x="6409679" y="3018407"/>
+            <a:ext cx="5939340" cy="1478289"/>
+          </a:xfrm>
+        </p:spPr>
+        <p:txBody>
+          <a:bodyPr/>
+          <a:lstStyle/>
+          <a:p>
+            <a:r>
+              <a:rPr lang="pt-PT" sz="7200" dirty="0"/>
+              <a:t>Seleccionadas</a:t>
+            </a:r>
+          </a:p>
+        </p:txBody>
+      </p:sp>
+      <p:sp>
+        <p:nvSpPr>
+          <p:cNvPr id="6" name="Retângulo 5">
+            <a:extLst>
+              <a:ext uri="{FF2B5EF4-FFF2-40B4-BE49-F238E27FC236}">
+                <a16:creationId xmlns:a16="http://schemas.microsoft.com/office/drawing/2014/main" id="{7C38FB21-A6E8-F6F7-8F2E-1E2D06280B08}"/>
+              </a:ext>
+            </a:extLst>
+          </p:cNvPr>
+          <p:cNvSpPr/>
+          <p:nvPr/>
+        </p:nvSpPr>
+        <p:spPr>
+          <a:xfrm>
+            <a:off x="0" y="2446867"/>
+            <a:ext cx="6409678" cy="1876558"/>
+          </a:xfrm>
+          <a:prstGeom prst="rect">
+            <a:avLst/>
+          </a:prstGeom>
+          <a:noFill/>
+          <a:ln w="38100">
+            <a:solidFill>
+              <a:srgbClr val="C80F00"/>
+            </a:solidFill>
+          </a:ln>
+        </p:spPr>
+        <p:style>
+          <a:lnRef idx="2">
+            <a:schemeClr val="accent1">
+              <a:shade val="50000"/>
+            </a:schemeClr>
+          </a:lnRef>
+          <a:fillRef idx="1">
+            <a:schemeClr val="accent1"/>
+          </a:fillRef>
+          <a:effectRef idx="0">
+            <a:schemeClr val="accent1"/>
+          </a:effectRef>
+          <a:fontRef idx="minor">
+            <a:schemeClr val="lt1"/>
+          </a:fontRef>
+        </p:style>
+        <p:txBody>
+          <a:bodyPr rtlCol="0" anchor="ctr"/>
+          <a:lstStyle/>
+          <a:p>
+            <a:pPr algn="ctr"/>
+            <a:endParaRPr lang="pt-PT"/>
+          </a:p>
+        </p:txBody>
+      </p:sp>
+      <p:sp>
+        <p:nvSpPr>
+          <p:cNvPr id="7" name="Retângulo 6">
+            <a:extLst>
+              <a:ext uri="{FF2B5EF4-FFF2-40B4-BE49-F238E27FC236}">
+                <a16:creationId xmlns:a16="http://schemas.microsoft.com/office/drawing/2014/main" id="{99214519-89C5-B3B7-4850-7862EC123C39}"/>
+              </a:ext>
+            </a:extLst>
+          </p:cNvPr>
+          <p:cNvSpPr/>
+          <p:nvPr/>
+        </p:nvSpPr>
+        <p:spPr>
+          <a:xfrm>
+            <a:off x="3204839" y="2837854"/>
+            <a:ext cx="8765488" cy="2267545"/>
+          </a:xfrm>
+          <a:prstGeom prst="rect">
+            <a:avLst/>
+          </a:prstGeom>
+          <a:noFill/>
+          <a:ln w="38100">
+            <a:solidFill>
+              <a:srgbClr val="C80F00"/>
+            </a:solidFill>
+          </a:ln>
+        </p:spPr>
+        <p:style>
+          <a:lnRef idx="2">
+            <a:schemeClr val="accent1">
+              <a:shade val="50000"/>
+            </a:schemeClr>
+          </a:lnRef>
+          <a:fillRef idx="1">
+            <a:schemeClr val="accent1"/>
+          </a:fillRef>
+          <a:effectRef idx="0">
+            <a:schemeClr val="accent1"/>
+          </a:effectRef>
+          <a:fontRef idx="minor">
+            <a:schemeClr val="lt1"/>
+          </a:fontRef>
+        </p:style>
+        <p:txBody>
+          <a:bodyPr rtlCol="0" anchor="ctr"/>
+          <a:lstStyle/>
+          <a:p>
+            <a:pPr algn="ctr"/>
+            <a:endParaRPr lang="pt-PT"/>
+          </a:p>
+        </p:txBody>
+      </p:sp>
       <p:pic>
         <p:nvPicPr>
-          <p:cNvPr id="5" name="Imagem 4">
+          <p:cNvPr id="8" name="Picture 11" descr="Logo&#10;&#10;Description automatically generated">
             <a:extLst>
               <a:ext uri="{FF2B5EF4-FFF2-40B4-BE49-F238E27FC236}">
-                <a16:creationId xmlns:a16="http://schemas.microsoft.com/office/drawing/2014/main" id="{664F5564-1BDC-BA20-5179-7A5B62883FE6}"/>
+                <a16:creationId xmlns:a16="http://schemas.microsoft.com/office/drawing/2014/main" id="{E3BA779E-F4A9-E871-39D0-92D4A7FF11CF}"/>
+              </a:ext>
+            </a:extLst>
+          </p:cNvPr>
+          <p:cNvPicPr>
+            <a:picLocks noChangeAspect="1"/>
+          </p:cNvPicPr>
+          <p:nvPr/>
+        </p:nvPicPr>
+        <p:blipFill rotWithShape="1">
+          <a:blip r:embed="rId2" cstate="hqprint">
+            <a:extLst>
+              <a:ext uri="{28A0092B-C50C-407E-A947-70E740481C1C}">
+                <a14:useLocalDpi xmlns:a14="http://schemas.microsoft.com/office/drawing/2010/main" val="0"/>
+              </a:ext>
+            </a:extLst>
+          </a:blip>
+          <a:srcRect l="7711" t="39067" r="8755" b="35466"/>
+          <a:stretch/>
+        </p:blipFill>
+        <p:spPr>
+          <a:xfrm>
+            <a:off x="0" y="2446867"/>
+            <a:ext cx="6409678" cy="1853220"/>
+          </a:xfrm>
+          <a:prstGeom prst="rect">
+            <a:avLst/>
+          </a:prstGeom>
+          <a:solidFill>
+            <a:schemeClr val="bg1"/>
+          </a:solidFill>
+        </p:spPr>
+      </p:pic>
+      <p:pic>
+        <p:nvPicPr>
+          <p:cNvPr id="3" name="Graphic 6" descr="Utilizador">
+            <a:extLst>
+              <a:ext uri="{FF2B5EF4-FFF2-40B4-BE49-F238E27FC236}">
+                <a16:creationId xmlns:a16="http://schemas.microsoft.com/office/drawing/2014/main" id="{687D2A2A-30C6-C034-01D7-99C09756346B}"/>
               </a:ext>
             </a:extLst>
           </p:cNvPr>
@@ -8097,15 +8529,24 @@
           <p:nvPr/>
         </p:nvPicPr>
         <p:blipFill>
-          <a:blip r:embed="rId2"/>
+          <a:blip r:embed="rId3">
+            <a:extLst>
+              <a:ext uri="{28A0092B-C50C-407E-A947-70E740481C1C}">
+                <a14:useLocalDpi xmlns:a14="http://schemas.microsoft.com/office/drawing/2010/main" val="0"/>
+              </a:ext>
+              <a:ext uri="{96DAC541-7B7A-43D3-8B79-37D633B846F1}">
+                <asvg:svgBlip xmlns:asvg="http://schemas.microsoft.com/office/drawing/2016/SVG/main" r:embed="rId4"/>
+              </a:ext>
+            </a:extLst>
+          </a:blip>
           <a:stretch>
             <a:fillRect/>
           </a:stretch>
         </p:blipFill>
         <p:spPr>
           <a:xfrm>
-            <a:off x="264346" y="857027"/>
-            <a:ext cx="5715495" cy="5143946"/>
+            <a:off x="1588306" y="76128"/>
+            <a:ext cx="2761726" cy="2761726"/>
           </a:xfrm>
           <a:prstGeom prst="rect">
             <a:avLst/>
@@ -8114,10 +8555,10 @@
       </p:pic>
       <p:pic>
         <p:nvPicPr>
-          <p:cNvPr id="13" name="Imagem 12">
+          <p:cNvPr id="9" name="Graphic 6" descr="Utilizador">
             <a:extLst>
               <a:ext uri="{FF2B5EF4-FFF2-40B4-BE49-F238E27FC236}">
-                <a16:creationId xmlns:a16="http://schemas.microsoft.com/office/drawing/2014/main" id="{E1C929A2-F320-822A-B9D9-113E180B264B}"/>
+                <a16:creationId xmlns:a16="http://schemas.microsoft.com/office/drawing/2014/main" id="{CE219FD7-D51E-8662-9F04-9C5EDB1BE04F}"/>
               </a:ext>
             </a:extLst>
           </p:cNvPr>
@@ -8126,15 +8567,25 @@
           </p:cNvPicPr>
           <p:nvPr/>
         </p:nvPicPr>
-        <p:blipFill rotWithShape="1">
-          <a:blip r:embed="rId3"/>
-          <a:srcRect l="50000" t="31182" r="1494" b="35988"/>
-          <a:stretch/>
+        <p:blipFill>
+          <a:blip r:embed="rId3">
+            <a:extLst>
+              <a:ext uri="{28A0092B-C50C-407E-A947-70E740481C1C}">
+                <a14:useLocalDpi xmlns:a14="http://schemas.microsoft.com/office/drawing/2010/main" val="0"/>
+              </a:ext>
+              <a:ext uri="{96DAC541-7B7A-43D3-8B79-37D633B846F1}">
+                <asvg:svgBlip xmlns:asvg="http://schemas.microsoft.com/office/drawing/2016/SVG/main" r:embed="rId4"/>
+              </a:ext>
+            </a:extLst>
+          </a:blip>
+          <a:stretch>
+            <a:fillRect/>
+          </a:stretch>
         </p:blipFill>
         <p:spPr>
           <a:xfrm>
-            <a:off x="6096000" y="5101164"/>
-            <a:ext cx="4990292" cy="1688742"/>
+            <a:off x="4735460" y="83410"/>
+            <a:ext cx="2761726" cy="2761726"/>
           </a:xfrm>
           <a:prstGeom prst="rect">
             <a:avLst/>
@@ -8143,10 +8594,10 @@
       </p:pic>
       <p:pic>
         <p:nvPicPr>
-          <p:cNvPr id="17" name="Imagem 16">
+          <p:cNvPr id="13" name="Graphic 6" descr="Utilizador">
             <a:extLst>
               <a:ext uri="{FF2B5EF4-FFF2-40B4-BE49-F238E27FC236}">
-                <a16:creationId xmlns:a16="http://schemas.microsoft.com/office/drawing/2014/main" id="{559D7B44-47B8-8CED-5752-A1914EACEAB6}"/>
+                <a16:creationId xmlns:a16="http://schemas.microsoft.com/office/drawing/2014/main" id="{4ED660B9-AC8D-6BCD-7146-1640B330396F}"/>
               </a:ext>
             </a:extLst>
           </p:cNvPr>
@@ -8155,15 +8606,415 @@
           </p:cNvPicPr>
           <p:nvPr/>
         </p:nvPicPr>
-        <p:blipFill rotWithShape="1">
-          <a:blip r:embed="rId4"/>
-          <a:srcRect b="5190"/>
-          <a:stretch/>
+        <p:blipFill>
+          <a:blip r:embed="rId5">
+            <a:extLst>
+              <a:ext uri="{28A0092B-C50C-407E-A947-70E740481C1C}">
+                <a14:useLocalDpi xmlns:a14="http://schemas.microsoft.com/office/drawing/2010/main" val="0"/>
+              </a:ext>
+              <a:ext uri="{96DAC541-7B7A-43D3-8B79-37D633B846F1}">
+                <asvg:svgBlip xmlns:asvg="http://schemas.microsoft.com/office/drawing/2016/SVG/main" r:embed="rId6"/>
+              </a:ext>
+            </a:extLst>
+          </a:blip>
+          <a:stretch>
+            <a:fillRect/>
+          </a:stretch>
         </p:blipFill>
         <p:spPr>
           <a:xfrm>
-            <a:off x="6096000" y="834197"/>
-            <a:ext cx="5715495" cy="4335061"/>
+            <a:off x="8581130" y="-352022"/>
+            <a:ext cx="2761726" cy="2761726"/>
+          </a:xfrm>
+          <a:prstGeom prst="rect">
+            <a:avLst/>
+          </a:prstGeom>
+        </p:spPr>
+      </p:pic>
+      <p:pic>
+        <p:nvPicPr>
+          <p:cNvPr id="16" name="Graphic 6" descr="Utilizador">
+            <a:extLst>
+              <a:ext uri="{FF2B5EF4-FFF2-40B4-BE49-F238E27FC236}">
+                <a16:creationId xmlns:a16="http://schemas.microsoft.com/office/drawing/2014/main" id="{46D4C2EE-ADDE-B10F-3F8F-828B62FF9CF0}"/>
+              </a:ext>
+            </a:extLst>
+          </p:cNvPr>
+          <p:cNvPicPr>
+            <a:picLocks noChangeAspect="1"/>
+          </p:cNvPicPr>
+          <p:nvPr/>
+        </p:nvPicPr>
+        <p:blipFill>
+          <a:blip r:embed="rId5">
+            <a:extLst>
+              <a:ext uri="{28A0092B-C50C-407E-A947-70E740481C1C}">
+                <a14:useLocalDpi xmlns:a14="http://schemas.microsoft.com/office/drawing/2010/main" val="0"/>
+              </a:ext>
+              <a:ext uri="{96DAC541-7B7A-43D3-8B79-37D633B846F1}">
+                <asvg:svgBlip xmlns:asvg="http://schemas.microsoft.com/office/drawing/2016/SVG/main" r:embed="rId6"/>
+              </a:ext>
+            </a:extLst>
+          </a:blip>
+          <a:stretch>
+            <a:fillRect/>
+          </a:stretch>
+        </p:blipFill>
+        <p:spPr>
+          <a:xfrm>
+            <a:off x="2618129" y="-314859"/>
+            <a:ext cx="2761726" cy="2761726"/>
+          </a:xfrm>
+          <a:prstGeom prst="rect">
+            <a:avLst/>
+          </a:prstGeom>
+        </p:spPr>
+      </p:pic>
+      <p:pic>
+        <p:nvPicPr>
+          <p:cNvPr id="17" name="Graphic 6" descr="Utilizador">
+            <a:extLst>
+              <a:ext uri="{FF2B5EF4-FFF2-40B4-BE49-F238E27FC236}">
+                <a16:creationId xmlns:a16="http://schemas.microsoft.com/office/drawing/2014/main" id="{792ABBCF-29DD-B8EA-B673-AA78AE026E57}"/>
+              </a:ext>
+            </a:extLst>
+          </p:cNvPr>
+          <p:cNvPicPr>
+            <a:picLocks noChangeAspect="1"/>
+          </p:cNvPicPr>
+          <p:nvPr/>
+        </p:nvPicPr>
+        <p:blipFill>
+          <a:blip r:embed="rId5">
+            <a:extLst>
+              <a:ext uri="{28A0092B-C50C-407E-A947-70E740481C1C}">
+                <a14:useLocalDpi xmlns:a14="http://schemas.microsoft.com/office/drawing/2010/main" val="0"/>
+              </a:ext>
+              <a:ext uri="{96DAC541-7B7A-43D3-8B79-37D633B846F1}">
+                <asvg:svgBlip xmlns:asvg="http://schemas.microsoft.com/office/drawing/2016/SVG/main" r:embed="rId6"/>
+              </a:ext>
+            </a:extLst>
+          </a:blip>
+          <a:stretch>
+            <a:fillRect/>
+          </a:stretch>
+        </p:blipFill>
+        <p:spPr>
+          <a:xfrm>
+            <a:off x="443113" y="-314859"/>
+            <a:ext cx="2761726" cy="2761726"/>
+          </a:xfrm>
+          <a:prstGeom prst="rect">
+            <a:avLst/>
+          </a:prstGeom>
+        </p:spPr>
+      </p:pic>
+      <p:pic>
+        <p:nvPicPr>
+          <p:cNvPr id="18" name="Graphic 6" descr="Utilizador">
+            <a:extLst>
+              <a:ext uri="{FF2B5EF4-FFF2-40B4-BE49-F238E27FC236}">
+                <a16:creationId xmlns:a16="http://schemas.microsoft.com/office/drawing/2014/main" id="{E761709C-5D3B-4F02-BE9C-399AD2F0B054}"/>
+              </a:ext>
+            </a:extLst>
+          </p:cNvPr>
+          <p:cNvPicPr>
+            <a:picLocks noChangeAspect="1"/>
+          </p:cNvPicPr>
+          <p:nvPr/>
+        </p:nvPicPr>
+        <p:blipFill>
+          <a:blip r:embed="rId5">
+            <a:extLst>
+              <a:ext uri="{28A0092B-C50C-407E-A947-70E740481C1C}">
+                <a14:useLocalDpi xmlns:a14="http://schemas.microsoft.com/office/drawing/2010/main" val="0"/>
+              </a:ext>
+              <a:ext uri="{96DAC541-7B7A-43D3-8B79-37D633B846F1}">
+                <asvg:svgBlip xmlns:asvg="http://schemas.microsoft.com/office/drawing/2016/SVG/main" r:embed="rId6"/>
+              </a:ext>
+            </a:extLst>
+          </a:blip>
+          <a:stretch>
+            <a:fillRect/>
+          </a:stretch>
+        </p:blipFill>
+        <p:spPr>
+          <a:xfrm>
+            <a:off x="6124431" y="-314859"/>
+            <a:ext cx="2761726" cy="2761726"/>
+          </a:xfrm>
+          <a:prstGeom prst="rect">
+            <a:avLst/>
+          </a:prstGeom>
+        </p:spPr>
+      </p:pic>
+      <p:pic>
+        <p:nvPicPr>
+          <p:cNvPr id="19" name="Graphic 6" descr="Utilizador">
+            <a:extLst>
+              <a:ext uri="{FF2B5EF4-FFF2-40B4-BE49-F238E27FC236}">
+                <a16:creationId xmlns:a16="http://schemas.microsoft.com/office/drawing/2014/main" id="{ABFBAB53-E226-F56E-8019-63CDCED9028B}"/>
+              </a:ext>
+            </a:extLst>
+          </p:cNvPr>
+          <p:cNvPicPr>
+            <a:picLocks noChangeAspect="1"/>
+          </p:cNvPicPr>
+          <p:nvPr/>
+        </p:nvPicPr>
+        <p:blipFill>
+          <a:blip r:embed="rId5">
+            <a:extLst>
+              <a:ext uri="{28A0092B-C50C-407E-A947-70E740481C1C}">
+                <a14:useLocalDpi xmlns:a14="http://schemas.microsoft.com/office/drawing/2010/main" val="0"/>
+              </a:ext>
+              <a:ext uri="{96DAC541-7B7A-43D3-8B79-37D633B846F1}">
+                <asvg:svgBlip xmlns:asvg="http://schemas.microsoft.com/office/drawing/2016/SVG/main" r:embed="rId6"/>
+              </a:ext>
+            </a:extLst>
+          </a:blip>
+          <a:stretch>
+            <a:fillRect/>
+          </a:stretch>
+        </p:blipFill>
+        <p:spPr>
+          <a:xfrm>
+            <a:off x="3944871" y="-352022"/>
+            <a:ext cx="2761726" cy="2761726"/>
+          </a:xfrm>
+          <a:prstGeom prst="rect">
+            <a:avLst/>
+          </a:prstGeom>
+        </p:spPr>
+      </p:pic>
+      <p:pic>
+        <p:nvPicPr>
+          <p:cNvPr id="20" name="Graphic 6" descr="Utilizador">
+            <a:extLst>
+              <a:ext uri="{FF2B5EF4-FFF2-40B4-BE49-F238E27FC236}">
+                <a16:creationId xmlns:a16="http://schemas.microsoft.com/office/drawing/2014/main" id="{B093FB75-DFAD-B3BF-B6BA-CFE380EBF583}"/>
+              </a:ext>
+            </a:extLst>
+          </p:cNvPr>
+          <p:cNvPicPr>
+            <a:picLocks noChangeAspect="1"/>
+          </p:cNvPicPr>
+          <p:nvPr/>
+        </p:nvPicPr>
+        <p:blipFill>
+          <a:blip r:embed="rId3">
+            <a:extLst>
+              <a:ext uri="{28A0092B-C50C-407E-A947-70E740481C1C}">
+                <a14:useLocalDpi xmlns:a14="http://schemas.microsoft.com/office/drawing/2010/main" val="0"/>
+              </a:ext>
+              <a:ext uri="{96DAC541-7B7A-43D3-8B79-37D633B846F1}">
+                <asvg:svgBlip xmlns:asvg="http://schemas.microsoft.com/office/drawing/2016/SVG/main" r:embed="rId4"/>
+              </a:ext>
+            </a:extLst>
+          </a:blip>
+          <a:stretch>
+            <a:fillRect/>
+          </a:stretch>
+        </p:blipFill>
+        <p:spPr>
+          <a:xfrm>
+            <a:off x="7200267" y="387762"/>
+            <a:ext cx="2761726" cy="2761726"/>
+          </a:xfrm>
+          <a:prstGeom prst="rect">
+            <a:avLst/>
+          </a:prstGeom>
+        </p:spPr>
+      </p:pic>
+      <p:pic>
+        <p:nvPicPr>
+          <p:cNvPr id="21" name="Graphic 6" descr="Utilizador">
+            <a:extLst>
+              <a:ext uri="{FF2B5EF4-FFF2-40B4-BE49-F238E27FC236}">
+                <a16:creationId xmlns:a16="http://schemas.microsoft.com/office/drawing/2014/main" id="{0E6282BE-DA2E-45A9-D96D-3CB2F68BD715}"/>
+              </a:ext>
+            </a:extLst>
+          </p:cNvPr>
+          <p:cNvPicPr>
+            <a:picLocks noChangeAspect="1"/>
+          </p:cNvPicPr>
+          <p:nvPr/>
+        </p:nvPicPr>
+        <p:blipFill>
+          <a:blip r:embed="rId3">
+            <a:extLst>
+              <a:ext uri="{28A0092B-C50C-407E-A947-70E740481C1C}">
+                <a14:useLocalDpi xmlns:a14="http://schemas.microsoft.com/office/drawing/2010/main" val="0"/>
+              </a:ext>
+              <a:ext uri="{96DAC541-7B7A-43D3-8B79-37D633B846F1}">
+                <asvg:svgBlip xmlns:asvg="http://schemas.microsoft.com/office/drawing/2016/SVG/main" r:embed="rId4"/>
+              </a:ext>
+            </a:extLst>
+          </a:blip>
+          <a:stretch>
+            <a:fillRect/>
+          </a:stretch>
+        </p:blipFill>
+        <p:spPr>
+          <a:xfrm>
+            <a:off x="9746519" y="387762"/>
+            <a:ext cx="2761726" cy="2761726"/>
+          </a:xfrm>
+          <a:prstGeom prst="rect">
+            <a:avLst/>
+          </a:prstGeom>
+        </p:spPr>
+      </p:pic>
+      <p:pic>
+        <p:nvPicPr>
+          <p:cNvPr id="22" name="Graphic 6" descr="Utilizador">
+            <a:extLst>
+              <a:ext uri="{FF2B5EF4-FFF2-40B4-BE49-F238E27FC236}">
+                <a16:creationId xmlns:a16="http://schemas.microsoft.com/office/drawing/2014/main" id="{1DE3DE41-5ED8-9322-3D4D-7E0D6F4ACB4D}"/>
+              </a:ext>
+            </a:extLst>
+          </p:cNvPr>
+          <p:cNvPicPr>
+            <a:picLocks noChangeAspect="1"/>
+          </p:cNvPicPr>
+          <p:nvPr/>
+        </p:nvPicPr>
+        <p:blipFill>
+          <a:blip r:embed="rId3">
+            <a:extLst>
+              <a:ext uri="{28A0092B-C50C-407E-A947-70E740481C1C}">
+                <a14:useLocalDpi xmlns:a14="http://schemas.microsoft.com/office/drawing/2010/main" val="0"/>
+              </a:ext>
+              <a:ext uri="{96DAC541-7B7A-43D3-8B79-37D633B846F1}">
+                <asvg:svgBlip xmlns:asvg="http://schemas.microsoft.com/office/drawing/2016/SVG/main" r:embed="rId4"/>
+              </a:ext>
+            </a:extLst>
+          </a:blip>
+          <a:stretch>
+            <a:fillRect/>
+          </a:stretch>
+        </p:blipFill>
+        <p:spPr>
+          <a:xfrm>
+            <a:off x="-442750" y="76128"/>
+            <a:ext cx="2761726" cy="2761726"/>
+          </a:xfrm>
+          <a:prstGeom prst="rect">
+            <a:avLst/>
+          </a:prstGeom>
+        </p:spPr>
+      </p:pic>
+      <p:pic>
+        <p:nvPicPr>
+          <p:cNvPr id="23" name="Graphic 6" descr="Utilizador">
+            <a:extLst>
+              <a:ext uri="{FF2B5EF4-FFF2-40B4-BE49-F238E27FC236}">
+                <a16:creationId xmlns:a16="http://schemas.microsoft.com/office/drawing/2014/main" id="{C7D0FC4F-3753-BF23-FAD7-2C617866372E}"/>
+              </a:ext>
+            </a:extLst>
+          </p:cNvPr>
+          <p:cNvPicPr>
+            <a:picLocks noChangeAspect="1"/>
+          </p:cNvPicPr>
+          <p:nvPr/>
+        </p:nvPicPr>
+        <p:blipFill>
+          <a:blip r:embed="rId5">
+            <a:extLst>
+              <a:ext uri="{28A0092B-C50C-407E-A947-70E740481C1C}">
+                <a14:useLocalDpi xmlns:a14="http://schemas.microsoft.com/office/drawing/2010/main" val="0"/>
+              </a:ext>
+              <a:ext uri="{96DAC541-7B7A-43D3-8B79-37D633B846F1}">
+                <asvg:svgBlip xmlns:asvg="http://schemas.microsoft.com/office/drawing/2016/SVG/main" r:embed="rId6"/>
+              </a:ext>
+            </a:extLst>
+          </a:blip>
+          <a:stretch>
+            <a:fillRect/>
+          </a:stretch>
+        </p:blipFill>
+        <p:spPr>
+          <a:xfrm>
+            <a:off x="2603778" y="-314859"/>
+            <a:ext cx="2761726" cy="2761726"/>
+          </a:xfrm>
+          <a:prstGeom prst="rect">
+            <a:avLst/>
+          </a:prstGeom>
+        </p:spPr>
+      </p:pic>
+      <p:pic>
+        <p:nvPicPr>
+          <p:cNvPr id="24" name="Graphic 6" descr="Utilizador">
+            <a:extLst>
+              <a:ext uri="{FF2B5EF4-FFF2-40B4-BE49-F238E27FC236}">
+                <a16:creationId xmlns:a16="http://schemas.microsoft.com/office/drawing/2014/main" id="{32943192-4CD8-3ECC-F84E-894477BC3BF6}"/>
+              </a:ext>
+            </a:extLst>
+          </p:cNvPr>
+          <p:cNvPicPr>
+            <a:picLocks noChangeAspect="1"/>
+          </p:cNvPicPr>
+          <p:nvPr/>
+        </p:nvPicPr>
+        <p:blipFill>
+          <a:blip r:embed="rId5">
+            <a:extLst>
+              <a:ext uri="{28A0092B-C50C-407E-A947-70E740481C1C}">
+                <a14:useLocalDpi xmlns:a14="http://schemas.microsoft.com/office/drawing/2010/main" val="0"/>
+              </a:ext>
+              <a:ext uri="{96DAC541-7B7A-43D3-8B79-37D633B846F1}">
+                <asvg:svgBlip xmlns:asvg="http://schemas.microsoft.com/office/drawing/2016/SVG/main" r:embed="rId6"/>
+              </a:ext>
+            </a:extLst>
+          </a:blip>
+          <a:stretch>
+            <a:fillRect/>
+          </a:stretch>
+        </p:blipFill>
+        <p:spPr>
+          <a:xfrm>
+            <a:off x="428762" y="-314859"/>
+            <a:ext cx="2761726" cy="2761726"/>
+          </a:xfrm>
+          <a:prstGeom prst="rect">
+            <a:avLst/>
+          </a:prstGeom>
+        </p:spPr>
+      </p:pic>
+      <p:pic>
+        <p:nvPicPr>
+          <p:cNvPr id="25" name="Graphic 6" descr="Utilizador">
+            <a:extLst>
+              <a:ext uri="{FF2B5EF4-FFF2-40B4-BE49-F238E27FC236}">
+                <a16:creationId xmlns:a16="http://schemas.microsoft.com/office/drawing/2014/main" id="{3E96CAE8-CD87-5C36-C077-D38E402D8252}"/>
+              </a:ext>
+            </a:extLst>
+          </p:cNvPr>
+          <p:cNvPicPr>
+            <a:picLocks noChangeAspect="1"/>
+          </p:cNvPicPr>
+          <p:nvPr/>
+        </p:nvPicPr>
+        <p:blipFill>
+          <a:blip r:embed="rId3">
+            <a:extLst>
+              <a:ext uri="{28A0092B-C50C-407E-A947-70E740481C1C}">
+                <a14:useLocalDpi xmlns:a14="http://schemas.microsoft.com/office/drawing/2010/main" val="0"/>
+              </a:ext>
+              <a:ext uri="{96DAC541-7B7A-43D3-8B79-37D633B846F1}">
+                <asvg:svgBlip xmlns:asvg="http://schemas.microsoft.com/office/drawing/2016/SVG/main" r:embed="rId4"/>
+              </a:ext>
+            </a:extLst>
+          </a:blip>
+          <a:stretch>
+            <a:fillRect/>
+          </a:stretch>
+        </p:blipFill>
+        <p:spPr>
+          <a:xfrm>
+            <a:off x="-457101" y="76128"/>
+            <a:ext cx="2761726" cy="2761726"/>
           </a:xfrm>
           <a:prstGeom prst="rect">
             <a:avLst/>
@@ -8173,7 +9024,7 @@
     </p:spTree>
     <p:extLst>
       <p:ext uri="{BB962C8B-B14F-4D97-AF65-F5344CB8AC3E}">
-        <p14:creationId xmlns:p14="http://schemas.microsoft.com/office/powerpoint/2010/main" val="1974696103"/>
+        <p14:creationId xmlns:p14="http://schemas.microsoft.com/office/powerpoint/2010/main" val="2631448571"/>
       </p:ext>
     </p:extLst>
   </p:cSld>

--- a/Report_REALIZA_Entrepreneurs profile from Mobilization.pptx
+++ b/Report_REALIZA_Entrepreneurs profile from Mobilization.pptx
@@ -5,7 +5,7 @@
     <p:sldMasterId id="2147483755" r:id="rId1"/>
   </p:sldMasterIdLst>
   <p:notesMasterIdLst>
-    <p:notesMasterId r:id="rId16"/>
+    <p:notesMasterId r:id="rId19"/>
   </p:notesMasterIdLst>
   <p:sldIdLst>
     <p:sldId id="427" r:id="rId2"/>
@@ -20,13 +20,16 @@
     <p:sldId id="435" r:id="rId11"/>
     <p:sldId id="437" r:id="rId12"/>
     <p:sldId id="438" r:id="rId13"/>
-    <p:sldId id="429" r:id="rId14"/>
-    <p:sldId id="436" r:id="rId15"/>
+    <p:sldId id="441" r:id="rId14"/>
+    <p:sldId id="442" r:id="rId15"/>
+    <p:sldId id="443" r:id="rId16"/>
+    <p:sldId id="429" r:id="rId17"/>
+    <p:sldId id="436" r:id="rId18"/>
   </p:sldIdLst>
   <p:sldSz cx="12192000" cy="6858000"/>
   <p:notesSz cx="6858000" cy="9144000"/>
   <p:custDataLst>
-    <p:tags r:id="rId17"/>
+    <p:tags r:id="rId20"/>
   </p:custDataLst>
   <p:defaultTextStyle>
     <a:defPPr>
@@ -245,7 +248,7 @@
           <a:p>
             <a:fld id="{E449EAFB-6CA2-0549-91FE-559B677DC9B0}" type="datetimeFigureOut">
               <a:rPr lang="de-DE" smtClean="0"/>
-              <a:t>15.11.2022</a:t>
+              <a:t>16.11.2022</a:t>
             </a:fld>
             <a:endParaRPr lang="de-DE"/>
           </a:p>
@@ -748,7 +751,7 @@
           <a:p>
             <a:fld id="{543AD3FE-E04B-7243-B43B-D859803316D2}" type="slidenum">
               <a:rPr lang="de-DE" smtClean="0"/>
-              <a:t>13</a:t>
+              <a:t>16</a:t>
             </a:fld>
             <a:endParaRPr lang="de-DE"/>
           </a:p>
@@ -967,7 +970,7 @@
           <a:p>
             <a:fld id="{4AAD347D-5ACD-4C99-B74B-A9C85AD731AF}" type="datetimeFigureOut">
               <a:rPr lang="en-US" smtClean="0"/>
-              <a:t>11/15/2022</a:t>
+              <a:t>11/16/2022</a:t>
             </a:fld>
             <a:endParaRPr lang="en-US"/>
           </a:p>
@@ -1157,7 +1160,7 @@
           <a:p>
             <a:fld id="{4509A250-FF31-4206-8172-F9D3106AACB1}" type="datetimeFigureOut">
               <a:rPr lang="en-US" smtClean="0"/>
-              <a:t>11/15/2022</a:t>
+              <a:t>11/16/2022</a:t>
             </a:fld>
             <a:endParaRPr lang="en-US"/>
           </a:p>
@@ -1337,7 +1340,7 @@
           <a:p>
             <a:fld id="{4509A250-FF31-4206-8172-F9D3106AACB1}" type="datetimeFigureOut">
               <a:rPr lang="en-US" smtClean="0"/>
-              <a:t>11/15/2022</a:t>
+              <a:t>11/16/2022</a:t>
             </a:fld>
             <a:endParaRPr lang="en-US"/>
           </a:p>
@@ -1507,7 +1510,7 @@
           <a:p>
             <a:fld id="{4509A250-FF31-4206-8172-F9D3106AACB1}" type="datetimeFigureOut">
               <a:rPr lang="en-US" smtClean="0"/>
-              <a:t>11/15/2022</a:t>
+              <a:t>11/16/2022</a:t>
             </a:fld>
             <a:endParaRPr lang="en-US"/>
           </a:p>
@@ -1763,7 +1766,7 @@
           <a:p>
             <a:fld id="{9796027F-7875-4030-9381-8BD8C4F21935}" type="datetimeFigureOut">
               <a:rPr lang="en-US" smtClean="0"/>
-              <a:t>11/15/2022</a:t>
+              <a:t>11/16/2022</a:t>
             </a:fld>
             <a:endParaRPr lang="en-US"/>
           </a:p>
@@ -2051,7 +2054,7 @@
           <a:p>
             <a:fld id="{9796027F-7875-4030-9381-8BD8C4F21935}" type="datetimeFigureOut">
               <a:rPr lang="en-US" smtClean="0"/>
-              <a:t>11/15/2022</a:t>
+              <a:t>11/16/2022</a:t>
             </a:fld>
             <a:endParaRPr lang="en-US"/>
           </a:p>
@@ -2489,7 +2492,7 @@
           <a:p>
             <a:fld id="{9796027F-7875-4030-9381-8BD8C4F21935}" type="datetimeFigureOut">
               <a:rPr lang="en-US" smtClean="0"/>
-              <a:t>11/15/2022</a:t>
+              <a:t>11/16/2022</a:t>
             </a:fld>
             <a:endParaRPr lang="en-US"/>
           </a:p>
@@ -2607,7 +2610,7 @@
           <a:p>
             <a:fld id="{4509A250-FF31-4206-8172-F9D3106AACB1}" type="datetimeFigureOut">
               <a:rPr lang="en-US" smtClean="0"/>
-              <a:t>11/15/2022</a:t>
+              <a:t>11/16/2022</a:t>
             </a:fld>
             <a:endParaRPr lang="en-US"/>
           </a:p>
@@ -2702,7 +2705,7 @@
           <a:p>
             <a:fld id="{4509A250-FF31-4206-8172-F9D3106AACB1}" type="datetimeFigureOut">
               <a:rPr lang="en-US" smtClean="0"/>
-              <a:t>11/15/2022</a:t>
+              <a:t>11/16/2022</a:t>
             </a:fld>
             <a:endParaRPr lang="en-US"/>
           </a:p>
@@ -3058,7 +3061,7 @@
           <a:p>
             <a:fld id="{4509A250-FF31-4206-8172-F9D3106AACB1}" type="datetimeFigureOut">
               <a:rPr lang="en-US" smtClean="0"/>
-              <a:t>11/15/2022</a:t>
+              <a:t>11/16/2022</a:t>
             </a:fld>
             <a:endParaRPr lang="en-US"/>
           </a:p>
@@ -3373,7 +3376,7 @@
           <a:p>
             <a:fld id="{4509A250-FF31-4206-8172-F9D3106AACB1}" type="datetimeFigureOut">
               <a:rPr lang="en-US" smtClean="0"/>
-              <a:t>11/15/2022</a:t>
+              <a:t>11/16/2022</a:t>
             </a:fld>
             <a:endParaRPr lang="en-US"/>
           </a:p>
@@ -3606,7 +3609,7 @@
           <a:p>
             <a:fld id="{4AAD347D-5ACD-4C99-B74B-A9C85AD731AF}" type="datetimeFigureOut">
               <a:rPr lang="en-US" smtClean="0"/>
-              <a:t>11/15/2022</a:t>
+              <a:t>11/16/2022</a:t>
             </a:fld>
             <a:endParaRPr lang="en-US"/>
           </a:p>
@@ -4585,6 +4588,66 @@
           <a:chExt cx="0" cy="0"/>
         </a:xfrm>
       </p:grpSpPr>
+      <p:pic>
+        <p:nvPicPr>
+          <p:cNvPr id="5" name="Imagem 4">
+            <a:extLst>
+              <a:ext uri="{FF2B5EF4-FFF2-40B4-BE49-F238E27FC236}">
+                <a16:creationId xmlns:a16="http://schemas.microsoft.com/office/drawing/2014/main" id="{F05BC269-47B9-4C7E-F867-DB7621E823D7}"/>
+              </a:ext>
+            </a:extLst>
+          </p:cNvPr>
+          <p:cNvPicPr>
+            <a:picLocks noChangeAspect="1"/>
+          </p:cNvPicPr>
+          <p:nvPr/>
+        </p:nvPicPr>
+        <p:blipFill>
+          <a:blip r:embed="rId2"/>
+          <a:stretch>
+            <a:fillRect/>
+          </a:stretch>
+        </p:blipFill>
+        <p:spPr>
+          <a:xfrm>
+            <a:off x="121728" y="2285604"/>
+            <a:ext cx="7235346" cy="4481529"/>
+          </a:xfrm>
+          <a:prstGeom prst="rect">
+            <a:avLst/>
+          </a:prstGeom>
+        </p:spPr>
+      </p:pic>
+      <p:pic>
+        <p:nvPicPr>
+          <p:cNvPr id="9" name="Imagem 8">
+            <a:extLst>
+              <a:ext uri="{FF2B5EF4-FFF2-40B4-BE49-F238E27FC236}">
+                <a16:creationId xmlns:a16="http://schemas.microsoft.com/office/drawing/2014/main" id="{AC7E57CA-9906-332C-96DF-965080F273AA}"/>
+              </a:ext>
+            </a:extLst>
+          </p:cNvPr>
+          <p:cNvPicPr>
+            <a:picLocks noChangeAspect="1"/>
+          </p:cNvPicPr>
+          <p:nvPr/>
+        </p:nvPicPr>
+        <p:blipFill>
+          <a:blip r:embed="rId3"/>
+          <a:stretch>
+            <a:fillRect/>
+          </a:stretch>
+        </p:blipFill>
+        <p:spPr>
+          <a:xfrm>
+            <a:off x="6675789" y="2285604"/>
+            <a:ext cx="5143946" cy="4572396"/>
+          </a:xfrm>
+          <a:prstGeom prst="rect">
+            <a:avLst/>
+          </a:prstGeom>
+        </p:spPr>
+      </p:pic>
     </p:spTree>
     <p:extLst>
       <p:ext uri="{BB962C8B-B14F-4D97-AF65-F5344CB8AC3E}">
@@ -4599,6 +4662,486 @@
 </file>
 
 <file path=ppt/slides/slide13.xml><?xml version="1.0" encoding="utf-8"?>
+<p:sld xmlns:a="http://schemas.openxmlformats.org/drawingml/2006/main" xmlns:r="http://schemas.openxmlformats.org/officeDocument/2006/relationships" xmlns:p="http://schemas.openxmlformats.org/presentationml/2006/main">
+  <p:cSld>
+    <p:spTree>
+      <p:nvGrpSpPr>
+        <p:cNvPr id="1" name=""/>
+        <p:cNvGrpSpPr/>
+        <p:nvPr/>
+      </p:nvGrpSpPr>
+      <p:grpSpPr>
+        <a:xfrm>
+          <a:off x="0" y="0"/>
+          <a:ext cx="0" cy="0"/>
+          <a:chOff x="0" y="0"/>
+          <a:chExt cx="0" cy="0"/>
+        </a:xfrm>
+      </p:grpSpPr>
+      <p:pic>
+        <p:nvPicPr>
+          <p:cNvPr id="4" name="Imagem 3">
+            <a:extLst>
+              <a:ext uri="{FF2B5EF4-FFF2-40B4-BE49-F238E27FC236}">
+                <a16:creationId xmlns:a16="http://schemas.microsoft.com/office/drawing/2014/main" id="{9337A001-F6FA-C85A-D3BF-4F2C3BF0564E}"/>
+              </a:ext>
+            </a:extLst>
+          </p:cNvPr>
+          <p:cNvPicPr>
+            <a:picLocks noChangeAspect="1"/>
+          </p:cNvPicPr>
+          <p:nvPr/>
+        </p:nvPicPr>
+        <p:blipFill rotWithShape="1">
+          <a:blip r:embed="rId2"/>
+          <a:srcRect r="35613"/>
+          <a:stretch/>
+        </p:blipFill>
+        <p:spPr>
+          <a:xfrm>
+            <a:off x="0" y="2285605"/>
+            <a:ext cx="6073801" cy="4402168"/>
+          </a:xfrm>
+          <a:prstGeom prst="rect">
+            <a:avLst/>
+          </a:prstGeom>
+        </p:spPr>
+      </p:pic>
+      <p:pic>
+        <p:nvPicPr>
+          <p:cNvPr id="6" name="Imagem 5">
+            <a:extLst>
+              <a:ext uri="{FF2B5EF4-FFF2-40B4-BE49-F238E27FC236}">
+                <a16:creationId xmlns:a16="http://schemas.microsoft.com/office/drawing/2014/main" id="{A83F3001-8415-F57B-14CB-9F8751B7EFBD}"/>
+              </a:ext>
+            </a:extLst>
+          </p:cNvPr>
+          <p:cNvPicPr>
+            <a:picLocks noChangeAspect="1"/>
+          </p:cNvPicPr>
+          <p:nvPr/>
+        </p:nvPicPr>
+        <p:blipFill rotWithShape="1">
+          <a:blip r:embed="rId2"/>
+          <a:srcRect l="65082" t="31166" b="40386"/>
+          <a:stretch/>
+        </p:blipFill>
+        <p:spPr>
+          <a:xfrm>
+            <a:off x="0" y="1147468"/>
+            <a:ext cx="2993600" cy="1138136"/>
+          </a:xfrm>
+          <a:prstGeom prst="rect">
+            <a:avLst/>
+          </a:prstGeom>
+        </p:spPr>
+      </p:pic>
+      <p:pic>
+        <p:nvPicPr>
+          <p:cNvPr id="8" name="Imagem 7">
+            <a:extLst>
+              <a:ext uri="{FF2B5EF4-FFF2-40B4-BE49-F238E27FC236}">
+                <a16:creationId xmlns:a16="http://schemas.microsoft.com/office/drawing/2014/main" id="{0333FD41-13F6-BE67-AE34-BB49BE00024A}"/>
+              </a:ext>
+            </a:extLst>
+          </p:cNvPr>
+          <p:cNvPicPr>
+            <a:picLocks noChangeAspect="1"/>
+          </p:cNvPicPr>
+          <p:nvPr/>
+        </p:nvPicPr>
+        <p:blipFill>
+          <a:blip r:embed="rId3"/>
+          <a:stretch>
+            <a:fillRect/>
+          </a:stretch>
+        </p:blipFill>
+        <p:spPr>
+          <a:xfrm>
+            <a:off x="6118201" y="2285604"/>
+            <a:ext cx="4572396" cy="4572396"/>
+          </a:xfrm>
+          <a:prstGeom prst="rect">
+            <a:avLst/>
+          </a:prstGeom>
+        </p:spPr>
+      </p:pic>
+    </p:spTree>
+    <p:extLst>
+      <p:ext uri="{BB962C8B-B14F-4D97-AF65-F5344CB8AC3E}">
+        <p14:creationId xmlns:p14="http://schemas.microsoft.com/office/powerpoint/2010/main" val="1253684175"/>
+      </p:ext>
+    </p:extLst>
+  </p:cSld>
+  <p:clrMapOvr>
+    <a:masterClrMapping/>
+  </p:clrMapOvr>
+</p:sld>
+</file>
+
+<file path=ppt/slides/slide14.xml><?xml version="1.0" encoding="utf-8"?>
+<p:sld xmlns:a="http://schemas.openxmlformats.org/drawingml/2006/main" xmlns:r="http://schemas.openxmlformats.org/officeDocument/2006/relationships" xmlns:p="http://schemas.openxmlformats.org/presentationml/2006/main">
+  <p:cSld>
+    <p:spTree>
+      <p:nvGrpSpPr>
+        <p:cNvPr id="1" name=""/>
+        <p:cNvGrpSpPr/>
+        <p:nvPr/>
+      </p:nvGrpSpPr>
+      <p:grpSpPr>
+        <a:xfrm>
+          <a:off x="0" y="0"/>
+          <a:ext cx="0" cy="0"/>
+          <a:chOff x="0" y="0"/>
+          <a:chExt cx="0" cy="0"/>
+        </a:xfrm>
+      </p:grpSpPr>
+      <p:sp>
+        <p:nvSpPr>
+          <p:cNvPr id="16" name="CaixaDeTexto 15">
+            <a:extLst>
+              <a:ext uri="{FF2B5EF4-FFF2-40B4-BE49-F238E27FC236}">
+                <a16:creationId xmlns:a16="http://schemas.microsoft.com/office/drawing/2014/main" id="{1812DAC1-585F-B907-A68D-4AC35C510C64}"/>
+              </a:ext>
+            </a:extLst>
+          </p:cNvPr>
+          <p:cNvSpPr txBox="1"/>
+          <p:nvPr/>
+        </p:nvSpPr>
+        <p:spPr>
+          <a:xfrm>
+            <a:off x="162559" y="386080"/>
+            <a:ext cx="11572240" cy="646331"/>
+          </a:xfrm>
+          <a:prstGeom prst="rect">
+            <a:avLst/>
+          </a:prstGeom>
+          <a:noFill/>
+        </p:spPr>
+        <p:txBody>
+          <a:bodyPr wrap="square" rtlCol="0">
+            <a:spAutoFit/>
+          </a:bodyPr>
+          <a:lstStyle/>
+          <a:p>
+            <a:r>
+              <a:rPr lang="pt-PT" dirty="0"/>
+              <a:t>Mais de 63% das seleccionadas tem idade compreendida entre 25 a 45 anos. A Idade não é um factor que influencia a formalização das empreendedoras. </a:t>
+            </a:r>
+          </a:p>
+        </p:txBody>
+      </p:sp>
+      <p:pic>
+        <p:nvPicPr>
+          <p:cNvPr id="18" name="Imagem 17">
+            <a:extLst>
+              <a:ext uri="{FF2B5EF4-FFF2-40B4-BE49-F238E27FC236}">
+                <a16:creationId xmlns:a16="http://schemas.microsoft.com/office/drawing/2014/main" id="{1E58F0FA-627B-E3BD-29A5-3728C2179F98}"/>
+              </a:ext>
+            </a:extLst>
+          </p:cNvPr>
+          <p:cNvPicPr>
+            <a:picLocks noChangeAspect="1"/>
+          </p:cNvPicPr>
+          <p:nvPr/>
+        </p:nvPicPr>
+        <p:blipFill rotWithShape="1">
+          <a:blip r:embed="rId2"/>
+          <a:srcRect r="15930"/>
+          <a:stretch/>
+        </p:blipFill>
+        <p:spPr>
+          <a:xfrm>
+            <a:off x="5712770" y="2446776"/>
+            <a:ext cx="6479230" cy="4238414"/>
+          </a:xfrm>
+          <a:prstGeom prst="rect">
+            <a:avLst/>
+          </a:prstGeom>
+        </p:spPr>
+      </p:pic>
+      <p:pic>
+        <p:nvPicPr>
+          <p:cNvPr id="22" name="Imagem 21">
+            <a:extLst>
+              <a:ext uri="{FF2B5EF4-FFF2-40B4-BE49-F238E27FC236}">
+                <a16:creationId xmlns:a16="http://schemas.microsoft.com/office/drawing/2014/main" id="{17E018F1-5DB6-41C5-ECB3-B3B9D91CC72F}"/>
+              </a:ext>
+            </a:extLst>
+          </p:cNvPr>
+          <p:cNvPicPr>
+            <a:picLocks noChangeAspect="1"/>
+          </p:cNvPicPr>
+          <p:nvPr/>
+        </p:nvPicPr>
+        <p:blipFill rotWithShape="1">
+          <a:blip r:embed="rId3"/>
+          <a:srcRect l="14448" r="17350"/>
+          <a:stretch/>
+        </p:blipFill>
+        <p:spPr>
+          <a:xfrm>
+            <a:off x="93205" y="2446775"/>
+            <a:ext cx="5526360" cy="4238414"/>
+          </a:xfrm>
+          <a:prstGeom prst="rect">
+            <a:avLst/>
+          </a:prstGeom>
+        </p:spPr>
+      </p:pic>
+      <p:pic>
+        <p:nvPicPr>
+          <p:cNvPr id="23" name="Imagem 22">
+            <a:extLst>
+              <a:ext uri="{FF2B5EF4-FFF2-40B4-BE49-F238E27FC236}">
+                <a16:creationId xmlns:a16="http://schemas.microsoft.com/office/drawing/2014/main" id="{74CDAA24-7230-FD40-408A-22A5A7F20E2B}"/>
+              </a:ext>
+            </a:extLst>
+          </p:cNvPr>
+          <p:cNvPicPr>
+            <a:picLocks noChangeAspect="1"/>
+          </p:cNvPicPr>
+          <p:nvPr/>
+        </p:nvPicPr>
+        <p:blipFill rotWithShape="1">
+          <a:blip r:embed="rId3"/>
+          <a:srcRect l="82202" t="27949" b="39875"/>
+          <a:stretch/>
+        </p:blipFill>
+        <p:spPr>
+          <a:xfrm>
+            <a:off x="10915203" y="2446775"/>
+            <a:ext cx="1276797" cy="1207364"/>
+          </a:xfrm>
+          <a:prstGeom prst="rect">
+            <a:avLst/>
+          </a:prstGeom>
+        </p:spPr>
+      </p:pic>
+      <p:pic>
+        <p:nvPicPr>
+          <p:cNvPr id="24" name="Imagem 23">
+            <a:extLst>
+              <a:ext uri="{FF2B5EF4-FFF2-40B4-BE49-F238E27FC236}">
+                <a16:creationId xmlns:a16="http://schemas.microsoft.com/office/drawing/2014/main" id="{F3BC94D2-71C6-BB53-2810-6BB2167163A1}"/>
+              </a:ext>
+            </a:extLst>
+          </p:cNvPr>
+          <p:cNvPicPr>
+            <a:picLocks noChangeAspect="1"/>
+          </p:cNvPicPr>
+          <p:nvPr/>
+        </p:nvPicPr>
+        <p:blipFill rotWithShape="1">
+          <a:blip r:embed="rId3"/>
+          <a:srcRect l="82202" t="29367" b="40822"/>
+          <a:stretch/>
+        </p:blipFill>
+        <p:spPr>
+          <a:xfrm>
+            <a:off x="4435973" y="2491163"/>
+            <a:ext cx="1276797" cy="1118587"/>
+          </a:xfrm>
+          <a:prstGeom prst="rect">
+            <a:avLst/>
+          </a:prstGeom>
+        </p:spPr>
+      </p:pic>
+    </p:spTree>
+    <p:extLst>
+      <p:ext uri="{BB962C8B-B14F-4D97-AF65-F5344CB8AC3E}">
+        <p14:creationId xmlns:p14="http://schemas.microsoft.com/office/powerpoint/2010/main" val="1345465944"/>
+      </p:ext>
+    </p:extLst>
+  </p:cSld>
+  <p:clrMapOvr>
+    <a:masterClrMapping/>
+  </p:clrMapOvr>
+</p:sld>
+</file>
+
+<file path=ppt/slides/slide15.xml><?xml version="1.0" encoding="utf-8"?>
+<p:sld xmlns:a="http://schemas.openxmlformats.org/drawingml/2006/main" xmlns:r="http://schemas.openxmlformats.org/officeDocument/2006/relationships" xmlns:p="http://schemas.openxmlformats.org/presentationml/2006/main">
+  <p:cSld>
+    <p:spTree>
+      <p:nvGrpSpPr>
+        <p:cNvPr id="1" name=""/>
+        <p:cNvGrpSpPr/>
+        <p:nvPr/>
+      </p:nvGrpSpPr>
+      <p:grpSpPr>
+        <a:xfrm>
+          <a:off x="0" y="0"/>
+          <a:ext cx="0" cy="0"/>
+          <a:chOff x="0" y="0"/>
+          <a:chExt cx="0" cy="0"/>
+        </a:xfrm>
+      </p:grpSpPr>
+      <p:pic>
+        <p:nvPicPr>
+          <p:cNvPr id="3" name="Imagem 2">
+            <a:extLst>
+              <a:ext uri="{FF2B5EF4-FFF2-40B4-BE49-F238E27FC236}">
+                <a16:creationId xmlns:a16="http://schemas.microsoft.com/office/drawing/2014/main" id="{1CA77942-2156-385F-2D62-1229D29145F7}"/>
+              </a:ext>
+            </a:extLst>
+          </p:cNvPr>
+          <p:cNvPicPr>
+            <a:picLocks noChangeAspect="1"/>
+          </p:cNvPicPr>
+          <p:nvPr/>
+        </p:nvPicPr>
+        <p:blipFill rotWithShape="1">
+          <a:blip r:embed="rId2"/>
+          <a:srcRect l="-889" t="-784" r="24705" b="784"/>
+          <a:stretch/>
+        </p:blipFill>
+        <p:spPr>
+          <a:xfrm>
+            <a:off x="0" y="2886924"/>
+            <a:ext cx="6096000" cy="3886537"/>
+          </a:xfrm>
+          <a:prstGeom prst="rect">
+            <a:avLst/>
+          </a:prstGeom>
+        </p:spPr>
+      </p:pic>
+      <p:pic>
+        <p:nvPicPr>
+          <p:cNvPr id="6" name="Imagem 5">
+            <a:extLst>
+              <a:ext uri="{FF2B5EF4-FFF2-40B4-BE49-F238E27FC236}">
+                <a16:creationId xmlns:a16="http://schemas.microsoft.com/office/drawing/2014/main" id="{DE1FBB52-17BD-A934-90F8-BD2F841B299C}"/>
+              </a:ext>
+            </a:extLst>
+          </p:cNvPr>
+          <p:cNvPicPr>
+            <a:picLocks noChangeAspect="1"/>
+          </p:cNvPicPr>
+          <p:nvPr/>
+        </p:nvPicPr>
+        <p:blipFill rotWithShape="1">
+          <a:blip r:embed="rId2"/>
+          <a:srcRect l="76565" t="22921" b="34468"/>
+          <a:stretch/>
+        </p:blipFill>
+        <p:spPr>
+          <a:xfrm>
+            <a:off x="294640" y="1139404"/>
+            <a:ext cx="1875213" cy="1656080"/>
+          </a:xfrm>
+          <a:prstGeom prst="rect">
+            <a:avLst/>
+          </a:prstGeom>
+        </p:spPr>
+      </p:pic>
+      <p:sp>
+        <p:nvSpPr>
+          <p:cNvPr id="7" name="CaixaDeTexto 6">
+            <a:extLst>
+              <a:ext uri="{FF2B5EF4-FFF2-40B4-BE49-F238E27FC236}">
+                <a16:creationId xmlns:a16="http://schemas.microsoft.com/office/drawing/2014/main" id="{32C8F294-A38B-99B6-D57D-7B5C2FAC2207}"/>
+              </a:ext>
+            </a:extLst>
+          </p:cNvPr>
+          <p:cNvSpPr txBox="1"/>
+          <p:nvPr/>
+        </p:nvSpPr>
+        <p:spPr>
+          <a:xfrm>
+            <a:off x="0" y="284480"/>
+            <a:ext cx="11897360" cy="646331"/>
+          </a:xfrm>
+          <a:prstGeom prst="rect">
+            <a:avLst/>
+          </a:prstGeom>
+          <a:noFill/>
+        </p:spPr>
+        <p:txBody>
+          <a:bodyPr wrap="square" rtlCol="0">
+            <a:spAutoFit/>
+          </a:bodyPr>
+          <a:lstStyle/>
+          <a:p>
+            <a:r>
+              <a:rPr lang="pt-PT" dirty="0"/>
+              <a:t>O Sector Alimentício é mais predominante nas empreendedoras seleccionadas, porém o sector de negócio não influencia no rendimento das empreendedoras.</a:t>
+            </a:r>
+          </a:p>
+        </p:txBody>
+      </p:sp>
+      <p:pic>
+        <p:nvPicPr>
+          <p:cNvPr id="11" name="Imagem 10">
+            <a:extLst>
+              <a:ext uri="{FF2B5EF4-FFF2-40B4-BE49-F238E27FC236}">
+                <a16:creationId xmlns:a16="http://schemas.microsoft.com/office/drawing/2014/main" id="{F3EC08A8-0FD9-88B4-DC7F-B2727A39807F}"/>
+              </a:ext>
+            </a:extLst>
+          </p:cNvPr>
+          <p:cNvPicPr>
+            <a:picLocks noChangeAspect="1"/>
+          </p:cNvPicPr>
+          <p:nvPr/>
+        </p:nvPicPr>
+        <p:blipFill rotWithShape="1">
+          <a:blip r:embed="rId3"/>
+          <a:srcRect r="33339"/>
+          <a:stretch/>
+        </p:blipFill>
+        <p:spPr>
+          <a:xfrm>
+            <a:off x="6096000" y="2947288"/>
+            <a:ext cx="6096000" cy="3886537"/>
+          </a:xfrm>
+          <a:prstGeom prst="rect">
+            <a:avLst/>
+          </a:prstGeom>
+        </p:spPr>
+      </p:pic>
+      <p:pic>
+        <p:nvPicPr>
+          <p:cNvPr id="13" name="Imagem 12">
+            <a:extLst>
+              <a:ext uri="{FF2B5EF4-FFF2-40B4-BE49-F238E27FC236}">
+                <a16:creationId xmlns:a16="http://schemas.microsoft.com/office/drawing/2014/main" id="{F9AF0303-0A2E-2EA7-3043-A16411B11EBA}"/>
+              </a:ext>
+            </a:extLst>
+          </p:cNvPr>
+          <p:cNvPicPr>
+            <a:picLocks noChangeAspect="1"/>
+          </p:cNvPicPr>
+          <p:nvPr/>
+        </p:nvPicPr>
+        <p:blipFill rotWithShape="1">
+          <a:blip r:embed="rId4"/>
+          <a:srcRect l="57025" t="28956" b="38890"/>
+          <a:stretch/>
+        </p:blipFill>
+        <p:spPr>
+          <a:xfrm>
+            <a:off x="6222706" y="1342604"/>
+            <a:ext cx="2921294" cy="1249680"/>
+          </a:xfrm>
+          <a:prstGeom prst="rect">
+            <a:avLst/>
+          </a:prstGeom>
+        </p:spPr>
+      </p:pic>
+    </p:spTree>
+    <p:extLst>
+      <p:ext uri="{BB962C8B-B14F-4D97-AF65-F5344CB8AC3E}">
+        <p14:creationId xmlns:p14="http://schemas.microsoft.com/office/powerpoint/2010/main" val="1602447415"/>
+      </p:ext>
+    </p:extLst>
+  </p:cSld>
+  <p:clrMapOvr>
+    <a:masterClrMapping/>
+  </p:clrMapOvr>
+</p:sld>
+</file>
+
+<file path=ppt/slides/slide16.xml><?xml version="1.0" encoding="utf-8"?>
 <p:sld xmlns:a="http://schemas.openxmlformats.org/drawingml/2006/main" xmlns:r="http://schemas.openxmlformats.org/officeDocument/2006/relationships" xmlns:p="http://schemas.openxmlformats.org/presentationml/2006/main">
   <p:cSld>
     <p:spTree>
@@ -5426,7 +5969,7 @@
 </p:sld>
 </file>
 
-<file path=ppt/slides/slide14.xml><?xml version="1.0" encoding="utf-8"?>
+<file path=ppt/slides/slide17.xml><?xml version="1.0" encoding="utf-8"?>
 <p:sld xmlns:a="http://schemas.openxmlformats.org/drawingml/2006/main" xmlns:r="http://schemas.openxmlformats.org/officeDocument/2006/relationships" xmlns:p="http://schemas.openxmlformats.org/presentationml/2006/main">
   <p:cSld>
     <p:spTree>
